--- a/G2/软件工程系列课程教学辅助网站/非受控文档/楼静靓/PRD2017-G2-UML工具Rose课堂PPT.pptx
+++ b/G2/软件工程系列课程教学辅助网站/非受控文档/楼静靓/PRD2017-G2-UML工具Rose课堂PPT.pptx
@@ -9,19 +9,22 @@
     <p:sldId id="258" r:id="rId4"/>
     <p:sldId id="259" r:id="rId5"/>
     <p:sldId id="265" r:id="rId6"/>
-    <p:sldId id="260" r:id="rId7"/>
-    <p:sldId id="266" r:id="rId8"/>
-    <p:sldId id="328" r:id="rId9"/>
-    <p:sldId id="329" r:id="rId10"/>
-    <p:sldId id="261" r:id="rId11"/>
-    <p:sldId id="331" r:id="rId12"/>
-    <p:sldId id="332" r:id="rId13"/>
-    <p:sldId id="333" r:id="rId14"/>
-    <p:sldId id="334" r:id="rId15"/>
-    <p:sldId id="335" r:id="rId16"/>
-    <p:sldId id="264" r:id="rId17"/>
-    <p:sldId id="270" r:id="rId18"/>
-    <p:sldId id="280" r:id="rId19"/>
+    <p:sldId id="339" r:id="rId7"/>
+    <p:sldId id="260" r:id="rId8"/>
+    <p:sldId id="266" r:id="rId9"/>
+    <p:sldId id="328" r:id="rId10"/>
+    <p:sldId id="340" r:id="rId11"/>
+    <p:sldId id="341" r:id="rId12"/>
+    <p:sldId id="329" r:id="rId13"/>
+    <p:sldId id="261" r:id="rId14"/>
+    <p:sldId id="331" r:id="rId15"/>
+    <p:sldId id="332" r:id="rId16"/>
+    <p:sldId id="333" r:id="rId17"/>
+    <p:sldId id="334" r:id="rId18"/>
+    <p:sldId id="335" r:id="rId19"/>
+    <p:sldId id="264" r:id="rId20"/>
+    <p:sldId id="270" r:id="rId21"/>
+    <p:sldId id="280" r:id="rId22"/>
   </p:sldIdLst>
   <p:sldSz cx="12192000" cy="6858000"/>
   <p:notesSz cx="6858000" cy="9144000"/>
@@ -2055,8 +2058,8 @@
         </p:nvSpPr>
         <p:spPr>
           <a:xfrm>
-            <a:off x="573088" y="168117"/>
-            <a:ext cx="2127250" cy="398780"/>
+            <a:off x="573088" y="163355"/>
+            <a:ext cx="1781175" cy="398780"/>
           </a:xfrm>
           <a:prstGeom prst="rect">
             <a:avLst/>
@@ -2085,21 +2088,6 @@
               <a:defRPr/>
             </a:pPr>
             <a:r>
-              <a:rPr lang="en-US" altLang="zh-CN" sz="2000" b="1" kern="0" noProof="0" dirty="0" smtClean="0">
-                <a:ln>
-                  <a:noFill/>
-                </a:ln>
-                <a:effectLst/>
-                <a:uLnTx/>
-                <a:uFillTx/>
-                <a:latin typeface="微软雅黑" panose="020B0503020204020204" pitchFamily="34" charset="-122"/>
-                <a:ea typeface="微软雅黑" panose="020B0503020204020204" pitchFamily="34" charset="-122"/>
-                <a:cs typeface="微软雅黑" panose="020B0503020204020204" pitchFamily="34" charset="-122"/>
-                <a:sym typeface="+mn-ea"/>
-              </a:rPr>
-              <a:t>Rose</a:t>
-            </a:r>
-            <a:r>
               <a:rPr lang="zh-CN" altLang="en-US" sz="2000" b="1" kern="0" noProof="0" dirty="0" smtClean="0">
                 <a:ln>
                   <a:noFill/>
@@ -2112,9 +2100,9 @@
                 <a:cs typeface="微软雅黑" panose="020B0503020204020204" pitchFamily="34" charset="-122"/>
                 <a:sym typeface="+mn-ea"/>
               </a:rPr>
-              <a:t>的使用</a:t>
-            </a:r>
-            <a:endParaRPr kumimoji="0" lang="zh-CN" altLang="en-US" sz="2000" b="1" i="0" u="none" strike="noStrike" kern="0" cap="none" spc="0" normalizeH="0" baseline="0" noProof="0" dirty="0" smtClean="0">
+              <a:t>常用建模工具</a:t>
+            </a:r>
+            <a:endParaRPr kumimoji="0" lang="zh-CN" altLang="en-US" sz="2000" b="1" i="0" u="none" strike="noStrike" kern="0" cap="none" spc="0" normalizeH="0" baseline="0" noProof="0" dirty="0">
               <a:ln>
                 <a:noFill/>
               </a:ln>
@@ -2136,8 +2124,8 @@
         </p:nvSpPr>
         <p:spPr>
           <a:xfrm>
-            <a:off x="2257743" y="206693"/>
-            <a:ext cx="1358265" cy="306705"/>
+            <a:off x="2551430" y="210185"/>
+            <a:ext cx="1352550" cy="306705"/>
           </a:xfrm>
           <a:prstGeom prst="rect">
             <a:avLst/>
@@ -2166,7 +2154,7 @@
               <a:defRPr/>
             </a:pPr>
             <a:r>
-              <a:rPr kumimoji="1" lang="en-US" altLang="zh-CN" sz="1400" kern="0" noProof="0" dirty="0">
+              <a:rPr lang="en-US" altLang="zh-CN" sz="1400" kern="0" noProof="0" dirty="0">
                 <a:ln>
                   <a:noFill/>
                 </a:ln>
@@ -2177,21 +2165,17 @@
                 <a:ea typeface="微软雅黑" panose="020B0503020204020204" pitchFamily="34" charset="-122"/>
                 <a:sym typeface="+mn-ea"/>
               </a:rPr>
-              <a:t>DESCRIPTION</a:t>
-            </a:r>
-            <a:endParaRPr kumimoji="0" lang="en-US" altLang="zh-CN" sz="1400" b="0" i="0" u="none" strike="noStrike" kern="0" cap="none" spc="0" normalizeH="0" baseline="0" noProof="0" dirty="0" smtClean="0">
+              <a:t>INSTRUMENT</a:t>
+            </a:r>
+            <a:endParaRPr kumimoji="1" lang="zh-CN" altLang="en-US" sz="1400" b="0" i="0" u="none" strike="noStrike" kern="0" cap="none" spc="0" normalizeH="0" baseline="0" noProof="0" dirty="0">
               <a:ln>
                 <a:noFill/>
               </a:ln>
-              <a:solidFill>
-                <a:schemeClr val="tx1"/>
-              </a:solidFill>
               <a:effectLst/>
               <a:uLnTx/>
               <a:uFillTx/>
               <a:latin typeface="微软雅黑" panose="020B0503020204020204" pitchFamily="34" charset="-122"/>
               <a:ea typeface="微软雅黑" panose="020B0503020204020204" pitchFamily="34" charset="-122"/>
-              <a:sym typeface="+mn-ea"/>
             </a:endParaRPr>
           </a:p>
         </p:txBody>
@@ -2256,8 +2240,8 @@
         </p:nvSpPr>
         <p:spPr>
           <a:xfrm>
-            <a:off x="-76200" y="162560"/>
-            <a:ext cx="866775" cy="398780"/>
+            <a:off x="-63500" y="161925"/>
+            <a:ext cx="866775" cy="400050"/>
           </a:xfrm>
           <a:prstGeom prst="rect">
             <a:avLst/>
@@ -2300,7 +2284,7 @@
                 <a:ea typeface="微软雅黑" panose="020B0503020204020204" pitchFamily="34" charset="-122"/>
                 <a:cs typeface="微软雅黑" panose="020B0503020204020204" pitchFamily="34" charset="-122"/>
               </a:rPr>
-              <a:t>03</a:t>
+              <a:t>01</a:t>
             </a:r>
             <a:endParaRPr kumimoji="0" lang="en-US" altLang="zh-CN" sz="2000" b="0" i="0" u="none" strike="noStrike" kern="0" cap="none" spc="0" normalizeH="0" baseline="0" noProof="0" dirty="0">
               <a:ln>
@@ -2322,15 +2306,13 @@
       <p:cxnSp>
         <p:nvCxnSpPr>
           <p:cNvPr id="17" name="直接连接符 16"/>
-          <p:cNvCxnSpPr>
-            <a:stCxn id="16" idx="3"/>
-          </p:cNvCxnSpPr>
+          <p:cNvCxnSpPr/>
           <p:nvPr/>
         </p:nvCxnSpPr>
         <p:spPr>
           <a:xfrm>
-            <a:off x="3616325" y="360680"/>
-            <a:ext cx="8906510" cy="7620"/>
+            <a:off x="4573905" y="363855"/>
+            <a:ext cx="7724775" cy="0"/>
           </a:xfrm>
           <a:prstGeom prst="line">
             <a:avLst/>
@@ -2364,8 +2346,8 @@
         </p:nvCxnSpPr>
         <p:spPr>
           <a:xfrm>
-            <a:off x="2153285" y="244475"/>
-            <a:ext cx="1588" cy="231775"/>
+            <a:off x="2337753" y="246063"/>
+            <a:ext cx="1588" cy="230188"/>
           </a:xfrm>
           <a:prstGeom prst="line">
             <a:avLst/>
@@ -2395,9 +2377,61 @@
           </a:fontRef>
         </p:style>
       </p:cxnSp>
+      <p:sp>
+        <p:nvSpPr>
+          <p:cNvPr id="10" name="矩形 9"/>
+          <p:cNvSpPr/>
+          <p:nvPr/>
+        </p:nvSpPr>
+        <p:spPr>
+          <a:xfrm>
+            <a:off x="2009775" y="2176463"/>
+            <a:ext cx="34925" cy="2028825"/>
+          </a:xfrm>
+          <a:prstGeom prst="rect">
+            <a:avLst/>
+          </a:prstGeom>
+          <a:solidFill>
+            <a:schemeClr val="accent2"/>
+          </a:solidFill>
+          <a:ln>
+            <a:noFill/>
+          </a:ln>
+        </p:spPr>
+        <p:style>
+          <a:lnRef idx="2">
+            <a:schemeClr val="accent1">
+              <a:shade val="50000"/>
+            </a:schemeClr>
+          </a:lnRef>
+          <a:fillRef idx="1">
+            <a:schemeClr val="accent1"/>
+          </a:fillRef>
+          <a:effectRef idx="0">
+            <a:schemeClr val="accent1"/>
+          </a:effectRef>
+          <a:fontRef idx="minor">
+            <a:schemeClr val="lt1"/>
+          </a:fontRef>
+        </p:style>
+        <p:txBody>
+          <a:bodyPr rot="0" spcFirstLastPara="0" vertOverflow="overflow" horzOverflow="overflow" vert="horz" wrap="square" lIns="91440" tIns="45720" rIns="91440" bIns="45720" numCol="1" spcCol="0" rtlCol="0" fromWordArt="0" anchor="ctr" anchorCtr="0" forceAA="0" compatLnSpc="1">
+            <a:noAutofit/>
+          </a:bodyPr>
+          <a:lstStyle/>
+          <a:p>
+            <a:pPr algn="ctr" fontAlgn="auto"/>
+            <a:endParaRPr lang="zh-CN" altLang="en-US" strike="noStrike" noProof="1">
+              <a:solidFill>
+                <a:schemeClr val="tx1"/>
+              </a:solidFill>
+            </a:endParaRPr>
+          </a:p>
+        </p:txBody>
+      </p:sp>
       <p:pic>
         <p:nvPicPr>
-          <p:cNvPr id="11287" name="图片 2" descr="小组logo"/>
+          <p:cNvPr id="8202" name="图片 2" descr="小组logo"/>
           <p:cNvPicPr>
             <a:picLocks noChangeAspect="1"/>
           </p:cNvPicPr>
@@ -2423,40 +2457,123 @@
           </a:ln>
         </p:spPr>
       </p:pic>
-      <p:pic>
-        <p:nvPicPr>
-          <p:cNvPr id="4" name="图片 3"/>
-          <p:cNvPicPr>
-            <a:picLocks noChangeAspect="1"/>
-          </p:cNvPicPr>
-          <p:nvPr/>
-        </p:nvPicPr>
-        <p:blipFill>
-          <a:blip r:embed="rId2"/>
-          <a:stretch>
-            <a:fillRect/>
-          </a:stretch>
-        </p:blipFill>
-        <p:spPr>
-          <a:xfrm>
-            <a:off x="3616325" y="752475"/>
-            <a:ext cx="5828665" cy="5797550"/>
-          </a:xfrm>
-          <a:prstGeom prst="rect">
-            <a:avLst/>
-          </a:prstGeom>
-        </p:spPr>
-      </p:pic>
       <p:sp>
         <p:nvSpPr>
-          <p:cNvPr id="7" name="文本框 6"/>
+          <p:cNvPr id="4" name="矩形 3"/>
+          <p:cNvSpPr/>
+          <p:nvPr/>
+        </p:nvSpPr>
+        <p:spPr>
+          <a:xfrm>
+            <a:off x="2463165" y="2592070"/>
+            <a:ext cx="7694295" cy="2676525"/>
+          </a:xfrm>
+          <a:prstGeom prst="rect">
+            <a:avLst/>
+          </a:prstGeom>
+        </p:spPr>
+        <p:txBody>
+          <a:bodyPr wrap="square" anchor="ctr">
+            <a:spAutoFit/>
+          </a:bodyPr>
+          <a:p>
+            <a:pPr marL="0" marR="0" lvl="0" indent="0" defTabSz="914400" eaLnBrk="1" fontAlgn="auto" latinLnBrk="0" hangingPunct="1">
+              <a:lnSpc>
+                <a:spcPct val="100000"/>
+              </a:lnSpc>
+              <a:spcBef>
+                <a:spcPts val="0"/>
+              </a:spcBef>
+              <a:spcAft>
+                <a:spcPts val="0"/>
+              </a:spcAft>
+              <a:buClrTx/>
+              <a:buSzTx/>
+              <a:buFontTx/>
+              <a:buNone/>
+              <a:defRPr/>
+            </a:pPr>
+            <a:r>
+              <a:rPr lang="zh-CN" altLang="en-US" sz="2400">
+                <a:sym typeface="+mn-ea"/>
+              </a:rPr>
+              <a:t>Rational Rose允许设计师利用反复发展（有时也叫进化式发展），因为在各个进程中新的应用能够被创建，通过把一个反复的输出变成下一个反复的输入。然后,当开发者开始理解组件之间是如何相互作用和在设计中进行调整时,Rational Rose能够通过回溯和更新模型的其余部分来保证代码的一致性，从而展现出被称为"来回旅程工程"的能力。</a:t>
+            </a:r>
+            <a:endParaRPr kumimoji="0" lang="en-US" altLang="zh-CN" sz="2400" b="1" i="0" u="none" strike="noStrike" kern="0" cap="none" spc="0" normalizeH="0" baseline="0" noProof="0" dirty="0" smtClean="0">
+              <a:ln>
+                <a:noFill/>
+              </a:ln>
+              <a:effectLst/>
+              <a:uLnTx/>
+              <a:uFillTx/>
+              <a:latin typeface="微软雅黑" panose="020B0503020204020204" pitchFamily="34" charset="-122"/>
+              <a:ea typeface="微软雅黑" panose="020B0503020204020204" pitchFamily="34" charset="-122"/>
+              <a:cs typeface="微软雅黑" panose="020B0503020204020204" pitchFamily="34" charset="-122"/>
+            </a:endParaRPr>
+          </a:p>
+        </p:txBody>
+      </p:sp>
+      <p:sp>
+        <p:nvSpPr>
+          <p:cNvPr id="5" name="矩形 4"/>
+          <p:cNvSpPr/>
+          <p:nvPr/>
+        </p:nvSpPr>
+        <p:spPr>
+          <a:xfrm>
+            <a:off x="2009775" y="2176463"/>
+            <a:ext cx="36513" cy="2028825"/>
+          </a:xfrm>
+          <a:prstGeom prst="rect">
+            <a:avLst/>
+          </a:prstGeom>
+          <a:solidFill>
+            <a:schemeClr val="accent2"/>
+          </a:solidFill>
+          <a:ln>
+            <a:noFill/>
+          </a:ln>
+        </p:spPr>
+        <p:style>
+          <a:lnRef idx="2">
+            <a:schemeClr val="accent1">
+              <a:shade val="50000"/>
+            </a:schemeClr>
+          </a:lnRef>
+          <a:fillRef idx="1">
+            <a:schemeClr val="accent1"/>
+          </a:fillRef>
+          <a:effectRef idx="0">
+            <a:schemeClr val="accent1"/>
+          </a:effectRef>
+          <a:fontRef idx="minor">
+            <a:schemeClr val="lt1"/>
+          </a:fontRef>
+        </p:style>
+        <p:txBody>
+          <a:bodyPr rot="0" spcFirstLastPara="0" vertOverflow="overflow" horzOverflow="overflow" vert="horz" wrap="square" lIns="91440" tIns="45720" rIns="91440" bIns="45720" numCol="1" spcCol="0" rtlCol="0" fromWordArt="0" anchor="ctr" anchorCtr="0" forceAA="0" compatLnSpc="1">
+            <a:noAutofit/>
+          </a:bodyPr>
+          <a:p>
+            <a:pPr algn="ctr" fontAlgn="auto"/>
+            <a:endParaRPr lang="zh-CN" altLang="en-US" strike="noStrike" noProof="1">
+              <a:solidFill>
+                <a:schemeClr val="tx1"/>
+              </a:solidFill>
+            </a:endParaRPr>
+          </a:p>
+        </p:txBody>
+      </p:sp>
+      <p:sp>
+        <p:nvSpPr>
+          <p:cNvPr id="11" name="文本框 10"/>
           <p:cNvSpPr txBox="1"/>
           <p:nvPr/>
         </p:nvSpPr>
         <p:spPr>
           <a:xfrm>
-            <a:off x="544830" y="752475"/>
-            <a:ext cx="2742565" cy="368300"/>
+            <a:off x="2338070" y="1330960"/>
+            <a:ext cx="7904480" cy="1076325"/>
           </a:xfrm>
           <a:prstGeom prst="rect">
             <a:avLst/>
@@ -2469,22 +2586,28 @@
           </a:bodyPr>
           <a:p>
             <a:r>
-              <a:rPr lang="zh-CN" altLang="en-US"/>
-              <a:t>首先打开</a:t>
-            </a:r>
-            <a:r>
-              <a:rPr lang="en-US" altLang="zh-CN"/>
-              <a:t>rose</a:t>
-            </a:r>
-            <a:r>
-              <a:rPr lang="zh-CN" altLang="en-US"/>
-              <a:t>，选择</a:t>
-            </a:r>
-            <a:r>
-              <a:rPr lang="en-US" altLang="zh-CN"/>
-              <a:t>J2EE</a:t>
-            </a:r>
-            <a:endParaRPr lang="en-US" altLang="zh-CN"/>
+              <a:rPr lang="zh-CN" altLang="en-US" sz="3200"/>
+              <a:t>问题</a:t>
+            </a:r>
+            <a:r>
+              <a:rPr lang="en-US" altLang="zh-CN" sz="3200"/>
+              <a:t>3</a:t>
+            </a:r>
+            <a:r>
+              <a:rPr lang="zh-CN" altLang="en-US" sz="3200"/>
+              <a:t>：简要说明</a:t>
+            </a:r>
+            <a:r>
+              <a:rPr lang="zh-CN" altLang="en-US" sz="3200">
+                <a:sym typeface="+mn-ea"/>
+              </a:rPr>
+              <a:t>Rational Rose的两个受欢迎的特征</a:t>
+            </a:r>
+            <a:r>
+              <a:rPr lang="zh-CN" altLang="en-US" sz="3200"/>
+              <a:t>？</a:t>
+            </a:r>
+            <a:endParaRPr lang="en-US" altLang="zh-CN" sz="3200"/>
           </a:p>
         </p:txBody>
       </p:sp>
@@ -2544,7 +2667,7 @@
               <a:defRPr/>
             </a:pPr>
             <a:r>
-              <a:rPr lang="en-US" altLang="zh-CN" sz="2000" b="1" kern="0" noProof="0" dirty="0" smtClean="0">
+              <a:rPr lang="en-US" sz="2000" b="1" kern="0" noProof="0" dirty="0" smtClean="0">
                 <a:ln>
                   <a:noFill/>
                 </a:ln>
@@ -2571,7 +2694,7 @@
                 <a:cs typeface="微软雅黑" panose="020B0503020204020204" pitchFamily="34" charset="-122"/>
                 <a:sym typeface="+mn-ea"/>
               </a:rPr>
-              <a:t>的使用</a:t>
+              <a:t>简介</a:t>
             </a:r>
             <a:endParaRPr kumimoji="0" lang="zh-CN" altLang="en-US" sz="2000" b="1" i="0" u="none" strike="noStrike" kern="0" cap="none" spc="0" normalizeH="0" baseline="0" noProof="0" dirty="0" smtClean="0">
               <a:ln>
@@ -2595,8 +2718,8 @@
         </p:nvSpPr>
         <p:spPr>
           <a:xfrm>
-            <a:off x="2257743" y="206693"/>
-            <a:ext cx="1358265" cy="306705"/>
+            <a:off x="1871028" y="207963"/>
+            <a:ext cx="1573530" cy="306705"/>
           </a:xfrm>
           <a:prstGeom prst="rect">
             <a:avLst/>
@@ -2625,10 +2748,13 @@
               <a:defRPr/>
             </a:pPr>
             <a:r>
-              <a:rPr kumimoji="1" lang="en-US" altLang="zh-CN" sz="1400" kern="0" noProof="0" dirty="0">
+              <a:rPr lang="en-US" altLang="zh-CN" sz="1400" kern="0" noProof="0" dirty="0">
                 <a:ln>
                   <a:noFill/>
                 </a:ln>
+                <a:solidFill>
+                  <a:schemeClr val="tx1"/>
+                </a:solidFill>
                 <a:effectLst/>
                 <a:uLnTx/>
                 <a:uFillTx/>
@@ -2636,7 +2762,7 @@
                 <a:ea typeface="微软雅黑" panose="020B0503020204020204" pitchFamily="34" charset="-122"/>
                 <a:sym typeface="+mn-ea"/>
               </a:rPr>
-              <a:t>DESCRIPTION</a:t>
+              <a:t>INTRODUCTION</a:t>
             </a:r>
             <a:endParaRPr kumimoji="0" lang="en-US" altLang="zh-CN" sz="1400" b="0" i="0" u="none" strike="noStrike" kern="0" cap="none" spc="0" normalizeH="0" baseline="0" noProof="0" dirty="0" smtClean="0">
               <a:ln>
@@ -2715,6 +2841,1156 @@
         </p:nvSpPr>
         <p:spPr>
           <a:xfrm>
+            <a:off x="-76200" y="161925"/>
+            <a:ext cx="866775" cy="400050"/>
+          </a:xfrm>
+          <a:prstGeom prst="rect">
+            <a:avLst/>
+          </a:prstGeom>
+        </p:spPr>
+        <p:txBody>
+          <a:bodyPr wrap="square" anchor="ctr">
+            <a:spAutoFit/>
+          </a:bodyPr>
+          <a:lstStyle/>
+          <a:p>
+            <a:pPr marL="0" marR="0" lvl="0" indent="0" algn="ctr" defTabSz="914400" eaLnBrk="1" fontAlgn="auto" latinLnBrk="0" hangingPunct="1">
+              <a:lnSpc>
+                <a:spcPct val="100000"/>
+              </a:lnSpc>
+              <a:spcBef>
+                <a:spcPts val="0"/>
+              </a:spcBef>
+              <a:spcAft>
+                <a:spcPts val="0"/>
+              </a:spcAft>
+              <a:buClrTx/>
+              <a:buSzTx/>
+              <a:buFontTx/>
+              <a:buNone/>
+              <a:defRPr/>
+            </a:pPr>
+            <a:r>
+              <a:rPr kumimoji="0" lang="en-US" altLang="zh-CN" sz="2000" b="0" i="0" u="none" strike="noStrike" kern="0" cap="none" spc="0" normalizeH="0" baseline="0" noProof="0" dirty="0" smtClean="0">
+                <a:ln>
+                  <a:noFill/>
+                </a:ln>
+                <a:solidFill>
+                  <a:schemeClr val="bg1"/>
+                </a:solidFill>
+                <a:effectLst/>
+                <a:uLnTx/>
+                <a:uFillTx/>
+                <a:latin typeface="微软雅黑" panose="020B0503020204020204" pitchFamily="34" charset="-122"/>
+                <a:ea typeface="微软雅黑" panose="020B0503020204020204" pitchFamily="34" charset="-122"/>
+                <a:cs typeface="微软雅黑" panose="020B0503020204020204" pitchFamily="34" charset="-122"/>
+              </a:rPr>
+              <a:t>02</a:t>
+            </a:r>
+            <a:endParaRPr kumimoji="0" lang="en-US" altLang="zh-CN" sz="2000" b="0" i="0" u="none" strike="noStrike" kern="0" cap="none" spc="0" normalizeH="0" baseline="0" noProof="0" dirty="0">
+              <a:ln>
+                <a:noFill/>
+              </a:ln>
+              <a:solidFill>
+                <a:schemeClr val="bg1"/>
+              </a:solidFill>
+              <a:effectLst/>
+              <a:uLnTx/>
+              <a:uFillTx/>
+              <a:latin typeface="微软雅黑" panose="020B0503020204020204" pitchFamily="34" charset="-122"/>
+              <a:ea typeface="微软雅黑" panose="020B0503020204020204" pitchFamily="34" charset="-122"/>
+              <a:cs typeface="微软雅黑" panose="020B0503020204020204" pitchFamily="34" charset="-122"/>
+            </a:endParaRPr>
+          </a:p>
+        </p:txBody>
+      </p:sp>
+      <p:cxnSp>
+        <p:nvCxnSpPr>
+          <p:cNvPr id="17" name="直接连接符 16"/>
+          <p:cNvCxnSpPr/>
+          <p:nvPr/>
+        </p:nvCxnSpPr>
+        <p:spPr>
+          <a:xfrm>
+            <a:off x="3589338" y="368300"/>
+            <a:ext cx="9029700" cy="0"/>
+          </a:xfrm>
+          <a:prstGeom prst="line">
+            <a:avLst/>
+          </a:prstGeom>
+          <a:ln>
+            <a:solidFill>
+              <a:schemeClr val="tx1"/>
+            </a:solidFill>
+          </a:ln>
+        </p:spPr>
+        <p:style>
+          <a:lnRef idx="1">
+            <a:schemeClr val="accent1"/>
+          </a:lnRef>
+          <a:fillRef idx="0">
+            <a:schemeClr val="accent1"/>
+          </a:fillRef>
+          <a:effectRef idx="0">
+            <a:schemeClr val="accent1"/>
+          </a:effectRef>
+          <a:fontRef idx="minor">
+            <a:schemeClr val="tx1"/>
+          </a:fontRef>
+        </p:style>
+      </p:cxnSp>
+      <p:cxnSp>
+        <p:nvCxnSpPr>
+          <p:cNvPr id="19" name="直接连接符 18"/>
+          <p:cNvCxnSpPr/>
+          <p:nvPr/>
+        </p:nvCxnSpPr>
+        <p:spPr>
+          <a:xfrm>
+            <a:off x="1863725" y="244475"/>
+            <a:ext cx="1588" cy="231775"/>
+          </a:xfrm>
+          <a:prstGeom prst="line">
+            <a:avLst/>
+          </a:prstGeom>
+          <a:ln w="12700" cap="rnd">
+            <a:solidFill>
+              <a:schemeClr val="tx1">
+                <a:alpha val="49000"/>
+              </a:schemeClr>
+            </a:solidFill>
+            <a:round/>
+            <a:tailEnd type="none" w="sm" len="sm"/>
+          </a:ln>
+        </p:spPr>
+        <p:style>
+          <a:lnRef idx="1">
+            <a:schemeClr val="accent1"/>
+          </a:lnRef>
+          <a:fillRef idx="0">
+            <a:schemeClr val="accent1"/>
+          </a:fillRef>
+          <a:effectRef idx="0">
+            <a:schemeClr val="accent1"/>
+          </a:effectRef>
+          <a:fontRef idx="minor">
+            <a:schemeClr val="tx1"/>
+          </a:fontRef>
+        </p:style>
+      </p:cxnSp>
+      <p:pic>
+        <p:nvPicPr>
+          <p:cNvPr id="11287" name="图片 2" descr="小组logo"/>
+          <p:cNvPicPr>
+            <a:picLocks noChangeAspect="1"/>
+          </p:cNvPicPr>
+          <p:nvPr/>
+        </p:nvPicPr>
+        <p:blipFill>
+          <a:blip r:embed="rId1"/>
+          <a:stretch>
+            <a:fillRect/>
+          </a:stretch>
+        </p:blipFill>
+        <p:spPr>
+          <a:xfrm>
+            <a:off x="10318750" y="-190500"/>
+            <a:ext cx="2105025" cy="2105025"/>
+          </a:xfrm>
+          <a:prstGeom prst="rect">
+            <a:avLst/>
+          </a:prstGeom>
+          <a:noFill/>
+          <a:ln w="9525">
+            <a:noFill/>
+          </a:ln>
+        </p:spPr>
+      </p:pic>
+      <p:sp>
+        <p:nvSpPr>
+          <p:cNvPr id="6" name="文本框 5"/>
+          <p:cNvSpPr txBox="1"/>
+          <p:nvPr/>
+        </p:nvSpPr>
+        <p:spPr>
+          <a:xfrm>
+            <a:off x="544830" y="1720850"/>
+            <a:ext cx="10901045" cy="4523105"/>
+          </a:xfrm>
+          <a:prstGeom prst="rect">
+            <a:avLst/>
+          </a:prstGeom>
+          <a:noFill/>
+        </p:spPr>
+        <p:txBody>
+          <a:bodyPr wrap="square" rtlCol="0" anchor="t">
+            <a:spAutoFit/>
+          </a:bodyPr>
+          <a:p>
+            <a:r>
+              <a:rPr lang="zh-CN" altLang="en-US" sz="2400"/>
+              <a:t>1、对业务进行建模（工作流）；</a:t>
+            </a:r>
+            <a:endParaRPr lang="zh-CN" altLang="en-US" sz="2400"/>
+          </a:p>
+          <a:p>
+            <a:endParaRPr lang="zh-CN" altLang="en-US" sz="2400"/>
+          </a:p>
+          <a:p>
+            <a:r>
+              <a:rPr lang="zh-CN" altLang="en-US" sz="2400"/>
+              <a:t>2、建立对象模型（表达信息系统内有哪些对象，它们之间是如何协作完成系统功能的）；</a:t>
+            </a:r>
+            <a:endParaRPr lang="zh-CN" altLang="en-US" sz="2400"/>
+          </a:p>
+          <a:p>
+            <a:endParaRPr lang="zh-CN" altLang="en-US" sz="2400"/>
+          </a:p>
+          <a:p>
+            <a:r>
+              <a:rPr lang="zh-CN" altLang="en-US" sz="2400"/>
+              <a:t>3、对数据库进行建模，并可以在对象模型和数据模型之间进行正、逆向工程，相互同步；</a:t>
+            </a:r>
+            <a:endParaRPr lang="zh-CN" altLang="en-US" sz="2400"/>
+          </a:p>
+          <a:p>
+            <a:endParaRPr lang="zh-CN" altLang="en-US" sz="2400"/>
+          </a:p>
+          <a:p>
+            <a:r>
+              <a:rPr lang="zh-CN" altLang="en-US" sz="2400"/>
+              <a:t>4、建立构件模型（表达信息系统的物理组成，如有什么文件、进程、线程、分布如何等等）；</a:t>
+            </a:r>
+            <a:endParaRPr lang="zh-CN" altLang="en-US" sz="2400"/>
+          </a:p>
+          <a:p>
+            <a:endParaRPr lang="zh-CN" altLang="en-US" sz="2400"/>
+          </a:p>
+          <a:p>
+            <a:r>
+              <a:rPr lang="zh-CN" altLang="en-US" sz="2400"/>
+              <a:t>5、生成目标语言的框架代码，如VB、JAVA、DELPHI等。</a:t>
+            </a:r>
+            <a:endParaRPr lang="zh-CN" altLang="en-US" sz="2400"/>
+          </a:p>
+        </p:txBody>
+      </p:sp>
+      <p:sp>
+        <p:nvSpPr>
+          <p:cNvPr id="2" name="文本框 1"/>
+          <p:cNvSpPr txBox="1"/>
+          <p:nvPr/>
+        </p:nvSpPr>
+        <p:spPr>
+          <a:xfrm>
+            <a:off x="696595" y="1033780"/>
+            <a:ext cx="7112000" cy="460375"/>
+          </a:xfrm>
+          <a:prstGeom prst="rect">
+            <a:avLst/>
+          </a:prstGeom>
+          <a:noFill/>
+        </p:spPr>
+        <p:txBody>
+          <a:bodyPr wrap="none" rtlCol="0" anchor="t">
+            <a:spAutoFit/>
+          </a:bodyPr>
+          <a:p>
+            <a:r>
+              <a:rPr lang="zh-CN" altLang="en-US" sz="2400" b="1">
+                <a:sym typeface="+mn-ea"/>
+              </a:rPr>
+              <a:t>目前版本的Rational Rose可以用来做以下一些工作：</a:t>
+            </a:r>
+            <a:endParaRPr lang="zh-CN" altLang="en-US" sz="2400" b="1">
+              <a:sym typeface="+mn-ea"/>
+            </a:endParaRPr>
+          </a:p>
+        </p:txBody>
+      </p:sp>
+    </p:spTree>
+  </p:cSld>
+  <p:clrMapOvr>
+    <a:masterClrMapping/>
+  </p:clrMapOvr>
+  <p:timing>
+    <p:tnLst>
+      <p:par>
+        <p:cTn id="1" dur="indefinite" restart="never" nodeType="tmRoot">
+          <p:childTnLst>
+            <p:seq concurrent="1" nextAc="seek">
+              <p:cTn id="2" dur="indefinite" nodeType="mainSeq">
+                <p:childTnLst>
+                  <p:par>
+                    <p:cTn id="3" fill="hold">
+                      <p:stCondLst>
+                        <p:cond delay="indefinite"/>
+                      </p:stCondLst>
+                      <p:childTnLst>
+                        <p:par>
+                          <p:cTn id="4" fill="hold">
+                            <p:stCondLst>
+                              <p:cond delay="0"/>
+                            </p:stCondLst>
+                            <p:childTnLst>
+                              <p:par>
+                                <p:cTn id="5" presetID="2" presetClass="entr" presetSubtype="4" fill="hold" grpId="0" nodeType="clickEffect">
+                                  <p:stCondLst>
+                                    <p:cond delay="0"/>
+                                  </p:stCondLst>
+                                  <p:childTnLst>
+                                    <p:set>
+                                      <p:cBhvr>
+                                        <p:cTn id="6" dur="1" fill="hold">
+                                          <p:stCondLst>
+                                            <p:cond delay="0"/>
+                                          </p:stCondLst>
+                                        </p:cTn>
+                                        <p:tgtEl>
+                                          <p:spTgt spid="2"/>
+                                        </p:tgtEl>
+                                        <p:attrNameLst>
+                                          <p:attrName>style.visibility</p:attrName>
+                                        </p:attrNameLst>
+                                      </p:cBhvr>
+                                      <p:to>
+                                        <p:strVal val="visible"/>
+                                      </p:to>
+                                    </p:set>
+                                    <p:anim calcmode="lin" valueType="num">
+                                      <p:cBhvr additive="base">
+                                        <p:cTn id="7" dur="500" fill="hold"/>
+                                        <p:tgtEl>
+                                          <p:spTgt spid="2"/>
+                                        </p:tgtEl>
+                                        <p:attrNameLst>
+                                          <p:attrName>ppt_x</p:attrName>
+                                        </p:attrNameLst>
+                                      </p:cBhvr>
+                                      <p:tavLst>
+                                        <p:tav tm="0">
+                                          <p:val>
+                                            <p:strVal val="#ppt_x"/>
+                                          </p:val>
+                                        </p:tav>
+                                        <p:tav tm="100000">
+                                          <p:val>
+                                            <p:strVal val="#ppt_x"/>
+                                          </p:val>
+                                        </p:tav>
+                                      </p:tavLst>
+                                    </p:anim>
+                                    <p:anim calcmode="lin" valueType="num">
+                                      <p:cBhvr additive="base">
+                                        <p:cTn id="8" dur="500" fill="hold"/>
+                                        <p:tgtEl>
+                                          <p:spTgt spid="2"/>
+                                        </p:tgtEl>
+                                        <p:attrNameLst>
+                                          <p:attrName>ppt_y</p:attrName>
+                                        </p:attrNameLst>
+                                      </p:cBhvr>
+                                      <p:tavLst>
+                                        <p:tav tm="0">
+                                          <p:val>
+                                            <p:strVal val="1+#ppt_h/2"/>
+                                          </p:val>
+                                        </p:tav>
+                                        <p:tav tm="100000">
+                                          <p:val>
+                                            <p:strVal val="#ppt_y"/>
+                                          </p:val>
+                                        </p:tav>
+                                      </p:tavLst>
+                                    </p:anim>
+                                  </p:childTnLst>
+                                </p:cTn>
+                              </p:par>
+                            </p:childTnLst>
+                          </p:cTn>
+                        </p:par>
+                      </p:childTnLst>
+                    </p:cTn>
+                  </p:par>
+                  <p:par>
+                    <p:cTn id="9" fill="hold">
+                      <p:stCondLst>
+                        <p:cond delay="indefinite"/>
+                      </p:stCondLst>
+                      <p:childTnLst>
+                        <p:par>
+                          <p:cTn id="10" fill="hold">
+                            <p:stCondLst>
+                              <p:cond delay="0"/>
+                            </p:stCondLst>
+                            <p:childTnLst>
+                              <p:par>
+                                <p:cTn id="11" presetID="5" presetClass="entr" presetSubtype="10" fill="hold" grpId="1" nodeType="clickEffect">
+                                  <p:stCondLst>
+                                    <p:cond delay="0"/>
+                                  </p:stCondLst>
+                                  <p:childTnLst>
+                                    <p:set>
+                                      <p:cBhvr>
+                                        <p:cTn id="12" dur="1" fill="hold">
+                                          <p:stCondLst>
+                                            <p:cond delay="0"/>
+                                          </p:stCondLst>
+                                        </p:cTn>
+                                        <p:tgtEl>
+                                          <p:spTgt spid="2"/>
+                                        </p:tgtEl>
+                                        <p:attrNameLst>
+                                          <p:attrName>style.visibility</p:attrName>
+                                        </p:attrNameLst>
+                                      </p:cBhvr>
+                                      <p:to>
+                                        <p:strVal val="visible"/>
+                                      </p:to>
+                                    </p:set>
+                                    <p:animEffect transition="in" filter="checkerboard(across)">
+                                      <p:cBhvr>
+                                        <p:cTn id="13" dur="500"/>
+                                        <p:tgtEl>
+                                          <p:spTgt spid="2"/>
+                                        </p:tgtEl>
+                                      </p:cBhvr>
+                                    </p:animEffect>
+                                  </p:childTnLst>
+                                </p:cTn>
+                              </p:par>
+                            </p:childTnLst>
+                          </p:cTn>
+                        </p:par>
+                      </p:childTnLst>
+                    </p:cTn>
+                  </p:par>
+                  <p:par>
+                    <p:cTn id="14" fill="hold">
+                      <p:stCondLst>
+                        <p:cond delay="indefinite"/>
+                      </p:stCondLst>
+                      <p:childTnLst>
+                        <p:par>
+                          <p:cTn id="15" fill="hold">
+                            <p:stCondLst>
+                              <p:cond delay="0"/>
+                            </p:stCondLst>
+                            <p:childTnLst>
+                              <p:par>
+                                <p:cTn id="16" presetID="3" presetClass="entr" presetSubtype="10" fill="hold" grpId="0" nodeType="clickEffect">
+                                  <p:stCondLst>
+                                    <p:cond delay="0"/>
+                                  </p:stCondLst>
+                                  <p:childTnLst>
+                                    <p:set>
+                                      <p:cBhvr>
+                                        <p:cTn id="17" dur="1" fill="hold">
+                                          <p:stCondLst>
+                                            <p:cond delay="0"/>
+                                          </p:stCondLst>
+                                        </p:cTn>
+                                        <p:tgtEl>
+                                          <p:spTgt spid="6"/>
+                                        </p:tgtEl>
+                                        <p:attrNameLst>
+                                          <p:attrName>style.visibility</p:attrName>
+                                        </p:attrNameLst>
+                                      </p:cBhvr>
+                                      <p:to>
+                                        <p:strVal val="visible"/>
+                                      </p:to>
+                                    </p:set>
+                                    <p:animEffect transition="in" filter="blinds(horizontal)">
+                                      <p:cBhvr>
+                                        <p:cTn id="18" dur="500"/>
+                                        <p:tgtEl>
+                                          <p:spTgt spid="6"/>
+                                        </p:tgtEl>
+                                      </p:cBhvr>
+                                    </p:animEffect>
+                                  </p:childTnLst>
+                                </p:cTn>
+                              </p:par>
+                            </p:childTnLst>
+                          </p:cTn>
+                        </p:par>
+                      </p:childTnLst>
+                    </p:cTn>
+                  </p:par>
+                </p:childTnLst>
+              </p:cTn>
+              <p:prevCondLst>
+                <p:cond evt="onPrev" delay="0">
+                  <p:tgtEl>
+                    <p:sldTgt/>
+                  </p:tgtEl>
+                </p:cond>
+              </p:prevCondLst>
+              <p:nextCondLst>
+                <p:cond evt="onNext" delay="0">
+                  <p:tgtEl>
+                    <p:sldTgt/>
+                  </p:tgtEl>
+                </p:cond>
+              </p:nextCondLst>
+            </p:seq>
+          </p:childTnLst>
+        </p:cTn>
+      </p:par>
+    </p:tnLst>
+    <p:bldLst>
+      <p:bldP spid="2" grpId="0"/>
+      <p:bldP spid="2" grpId="1"/>
+      <p:bldP spid="6" grpId="0"/>
+    </p:bldLst>
+  </p:timing>
+</p:sld>
+</file>
+
+<file path=ppt/slides/slide12.xml><?xml version="1.0" encoding="utf-8"?>
+<p:sld xmlns:a="http://schemas.openxmlformats.org/drawingml/2006/main" xmlns:r="http://schemas.openxmlformats.org/officeDocument/2006/relationships" xmlns:p="http://schemas.openxmlformats.org/presentationml/2006/main">
+  <p:cSld>
+    <p:spTree>
+      <p:nvGrpSpPr>
+        <p:cNvPr id="1" name=""/>
+        <p:cNvGrpSpPr/>
+        <p:nvPr/>
+      </p:nvGrpSpPr>
+      <p:grpSpPr/>
+      <p:cxnSp>
+        <p:nvCxnSpPr>
+          <p:cNvPr id="3" name="直接连接符 2"/>
+          <p:cNvCxnSpPr/>
+          <p:nvPr/>
+        </p:nvCxnSpPr>
+        <p:spPr>
+          <a:xfrm>
+            <a:off x="4251325" y="2090738"/>
+            <a:ext cx="7251700" cy="0"/>
+          </a:xfrm>
+          <a:prstGeom prst="line">
+            <a:avLst/>
+          </a:prstGeom>
+          <a:ln>
+            <a:solidFill>
+              <a:schemeClr val="tx1"/>
+            </a:solidFill>
+          </a:ln>
+        </p:spPr>
+        <p:style>
+          <a:lnRef idx="1">
+            <a:schemeClr val="accent1"/>
+          </a:lnRef>
+          <a:fillRef idx="0">
+            <a:schemeClr val="accent1"/>
+          </a:fillRef>
+          <a:effectRef idx="0">
+            <a:schemeClr val="accent1"/>
+          </a:effectRef>
+          <a:fontRef idx="minor">
+            <a:schemeClr val="tx1"/>
+          </a:fontRef>
+        </p:style>
+      </p:cxnSp>
+      <p:grpSp>
+        <p:nvGrpSpPr>
+          <p:cNvPr id="13314" name="组合 10"/>
+          <p:cNvGrpSpPr/>
+          <p:nvPr/>
+        </p:nvGrpSpPr>
+        <p:grpSpPr>
+          <a:xfrm>
+            <a:off x="1158875" y="1717644"/>
+            <a:ext cx="3221038" cy="758888"/>
+            <a:chOff x="4694848" y="2805880"/>
+            <a:chExt cx="3221340" cy="758977"/>
+          </a:xfrm>
+        </p:grpSpPr>
+        <p:grpSp>
+          <p:nvGrpSpPr>
+            <p:cNvPr id="13315" name="组合 11"/>
+            <p:cNvGrpSpPr/>
+            <p:nvPr/>
+          </p:nvGrpSpPr>
+          <p:grpSpPr>
+            <a:xfrm>
+              <a:off x="5517158" y="2805880"/>
+              <a:ext cx="2399030" cy="758977"/>
+              <a:chOff x="5517158" y="2886283"/>
+              <a:chExt cx="2399030" cy="758977"/>
+            </a:xfrm>
+          </p:grpSpPr>
+          <p:sp>
+            <p:nvSpPr>
+              <p:cNvPr id="16" name="矩形 15"/>
+              <p:cNvSpPr/>
+              <p:nvPr/>
+            </p:nvSpPr>
+            <p:spPr>
+              <a:xfrm>
+                <a:off x="5517158" y="2886283"/>
+                <a:ext cx="2399030" cy="522031"/>
+              </a:xfrm>
+              <a:prstGeom prst="rect">
+                <a:avLst/>
+              </a:prstGeom>
+            </p:spPr>
+            <p:txBody>
+              <a:bodyPr wrap="square" anchor="ctr">
+                <a:spAutoFit/>
+              </a:bodyPr>
+              <a:lstStyle/>
+              <a:p>
+                <a:pPr marL="0" marR="0" lvl="0" indent="0" defTabSz="914400" eaLnBrk="1" fontAlgn="auto" latinLnBrk="0" hangingPunct="1">
+                  <a:lnSpc>
+                    <a:spcPct val="100000"/>
+                  </a:lnSpc>
+                  <a:spcBef>
+                    <a:spcPts val="0"/>
+                  </a:spcBef>
+                  <a:spcAft>
+                    <a:spcPts val="0"/>
+                  </a:spcAft>
+                  <a:buClrTx/>
+                  <a:buSzTx/>
+                  <a:buFontTx/>
+                  <a:buNone/>
+                  <a:defRPr/>
+                </a:pPr>
+                <a:r>
+                  <a:rPr kumimoji="0" lang="en-US" altLang="zh-CN" sz="2800" b="1" i="0" u="none" strike="noStrike" kern="0" cap="none" spc="0" normalizeH="0" baseline="0" noProof="0" dirty="0" smtClean="0">
+                    <a:ln>
+                      <a:noFill/>
+                    </a:ln>
+                    <a:effectLst/>
+                    <a:uLnTx/>
+                    <a:uFillTx/>
+                    <a:latin typeface="微软雅黑" panose="020B0503020204020204" pitchFamily="34" charset="-122"/>
+                    <a:ea typeface="微软雅黑" panose="020B0503020204020204" pitchFamily="34" charset="-122"/>
+                    <a:cs typeface="微软雅黑" panose="020B0503020204020204" pitchFamily="34" charset="-122"/>
+                  </a:rPr>
+                  <a:t>Rose</a:t>
+                </a:r>
+                <a:r>
+                  <a:rPr kumimoji="0" lang="zh-CN" altLang="en-US" sz="2800" b="1" i="0" u="none" strike="noStrike" kern="0" cap="none" spc="0" normalizeH="0" baseline="0" noProof="0" dirty="0" smtClean="0">
+                    <a:ln>
+                      <a:noFill/>
+                    </a:ln>
+                    <a:effectLst/>
+                    <a:uLnTx/>
+                    <a:uFillTx/>
+                    <a:latin typeface="微软雅黑" panose="020B0503020204020204" pitchFamily="34" charset="-122"/>
+                    <a:ea typeface="微软雅黑" panose="020B0503020204020204" pitchFamily="34" charset="-122"/>
+                    <a:cs typeface="微软雅黑" panose="020B0503020204020204" pitchFamily="34" charset="-122"/>
+                  </a:rPr>
+                  <a:t>的使用</a:t>
+                </a:r>
+                <a:endParaRPr kumimoji="0" lang="en-US" altLang="zh-CN" sz="2800" b="1" i="0" u="none" strike="noStrike" kern="0" cap="none" spc="0" normalizeH="0" baseline="0" noProof="0" dirty="0" smtClean="0">
+                  <a:ln>
+                    <a:noFill/>
+                  </a:ln>
+                  <a:effectLst/>
+                  <a:uLnTx/>
+                  <a:uFillTx/>
+                  <a:latin typeface="微软雅黑" panose="020B0503020204020204" pitchFamily="34" charset="-122"/>
+                  <a:ea typeface="微软雅黑" panose="020B0503020204020204" pitchFamily="34" charset="-122"/>
+                  <a:cs typeface="微软雅黑" panose="020B0503020204020204" pitchFamily="34" charset="-122"/>
+                </a:endParaRPr>
+              </a:p>
+            </p:txBody>
+          </p:sp>
+          <p:sp>
+            <p:nvSpPr>
+              <p:cNvPr id="17" name="矩形 16"/>
+              <p:cNvSpPr/>
+              <p:nvPr/>
+            </p:nvSpPr>
+            <p:spPr>
+              <a:xfrm>
+                <a:off x="5517158" y="3369638"/>
+                <a:ext cx="1192642" cy="275622"/>
+              </a:xfrm>
+              <a:prstGeom prst="rect">
+                <a:avLst/>
+              </a:prstGeom>
+            </p:spPr>
+            <p:txBody>
+              <a:bodyPr wrap="none">
+                <a:spAutoFit/>
+              </a:bodyPr>
+              <a:lstStyle/>
+              <a:p>
+                <a:pPr marL="0" marR="0" lvl="0" indent="0" algn="l" defTabSz="914400" eaLnBrk="1" fontAlgn="auto" latinLnBrk="0" hangingPunct="1">
+                  <a:lnSpc>
+                    <a:spcPct val="100000"/>
+                  </a:lnSpc>
+                  <a:spcBef>
+                    <a:spcPts val="0"/>
+                  </a:spcBef>
+                  <a:spcAft>
+                    <a:spcPts val="0"/>
+                  </a:spcAft>
+                  <a:buClrTx/>
+                  <a:buSzTx/>
+                  <a:buFontTx/>
+                  <a:buNone/>
+                  <a:defRPr/>
+                </a:pPr>
+                <a:r>
+                  <a:rPr kumimoji="1" lang="en-US" altLang="zh-CN" sz="1200" b="0" i="0" u="none" strike="noStrike" kern="0" cap="none" spc="0" normalizeH="0" baseline="0" noProof="0" dirty="0">
+                    <a:ln>
+                      <a:noFill/>
+                    </a:ln>
+                    <a:effectLst/>
+                    <a:uLnTx/>
+                    <a:uFillTx/>
+                    <a:latin typeface="微软雅黑" panose="020B0503020204020204" pitchFamily="34" charset="-122"/>
+                    <a:ea typeface="微软雅黑" panose="020B0503020204020204" pitchFamily="34" charset="-122"/>
+                    <a:cs typeface="+mn-cs"/>
+                  </a:rPr>
+                  <a:t>DESCRIPTION</a:t>
+                </a:r>
+                <a:endParaRPr kumimoji="1" lang="en-US" altLang="zh-CN" sz="1200" b="0" i="0" u="none" strike="noStrike" kern="0" cap="none" spc="0" normalizeH="0" baseline="0" noProof="0" dirty="0">
+                  <a:ln>
+                    <a:noFill/>
+                  </a:ln>
+                  <a:effectLst/>
+                  <a:uLnTx/>
+                  <a:uFillTx/>
+                  <a:latin typeface="微软雅黑" panose="020B0503020204020204" pitchFamily="34" charset="-122"/>
+                  <a:ea typeface="微软雅黑" panose="020B0503020204020204" pitchFamily="34" charset="-122"/>
+                  <a:cs typeface="+mn-cs"/>
+                </a:endParaRPr>
+              </a:p>
+            </p:txBody>
+          </p:sp>
+        </p:grpSp>
+        <p:grpSp>
+          <p:nvGrpSpPr>
+            <p:cNvPr id="13318" name="组合 12"/>
+            <p:cNvGrpSpPr/>
+            <p:nvPr/>
+          </p:nvGrpSpPr>
+          <p:grpSpPr>
+            <a:xfrm>
+              <a:off x="4694848" y="2825155"/>
+              <a:ext cx="797404" cy="721209"/>
+              <a:chOff x="4428148" y="2896829"/>
+              <a:chExt cx="797404" cy="721209"/>
+            </a:xfrm>
+          </p:grpSpPr>
+          <p:sp>
+            <p:nvSpPr>
+              <p:cNvPr id="14" name="矩形 13"/>
+              <p:cNvSpPr/>
+              <p:nvPr/>
+            </p:nvSpPr>
+            <p:spPr>
+              <a:xfrm>
+                <a:off x="4466850" y="2898038"/>
+                <a:ext cx="720000" cy="720000"/>
+              </a:xfrm>
+              <a:prstGeom prst="rect">
+                <a:avLst/>
+              </a:prstGeom>
+              <a:solidFill>
+                <a:schemeClr val="accent2"/>
+              </a:solidFill>
+              <a:ln>
+                <a:noFill/>
+              </a:ln>
+            </p:spPr>
+            <p:style>
+              <a:lnRef idx="2">
+                <a:schemeClr val="accent1">
+                  <a:shade val="50000"/>
+                </a:schemeClr>
+              </a:lnRef>
+              <a:fillRef idx="1">
+                <a:schemeClr val="accent1"/>
+              </a:fillRef>
+              <a:effectRef idx="0">
+                <a:schemeClr val="accent1"/>
+              </a:effectRef>
+              <a:fontRef idx="minor">
+                <a:schemeClr val="lt1"/>
+              </a:fontRef>
+            </p:style>
+            <p:txBody>
+              <a:bodyPr rot="0" spcFirstLastPara="0" vertOverflow="overflow" horzOverflow="overflow" vert="horz" wrap="square" lIns="91440" tIns="45720" rIns="91440" bIns="45720" numCol="1" spcCol="0" rtlCol="0" fromWordArt="0" anchor="ctr" anchorCtr="0" forceAA="0" compatLnSpc="1">
+                <a:noAutofit/>
+              </a:bodyPr>
+              <a:lstStyle/>
+              <a:p>
+                <a:pPr algn="ctr" fontAlgn="auto"/>
+                <a:endParaRPr lang="zh-CN" altLang="en-US" strike="noStrike" noProof="1">
+                  <a:solidFill>
+                    <a:schemeClr val="tx1"/>
+                  </a:solidFill>
+                </a:endParaRPr>
+              </a:p>
+            </p:txBody>
+          </p:sp>
+          <p:sp>
+            <p:nvSpPr>
+              <p:cNvPr id="15" name="矩形 14"/>
+              <p:cNvSpPr/>
+              <p:nvPr/>
+            </p:nvSpPr>
+            <p:spPr>
+              <a:xfrm>
+                <a:off x="4428148" y="2896829"/>
+                <a:ext cx="797404" cy="707886"/>
+              </a:xfrm>
+              <a:prstGeom prst="rect">
+                <a:avLst/>
+              </a:prstGeom>
+            </p:spPr>
+            <p:txBody>
+              <a:bodyPr wrap="square" anchor="ctr">
+                <a:spAutoFit/>
+              </a:bodyPr>
+              <a:lstStyle/>
+              <a:p>
+                <a:pPr marL="0" marR="0" lvl="0" indent="0" algn="ctr" defTabSz="914400" eaLnBrk="1" fontAlgn="auto" latinLnBrk="0" hangingPunct="1">
+                  <a:lnSpc>
+                    <a:spcPct val="100000"/>
+                  </a:lnSpc>
+                  <a:spcBef>
+                    <a:spcPts val="0"/>
+                  </a:spcBef>
+                  <a:spcAft>
+                    <a:spcPts val="0"/>
+                  </a:spcAft>
+                  <a:buClrTx/>
+                  <a:buSzTx/>
+                  <a:buFontTx/>
+                  <a:buNone/>
+                  <a:defRPr/>
+                </a:pPr>
+                <a:r>
+                  <a:rPr kumimoji="0" lang="en-US" altLang="zh-CN" sz="4000" b="0" i="0" u="none" strike="noStrike" kern="0" cap="none" spc="0" normalizeH="0" baseline="0" noProof="0" dirty="0" smtClean="0">
+                    <a:ln>
+                      <a:noFill/>
+                    </a:ln>
+                    <a:effectLst/>
+                    <a:uLnTx/>
+                    <a:uFillTx/>
+                    <a:latin typeface="微软雅黑" panose="020B0503020204020204" pitchFamily="34" charset="-122"/>
+                    <a:ea typeface="微软雅黑" panose="020B0503020204020204" pitchFamily="34" charset="-122"/>
+                    <a:cs typeface="微软雅黑" panose="020B0503020204020204" pitchFamily="34" charset="-122"/>
+                  </a:rPr>
+                  <a:t>03</a:t>
+                </a:r>
+                <a:endParaRPr kumimoji="0" lang="en-US" altLang="zh-CN" sz="4000" b="0" i="0" u="none" strike="noStrike" kern="0" cap="none" spc="0" normalizeH="0" baseline="0" noProof="0" dirty="0">
+                  <a:ln>
+                    <a:noFill/>
+                  </a:ln>
+                  <a:effectLst/>
+                  <a:uLnTx/>
+                  <a:uFillTx/>
+                  <a:latin typeface="微软雅黑" panose="020B0503020204020204" pitchFamily="34" charset="-122"/>
+                  <a:ea typeface="微软雅黑" panose="020B0503020204020204" pitchFamily="34" charset="-122"/>
+                  <a:cs typeface="微软雅黑" panose="020B0503020204020204" pitchFamily="34" charset="-122"/>
+                </a:endParaRPr>
+              </a:p>
+            </p:txBody>
+          </p:sp>
+        </p:grpSp>
+      </p:grpSp>
+      <p:pic>
+        <p:nvPicPr>
+          <p:cNvPr id="13321" name="图片 1" descr="小组logo"/>
+          <p:cNvPicPr>
+            <a:picLocks noChangeAspect="1"/>
+          </p:cNvPicPr>
+          <p:nvPr/>
+        </p:nvPicPr>
+        <p:blipFill>
+          <a:blip r:embed="rId1"/>
+          <a:stretch>
+            <a:fillRect/>
+          </a:stretch>
+        </p:blipFill>
+        <p:spPr>
+          <a:xfrm>
+            <a:off x="10318750" y="-190500"/>
+            <a:ext cx="2105025" cy="2105025"/>
+          </a:xfrm>
+          <a:prstGeom prst="rect">
+            <a:avLst/>
+          </a:prstGeom>
+          <a:noFill/>
+          <a:ln w="9525">
+            <a:noFill/>
+          </a:ln>
+        </p:spPr>
+      </p:pic>
+      <p:sp>
+        <p:nvSpPr>
+          <p:cNvPr id="2" name="文本框 1"/>
+          <p:cNvSpPr txBox="1"/>
+          <p:nvPr/>
+        </p:nvSpPr>
+        <p:spPr>
+          <a:xfrm>
+            <a:off x="1197610" y="3069590"/>
+            <a:ext cx="5447665" cy="398780"/>
+          </a:xfrm>
+          <a:prstGeom prst="rect">
+            <a:avLst/>
+          </a:prstGeom>
+          <a:noFill/>
+        </p:spPr>
+        <p:txBody>
+          <a:bodyPr wrap="square" rtlCol="0" anchor="t">
+            <a:spAutoFit/>
+          </a:bodyPr>
+          <a:p>
+            <a:r>
+              <a:rPr lang="zh-CN" altLang="en-US" sz="2000"/>
+              <a:t>简单介绍</a:t>
+            </a:r>
+            <a:r>
+              <a:rPr lang="en-US" altLang="zh-CN" sz="2000"/>
+              <a:t>如何用Rational rose创建P8 1.8</a:t>
+            </a:r>
+            <a:r>
+              <a:rPr lang="zh-CN" altLang="en-US" sz="2000"/>
+              <a:t>活动图</a:t>
+            </a:r>
+            <a:endParaRPr lang="zh-CN" altLang="en-US" sz="2000"/>
+          </a:p>
+        </p:txBody>
+      </p:sp>
+    </p:spTree>
+  </p:cSld>
+  <p:clrMapOvr>
+    <a:masterClrMapping/>
+  </p:clrMapOvr>
+</p:sld>
+</file>
+
+<file path=ppt/slides/slide13.xml><?xml version="1.0" encoding="utf-8"?>
+<p:sld xmlns:a="http://schemas.openxmlformats.org/drawingml/2006/main" xmlns:r="http://schemas.openxmlformats.org/officeDocument/2006/relationships" xmlns:p="http://schemas.openxmlformats.org/presentationml/2006/main">
+  <p:cSld>
+    <p:spTree>
+      <p:nvGrpSpPr>
+        <p:cNvPr id="1" name=""/>
+        <p:cNvGrpSpPr/>
+        <p:nvPr/>
+      </p:nvGrpSpPr>
+      <p:grpSpPr/>
+      <p:sp>
+        <p:nvSpPr>
+          <p:cNvPr id="15" name="矩形 14"/>
+          <p:cNvSpPr/>
+          <p:nvPr/>
+        </p:nvSpPr>
+        <p:spPr>
+          <a:xfrm>
+            <a:off x="573088" y="168117"/>
+            <a:ext cx="2127250" cy="398780"/>
+          </a:xfrm>
+          <a:prstGeom prst="rect">
+            <a:avLst/>
+          </a:prstGeom>
+        </p:spPr>
+        <p:txBody>
+          <a:bodyPr wrap="square" anchor="ctr">
+            <a:spAutoFit/>
+          </a:bodyPr>
+          <a:lstStyle/>
+          <a:p>
+            <a:pPr marL="0" marR="0" lvl="0" indent="0" defTabSz="914400" eaLnBrk="1" fontAlgn="auto" latinLnBrk="0" hangingPunct="1">
+              <a:lnSpc>
+                <a:spcPct val="100000"/>
+              </a:lnSpc>
+              <a:spcBef>
+                <a:spcPts val="0"/>
+              </a:spcBef>
+              <a:spcAft>
+                <a:spcPts val="0"/>
+              </a:spcAft>
+              <a:buClrTx/>
+              <a:buSzTx/>
+              <a:buFontTx/>
+              <a:buNone/>
+              <a:defRPr/>
+            </a:pPr>
+            <a:r>
+              <a:rPr lang="en-US" altLang="zh-CN" sz="2000" b="1" kern="0" noProof="0" dirty="0" smtClean="0">
+                <a:ln>
+                  <a:noFill/>
+                </a:ln>
+                <a:effectLst/>
+                <a:uLnTx/>
+                <a:uFillTx/>
+                <a:latin typeface="微软雅黑" panose="020B0503020204020204" pitchFamily="34" charset="-122"/>
+                <a:ea typeface="微软雅黑" panose="020B0503020204020204" pitchFamily="34" charset="-122"/>
+                <a:cs typeface="微软雅黑" panose="020B0503020204020204" pitchFamily="34" charset="-122"/>
+                <a:sym typeface="+mn-ea"/>
+              </a:rPr>
+              <a:t>Rose</a:t>
+            </a:r>
+            <a:r>
+              <a:rPr lang="zh-CN" altLang="en-US" sz="2000" b="1" kern="0" noProof="0" dirty="0" smtClean="0">
+                <a:ln>
+                  <a:noFill/>
+                </a:ln>
+                <a:effectLst/>
+                <a:uLnTx/>
+                <a:uFillTx/>
+                <a:latin typeface="微软雅黑" panose="020B0503020204020204" pitchFamily="34" charset="-122"/>
+                <a:ea typeface="微软雅黑" panose="020B0503020204020204" pitchFamily="34" charset="-122"/>
+                <a:cs typeface="微软雅黑" panose="020B0503020204020204" pitchFamily="34" charset="-122"/>
+                <a:sym typeface="+mn-ea"/>
+              </a:rPr>
+              <a:t>的使用</a:t>
+            </a:r>
+            <a:endParaRPr kumimoji="0" lang="zh-CN" altLang="en-US" sz="2000" b="1" i="0" u="none" strike="noStrike" kern="0" cap="none" spc="0" normalizeH="0" baseline="0" noProof="0" dirty="0" smtClean="0">
+              <a:ln>
+                <a:noFill/>
+              </a:ln>
+              <a:effectLst/>
+              <a:uLnTx/>
+              <a:uFillTx/>
+              <a:latin typeface="微软雅黑" panose="020B0503020204020204" pitchFamily="34" charset="-122"/>
+              <a:ea typeface="微软雅黑" panose="020B0503020204020204" pitchFamily="34" charset="-122"/>
+              <a:cs typeface="微软雅黑" panose="020B0503020204020204" pitchFamily="34" charset="-122"/>
+            </a:endParaRPr>
+          </a:p>
+        </p:txBody>
+      </p:sp>
+      <p:sp>
+        <p:nvSpPr>
+          <p:cNvPr id="16" name="矩形 15"/>
+          <p:cNvSpPr/>
+          <p:nvPr/>
+        </p:nvSpPr>
+        <p:spPr>
+          <a:xfrm>
+            <a:off x="2257743" y="206693"/>
+            <a:ext cx="1358265" cy="306705"/>
+          </a:xfrm>
+          <a:prstGeom prst="rect">
+            <a:avLst/>
+          </a:prstGeom>
+        </p:spPr>
+        <p:txBody>
+          <a:bodyPr wrap="none">
+            <a:spAutoFit/>
+          </a:bodyPr>
+          <a:lstStyle/>
+          <a:p>
+            <a:pPr marL="0" marR="0" lvl="0" indent="0" algn="l" defTabSz="914400" eaLnBrk="1" fontAlgn="auto" latinLnBrk="0" hangingPunct="1">
+              <a:lnSpc>
+                <a:spcPct val="100000"/>
+              </a:lnSpc>
+              <a:spcBef>
+                <a:spcPts val="0"/>
+              </a:spcBef>
+              <a:spcAft>
+                <a:spcPts val="0"/>
+              </a:spcAft>
+              <a:buClrTx/>
+              <a:buSzTx/>
+              <a:buFontTx/>
+              <a:buNone/>
+              <a:defRPr/>
+            </a:pPr>
+            <a:r>
+              <a:rPr kumimoji="1" lang="en-US" altLang="zh-CN" sz="1400" kern="0" noProof="0" dirty="0">
+                <a:ln>
+                  <a:noFill/>
+                </a:ln>
+                <a:effectLst/>
+                <a:uLnTx/>
+                <a:uFillTx/>
+                <a:latin typeface="微软雅黑" panose="020B0503020204020204" pitchFamily="34" charset="-122"/>
+                <a:ea typeface="微软雅黑" panose="020B0503020204020204" pitchFamily="34" charset="-122"/>
+                <a:sym typeface="+mn-ea"/>
+              </a:rPr>
+              <a:t>DESCRIPTION</a:t>
+            </a:r>
+            <a:endParaRPr kumimoji="0" lang="en-US" altLang="zh-CN" sz="1400" b="0" i="0" u="none" strike="noStrike" kern="0" cap="none" spc="0" normalizeH="0" baseline="0" noProof="0" dirty="0" smtClean="0">
+              <a:ln>
+                <a:noFill/>
+              </a:ln>
+              <a:solidFill>
+                <a:schemeClr val="tx1"/>
+              </a:solidFill>
+              <a:effectLst/>
+              <a:uLnTx/>
+              <a:uFillTx/>
+              <a:latin typeface="微软雅黑" panose="020B0503020204020204" pitchFamily="34" charset="-122"/>
+              <a:ea typeface="微软雅黑" panose="020B0503020204020204" pitchFamily="34" charset="-122"/>
+              <a:sym typeface="+mn-ea"/>
+            </a:endParaRPr>
+          </a:p>
+        </p:txBody>
+      </p:sp>
+      <p:sp>
+        <p:nvSpPr>
+          <p:cNvPr id="13" name="矩形 12"/>
+          <p:cNvSpPr/>
+          <p:nvPr/>
+        </p:nvSpPr>
+        <p:spPr>
+          <a:xfrm>
+            <a:off x="169863" y="168275"/>
+            <a:ext cx="374650" cy="385763"/>
+          </a:xfrm>
+          <a:prstGeom prst="rect">
+            <a:avLst/>
+          </a:prstGeom>
+          <a:solidFill>
+            <a:schemeClr val="accent2"/>
+          </a:solidFill>
+          <a:ln>
+            <a:noFill/>
+          </a:ln>
+        </p:spPr>
+        <p:style>
+          <a:lnRef idx="2">
+            <a:schemeClr val="accent1">
+              <a:shade val="50000"/>
+            </a:schemeClr>
+          </a:lnRef>
+          <a:fillRef idx="1">
+            <a:schemeClr val="accent1"/>
+          </a:fillRef>
+          <a:effectRef idx="0">
+            <a:schemeClr val="accent1"/>
+          </a:effectRef>
+          <a:fontRef idx="minor">
+            <a:schemeClr val="lt1"/>
+          </a:fontRef>
+        </p:style>
+        <p:txBody>
+          <a:bodyPr rot="0" spcFirstLastPara="0" vertOverflow="overflow" horzOverflow="overflow" vert="horz" wrap="square" lIns="91440" tIns="45720" rIns="91440" bIns="45720" numCol="1" spcCol="0" rtlCol="0" fromWordArt="0" anchor="ctr" anchorCtr="0" forceAA="0" compatLnSpc="1">
+            <a:noAutofit/>
+          </a:bodyPr>
+          <a:lstStyle/>
+          <a:p>
+            <a:pPr algn="ctr" fontAlgn="auto"/>
+            <a:endParaRPr lang="zh-CN" altLang="en-US" strike="noStrike" noProof="1">
+              <a:solidFill>
+                <a:schemeClr val="tx1"/>
+              </a:solidFill>
+            </a:endParaRPr>
+          </a:p>
+        </p:txBody>
+      </p:sp>
+      <p:sp>
+        <p:nvSpPr>
+          <p:cNvPr id="14" name="矩形 13"/>
+          <p:cNvSpPr/>
+          <p:nvPr/>
+        </p:nvSpPr>
+        <p:spPr>
+          <a:xfrm>
             <a:off x="-76200" y="162560"/>
             <a:ext cx="866775" cy="398780"/>
           </a:xfrm>
@@ -2884,6 +4160,465 @@
       </p:pic>
       <p:pic>
         <p:nvPicPr>
+          <p:cNvPr id="4" name="图片 3"/>
+          <p:cNvPicPr>
+            <a:picLocks noChangeAspect="1"/>
+          </p:cNvPicPr>
+          <p:nvPr/>
+        </p:nvPicPr>
+        <p:blipFill>
+          <a:blip r:embed="rId2"/>
+          <a:stretch>
+            <a:fillRect/>
+          </a:stretch>
+        </p:blipFill>
+        <p:spPr>
+          <a:xfrm>
+            <a:off x="3616325" y="752475"/>
+            <a:ext cx="5828665" cy="5797550"/>
+          </a:xfrm>
+          <a:prstGeom prst="rect">
+            <a:avLst/>
+          </a:prstGeom>
+        </p:spPr>
+      </p:pic>
+      <p:sp>
+        <p:nvSpPr>
+          <p:cNvPr id="7" name="文本框 6"/>
+          <p:cNvSpPr txBox="1"/>
+          <p:nvPr/>
+        </p:nvSpPr>
+        <p:spPr>
+          <a:xfrm>
+            <a:off x="544830" y="752475"/>
+            <a:ext cx="2742565" cy="368300"/>
+          </a:xfrm>
+          <a:prstGeom prst="rect">
+            <a:avLst/>
+          </a:prstGeom>
+          <a:noFill/>
+        </p:spPr>
+        <p:txBody>
+          <a:bodyPr wrap="square" rtlCol="0">
+            <a:spAutoFit/>
+          </a:bodyPr>
+          <a:p>
+            <a:r>
+              <a:rPr lang="zh-CN" altLang="en-US"/>
+              <a:t>首先打开</a:t>
+            </a:r>
+            <a:r>
+              <a:rPr lang="en-US" altLang="zh-CN"/>
+              <a:t>rose</a:t>
+            </a:r>
+            <a:r>
+              <a:rPr lang="zh-CN" altLang="en-US"/>
+              <a:t>，选择</a:t>
+            </a:r>
+            <a:r>
+              <a:rPr lang="en-US" altLang="zh-CN"/>
+              <a:t>J2EE</a:t>
+            </a:r>
+            <a:endParaRPr lang="en-US" altLang="zh-CN"/>
+          </a:p>
+        </p:txBody>
+      </p:sp>
+    </p:spTree>
+  </p:cSld>
+  <p:clrMapOvr>
+    <a:masterClrMapping/>
+  </p:clrMapOvr>
+</p:sld>
+</file>
+
+<file path=ppt/slides/slide14.xml><?xml version="1.0" encoding="utf-8"?>
+<p:sld xmlns:a="http://schemas.openxmlformats.org/drawingml/2006/main" xmlns:r="http://schemas.openxmlformats.org/officeDocument/2006/relationships" xmlns:p="http://schemas.openxmlformats.org/presentationml/2006/main">
+  <p:cSld>
+    <p:spTree>
+      <p:nvGrpSpPr>
+        <p:cNvPr id="1" name=""/>
+        <p:cNvGrpSpPr/>
+        <p:nvPr/>
+      </p:nvGrpSpPr>
+      <p:grpSpPr/>
+      <p:sp>
+        <p:nvSpPr>
+          <p:cNvPr id="15" name="矩形 14"/>
+          <p:cNvSpPr/>
+          <p:nvPr/>
+        </p:nvSpPr>
+        <p:spPr>
+          <a:xfrm>
+            <a:off x="573088" y="168117"/>
+            <a:ext cx="2127250" cy="398780"/>
+          </a:xfrm>
+          <a:prstGeom prst="rect">
+            <a:avLst/>
+          </a:prstGeom>
+        </p:spPr>
+        <p:txBody>
+          <a:bodyPr wrap="square" anchor="ctr">
+            <a:spAutoFit/>
+          </a:bodyPr>
+          <a:lstStyle/>
+          <a:p>
+            <a:pPr marL="0" marR="0" lvl="0" indent="0" defTabSz="914400" eaLnBrk="1" fontAlgn="auto" latinLnBrk="0" hangingPunct="1">
+              <a:lnSpc>
+                <a:spcPct val="100000"/>
+              </a:lnSpc>
+              <a:spcBef>
+                <a:spcPts val="0"/>
+              </a:spcBef>
+              <a:spcAft>
+                <a:spcPts val="0"/>
+              </a:spcAft>
+              <a:buClrTx/>
+              <a:buSzTx/>
+              <a:buFontTx/>
+              <a:buNone/>
+              <a:defRPr/>
+            </a:pPr>
+            <a:r>
+              <a:rPr lang="en-US" altLang="zh-CN" sz="2000" b="1" kern="0" noProof="0" dirty="0" smtClean="0">
+                <a:ln>
+                  <a:noFill/>
+                </a:ln>
+                <a:effectLst/>
+                <a:uLnTx/>
+                <a:uFillTx/>
+                <a:latin typeface="微软雅黑" panose="020B0503020204020204" pitchFamily="34" charset="-122"/>
+                <a:ea typeface="微软雅黑" panose="020B0503020204020204" pitchFamily="34" charset="-122"/>
+                <a:cs typeface="微软雅黑" panose="020B0503020204020204" pitchFamily="34" charset="-122"/>
+                <a:sym typeface="+mn-ea"/>
+              </a:rPr>
+              <a:t>Rose</a:t>
+            </a:r>
+            <a:r>
+              <a:rPr lang="zh-CN" altLang="en-US" sz="2000" b="1" kern="0" noProof="0" dirty="0" smtClean="0">
+                <a:ln>
+                  <a:noFill/>
+                </a:ln>
+                <a:effectLst/>
+                <a:uLnTx/>
+                <a:uFillTx/>
+                <a:latin typeface="微软雅黑" panose="020B0503020204020204" pitchFamily="34" charset="-122"/>
+                <a:ea typeface="微软雅黑" panose="020B0503020204020204" pitchFamily="34" charset="-122"/>
+                <a:cs typeface="微软雅黑" panose="020B0503020204020204" pitchFamily="34" charset="-122"/>
+                <a:sym typeface="+mn-ea"/>
+              </a:rPr>
+              <a:t>的使用</a:t>
+            </a:r>
+            <a:endParaRPr kumimoji="0" lang="zh-CN" altLang="en-US" sz="2000" b="1" i="0" u="none" strike="noStrike" kern="0" cap="none" spc="0" normalizeH="0" baseline="0" noProof="0" dirty="0" smtClean="0">
+              <a:ln>
+                <a:noFill/>
+              </a:ln>
+              <a:effectLst/>
+              <a:uLnTx/>
+              <a:uFillTx/>
+              <a:latin typeface="微软雅黑" panose="020B0503020204020204" pitchFamily="34" charset="-122"/>
+              <a:ea typeface="微软雅黑" panose="020B0503020204020204" pitchFamily="34" charset="-122"/>
+              <a:cs typeface="微软雅黑" panose="020B0503020204020204" pitchFamily="34" charset="-122"/>
+            </a:endParaRPr>
+          </a:p>
+        </p:txBody>
+      </p:sp>
+      <p:sp>
+        <p:nvSpPr>
+          <p:cNvPr id="16" name="矩形 15"/>
+          <p:cNvSpPr/>
+          <p:nvPr/>
+        </p:nvSpPr>
+        <p:spPr>
+          <a:xfrm>
+            <a:off x="2257743" y="206693"/>
+            <a:ext cx="1358265" cy="306705"/>
+          </a:xfrm>
+          <a:prstGeom prst="rect">
+            <a:avLst/>
+          </a:prstGeom>
+        </p:spPr>
+        <p:txBody>
+          <a:bodyPr wrap="none">
+            <a:spAutoFit/>
+          </a:bodyPr>
+          <a:lstStyle/>
+          <a:p>
+            <a:pPr marL="0" marR="0" lvl="0" indent="0" algn="l" defTabSz="914400" eaLnBrk="1" fontAlgn="auto" latinLnBrk="0" hangingPunct="1">
+              <a:lnSpc>
+                <a:spcPct val="100000"/>
+              </a:lnSpc>
+              <a:spcBef>
+                <a:spcPts val="0"/>
+              </a:spcBef>
+              <a:spcAft>
+                <a:spcPts val="0"/>
+              </a:spcAft>
+              <a:buClrTx/>
+              <a:buSzTx/>
+              <a:buFontTx/>
+              <a:buNone/>
+              <a:defRPr/>
+            </a:pPr>
+            <a:r>
+              <a:rPr kumimoji="1" lang="en-US" altLang="zh-CN" sz="1400" kern="0" noProof="0" dirty="0">
+                <a:ln>
+                  <a:noFill/>
+                </a:ln>
+                <a:effectLst/>
+                <a:uLnTx/>
+                <a:uFillTx/>
+                <a:latin typeface="微软雅黑" panose="020B0503020204020204" pitchFamily="34" charset="-122"/>
+                <a:ea typeface="微软雅黑" panose="020B0503020204020204" pitchFamily="34" charset="-122"/>
+                <a:sym typeface="+mn-ea"/>
+              </a:rPr>
+              <a:t>DESCRIPTION</a:t>
+            </a:r>
+            <a:endParaRPr kumimoji="0" lang="en-US" altLang="zh-CN" sz="1400" b="0" i="0" u="none" strike="noStrike" kern="0" cap="none" spc="0" normalizeH="0" baseline="0" noProof="0" dirty="0" smtClean="0">
+              <a:ln>
+                <a:noFill/>
+              </a:ln>
+              <a:solidFill>
+                <a:schemeClr val="tx1"/>
+              </a:solidFill>
+              <a:effectLst/>
+              <a:uLnTx/>
+              <a:uFillTx/>
+              <a:latin typeface="微软雅黑" panose="020B0503020204020204" pitchFamily="34" charset="-122"/>
+              <a:ea typeface="微软雅黑" panose="020B0503020204020204" pitchFamily="34" charset="-122"/>
+              <a:sym typeface="+mn-ea"/>
+            </a:endParaRPr>
+          </a:p>
+        </p:txBody>
+      </p:sp>
+      <p:sp>
+        <p:nvSpPr>
+          <p:cNvPr id="13" name="矩形 12"/>
+          <p:cNvSpPr/>
+          <p:nvPr/>
+        </p:nvSpPr>
+        <p:spPr>
+          <a:xfrm>
+            <a:off x="169863" y="168275"/>
+            <a:ext cx="374650" cy="385763"/>
+          </a:xfrm>
+          <a:prstGeom prst="rect">
+            <a:avLst/>
+          </a:prstGeom>
+          <a:solidFill>
+            <a:schemeClr val="accent2"/>
+          </a:solidFill>
+          <a:ln>
+            <a:noFill/>
+          </a:ln>
+        </p:spPr>
+        <p:style>
+          <a:lnRef idx="2">
+            <a:schemeClr val="accent1">
+              <a:shade val="50000"/>
+            </a:schemeClr>
+          </a:lnRef>
+          <a:fillRef idx="1">
+            <a:schemeClr val="accent1"/>
+          </a:fillRef>
+          <a:effectRef idx="0">
+            <a:schemeClr val="accent1"/>
+          </a:effectRef>
+          <a:fontRef idx="minor">
+            <a:schemeClr val="lt1"/>
+          </a:fontRef>
+        </p:style>
+        <p:txBody>
+          <a:bodyPr rot="0" spcFirstLastPara="0" vertOverflow="overflow" horzOverflow="overflow" vert="horz" wrap="square" lIns="91440" tIns="45720" rIns="91440" bIns="45720" numCol="1" spcCol="0" rtlCol="0" fromWordArt="0" anchor="ctr" anchorCtr="0" forceAA="0" compatLnSpc="1">
+            <a:noAutofit/>
+          </a:bodyPr>
+          <a:lstStyle/>
+          <a:p>
+            <a:pPr algn="ctr" fontAlgn="auto"/>
+            <a:endParaRPr lang="zh-CN" altLang="en-US" strike="noStrike" noProof="1">
+              <a:solidFill>
+                <a:schemeClr val="tx1"/>
+              </a:solidFill>
+            </a:endParaRPr>
+          </a:p>
+        </p:txBody>
+      </p:sp>
+      <p:sp>
+        <p:nvSpPr>
+          <p:cNvPr id="14" name="矩形 13"/>
+          <p:cNvSpPr/>
+          <p:nvPr/>
+        </p:nvSpPr>
+        <p:spPr>
+          <a:xfrm>
+            <a:off x="-76200" y="162560"/>
+            <a:ext cx="866775" cy="398780"/>
+          </a:xfrm>
+          <a:prstGeom prst="rect">
+            <a:avLst/>
+          </a:prstGeom>
+        </p:spPr>
+        <p:txBody>
+          <a:bodyPr wrap="square" anchor="ctr">
+            <a:spAutoFit/>
+          </a:bodyPr>
+          <a:lstStyle/>
+          <a:p>
+            <a:pPr marL="0" marR="0" lvl="0" indent="0" algn="ctr" defTabSz="914400" eaLnBrk="1" fontAlgn="auto" latinLnBrk="0" hangingPunct="1">
+              <a:lnSpc>
+                <a:spcPct val="100000"/>
+              </a:lnSpc>
+              <a:spcBef>
+                <a:spcPts val="0"/>
+              </a:spcBef>
+              <a:spcAft>
+                <a:spcPts val="0"/>
+              </a:spcAft>
+              <a:buClrTx/>
+              <a:buSzTx/>
+              <a:buFontTx/>
+              <a:buNone/>
+              <a:defRPr/>
+            </a:pPr>
+            <a:r>
+              <a:rPr kumimoji="0" lang="en-US" altLang="zh-CN" sz="2000" b="0" i="0" u="none" strike="noStrike" kern="0" cap="none" spc="0" normalizeH="0" baseline="0" noProof="0" dirty="0" smtClean="0">
+                <a:ln>
+                  <a:noFill/>
+                </a:ln>
+                <a:solidFill>
+                  <a:schemeClr val="bg1"/>
+                </a:solidFill>
+                <a:effectLst/>
+                <a:uLnTx/>
+                <a:uFillTx/>
+                <a:latin typeface="微软雅黑" panose="020B0503020204020204" pitchFamily="34" charset="-122"/>
+                <a:ea typeface="微软雅黑" panose="020B0503020204020204" pitchFamily="34" charset="-122"/>
+                <a:cs typeface="微软雅黑" panose="020B0503020204020204" pitchFamily="34" charset="-122"/>
+              </a:rPr>
+              <a:t>03</a:t>
+            </a:r>
+            <a:endParaRPr kumimoji="0" lang="en-US" altLang="zh-CN" sz="2000" b="0" i="0" u="none" strike="noStrike" kern="0" cap="none" spc="0" normalizeH="0" baseline="0" noProof="0" dirty="0">
+              <a:ln>
+                <a:noFill/>
+              </a:ln>
+              <a:solidFill>
+                <a:schemeClr val="bg1"/>
+              </a:solidFill>
+              <a:effectLst/>
+              <a:uLnTx/>
+              <a:uFillTx/>
+              <a:latin typeface="微软雅黑" panose="020B0503020204020204" pitchFamily="34" charset="-122"/>
+              <a:ea typeface="微软雅黑" panose="020B0503020204020204" pitchFamily="34" charset="-122"/>
+              <a:cs typeface="微软雅黑" panose="020B0503020204020204" pitchFamily="34" charset="-122"/>
+            </a:endParaRPr>
+          </a:p>
+        </p:txBody>
+      </p:sp>
+      <p:cxnSp>
+        <p:nvCxnSpPr>
+          <p:cNvPr id="17" name="直接连接符 16"/>
+          <p:cNvCxnSpPr>
+            <a:stCxn id="16" idx="3"/>
+          </p:cNvCxnSpPr>
+          <p:nvPr/>
+        </p:nvCxnSpPr>
+        <p:spPr>
+          <a:xfrm>
+            <a:off x="3616325" y="360680"/>
+            <a:ext cx="8906510" cy="7620"/>
+          </a:xfrm>
+          <a:prstGeom prst="line">
+            <a:avLst/>
+          </a:prstGeom>
+          <a:ln>
+            <a:solidFill>
+              <a:schemeClr val="tx1"/>
+            </a:solidFill>
+          </a:ln>
+        </p:spPr>
+        <p:style>
+          <a:lnRef idx="1">
+            <a:schemeClr val="accent1"/>
+          </a:lnRef>
+          <a:fillRef idx="0">
+            <a:schemeClr val="accent1"/>
+          </a:fillRef>
+          <a:effectRef idx="0">
+            <a:schemeClr val="accent1"/>
+          </a:effectRef>
+          <a:fontRef idx="minor">
+            <a:schemeClr val="tx1"/>
+          </a:fontRef>
+        </p:style>
+      </p:cxnSp>
+      <p:cxnSp>
+        <p:nvCxnSpPr>
+          <p:cNvPr id="19" name="直接连接符 18"/>
+          <p:cNvCxnSpPr/>
+          <p:nvPr/>
+        </p:nvCxnSpPr>
+        <p:spPr>
+          <a:xfrm>
+            <a:off x="2153285" y="244475"/>
+            <a:ext cx="1588" cy="231775"/>
+          </a:xfrm>
+          <a:prstGeom prst="line">
+            <a:avLst/>
+          </a:prstGeom>
+          <a:ln w="12700" cap="rnd">
+            <a:solidFill>
+              <a:schemeClr val="tx1">
+                <a:alpha val="49000"/>
+              </a:schemeClr>
+            </a:solidFill>
+            <a:round/>
+            <a:tailEnd type="none" w="sm" len="sm"/>
+          </a:ln>
+        </p:spPr>
+        <p:style>
+          <a:lnRef idx="1">
+            <a:schemeClr val="accent1"/>
+          </a:lnRef>
+          <a:fillRef idx="0">
+            <a:schemeClr val="accent1"/>
+          </a:fillRef>
+          <a:effectRef idx="0">
+            <a:schemeClr val="accent1"/>
+          </a:effectRef>
+          <a:fontRef idx="minor">
+            <a:schemeClr val="tx1"/>
+          </a:fontRef>
+        </p:style>
+      </p:cxnSp>
+      <p:pic>
+        <p:nvPicPr>
+          <p:cNvPr id="11287" name="图片 2" descr="小组logo"/>
+          <p:cNvPicPr>
+            <a:picLocks noChangeAspect="1"/>
+          </p:cNvPicPr>
+          <p:nvPr/>
+        </p:nvPicPr>
+        <p:blipFill>
+          <a:blip r:embed="rId1"/>
+          <a:stretch>
+            <a:fillRect/>
+          </a:stretch>
+        </p:blipFill>
+        <p:spPr>
+          <a:xfrm>
+            <a:off x="10318750" y="-190500"/>
+            <a:ext cx="2105025" cy="2105025"/>
+          </a:xfrm>
+          <a:prstGeom prst="rect">
+            <a:avLst/>
+          </a:prstGeom>
+          <a:noFill/>
+          <a:ln w="9525">
+            <a:noFill/>
+          </a:ln>
+        </p:spPr>
+      </p:pic>
+      <p:pic>
+        <p:nvPicPr>
           <p:cNvPr id="2" name="图片 1"/>
           <p:cNvPicPr>
             <a:picLocks noChangeAspect="1"/>
@@ -2943,7 +4678,7 @@
 </p:sld>
 </file>
 
-<file path=ppt/slides/slide12.xml><?xml version="1.0" encoding="utf-8"?>
+<file path=ppt/slides/slide15.xml><?xml version="1.0" encoding="utf-8"?>
 <p:sld xmlns:a="http://schemas.openxmlformats.org/drawingml/2006/main" xmlns:r="http://schemas.openxmlformats.org/officeDocument/2006/relationships" xmlns:p="http://schemas.openxmlformats.org/presentationml/2006/main">
   <p:cSld>
     <p:spTree>
@@ -3578,7 +5313,7 @@
 </p:sld>
 </file>
 
-<file path=ppt/slides/slide13.xml><?xml version="1.0" encoding="utf-8"?>
+<file path=ppt/slides/slide16.xml><?xml version="1.0" encoding="utf-8"?>
 <p:sld xmlns:a="http://schemas.openxmlformats.org/drawingml/2006/main" xmlns:r="http://schemas.openxmlformats.org/officeDocument/2006/relationships" xmlns:p="http://schemas.openxmlformats.org/presentationml/2006/main">
   <p:cSld>
     <p:spTree>
@@ -4183,7 +5918,7 @@
 </p:sld>
 </file>
 
-<file path=ppt/slides/slide14.xml><?xml version="1.0" encoding="utf-8"?>
+<file path=ppt/slides/slide17.xml><?xml version="1.0" encoding="utf-8"?>
 <p:sld xmlns:a="http://schemas.openxmlformats.org/drawingml/2006/main" xmlns:r="http://schemas.openxmlformats.org/officeDocument/2006/relationships" xmlns:p="http://schemas.openxmlformats.org/presentationml/2006/main">
   <p:cSld>
     <p:spTree>
@@ -4646,7 +6381,7 @@
 </p:sld>
 </file>
 
-<file path=ppt/slides/slide15.xml><?xml version="1.0" encoding="utf-8"?>
+<file path=ppt/slides/slide18.xml><?xml version="1.0" encoding="utf-8"?>
 <p:sld xmlns:a="http://schemas.openxmlformats.org/drawingml/2006/main" xmlns:r="http://schemas.openxmlformats.org/officeDocument/2006/relationships" xmlns:p="http://schemas.openxmlformats.org/presentationml/2006/main">
   <p:cSld>
     <p:spTree>
@@ -4998,7 +6733,7 @@
 </p:sld>
 </file>
 
-<file path=ppt/slides/slide16.xml><?xml version="1.0" encoding="utf-8"?>
+<file path=ppt/slides/slide19.xml><?xml version="1.0" encoding="utf-8"?>
 <p:sld xmlns:a="http://schemas.openxmlformats.org/drawingml/2006/main" xmlns:r="http://schemas.openxmlformats.org/officeDocument/2006/relationships" xmlns:p="http://schemas.openxmlformats.org/presentationml/2006/main">
   <p:cSld>
     <p:spTree>
@@ -7309,412 +9044,6 @@
 </p:sld>
 </file>
 
-<file path=ppt/slides/slide17.xml><?xml version="1.0" encoding="utf-8"?>
-<p:sld xmlns:a="http://schemas.openxmlformats.org/drawingml/2006/main" xmlns:r="http://schemas.openxmlformats.org/officeDocument/2006/relationships" xmlns:p="http://schemas.openxmlformats.org/presentationml/2006/main">
-  <p:cSld>
-    <p:spTree>
-      <p:nvGrpSpPr>
-        <p:cNvPr id="1" name=""/>
-        <p:cNvGrpSpPr/>
-        <p:nvPr/>
-      </p:nvGrpSpPr>
-      <p:grpSpPr/>
-      <p:sp>
-        <p:nvSpPr>
-          <p:cNvPr id="32769" name="文本框 19"/>
-          <p:cNvSpPr txBox="1"/>
-          <p:nvPr/>
-        </p:nvSpPr>
-        <p:spPr>
-          <a:xfrm>
-            <a:off x="5257800" y="5559425"/>
-            <a:ext cx="1671638" cy="336550"/>
-          </a:xfrm>
-          <a:prstGeom prst="rect">
-            <a:avLst/>
-          </a:prstGeom>
-          <a:noFill/>
-          <a:ln w="9525">
-            <a:noFill/>
-          </a:ln>
-        </p:spPr>
-        <p:txBody>
-          <a:bodyPr wrap="none" anchor="t">
-            <a:spAutoFit/>
-          </a:bodyPr>
-          <a:p>
-            <a:pPr algn="ctr"/>
-            <a:r>
-              <a:rPr lang="zh-CN" altLang="en-US" sz="1600" dirty="0">
-                <a:solidFill>
-                  <a:schemeClr val="bg1"/>
-                </a:solidFill>
-                <a:latin typeface="微软雅黑" panose="020B0503020204020204" pitchFamily="34" charset="-122"/>
-                <a:ea typeface="微软雅黑" panose="020B0503020204020204" pitchFamily="34" charset="-122"/>
-              </a:rPr>
-              <a:t>报告人：</a:t>
-            </a:r>
-            <a:r>
-              <a:rPr lang="en-US" altLang="zh-CN" sz="1600" dirty="0">
-                <a:solidFill>
-                  <a:schemeClr val="bg1"/>
-                </a:solidFill>
-                <a:latin typeface="微软雅黑" panose="020B0503020204020204" pitchFamily="34" charset="-122"/>
-                <a:ea typeface="微软雅黑" panose="020B0503020204020204" pitchFamily="34" charset="-122"/>
-              </a:rPr>
-              <a:t>G2</a:t>
-            </a:r>
-            <a:r>
-              <a:rPr lang="zh-CN" altLang="en-US" sz="1600" dirty="0">
-                <a:solidFill>
-                  <a:schemeClr val="bg1"/>
-                </a:solidFill>
-                <a:latin typeface="微软雅黑" panose="020B0503020204020204" pitchFamily="34" charset="-122"/>
-                <a:ea typeface="微软雅黑" panose="020B0503020204020204" pitchFamily="34" charset="-122"/>
-              </a:rPr>
-              <a:t>小组</a:t>
-            </a:r>
-            <a:endParaRPr lang="zh-CN" altLang="en-US" sz="1600" dirty="0">
-              <a:solidFill>
-                <a:schemeClr val="bg1"/>
-              </a:solidFill>
-              <a:latin typeface="微软雅黑" panose="020B0503020204020204" pitchFamily="34" charset="-122"/>
-              <a:ea typeface="微软雅黑" panose="020B0503020204020204" pitchFamily="34" charset="-122"/>
-            </a:endParaRPr>
-          </a:p>
-        </p:txBody>
-      </p:sp>
-      <p:sp>
-        <p:nvSpPr>
-          <p:cNvPr id="32770" name="文本框 20"/>
-          <p:cNvSpPr txBox="1"/>
-          <p:nvPr/>
-        </p:nvSpPr>
-        <p:spPr>
-          <a:xfrm>
-            <a:off x="5087938" y="5894388"/>
-            <a:ext cx="2011362" cy="336550"/>
-          </a:xfrm>
-          <a:prstGeom prst="rect">
-            <a:avLst/>
-          </a:prstGeom>
-          <a:noFill/>
-          <a:ln w="9525">
-            <a:noFill/>
-          </a:ln>
-        </p:spPr>
-        <p:txBody>
-          <a:bodyPr wrap="none" anchor="t">
-            <a:spAutoFit/>
-          </a:bodyPr>
-          <a:p>
-            <a:pPr algn="ctr"/>
-            <a:r>
-              <a:rPr lang="zh-CN" altLang="en-US" sz="1600" dirty="0">
-                <a:solidFill>
-                  <a:schemeClr val="bg1"/>
-                </a:solidFill>
-                <a:latin typeface="微软雅黑" panose="020B0503020204020204" pitchFamily="34" charset="-122"/>
-                <a:ea typeface="微软雅黑" panose="020B0503020204020204" pitchFamily="34" charset="-122"/>
-              </a:rPr>
-              <a:t>指导老师：杨枨老师</a:t>
-            </a:r>
-            <a:endParaRPr lang="zh-CN" altLang="en-US" sz="1600" dirty="0">
-              <a:solidFill>
-                <a:schemeClr val="bg1"/>
-              </a:solidFill>
-              <a:latin typeface="微软雅黑" panose="020B0503020204020204" pitchFamily="34" charset="-122"/>
-              <a:ea typeface="微软雅黑" panose="020B0503020204020204" pitchFamily="34" charset="-122"/>
-            </a:endParaRPr>
-          </a:p>
-        </p:txBody>
-      </p:sp>
-      <p:grpSp>
-        <p:nvGrpSpPr>
-          <p:cNvPr id="32771" name="组合 7"/>
-          <p:cNvGrpSpPr/>
-          <p:nvPr/>
-        </p:nvGrpSpPr>
-        <p:grpSpPr>
-          <a:xfrm>
-            <a:off x="3825875" y="2709863"/>
-            <a:ext cx="4535488" cy="1381125"/>
-            <a:chOff x="3825885" y="2756938"/>
-            <a:chExt cx="4536000" cy="1380931"/>
-          </a:xfrm>
-        </p:grpSpPr>
-        <p:sp>
-          <p:nvSpPr>
-            <p:cNvPr id="32772" name="文本框 11"/>
-            <p:cNvSpPr txBox="1"/>
-            <p:nvPr/>
-          </p:nvSpPr>
-          <p:spPr>
-            <a:xfrm>
-              <a:off x="3944609" y="2904723"/>
-              <a:ext cx="4302780" cy="769441"/>
-            </a:xfrm>
-            <a:prstGeom prst="rect">
-              <a:avLst/>
-            </a:prstGeom>
-            <a:noFill/>
-            <a:ln w="9525">
-              <a:noFill/>
-            </a:ln>
-          </p:spPr>
-          <p:txBody>
-            <a:bodyPr wrap="none" anchor="t">
-              <a:spAutoFit/>
-            </a:bodyPr>
-            <a:p>
-              <a:pPr algn="ctr"/>
-              <a:r>
-                <a:rPr lang="zh-CN" altLang="en-US" sz="4400" b="1" dirty="0">
-                  <a:solidFill>
-                    <a:schemeClr val="bg1"/>
-                  </a:solidFill>
-                  <a:latin typeface="微软雅黑" panose="020B0503020204020204" pitchFamily="34" charset="-122"/>
-                  <a:ea typeface="微软雅黑" panose="020B0503020204020204" pitchFamily="34" charset="-122"/>
-                </a:rPr>
-                <a:t>介绍完毕 请指正</a:t>
-              </a:r>
-              <a:endParaRPr lang="zh-CN" altLang="en-US" sz="4400" b="1" dirty="0">
-                <a:solidFill>
-                  <a:schemeClr val="bg1"/>
-                </a:solidFill>
-                <a:latin typeface="微软雅黑" panose="020B0503020204020204" pitchFamily="34" charset="-122"/>
-                <a:ea typeface="微软雅黑" panose="020B0503020204020204" pitchFamily="34" charset="-122"/>
-              </a:endParaRPr>
-            </a:p>
-          </p:txBody>
-        </p:sp>
-        <p:sp>
-          <p:nvSpPr>
-            <p:cNvPr id="32773" name="文本框 12"/>
-            <p:cNvSpPr txBox="1"/>
-            <p:nvPr/>
-          </p:nvSpPr>
-          <p:spPr>
-            <a:xfrm>
-              <a:off x="4343371" y="3668506"/>
-              <a:ext cx="3505255" cy="276999"/>
-            </a:xfrm>
-            <a:prstGeom prst="rect">
-              <a:avLst/>
-            </a:prstGeom>
-            <a:noFill/>
-            <a:ln w="9525">
-              <a:noFill/>
-            </a:ln>
-          </p:spPr>
-          <p:txBody>
-            <a:bodyPr wrap="none" anchor="t">
-              <a:spAutoFit/>
-            </a:bodyPr>
-            <a:p>
-              <a:pPr algn="ctr"/>
-              <a:r>
-                <a:rPr lang="en-US" altLang="zh-CN" sz="1200" dirty="0">
-                  <a:solidFill>
-                    <a:schemeClr val="bg1"/>
-                  </a:solidFill>
-                  <a:latin typeface="微软雅黑" panose="020B0503020204020204" pitchFamily="34" charset="-122"/>
-                  <a:ea typeface="微软雅黑" panose="020B0503020204020204" pitchFamily="34" charset="-122"/>
-                </a:rPr>
-                <a:t>Introduction is completed, please correct me.</a:t>
-              </a:r>
-              <a:endParaRPr lang="zh-CN" altLang="en-US" sz="1200" dirty="0">
-                <a:solidFill>
-                  <a:schemeClr val="bg1"/>
-                </a:solidFill>
-                <a:latin typeface="微软雅黑" panose="020B0503020204020204" pitchFamily="34" charset="-122"/>
-                <a:ea typeface="微软雅黑" panose="020B0503020204020204" pitchFamily="34" charset="-122"/>
-              </a:endParaRPr>
-            </a:p>
-          </p:txBody>
-        </p:sp>
-        <p:cxnSp>
-          <p:nvCxnSpPr>
-            <p:cNvPr id="24" name="直接连接符 23"/>
-            <p:cNvCxnSpPr/>
-            <p:nvPr/>
-          </p:nvCxnSpPr>
-          <p:spPr>
-            <a:xfrm>
-              <a:off x="3825885" y="2756938"/>
-              <a:ext cx="4536000" cy="0"/>
-            </a:xfrm>
-            <a:prstGeom prst="line">
-              <a:avLst/>
-            </a:prstGeom>
-            <a:ln>
-              <a:solidFill>
-                <a:schemeClr val="bg1"/>
-              </a:solidFill>
-            </a:ln>
-          </p:spPr>
-          <p:style>
-            <a:lnRef idx="1">
-              <a:schemeClr val="accent1"/>
-            </a:lnRef>
-            <a:fillRef idx="0">
-              <a:schemeClr val="accent1"/>
-            </a:fillRef>
-            <a:effectRef idx="0">
-              <a:schemeClr val="accent1"/>
-            </a:effectRef>
-            <a:fontRef idx="minor">
-              <a:schemeClr val="tx1"/>
-            </a:fontRef>
-          </p:style>
-        </p:cxnSp>
-        <p:cxnSp>
-          <p:nvCxnSpPr>
-            <p:cNvPr id="25" name="直接连接符 24"/>
-            <p:cNvCxnSpPr/>
-            <p:nvPr/>
-          </p:nvCxnSpPr>
-          <p:spPr>
-            <a:xfrm>
-              <a:off x="3825885" y="4137869"/>
-              <a:ext cx="4536000" cy="0"/>
-            </a:xfrm>
-            <a:prstGeom prst="line">
-              <a:avLst/>
-            </a:prstGeom>
-            <a:ln>
-              <a:solidFill>
-                <a:schemeClr val="bg1"/>
-              </a:solidFill>
-            </a:ln>
-          </p:spPr>
-          <p:style>
-            <a:lnRef idx="1">
-              <a:schemeClr val="accent1"/>
-            </a:lnRef>
-            <a:fillRef idx="0">
-              <a:schemeClr val="accent1"/>
-            </a:fillRef>
-            <a:effectRef idx="0">
-              <a:schemeClr val="accent1"/>
-            </a:effectRef>
-            <a:fontRef idx="minor">
-              <a:schemeClr val="tx1"/>
-            </a:fontRef>
-          </p:style>
-        </p:cxnSp>
-      </p:grpSp>
-      <p:pic>
-        <p:nvPicPr>
-          <p:cNvPr id="32776" name="图片 13"/>
-          <p:cNvPicPr>
-            <a:picLocks noChangeAspect="1"/>
-          </p:cNvPicPr>
-          <p:nvPr/>
-        </p:nvPicPr>
-        <p:blipFill>
-          <a:blip r:embed="rId1"/>
-          <a:stretch>
-            <a:fillRect/>
-          </a:stretch>
-        </p:blipFill>
-        <p:spPr>
-          <a:xfrm>
-            <a:off x="5524500" y="1157288"/>
-            <a:ext cx="1138238" cy="1138237"/>
-          </a:xfrm>
-          <a:prstGeom prst="rect">
-            <a:avLst/>
-          </a:prstGeom>
-          <a:noFill/>
-          <a:ln w="9525">
-            <a:noFill/>
-          </a:ln>
-        </p:spPr>
-      </p:pic>
-      <p:sp>
-        <p:nvSpPr>
-          <p:cNvPr id="32777" name="矩形 2"/>
-          <p:cNvSpPr/>
-          <p:nvPr/>
-        </p:nvSpPr>
-        <p:spPr>
-          <a:xfrm>
-            <a:off x="4962525" y="2060575"/>
-            <a:ext cx="2262188" cy="369888"/>
-          </a:xfrm>
-          <a:prstGeom prst="rect">
-            <a:avLst/>
-          </a:prstGeom>
-          <a:solidFill>
-            <a:schemeClr val="accent2"/>
-          </a:solidFill>
-          <a:ln w="9525">
-            <a:noFill/>
-          </a:ln>
-        </p:spPr>
-        <p:txBody>
-          <a:bodyPr wrap="none" anchor="t">
-            <a:spAutoFit/>
-          </a:bodyPr>
-          <a:p>
-            <a:pPr algn="ctr"/>
-            <a:r>
-              <a:rPr lang="zh-CN" altLang="en-US" b="1" dirty="0">
-                <a:solidFill>
-                  <a:schemeClr val="bg1"/>
-                </a:solidFill>
-                <a:latin typeface="微软雅黑" panose="020B0503020204020204" pitchFamily="34" charset="-122"/>
-                <a:ea typeface="微软雅黑" panose="020B0503020204020204" pitchFamily="34" charset="-122"/>
-              </a:rPr>
-              <a:t>感谢老师们精心培养</a:t>
-            </a:r>
-            <a:endParaRPr lang="zh-CN" altLang="en-US" b="1" dirty="0">
-              <a:solidFill>
-                <a:schemeClr val="bg1"/>
-              </a:solidFill>
-              <a:latin typeface="微软雅黑" panose="020B0503020204020204" pitchFamily="34" charset="-122"/>
-              <a:ea typeface="微软雅黑" panose="020B0503020204020204" pitchFamily="34" charset="-122"/>
-            </a:endParaRPr>
-          </a:p>
-        </p:txBody>
-      </p:sp>
-      <p:pic>
-        <p:nvPicPr>
-          <p:cNvPr id="32778" name="图片 1" descr="小组logo"/>
-          <p:cNvPicPr>
-            <a:picLocks noChangeAspect="1"/>
-          </p:cNvPicPr>
-          <p:nvPr/>
-        </p:nvPicPr>
-        <p:blipFill>
-          <a:blip r:embed="rId2"/>
-          <a:stretch>
-            <a:fillRect/>
-          </a:stretch>
-        </p:blipFill>
-        <p:spPr>
-          <a:xfrm>
-            <a:off x="10318750" y="-190500"/>
-            <a:ext cx="2105025" cy="2105025"/>
-          </a:xfrm>
-          <a:prstGeom prst="rect">
-            <a:avLst/>
-          </a:prstGeom>
-          <a:noFill/>
-          <a:ln w="9525">
-            <a:noFill/>
-          </a:ln>
-        </p:spPr>
-      </p:pic>
-    </p:spTree>
-  </p:cSld>
-  <p:clrMapOvr>
-    <a:masterClrMapping/>
-  </p:clrMapOvr>
-</p:sld>
-</file>
-
 <file path=ppt/slides/slide2.xml><?xml version="1.0" encoding="utf-8"?>
 <p:sld xmlns:a="http://schemas.openxmlformats.org/drawingml/2006/main" xmlns:r="http://schemas.openxmlformats.org/officeDocument/2006/relationships" xmlns:p="http://schemas.openxmlformats.org/presentationml/2006/main">
   <p:cSld>
@@ -9217,6 +10546,412 @@
 </p:sld>
 </file>
 
+<file path=ppt/slides/slide20.xml><?xml version="1.0" encoding="utf-8"?>
+<p:sld xmlns:a="http://schemas.openxmlformats.org/drawingml/2006/main" xmlns:r="http://schemas.openxmlformats.org/officeDocument/2006/relationships" xmlns:p="http://schemas.openxmlformats.org/presentationml/2006/main">
+  <p:cSld>
+    <p:spTree>
+      <p:nvGrpSpPr>
+        <p:cNvPr id="1" name=""/>
+        <p:cNvGrpSpPr/>
+        <p:nvPr/>
+      </p:nvGrpSpPr>
+      <p:grpSpPr/>
+      <p:sp>
+        <p:nvSpPr>
+          <p:cNvPr id="32769" name="文本框 19"/>
+          <p:cNvSpPr txBox="1"/>
+          <p:nvPr/>
+        </p:nvSpPr>
+        <p:spPr>
+          <a:xfrm>
+            <a:off x="5257800" y="5559425"/>
+            <a:ext cx="1671638" cy="336550"/>
+          </a:xfrm>
+          <a:prstGeom prst="rect">
+            <a:avLst/>
+          </a:prstGeom>
+          <a:noFill/>
+          <a:ln w="9525">
+            <a:noFill/>
+          </a:ln>
+        </p:spPr>
+        <p:txBody>
+          <a:bodyPr wrap="none" anchor="t">
+            <a:spAutoFit/>
+          </a:bodyPr>
+          <a:p>
+            <a:pPr algn="ctr"/>
+            <a:r>
+              <a:rPr lang="zh-CN" altLang="en-US" sz="1600" dirty="0">
+                <a:solidFill>
+                  <a:schemeClr val="bg1"/>
+                </a:solidFill>
+                <a:latin typeface="微软雅黑" panose="020B0503020204020204" pitchFamily="34" charset="-122"/>
+                <a:ea typeface="微软雅黑" panose="020B0503020204020204" pitchFamily="34" charset="-122"/>
+              </a:rPr>
+              <a:t>报告人：</a:t>
+            </a:r>
+            <a:r>
+              <a:rPr lang="en-US" altLang="zh-CN" sz="1600" dirty="0">
+                <a:solidFill>
+                  <a:schemeClr val="bg1"/>
+                </a:solidFill>
+                <a:latin typeface="微软雅黑" panose="020B0503020204020204" pitchFamily="34" charset="-122"/>
+                <a:ea typeface="微软雅黑" panose="020B0503020204020204" pitchFamily="34" charset="-122"/>
+              </a:rPr>
+              <a:t>G2</a:t>
+            </a:r>
+            <a:r>
+              <a:rPr lang="zh-CN" altLang="en-US" sz="1600" dirty="0">
+                <a:solidFill>
+                  <a:schemeClr val="bg1"/>
+                </a:solidFill>
+                <a:latin typeface="微软雅黑" panose="020B0503020204020204" pitchFamily="34" charset="-122"/>
+                <a:ea typeface="微软雅黑" panose="020B0503020204020204" pitchFamily="34" charset="-122"/>
+              </a:rPr>
+              <a:t>小组</a:t>
+            </a:r>
+            <a:endParaRPr lang="zh-CN" altLang="en-US" sz="1600" dirty="0">
+              <a:solidFill>
+                <a:schemeClr val="bg1"/>
+              </a:solidFill>
+              <a:latin typeface="微软雅黑" panose="020B0503020204020204" pitchFamily="34" charset="-122"/>
+              <a:ea typeface="微软雅黑" panose="020B0503020204020204" pitchFamily="34" charset="-122"/>
+            </a:endParaRPr>
+          </a:p>
+        </p:txBody>
+      </p:sp>
+      <p:sp>
+        <p:nvSpPr>
+          <p:cNvPr id="32770" name="文本框 20"/>
+          <p:cNvSpPr txBox="1"/>
+          <p:nvPr/>
+        </p:nvSpPr>
+        <p:spPr>
+          <a:xfrm>
+            <a:off x="5087938" y="5894388"/>
+            <a:ext cx="2011362" cy="336550"/>
+          </a:xfrm>
+          <a:prstGeom prst="rect">
+            <a:avLst/>
+          </a:prstGeom>
+          <a:noFill/>
+          <a:ln w="9525">
+            <a:noFill/>
+          </a:ln>
+        </p:spPr>
+        <p:txBody>
+          <a:bodyPr wrap="none" anchor="t">
+            <a:spAutoFit/>
+          </a:bodyPr>
+          <a:p>
+            <a:pPr algn="ctr"/>
+            <a:r>
+              <a:rPr lang="zh-CN" altLang="en-US" sz="1600" dirty="0">
+                <a:solidFill>
+                  <a:schemeClr val="bg1"/>
+                </a:solidFill>
+                <a:latin typeface="微软雅黑" panose="020B0503020204020204" pitchFamily="34" charset="-122"/>
+                <a:ea typeface="微软雅黑" panose="020B0503020204020204" pitchFamily="34" charset="-122"/>
+              </a:rPr>
+              <a:t>指导老师：杨枨老师</a:t>
+            </a:r>
+            <a:endParaRPr lang="zh-CN" altLang="en-US" sz="1600" dirty="0">
+              <a:solidFill>
+                <a:schemeClr val="bg1"/>
+              </a:solidFill>
+              <a:latin typeface="微软雅黑" panose="020B0503020204020204" pitchFamily="34" charset="-122"/>
+              <a:ea typeface="微软雅黑" panose="020B0503020204020204" pitchFamily="34" charset="-122"/>
+            </a:endParaRPr>
+          </a:p>
+        </p:txBody>
+      </p:sp>
+      <p:grpSp>
+        <p:nvGrpSpPr>
+          <p:cNvPr id="32771" name="组合 7"/>
+          <p:cNvGrpSpPr/>
+          <p:nvPr/>
+        </p:nvGrpSpPr>
+        <p:grpSpPr>
+          <a:xfrm>
+            <a:off x="3825875" y="2709863"/>
+            <a:ext cx="4535488" cy="1381125"/>
+            <a:chOff x="3825885" y="2756938"/>
+            <a:chExt cx="4536000" cy="1380931"/>
+          </a:xfrm>
+        </p:grpSpPr>
+        <p:sp>
+          <p:nvSpPr>
+            <p:cNvPr id="32772" name="文本框 11"/>
+            <p:cNvSpPr txBox="1"/>
+            <p:nvPr/>
+          </p:nvSpPr>
+          <p:spPr>
+            <a:xfrm>
+              <a:off x="3944609" y="2904723"/>
+              <a:ext cx="4302780" cy="769441"/>
+            </a:xfrm>
+            <a:prstGeom prst="rect">
+              <a:avLst/>
+            </a:prstGeom>
+            <a:noFill/>
+            <a:ln w="9525">
+              <a:noFill/>
+            </a:ln>
+          </p:spPr>
+          <p:txBody>
+            <a:bodyPr wrap="none" anchor="t">
+              <a:spAutoFit/>
+            </a:bodyPr>
+            <a:p>
+              <a:pPr algn="ctr"/>
+              <a:r>
+                <a:rPr lang="zh-CN" altLang="en-US" sz="4400" b="1" dirty="0">
+                  <a:solidFill>
+                    <a:schemeClr val="bg1"/>
+                  </a:solidFill>
+                  <a:latin typeface="微软雅黑" panose="020B0503020204020204" pitchFamily="34" charset="-122"/>
+                  <a:ea typeface="微软雅黑" panose="020B0503020204020204" pitchFamily="34" charset="-122"/>
+                </a:rPr>
+                <a:t>介绍完毕 请指正</a:t>
+              </a:r>
+              <a:endParaRPr lang="zh-CN" altLang="en-US" sz="4400" b="1" dirty="0">
+                <a:solidFill>
+                  <a:schemeClr val="bg1"/>
+                </a:solidFill>
+                <a:latin typeface="微软雅黑" panose="020B0503020204020204" pitchFamily="34" charset="-122"/>
+                <a:ea typeface="微软雅黑" panose="020B0503020204020204" pitchFamily="34" charset="-122"/>
+              </a:endParaRPr>
+            </a:p>
+          </p:txBody>
+        </p:sp>
+        <p:sp>
+          <p:nvSpPr>
+            <p:cNvPr id="32773" name="文本框 12"/>
+            <p:cNvSpPr txBox="1"/>
+            <p:nvPr/>
+          </p:nvSpPr>
+          <p:spPr>
+            <a:xfrm>
+              <a:off x="4343371" y="3668506"/>
+              <a:ext cx="3505255" cy="276999"/>
+            </a:xfrm>
+            <a:prstGeom prst="rect">
+              <a:avLst/>
+            </a:prstGeom>
+            <a:noFill/>
+            <a:ln w="9525">
+              <a:noFill/>
+            </a:ln>
+          </p:spPr>
+          <p:txBody>
+            <a:bodyPr wrap="none" anchor="t">
+              <a:spAutoFit/>
+            </a:bodyPr>
+            <a:p>
+              <a:pPr algn="ctr"/>
+              <a:r>
+                <a:rPr lang="en-US" altLang="zh-CN" sz="1200" dirty="0">
+                  <a:solidFill>
+                    <a:schemeClr val="bg1"/>
+                  </a:solidFill>
+                  <a:latin typeface="微软雅黑" panose="020B0503020204020204" pitchFamily="34" charset="-122"/>
+                  <a:ea typeface="微软雅黑" panose="020B0503020204020204" pitchFamily="34" charset="-122"/>
+                </a:rPr>
+                <a:t>Introduction is completed, please correct me.</a:t>
+              </a:r>
+              <a:endParaRPr lang="zh-CN" altLang="en-US" sz="1200" dirty="0">
+                <a:solidFill>
+                  <a:schemeClr val="bg1"/>
+                </a:solidFill>
+                <a:latin typeface="微软雅黑" panose="020B0503020204020204" pitchFamily="34" charset="-122"/>
+                <a:ea typeface="微软雅黑" panose="020B0503020204020204" pitchFamily="34" charset="-122"/>
+              </a:endParaRPr>
+            </a:p>
+          </p:txBody>
+        </p:sp>
+        <p:cxnSp>
+          <p:nvCxnSpPr>
+            <p:cNvPr id="24" name="直接连接符 23"/>
+            <p:cNvCxnSpPr/>
+            <p:nvPr/>
+          </p:nvCxnSpPr>
+          <p:spPr>
+            <a:xfrm>
+              <a:off x="3825885" y="2756938"/>
+              <a:ext cx="4536000" cy="0"/>
+            </a:xfrm>
+            <a:prstGeom prst="line">
+              <a:avLst/>
+            </a:prstGeom>
+            <a:ln>
+              <a:solidFill>
+                <a:schemeClr val="bg1"/>
+              </a:solidFill>
+            </a:ln>
+          </p:spPr>
+          <p:style>
+            <a:lnRef idx="1">
+              <a:schemeClr val="accent1"/>
+            </a:lnRef>
+            <a:fillRef idx="0">
+              <a:schemeClr val="accent1"/>
+            </a:fillRef>
+            <a:effectRef idx="0">
+              <a:schemeClr val="accent1"/>
+            </a:effectRef>
+            <a:fontRef idx="minor">
+              <a:schemeClr val="tx1"/>
+            </a:fontRef>
+          </p:style>
+        </p:cxnSp>
+        <p:cxnSp>
+          <p:nvCxnSpPr>
+            <p:cNvPr id="25" name="直接连接符 24"/>
+            <p:cNvCxnSpPr/>
+            <p:nvPr/>
+          </p:nvCxnSpPr>
+          <p:spPr>
+            <a:xfrm>
+              <a:off x="3825885" y="4137869"/>
+              <a:ext cx="4536000" cy="0"/>
+            </a:xfrm>
+            <a:prstGeom prst="line">
+              <a:avLst/>
+            </a:prstGeom>
+            <a:ln>
+              <a:solidFill>
+                <a:schemeClr val="bg1"/>
+              </a:solidFill>
+            </a:ln>
+          </p:spPr>
+          <p:style>
+            <a:lnRef idx="1">
+              <a:schemeClr val="accent1"/>
+            </a:lnRef>
+            <a:fillRef idx="0">
+              <a:schemeClr val="accent1"/>
+            </a:fillRef>
+            <a:effectRef idx="0">
+              <a:schemeClr val="accent1"/>
+            </a:effectRef>
+            <a:fontRef idx="minor">
+              <a:schemeClr val="tx1"/>
+            </a:fontRef>
+          </p:style>
+        </p:cxnSp>
+      </p:grpSp>
+      <p:pic>
+        <p:nvPicPr>
+          <p:cNvPr id="32776" name="图片 13"/>
+          <p:cNvPicPr>
+            <a:picLocks noChangeAspect="1"/>
+          </p:cNvPicPr>
+          <p:nvPr/>
+        </p:nvPicPr>
+        <p:blipFill>
+          <a:blip r:embed="rId1"/>
+          <a:stretch>
+            <a:fillRect/>
+          </a:stretch>
+        </p:blipFill>
+        <p:spPr>
+          <a:xfrm>
+            <a:off x="5524500" y="1157288"/>
+            <a:ext cx="1138238" cy="1138237"/>
+          </a:xfrm>
+          <a:prstGeom prst="rect">
+            <a:avLst/>
+          </a:prstGeom>
+          <a:noFill/>
+          <a:ln w="9525">
+            <a:noFill/>
+          </a:ln>
+        </p:spPr>
+      </p:pic>
+      <p:sp>
+        <p:nvSpPr>
+          <p:cNvPr id="32777" name="矩形 2"/>
+          <p:cNvSpPr/>
+          <p:nvPr/>
+        </p:nvSpPr>
+        <p:spPr>
+          <a:xfrm>
+            <a:off x="4962525" y="2060575"/>
+            <a:ext cx="2262188" cy="369888"/>
+          </a:xfrm>
+          <a:prstGeom prst="rect">
+            <a:avLst/>
+          </a:prstGeom>
+          <a:solidFill>
+            <a:schemeClr val="accent2"/>
+          </a:solidFill>
+          <a:ln w="9525">
+            <a:noFill/>
+          </a:ln>
+        </p:spPr>
+        <p:txBody>
+          <a:bodyPr wrap="none" anchor="t">
+            <a:spAutoFit/>
+          </a:bodyPr>
+          <a:p>
+            <a:pPr algn="ctr"/>
+            <a:r>
+              <a:rPr lang="zh-CN" altLang="en-US" b="1" dirty="0">
+                <a:solidFill>
+                  <a:schemeClr val="bg1"/>
+                </a:solidFill>
+                <a:latin typeface="微软雅黑" panose="020B0503020204020204" pitchFamily="34" charset="-122"/>
+                <a:ea typeface="微软雅黑" panose="020B0503020204020204" pitchFamily="34" charset="-122"/>
+              </a:rPr>
+              <a:t>感谢老师们精心培养</a:t>
+            </a:r>
+            <a:endParaRPr lang="zh-CN" altLang="en-US" b="1" dirty="0">
+              <a:solidFill>
+                <a:schemeClr val="bg1"/>
+              </a:solidFill>
+              <a:latin typeface="微软雅黑" panose="020B0503020204020204" pitchFamily="34" charset="-122"/>
+              <a:ea typeface="微软雅黑" panose="020B0503020204020204" pitchFamily="34" charset="-122"/>
+            </a:endParaRPr>
+          </a:p>
+        </p:txBody>
+      </p:sp>
+      <p:pic>
+        <p:nvPicPr>
+          <p:cNvPr id="32778" name="图片 1" descr="小组logo"/>
+          <p:cNvPicPr>
+            <a:picLocks noChangeAspect="1"/>
+          </p:cNvPicPr>
+          <p:nvPr/>
+        </p:nvPicPr>
+        <p:blipFill>
+          <a:blip r:embed="rId2"/>
+          <a:stretch>
+            <a:fillRect/>
+          </a:stretch>
+        </p:blipFill>
+        <p:spPr>
+          <a:xfrm>
+            <a:off x="10318750" y="-190500"/>
+            <a:ext cx="2105025" cy="2105025"/>
+          </a:xfrm>
+          <a:prstGeom prst="rect">
+            <a:avLst/>
+          </a:prstGeom>
+          <a:noFill/>
+          <a:ln w="9525">
+            <a:noFill/>
+          </a:ln>
+        </p:spPr>
+      </p:pic>
+    </p:spTree>
+  </p:cSld>
+  <p:clrMapOvr>
+    <a:masterClrMapping/>
+  </p:clrMapOvr>
+</p:sld>
+</file>
+
 <file path=ppt/slides/slide3.xml><?xml version="1.0" encoding="utf-8"?>
 <p:sld xmlns:a="http://schemas.openxmlformats.org/drawingml/2006/main" xmlns:r="http://schemas.openxmlformats.org/officeDocument/2006/relationships" xmlns:p="http://schemas.openxmlformats.org/presentationml/2006/main">
   <p:cSld>
@@ -10564,6 +12299,792 @@
         <p:nvPr/>
       </p:nvGrpSpPr>
       <p:grpSpPr/>
+      <p:sp>
+        <p:nvSpPr>
+          <p:cNvPr id="15" name="矩形 14"/>
+          <p:cNvSpPr/>
+          <p:nvPr/>
+        </p:nvSpPr>
+        <p:spPr>
+          <a:xfrm>
+            <a:off x="573088" y="163355"/>
+            <a:ext cx="1781175" cy="398780"/>
+          </a:xfrm>
+          <a:prstGeom prst="rect">
+            <a:avLst/>
+          </a:prstGeom>
+        </p:spPr>
+        <p:txBody>
+          <a:bodyPr wrap="square" anchor="ctr">
+            <a:spAutoFit/>
+          </a:bodyPr>
+          <a:lstStyle/>
+          <a:p>
+            <a:pPr marL="0" marR="0" lvl="0" indent="0" defTabSz="914400" eaLnBrk="1" fontAlgn="auto" latinLnBrk="0" hangingPunct="1">
+              <a:lnSpc>
+                <a:spcPct val="100000"/>
+              </a:lnSpc>
+              <a:spcBef>
+                <a:spcPts val="0"/>
+              </a:spcBef>
+              <a:spcAft>
+                <a:spcPts val="0"/>
+              </a:spcAft>
+              <a:buClrTx/>
+              <a:buSzTx/>
+              <a:buFontTx/>
+              <a:buNone/>
+              <a:defRPr/>
+            </a:pPr>
+            <a:r>
+              <a:rPr lang="zh-CN" altLang="en-US" sz="2000" b="1" kern="0" noProof="0" dirty="0" smtClean="0">
+                <a:ln>
+                  <a:noFill/>
+                </a:ln>
+                <a:effectLst/>
+                <a:uLnTx/>
+                <a:uFillTx/>
+                <a:latin typeface="微软雅黑" panose="020B0503020204020204" pitchFamily="34" charset="-122"/>
+                <a:ea typeface="微软雅黑" panose="020B0503020204020204" pitchFamily="34" charset="-122"/>
+                <a:cs typeface="微软雅黑" panose="020B0503020204020204" pitchFamily="34" charset="-122"/>
+                <a:sym typeface="+mn-ea"/>
+              </a:rPr>
+              <a:t>常用建模工具</a:t>
+            </a:r>
+            <a:endParaRPr kumimoji="0" lang="zh-CN" altLang="en-US" sz="2000" b="1" i="0" u="none" strike="noStrike" kern="0" cap="none" spc="0" normalizeH="0" baseline="0" noProof="0" dirty="0">
+              <a:ln>
+                <a:noFill/>
+              </a:ln>
+              <a:effectLst/>
+              <a:uLnTx/>
+              <a:uFillTx/>
+              <a:latin typeface="微软雅黑" panose="020B0503020204020204" pitchFamily="34" charset="-122"/>
+              <a:ea typeface="微软雅黑" panose="020B0503020204020204" pitchFamily="34" charset="-122"/>
+              <a:cs typeface="微软雅黑" panose="020B0503020204020204" pitchFamily="34" charset="-122"/>
+            </a:endParaRPr>
+          </a:p>
+        </p:txBody>
+      </p:sp>
+      <p:sp>
+        <p:nvSpPr>
+          <p:cNvPr id="16" name="矩形 15"/>
+          <p:cNvSpPr/>
+          <p:nvPr/>
+        </p:nvSpPr>
+        <p:spPr>
+          <a:xfrm>
+            <a:off x="2551430" y="210185"/>
+            <a:ext cx="1352550" cy="306705"/>
+          </a:xfrm>
+          <a:prstGeom prst="rect">
+            <a:avLst/>
+          </a:prstGeom>
+        </p:spPr>
+        <p:txBody>
+          <a:bodyPr wrap="none">
+            <a:spAutoFit/>
+          </a:bodyPr>
+          <a:lstStyle/>
+          <a:p>
+            <a:pPr marL="0" marR="0" lvl="0" indent="0" algn="l" defTabSz="914400" eaLnBrk="1" fontAlgn="auto" latinLnBrk="0" hangingPunct="1">
+              <a:lnSpc>
+                <a:spcPct val="100000"/>
+              </a:lnSpc>
+              <a:spcBef>
+                <a:spcPts val="0"/>
+              </a:spcBef>
+              <a:spcAft>
+                <a:spcPts val="0"/>
+              </a:spcAft>
+              <a:buClrTx/>
+              <a:buSzTx/>
+              <a:buFontTx/>
+              <a:buNone/>
+              <a:defRPr/>
+            </a:pPr>
+            <a:r>
+              <a:rPr lang="en-US" altLang="zh-CN" sz="1400" kern="0" noProof="0" dirty="0">
+                <a:ln>
+                  <a:noFill/>
+                </a:ln>
+                <a:effectLst/>
+                <a:uLnTx/>
+                <a:uFillTx/>
+                <a:latin typeface="微软雅黑" panose="020B0503020204020204" pitchFamily="34" charset="-122"/>
+                <a:ea typeface="微软雅黑" panose="020B0503020204020204" pitchFamily="34" charset="-122"/>
+                <a:sym typeface="+mn-ea"/>
+              </a:rPr>
+              <a:t>INSTRUMENT</a:t>
+            </a:r>
+            <a:endParaRPr kumimoji="1" lang="zh-CN" altLang="en-US" sz="1400" b="0" i="0" u="none" strike="noStrike" kern="0" cap="none" spc="0" normalizeH="0" baseline="0" noProof="0" dirty="0">
+              <a:ln>
+                <a:noFill/>
+              </a:ln>
+              <a:effectLst/>
+              <a:uLnTx/>
+              <a:uFillTx/>
+              <a:latin typeface="微软雅黑" panose="020B0503020204020204" pitchFamily="34" charset="-122"/>
+              <a:ea typeface="微软雅黑" panose="020B0503020204020204" pitchFamily="34" charset="-122"/>
+            </a:endParaRPr>
+          </a:p>
+        </p:txBody>
+      </p:sp>
+      <p:sp>
+        <p:nvSpPr>
+          <p:cNvPr id="13" name="矩形 12"/>
+          <p:cNvSpPr/>
+          <p:nvPr/>
+        </p:nvSpPr>
+        <p:spPr>
+          <a:xfrm>
+            <a:off x="169863" y="168275"/>
+            <a:ext cx="374650" cy="385763"/>
+          </a:xfrm>
+          <a:prstGeom prst="rect">
+            <a:avLst/>
+          </a:prstGeom>
+          <a:solidFill>
+            <a:schemeClr val="accent2"/>
+          </a:solidFill>
+          <a:ln>
+            <a:noFill/>
+          </a:ln>
+        </p:spPr>
+        <p:style>
+          <a:lnRef idx="2">
+            <a:schemeClr val="accent1">
+              <a:shade val="50000"/>
+            </a:schemeClr>
+          </a:lnRef>
+          <a:fillRef idx="1">
+            <a:schemeClr val="accent1"/>
+          </a:fillRef>
+          <a:effectRef idx="0">
+            <a:schemeClr val="accent1"/>
+          </a:effectRef>
+          <a:fontRef idx="minor">
+            <a:schemeClr val="lt1"/>
+          </a:fontRef>
+        </p:style>
+        <p:txBody>
+          <a:bodyPr rot="0" spcFirstLastPara="0" vertOverflow="overflow" horzOverflow="overflow" vert="horz" wrap="square" lIns="91440" tIns="45720" rIns="91440" bIns="45720" numCol="1" spcCol="0" rtlCol="0" fromWordArt="0" anchor="ctr" anchorCtr="0" forceAA="0" compatLnSpc="1">
+            <a:noAutofit/>
+          </a:bodyPr>
+          <a:lstStyle/>
+          <a:p>
+            <a:pPr algn="ctr" fontAlgn="auto"/>
+            <a:endParaRPr lang="zh-CN" altLang="en-US" strike="noStrike" noProof="1">
+              <a:solidFill>
+                <a:schemeClr val="tx1"/>
+              </a:solidFill>
+            </a:endParaRPr>
+          </a:p>
+        </p:txBody>
+      </p:sp>
+      <p:sp>
+        <p:nvSpPr>
+          <p:cNvPr id="14" name="矩形 13"/>
+          <p:cNvSpPr/>
+          <p:nvPr/>
+        </p:nvSpPr>
+        <p:spPr>
+          <a:xfrm>
+            <a:off x="-63500" y="161925"/>
+            <a:ext cx="866775" cy="400050"/>
+          </a:xfrm>
+          <a:prstGeom prst="rect">
+            <a:avLst/>
+          </a:prstGeom>
+        </p:spPr>
+        <p:txBody>
+          <a:bodyPr wrap="square" anchor="ctr">
+            <a:spAutoFit/>
+          </a:bodyPr>
+          <a:lstStyle/>
+          <a:p>
+            <a:pPr marL="0" marR="0" lvl="0" indent="0" algn="ctr" defTabSz="914400" eaLnBrk="1" fontAlgn="auto" latinLnBrk="0" hangingPunct="1">
+              <a:lnSpc>
+                <a:spcPct val="100000"/>
+              </a:lnSpc>
+              <a:spcBef>
+                <a:spcPts val="0"/>
+              </a:spcBef>
+              <a:spcAft>
+                <a:spcPts val="0"/>
+              </a:spcAft>
+              <a:buClrTx/>
+              <a:buSzTx/>
+              <a:buFontTx/>
+              <a:buNone/>
+              <a:defRPr/>
+            </a:pPr>
+            <a:r>
+              <a:rPr kumimoji="0" lang="en-US" altLang="zh-CN" sz="2000" b="0" i="0" u="none" strike="noStrike" kern="0" cap="none" spc="0" normalizeH="0" baseline="0" noProof="0" dirty="0" smtClean="0">
+                <a:ln>
+                  <a:noFill/>
+                </a:ln>
+                <a:solidFill>
+                  <a:schemeClr val="bg1"/>
+                </a:solidFill>
+                <a:effectLst/>
+                <a:uLnTx/>
+                <a:uFillTx/>
+                <a:latin typeface="微软雅黑" panose="020B0503020204020204" pitchFamily="34" charset="-122"/>
+                <a:ea typeface="微软雅黑" panose="020B0503020204020204" pitchFamily="34" charset="-122"/>
+                <a:cs typeface="微软雅黑" panose="020B0503020204020204" pitchFamily="34" charset="-122"/>
+              </a:rPr>
+              <a:t>01</a:t>
+            </a:r>
+            <a:endParaRPr kumimoji="0" lang="en-US" altLang="zh-CN" sz="2000" b="0" i="0" u="none" strike="noStrike" kern="0" cap="none" spc="0" normalizeH="0" baseline="0" noProof="0" dirty="0">
+              <a:ln>
+                <a:noFill/>
+              </a:ln>
+              <a:solidFill>
+                <a:schemeClr val="bg1"/>
+              </a:solidFill>
+              <a:effectLst/>
+              <a:uLnTx/>
+              <a:uFillTx/>
+              <a:latin typeface="微软雅黑" panose="020B0503020204020204" pitchFamily="34" charset="-122"/>
+              <a:ea typeface="微软雅黑" panose="020B0503020204020204" pitchFamily="34" charset="-122"/>
+              <a:cs typeface="微软雅黑" panose="020B0503020204020204" pitchFamily="34" charset="-122"/>
+            </a:endParaRPr>
+          </a:p>
+        </p:txBody>
+      </p:sp>
+      <p:cxnSp>
+        <p:nvCxnSpPr>
+          <p:cNvPr id="17" name="直接连接符 16"/>
+          <p:cNvCxnSpPr/>
+          <p:nvPr/>
+        </p:nvCxnSpPr>
+        <p:spPr>
+          <a:xfrm>
+            <a:off x="4573905" y="363855"/>
+            <a:ext cx="7724775" cy="0"/>
+          </a:xfrm>
+          <a:prstGeom prst="line">
+            <a:avLst/>
+          </a:prstGeom>
+          <a:ln>
+            <a:solidFill>
+              <a:schemeClr val="tx1"/>
+            </a:solidFill>
+          </a:ln>
+        </p:spPr>
+        <p:style>
+          <a:lnRef idx="1">
+            <a:schemeClr val="accent1"/>
+          </a:lnRef>
+          <a:fillRef idx="0">
+            <a:schemeClr val="accent1"/>
+          </a:fillRef>
+          <a:effectRef idx="0">
+            <a:schemeClr val="accent1"/>
+          </a:effectRef>
+          <a:fontRef idx="minor">
+            <a:schemeClr val="tx1"/>
+          </a:fontRef>
+        </p:style>
+      </p:cxnSp>
+      <p:cxnSp>
+        <p:nvCxnSpPr>
+          <p:cNvPr id="19" name="直接连接符 18"/>
+          <p:cNvCxnSpPr/>
+          <p:nvPr/>
+        </p:nvCxnSpPr>
+        <p:spPr>
+          <a:xfrm>
+            <a:off x="2337753" y="246063"/>
+            <a:ext cx="1588" cy="230188"/>
+          </a:xfrm>
+          <a:prstGeom prst="line">
+            <a:avLst/>
+          </a:prstGeom>
+          <a:ln w="12700" cap="rnd">
+            <a:solidFill>
+              <a:schemeClr val="tx1">
+                <a:alpha val="49000"/>
+              </a:schemeClr>
+            </a:solidFill>
+            <a:round/>
+            <a:tailEnd type="none" w="sm" len="sm"/>
+          </a:ln>
+        </p:spPr>
+        <p:style>
+          <a:lnRef idx="1">
+            <a:schemeClr val="accent1"/>
+          </a:lnRef>
+          <a:fillRef idx="0">
+            <a:schemeClr val="accent1"/>
+          </a:fillRef>
+          <a:effectRef idx="0">
+            <a:schemeClr val="accent1"/>
+          </a:effectRef>
+          <a:fontRef idx="minor">
+            <a:schemeClr val="tx1"/>
+          </a:fontRef>
+        </p:style>
+      </p:cxnSp>
+      <p:sp>
+        <p:nvSpPr>
+          <p:cNvPr id="10" name="矩形 9"/>
+          <p:cNvSpPr/>
+          <p:nvPr/>
+        </p:nvSpPr>
+        <p:spPr>
+          <a:xfrm>
+            <a:off x="2009775" y="2176463"/>
+            <a:ext cx="34925" cy="2028825"/>
+          </a:xfrm>
+          <a:prstGeom prst="rect">
+            <a:avLst/>
+          </a:prstGeom>
+          <a:solidFill>
+            <a:schemeClr val="accent2"/>
+          </a:solidFill>
+          <a:ln>
+            <a:noFill/>
+          </a:ln>
+        </p:spPr>
+        <p:style>
+          <a:lnRef idx="2">
+            <a:schemeClr val="accent1">
+              <a:shade val="50000"/>
+            </a:schemeClr>
+          </a:lnRef>
+          <a:fillRef idx="1">
+            <a:schemeClr val="accent1"/>
+          </a:fillRef>
+          <a:effectRef idx="0">
+            <a:schemeClr val="accent1"/>
+          </a:effectRef>
+          <a:fontRef idx="minor">
+            <a:schemeClr val="lt1"/>
+          </a:fontRef>
+        </p:style>
+        <p:txBody>
+          <a:bodyPr rot="0" spcFirstLastPara="0" vertOverflow="overflow" horzOverflow="overflow" vert="horz" wrap="square" lIns="91440" tIns="45720" rIns="91440" bIns="45720" numCol="1" spcCol="0" rtlCol="0" fromWordArt="0" anchor="ctr" anchorCtr="0" forceAA="0" compatLnSpc="1">
+            <a:noAutofit/>
+          </a:bodyPr>
+          <a:lstStyle/>
+          <a:p>
+            <a:pPr algn="ctr" fontAlgn="auto"/>
+            <a:endParaRPr lang="zh-CN" altLang="en-US" strike="noStrike" noProof="1">
+              <a:solidFill>
+                <a:schemeClr val="tx1"/>
+              </a:solidFill>
+            </a:endParaRPr>
+          </a:p>
+        </p:txBody>
+      </p:sp>
+      <p:pic>
+        <p:nvPicPr>
+          <p:cNvPr id="8202" name="图片 2" descr="小组logo"/>
+          <p:cNvPicPr>
+            <a:picLocks noChangeAspect="1"/>
+          </p:cNvPicPr>
+          <p:nvPr/>
+        </p:nvPicPr>
+        <p:blipFill>
+          <a:blip r:embed="rId1"/>
+          <a:stretch>
+            <a:fillRect/>
+          </a:stretch>
+        </p:blipFill>
+        <p:spPr>
+          <a:xfrm>
+            <a:off x="10318750" y="-190500"/>
+            <a:ext cx="2105025" cy="2105025"/>
+          </a:xfrm>
+          <a:prstGeom prst="rect">
+            <a:avLst/>
+          </a:prstGeom>
+          <a:noFill/>
+          <a:ln w="9525">
+            <a:noFill/>
+          </a:ln>
+        </p:spPr>
+      </p:pic>
+      <p:sp>
+        <p:nvSpPr>
+          <p:cNvPr id="4" name="矩形 3"/>
+          <p:cNvSpPr/>
+          <p:nvPr/>
+        </p:nvSpPr>
+        <p:spPr>
+          <a:xfrm>
+            <a:off x="2354580" y="2468880"/>
+            <a:ext cx="2898140" cy="460375"/>
+          </a:xfrm>
+          <a:prstGeom prst="rect">
+            <a:avLst/>
+          </a:prstGeom>
+        </p:spPr>
+        <p:txBody>
+          <a:bodyPr wrap="square" anchor="ctr">
+            <a:spAutoFit/>
+          </a:bodyPr>
+          <a:p>
+            <a:pPr marL="0" marR="0" lvl="0" indent="0" defTabSz="914400" eaLnBrk="1" fontAlgn="auto" latinLnBrk="0" hangingPunct="1">
+              <a:lnSpc>
+                <a:spcPct val="100000"/>
+              </a:lnSpc>
+              <a:spcBef>
+                <a:spcPts val="0"/>
+              </a:spcBef>
+              <a:spcAft>
+                <a:spcPts val="0"/>
+              </a:spcAft>
+              <a:buClrTx/>
+              <a:buSzTx/>
+              <a:buFontTx/>
+              <a:buNone/>
+              <a:defRPr/>
+            </a:pPr>
+            <a:r>
+              <a:rPr kumimoji="0" lang="en-US" altLang="zh-CN" sz="2400" b="1" i="0" u="none" strike="noStrike" kern="0" cap="none" spc="0" normalizeH="0" baseline="0" noProof="0" dirty="0" smtClean="0">
+                <a:ln>
+                  <a:noFill/>
+                </a:ln>
+                <a:effectLst/>
+                <a:uLnTx/>
+                <a:uFillTx/>
+                <a:latin typeface="微软雅黑" panose="020B0503020204020204" pitchFamily="34" charset="-122"/>
+                <a:ea typeface="微软雅黑" panose="020B0503020204020204" pitchFamily="34" charset="-122"/>
+                <a:cs typeface="微软雅黑" panose="020B0503020204020204" pitchFamily="34" charset="-122"/>
+              </a:rPr>
+              <a:t>Rational Rose</a:t>
+            </a:r>
+            <a:endParaRPr kumimoji="0" lang="en-US" altLang="zh-CN" sz="2400" b="1" i="0" u="none" strike="noStrike" kern="0" cap="none" spc="0" normalizeH="0" baseline="0" noProof="0" dirty="0" smtClean="0">
+              <a:ln>
+                <a:noFill/>
+              </a:ln>
+              <a:effectLst/>
+              <a:uLnTx/>
+              <a:uFillTx/>
+              <a:latin typeface="微软雅黑" panose="020B0503020204020204" pitchFamily="34" charset="-122"/>
+              <a:ea typeface="微软雅黑" panose="020B0503020204020204" pitchFamily="34" charset="-122"/>
+              <a:cs typeface="微软雅黑" panose="020B0503020204020204" pitchFamily="34" charset="-122"/>
+            </a:endParaRPr>
+          </a:p>
+        </p:txBody>
+      </p:sp>
+      <p:sp>
+        <p:nvSpPr>
+          <p:cNvPr id="5" name="矩形 4"/>
+          <p:cNvSpPr/>
+          <p:nvPr/>
+        </p:nvSpPr>
+        <p:spPr>
+          <a:xfrm>
+            <a:off x="2009775" y="2176463"/>
+            <a:ext cx="36513" cy="2028825"/>
+          </a:xfrm>
+          <a:prstGeom prst="rect">
+            <a:avLst/>
+          </a:prstGeom>
+          <a:solidFill>
+            <a:schemeClr val="accent2"/>
+          </a:solidFill>
+          <a:ln>
+            <a:noFill/>
+          </a:ln>
+        </p:spPr>
+        <p:style>
+          <a:lnRef idx="2">
+            <a:schemeClr val="accent1">
+              <a:shade val="50000"/>
+            </a:schemeClr>
+          </a:lnRef>
+          <a:fillRef idx="1">
+            <a:schemeClr val="accent1"/>
+          </a:fillRef>
+          <a:effectRef idx="0">
+            <a:schemeClr val="accent1"/>
+          </a:effectRef>
+          <a:fontRef idx="minor">
+            <a:schemeClr val="lt1"/>
+          </a:fontRef>
+        </p:style>
+        <p:txBody>
+          <a:bodyPr rot="0" spcFirstLastPara="0" vertOverflow="overflow" horzOverflow="overflow" vert="horz" wrap="square" lIns="91440" tIns="45720" rIns="91440" bIns="45720" numCol="1" spcCol="0" rtlCol="0" fromWordArt="0" anchor="ctr" anchorCtr="0" forceAA="0" compatLnSpc="1">
+            <a:noAutofit/>
+          </a:bodyPr>
+          <a:p>
+            <a:pPr algn="ctr" fontAlgn="auto"/>
+            <a:endParaRPr lang="zh-CN" altLang="en-US" strike="noStrike" noProof="1">
+              <a:solidFill>
+                <a:schemeClr val="tx1"/>
+              </a:solidFill>
+            </a:endParaRPr>
+          </a:p>
+        </p:txBody>
+      </p:sp>
+      <p:sp>
+        <p:nvSpPr>
+          <p:cNvPr id="3" name="矩形 2"/>
+          <p:cNvSpPr/>
+          <p:nvPr/>
+        </p:nvSpPr>
+        <p:spPr>
+          <a:xfrm>
+            <a:off x="2338070" y="2961005"/>
+            <a:ext cx="2898140" cy="460375"/>
+          </a:xfrm>
+          <a:prstGeom prst="rect">
+            <a:avLst/>
+          </a:prstGeom>
+        </p:spPr>
+        <p:txBody>
+          <a:bodyPr wrap="square" anchor="ctr">
+            <a:spAutoFit/>
+          </a:bodyPr>
+          <a:p>
+            <a:pPr marL="0" marR="0" lvl="0" indent="0" defTabSz="914400" eaLnBrk="1" fontAlgn="auto" latinLnBrk="0" hangingPunct="1">
+              <a:lnSpc>
+                <a:spcPct val="100000"/>
+              </a:lnSpc>
+              <a:spcBef>
+                <a:spcPts val="0"/>
+              </a:spcBef>
+              <a:spcAft>
+                <a:spcPts val="0"/>
+              </a:spcAft>
+              <a:buClrTx/>
+              <a:buSzTx/>
+              <a:buFontTx/>
+              <a:buNone/>
+              <a:defRPr/>
+            </a:pPr>
+            <a:r>
+              <a:rPr lang="en-US" altLang="zh-CN" sz="2400" b="1" kern="0" noProof="0" dirty="0" smtClean="0">
+                <a:ln>
+                  <a:noFill/>
+                </a:ln>
+                <a:effectLst/>
+                <a:uLnTx/>
+                <a:uFillTx/>
+                <a:latin typeface="微软雅黑" panose="020B0503020204020204" pitchFamily="34" charset="-122"/>
+                <a:ea typeface="微软雅黑" panose="020B0503020204020204" pitchFamily="34" charset="-122"/>
+                <a:cs typeface="微软雅黑" panose="020B0503020204020204" pitchFamily="34" charset="-122"/>
+                <a:sym typeface="+mn-ea"/>
+              </a:rPr>
+              <a:t>Visio</a:t>
+            </a:r>
+            <a:endParaRPr kumimoji="0" lang="en-US" altLang="zh-CN" sz="2400" b="1" i="0" u="none" strike="noStrike" kern="0" cap="none" spc="0" normalizeH="0" baseline="0" noProof="0" dirty="0" smtClean="0">
+              <a:ln>
+                <a:noFill/>
+              </a:ln>
+              <a:effectLst/>
+              <a:uLnTx/>
+              <a:uFillTx/>
+              <a:latin typeface="微软雅黑" panose="020B0503020204020204" pitchFamily="34" charset="-122"/>
+              <a:ea typeface="微软雅黑" panose="020B0503020204020204" pitchFamily="34" charset="-122"/>
+              <a:cs typeface="微软雅黑" panose="020B0503020204020204" pitchFamily="34" charset="-122"/>
+            </a:endParaRPr>
+          </a:p>
+        </p:txBody>
+      </p:sp>
+      <p:sp>
+        <p:nvSpPr>
+          <p:cNvPr id="6" name="矩形 5"/>
+          <p:cNvSpPr/>
+          <p:nvPr/>
+        </p:nvSpPr>
+        <p:spPr>
+          <a:xfrm>
+            <a:off x="2339975" y="3457575"/>
+            <a:ext cx="2898140" cy="460375"/>
+          </a:xfrm>
+          <a:prstGeom prst="rect">
+            <a:avLst/>
+          </a:prstGeom>
+        </p:spPr>
+        <p:txBody>
+          <a:bodyPr wrap="square" anchor="ctr">
+            <a:spAutoFit/>
+          </a:bodyPr>
+          <a:p>
+            <a:pPr marL="0" marR="0" lvl="0" indent="0" defTabSz="914400" eaLnBrk="1" fontAlgn="auto" latinLnBrk="0" hangingPunct="1">
+              <a:lnSpc>
+                <a:spcPct val="100000"/>
+              </a:lnSpc>
+              <a:spcBef>
+                <a:spcPts val="0"/>
+              </a:spcBef>
+              <a:spcAft>
+                <a:spcPts val="0"/>
+              </a:spcAft>
+              <a:buClrTx/>
+              <a:buSzTx/>
+              <a:buFontTx/>
+              <a:buNone/>
+              <a:defRPr/>
+            </a:pPr>
+            <a:r>
+              <a:rPr lang="en-US" altLang="zh-CN" sz="2400" b="1" kern="0" noProof="0" dirty="0" smtClean="0">
+                <a:ln>
+                  <a:noFill/>
+                </a:ln>
+                <a:effectLst/>
+                <a:uLnTx/>
+                <a:uFillTx/>
+                <a:latin typeface="微软雅黑" panose="020B0503020204020204" pitchFamily="34" charset="-122"/>
+                <a:ea typeface="微软雅黑" panose="020B0503020204020204" pitchFamily="34" charset="-122"/>
+                <a:cs typeface="微软雅黑" panose="020B0503020204020204" pitchFamily="34" charset="-122"/>
+                <a:sym typeface="+mn-ea"/>
+              </a:rPr>
+              <a:t>Power designer</a:t>
+            </a:r>
+            <a:endParaRPr lang="en-US" altLang="zh-CN" sz="2400" b="1" kern="0" noProof="0" dirty="0" smtClean="0">
+              <a:ln>
+                <a:noFill/>
+              </a:ln>
+              <a:effectLst/>
+              <a:uLnTx/>
+              <a:uFillTx/>
+              <a:latin typeface="微软雅黑" panose="020B0503020204020204" pitchFamily="34" charset="-122"/>
+              <a:ea typeface="微软雅黑" panose="020B0503020204020204" pitchFamily="34" charset="-122"/>
+              <a:cs typeface="微软雅黑" panose="020B0503020204020204" pitchFamily="34" charset="-122"/>
+              <a:sym typeface="+mn-ea"/>
+            </a:endParaRPr>
+          </a:p>
+        </p:txBody>
+      </p:sp>
+      <p:sp>
+        <p:nvSpPr>
+          <p:cNvPr id="8" name="矩形 7"/>
+          <p:cNvSpPr/>
+          <p:nvPr/>
+        </p:nvSpPr>
+        <p:spPr>
+          <a:xfrm>
+            <a:off x="2338070" y="4003040"/>
+            <a:ext cx="2898140" cy="460375"/>
+          </a:xfrm>
+          <a:prstGeom prst="rect">
+            <a:avLst/>
+          </a:prstGeom>
+        </p:spPr>
+        <p:txBody>
+          <a:bodyPr wrap="square" anchor="ctr">
+            <a:spAutoFit/>
+          </a:bodyPr>
+          <a:p>
+            <a:pPr marL="0" marR="0" lvl="0" indent="0" defTabSz="914400" eaLnBrk="1" fontAlgn="auto" latinLnBrk="0" hangingPunct="1">
+              <a:lnSpc>
+                <a:spcPct val="100000"/>
+              </a:lnSpc>
+              <a:spcBef>
+                <a:spcPts val="0"/>
+              </a:spcBef>
+              <a:spcAft>
+                <a:spcPts val="0"/>
+              </a:spcAft>
+              <a:buClrTx/>
+              <a:buSzTx/>
+              <a:buFontTx/>
+              <a:buNone/>
+              <a:defRPr/>
+            </a:pPr>
+            <a:r>
+              <a:rPr lang="en-US" altLang="zh-CN" sz="2400" b="1" kern="0" noProof="0" dirty="0" smtClean="0">
+                <a:ln>
+                  <a:noFill/>
+                </a:ln>
+                <a:effectLst/>
+                <a:uLnTx/>
+                <a:uFillTx/>
+                <a:latin typeface="微软雅黑" panose="020B0503020204020204" pitchFamily="34" charset="-122"/>
+                <a:ea typeface="微软雅黑" panose="020B0503020204020204" pitchFamily="34" charset="-122"/>
+                <a:cs typeface="微软雅黑" panose="020B0503020204020204" pitchFamily="34" charset="-122"/>
+                <a:sym typeface="+mn-ea"/>
+              </a:rPr>
+              <a:t>StarUML</a:t>
+            </a:r>
+            <a:endParaRPr lang="en-US" altLang="zh-CN" sz="2400" b="1" kern="0" noProof="0" dirty="0" smtClean="0">
+              <a:ln>
+                <a:noFill/>
+              </a:ln>
+              <a:effectLst/>
+              <a:uLnTx/>
+              <a:uFillTx/>
+              <a:latin typeface="微软雅黑" panose="020B0503020204020204" pitchFamily="34" charset="-122"/>
+              <a:ea typeface="微软雅黑" panose="020B0503020204020204" pitchFamily="34" charset="-122"/>
+              <a:cs typeface="微软雅黑" panose="020B0503020204020204" pitchFamily="34" charset="-122"/>
+              <a:sym typeface="+mn-ea"/>
+            </a:endParaRPr>
+          </a:p>
+        </p:txBody>
+      </p:sp>
+      <p:sp>
+        <p:nvSpPr>
+          <p:cNvPr id="11" name="文本框 10"/>
+          <p:cNvSpPr txBox="1"/>
+          <p:nvPr/>
+        </p:nvSpPr>
+        <p:spPr>
+          <a:xfrm>
+            <a:off x="2338070" y="1330960"/>
+            <a:ext cx="7312660" cy="583565"/>
+          </a:xfrm>
+          <a:prstGeom prst="rect">
+            <a:avLst/>
+          </a:prstGeom>
+          <a:noFill/>
+        </p:spPr>
+        <p:txBody>
+          <a:bodyPr wrap="square" rtlCol="0">
+            <a:spAutoFit/>
+          </a:bodyPr>
+          <a:p>
+            <a:r>
+              <a:rPr lang="zh-CN" altLang="en-US" sz="3200"/>
+              <a:t>问题</a:t>
+            </a:r>
+            <a:r>
+              <a:rPr lang="en-US" altLang="zh-CN" sz="3200"/>
+              <a:t>1(</a:t>
+            </a:r>
+            <a:r>
+              <a:rPr lang="zh-CN" altLang="en-US" sz="3200">
+                <a:sym typeface="+mn-ea"/>
+              </a:rPr>
+              <a:t>送分题</a:t>
+            </a:r>
+            <a:r>
+              <a:rPr lang="en-US" altLang="zh-CN" sz="3200">
+                <a:sym typeface="+mn-ea"/>
+              </a:rPr>
+              <a:t>)</a:t>
+            </a:r>
+            <a:r>
+              <a:rPr lang="zh-CN" altLang="en-US" sz="3200"/>
+              <a:t>：刚刚讲了哪几样工具？</a:t>
+            </a:r>
+            <a:endParaRPr lang="en-US" altLang="zh-CN" sz="3200"/>
+          </a:p>
+        </p:txBody>
+      </p:sp>
+    </p:spTree>
+  </p:cSld>
+  <p:clrMapOvr>
+    <a:masterClrMapping/>
+  </p:clrMapOvr>
+</p:sld>
+</file>
+
+<file path=ppt/slides/slide6.xml><?xml version="1.0" encoding="utf-8"?>
+<p:sld xmlns:a="http://schemas.openxmlformats.org/drawingml/2006/main" xmlns:r="http://schemas.openxmlformats.org/officeDocument/2006/relationships" xmlns:p="http://schemas.openxmlformats.org/presentationml/2006/main">
+  <p:cSld>
+    <p:spTree>
+      <p:nvGrpSpPr>
+        <p:cNvPr id="1" name=""/>
+        <p:cNvGrpSpPr/>
+        <p:nvPr/>
+      </p:nvGrpSpPr>
+      <p:grpSpPr/>
       <p:cxnSp>
         <p:nvCxnSpPr>
           <p:cNvPr id="3" name="直接连接符 2"/>
@@ -10993,7 +13514,7 @@
 </p:sld>
 </file>
 
-<file path=ppt/slides/slide6.xml><?xml version="1.0" encoding="utf-8"?>
+<file path=ppt/slides/slide7.xml><?xml version="1.0" encoding="utf-8"?>
 <p:sld xmlns:a="http://schemas.openxmlformats.org/drawingml/2006/main" xmlns:r="http://schemas.openxmlformats.org/officeDocument/2006/relationships" xmlns:p="http://schemas.openxmlformats.org/presentationml/2006/main">
   <p:cSld>
     <p:spTree>
@@ -11483,489 +14004,6 @@
               <a:latin typeface="微软雅黑" panose="020B0503020204020204" pitchFamily="34" charset="-122"/>
               <a:ea typeface="微软雅黑" panose="020B0503020204020204" pitchFamily="34" charset="-122"/>
             </a:endParaRPr>
-          </a:p>
-        </p:txBody>
-      </p:sp>
-    </p:spTree>
-  </p:cSld>
-  <p:clrMapOvr>
-    <a:masterClrMapping/>
-  </p:clrMapOvr>
-</p:sld>
-</file>
-
-<file path=ppt/slides/slide7.xml><?xml version="1.0" encoding="utf-8"?>
-<p:sld xmlns:a="http://schemas.openxmlformats.org/drawingml/2006/main" xmlns:r="http://schemas.openxmlformats.org/officeDocument/2006/relationships" xmlns:p="http://schemas.openxmlformats.org/presentationml/2006/main">
-  <p:cSld>
-    <p:spTree>
-      <p:nvGrpSpPr>
-        <p:cNvPr id="1" name=""/>
-        <p:cNvGrpSpPr/>
-        <p:nvPr/>
-      </p:nvGrpSpPr>
-      <p:grpSpPr/>
-      <p:sp>
-        <p:nvSpPr>
-          <p:cNvPr id="15" name="矩形 14"/>
-          <p:cNvSpPr/>
-          <p:nvPr/>
-        </p:nvSpPr>
-        <p:spPr>
-          <a:xfrm>
-            <a:off x="573088" y="168117"/>
-            <a:ext cx="2127250" cy="398780"/>
-          </a:xfrm>
-          <a:prstGeom prst="rect">
-            <a:avLst/>
-          </a:prstGeom>
-        </p:spPr>
-        <p:txBody>
-          <a:bodyPr wrap="square" anchor="ctr">
-            <a:spAutoFit/>
-          </a:bodyPr>
-          <a:lstStyle/>
-          <a:p>
-            <a:pPr marL="0" marR="0" lvl="0" indent="0" defTabSz="914400" eaLnBrk="1" fontAlgn="auto" latinLnBrk="0" hangingPunct="1">
-              <a:lnSpc>
-                <a:spcPct val="100000"/>
-              </a:lnSpc>
-              <a:spcBef>
-                <a:spcPts val="0"/>
-              </a:spcBef>
-              <a:spcAft>
-                <a:spcPts val="0"/>
-              </a:spcAft>
-              <a:buClrTx/>
-              <a:buSzTx/>
-              <a:buFontTx/>
-              <a:buNone/>
-              <a:defRPr/>
-            </a:pPr>
-            <a:r>
-              <a:rPr lang="en-US" sz="2000" b="1" kern="0" noProof="0" dirty="0" smtClean="0">
-                <a:ln>
-                  <a:noFill/>
-                </a:ln>
-                <a:effectLst/>
-                <a:uLnTx/>
-                <a:uFillTx/>
-                <a:latin typeface="微软雅黑" panose="020B0503020204020204" pitchFamily="34" charset="-122"/>
-                <a:ea typeface="微软雅黑" panose="020B0503020204020204" pitchFamily="34" charset="-122"/>
-                <a:cs typeface="微软雅黑" panose="020B0503020204020204" pitchFamily="34" charset="-122"/>
-                <a:sym typeface="+mn-ea"/>
-              </a:rPr>
-              <a:t>Rose</a:t>
-            </a:r>
-            <a:r>
-              <a:rPr lang="zh-CN" altLang="en-US" sz="2000" b="1" kern="0" noProof="0" dirty="0" smtClean="0">
-                <a:ln>
-                  <a:noFill/>
-                </a:ln>
-                <a:effectLst/>
-                <a:uLnTx/>
-                <a:uFillTx/>
-                <a:latin typeface="微软雅黑" panose="020B0503020204020204" pitchFamily="34" charset="-122"/>
-                <a:ea typeface="微软雅黑" panose="020B0503020204020204" pitchFamily="34" charset="-122"/>
-                <a:cs typeface="微软雅黑" panose="020B0503020204020204" pitchFamily="34" charset="-122"/>
-                <a:sym typeface="+mn-ea"/>
-              </a:rPr>
-              <a:t>简介</a:t>
-            </a:r>
-            <a:endParaRPr kumimoji="0" lang="zh-CN" altLang="en-US" sz="2000" b="1" i="0" u="none" strike="noStrike" kern="0" cap="none" spc="0" normalizeH="0" baseline="0" noProof="0" dirty="0" smtClean="0">
-              <a:ln>
-                <a:noFill/>
-              </a:ln>
-              <a:effectLst/>
-              <a:uLnTx/>
-              <a:uFillTx/>
-              <a:latin typeface="微软雅黑" panose="020B0503020204020204" pitchFamily="34" charset="-122"/>
-              <a:ea typeface="微软雅黑" panose="020B0503020204020204" pitchFamily="34" charset="-122"/>
-              <a:cs typeface="微软雅黑" panose="020B0503020204020204" pitchFamily="34" charset="-122"/>
-            </a:endParaRPr>
-          </a:p>
-        </p:txBody>
-      </p:sp>
-      <p:sp>
-        <p:nvSpPr>
-          <p:cNvPr id="16" name="矩形 15"/>
-          <p:cNvSpPr/>
-          <p:nvPr/>
-        </p:nvSpPr>
-        <p:spPr>
-          <a:xfrm>
-            <a:off x="1871028" y="207963"/>
-            <a:ext cx="1573530" cy="306705"/>
-          </a:xfrm>
-          <a:prstGeom prst="rect">
-            <a:avLst/>
-          </a:prstGeom>
-        </p:spPr>
-        <p:txBody>
-          <a:bodyPr wrap="none">
-            <a:spAutoFit/>
-          </a:bodyPr>
-          <a:lstStyle/>
-          <a:p>
-            <a:pPr marL="0" marR="0" lvl="0" indent="0" algn="l" defTabSz="914400" eaLnBrk="1" fontAlgn="auto" latinLnBrk="0" hangingPunct="1">
-              <a:lnSpc>
-                <a:spcPct val="100000"/>
-              </a:lnSpc>
-              <a:spcBef>
-                <a:spcPts val="0"/>
-              </a:spcBef>
-              <a:spcAft>
-                <a:spcPts val="0"/>
-              </a:spcAft>
-              <a:buClrTx/>
-              <a:buSzTx/>
-              <a:buFontTx/>
-              <a:buNone/>
-              <a:defRPr/>
-            </a:pPr>
-            <a:r>
-              <a:rPr lang="en-US" altLang="zh-CN" sz="1400" kern="0" noProof="0" dirty="0">
-                <a:ln>
-                  <a:noFill/>
-                </a:ln>
-                <a:solidFill>
-                  <a:schemeClr val="tx1"/>
-                </a:solidFill>
-                <a:effectLst/>
-                <a:uLnTx/>
-                <a:uFillTx/>
-                <a:latin typeface="微软雅黑" panose="020B0503020204020204" pitchFamily="34" charset="-122"/>
-                <a:ea typeface="微软雅黑" panose="020B0503020204020204" pitchFamily="34" charset="-122"/>
-                <a:sym typeface="+mn-ea"/>
-              </a:rPr>
-              <a:t>INTRODUCTION</a:t>
-            </a:r>
-            <a:endParaRPr kumimoji="0" lang="en-US" altLang="zh-CN" sz="1400" b="0" i="0" u="none" strike="noStrike" kern="0" cap="none" spc="0" normalizeH="0" baseline="0" noProof="0" dirty="0" smtClean="0">
-              <a:ln>
-                <a:noFill/>
-              </a:ln>
-              <a:solidFill>
-                <a:schemeClr val="tx1"/>
-              </a:solidFill>
-              <a:effectLst/>
-              <a:uLnTx/>
-              <a:uFillTx/>
-              <a:latin typeface="微软雅黑" panose="020B0503020204020204" pitchFamily="34" charset="-122"/>
-              <a:ea typeface="微软雅黑" panose="020B0503020204020204" pitchFamily="34" charset="-122"/>
-              <a:sym typeface="+mn-ea"/>
-            </a:endParaRPr>
-          </a:p>
-        </p:txBody>
-      </p:sp>
-      <p:sp>
-        <p:nvSpPr>
-          <p:cNvPr id="13" name="矩形 12"/>
-          <p:cNvSpPr/>
-          <p:nvPr/>
-        </p:nvSpPr>
-        <p:spPr>
-          <a:xfrm>
-            <a:off x="169863" y="168275"/>
-            <a:ext cx="374650" cy="385763"/>
-          </a:xfrm>
-          <a:prstGeom prst="rect">
-            <a:avLst/>
-          </a:prstGeom>
-          <a:solidFill>
-            <a:schemeClr val="accent2"/>
-          </a:solidFill>
-          <a:ln>
-            <a:noFill/>
-          </a:ln>
-        </p:spPr>
-        <p:style>
-          <a:lnRef idx="2">
-            <a:schemeClr val="accent1">
-              <a:shade val="50000"/>
-            </a:schemeClr>
-          </a:lnRef>
-          <a:fillRef idx="1">
-            <a:schemeClr val="accent1"/>
-          </a:fillRef>
-          <a:effectRef idx="0">
-            <a:schemeClr val="accent1"/>
-          </a:effectRef>
-          <a:fontRef idx="minor">
-            <a:schemeClr val="lt1"/>
-          </a:fontRef>
-        </p:style>
-        <p:txBody>
-          <a:bodyPr rot="0" spcFirstLastPara="0" vertOverflow="overflow" horzOverflow="overflow" vert="horz" wrap="square" lIns="91440" tIns="45720" rIns="91440" bIns="45720" numCol="1" spcCol="0" rtlCol="0" fromWordArt="0" anchor="ctr" anchorCtr="0" forceAA="0" compatLnSpc="1">
-            <a:noAutofit/>
-          </a:bodyPr>
-          <a:lstStyle/>
-          <a:p>
-            <a:pPr algn="ctr" fontAlgn="auto"/>
-            <a:endParaRPr lang="zh-CN" altLang="en-US" strike="noStrike" noProof="1">
-              <a:solidFill>
-                <a:schemeClr val="tx1"/>
-              </a:solidFill>
-            </a:endParaRPr>
-          </a:p>
-        </p:txBody>
-      </p:sp>
-      <p:sp>
-        <p:nvSpPr>
-          <p:cNvPr id="14" name="矩形 13"/>
-          <p:cNvSpPr/>
-          <p:nvPr/>
-        </p:nvSpPr>
-        <p:spPr>
-          <a:xfrm>
-            <a:off x="-76200" y="161925"/>
-            <a:ext cx="866775" cy="400050"/>
-          </a:xfrm>
-          <a:prstGeom prst="rect">
-            <a:avLst/>
-          </a:prstGeom>
-        </p:spPr>
-        <p:txBody>
-          <a:bodyPr wrap="square" anchor="ctr">
-            <a:spAutoFit/>
-          </a:bodyPr>
-          <a:lstStyle/>
-          <a:p>
-            <a:pPr marL="0" marR="0" lvl="0" indent="0" algn="ctr" defTabSz="914400" eaLnBrk="1" fontAlgn="auto" latinLnBrk="0" hangingPunct="1">
-              <a:lnSpc>
-                <a:spcPct val="100000"/>
-              </a:lnSpc>
-              <a:spcBef>
-                <a:spcPts val="0"/>
-              </a:spcBef>
-              <a:spcAft>
-                <a:spcPts val="0"/>
-              </a:spcAft>
-              <a:buClrTx/>
-              <a:buSzTx/>
-              <a:buFontTx/>
-              <a:buNone/>
-              <a:defRPr/>
-            </a:pPr>
-            <a:r>
-              <a:rPr kumimoji="0" lang="en-US" altLang="zh-CN" sz="2000" b="0" i="0" u="none" strike="noStrike" kern="0" cap="none" spc="0" normalizeH="0" baseline="0" noProof="0" dirty="0" smtClean="0">
-                <a:ln>
-                  <a:noFill/>
-                </a:ln>
-                <a:solidFill>
-                  <a:schemeClr val="bg1"/>
-                </a:solidFill>
-                <a:effectLst/>
-                <a:uLnTx/>
-                <a:uFillTx/>
-                <a:latin typeface="微软雅黑" panose="020B0503020204020204" pitchFamily="34" charset="-122"/>
-                <a:ea typeface="微软雅黑" panose="020B0503020204020204" pitchFamily="34" charset="-122"/>
-                <a:cs typeface="微软雅黑" panose="020B0503020204020204" pitchFamily="34" charset="-122"/>
-              </a:rPr>
-              <a:t>02</a:t>
-            </a:r>
-            <a:endParaRPr kumimoji="0" lang="en-US" altLang="zh-CN" sz="2000" b="0" i="0" u="none" strike="noStrike" kern="0" cap="none" spc="0" normalizeH="0" baseline="0" noProof="0" dirty="0">
-              <a:ln>
-                <a:noFill/>
-              </a:ln>
-              <a:solidFill>
-                <a:schemeClr val="bg1"/>
-              </a:solidFill>
-              <a:effectLst/>
-              <a:uLnTx/>
-              <a:uFillTx/>
-              <a:latin typeface="微软雅黑" panose="020B0503020204020204" pitchFamily="34" charset="-122"/>
-              <a:ea typeface="微软雅黑" panose="020B0503020204020204" pitchFamily="34" charset="-122"/>
-              <a:cs typeface="微软雅黑" panose="020B0503020204020204" pitchFamily="34" charset="-122"/>
-            </a:endParaRPr>
-          </a:p>
-        </p:txBody>
-      </p:sp>
-      <p:cxnSp>
-        <p:nvCxnSpPr>
-          <p:cNvPr id="17" name="直接连接符 16"/>
-          <p:cNvCxnSpPr/>
-          <p:nvPr/>
-        </p:nvCxnSpPr>
-        <p:spPr>
-          <a:xfrm>
-            <a:off x="3589338" y="368300"/>
-            <a:ext cx="9029700" cy="0"/>
-          </a:xfrm>
-          <a:prstGeom prst="line">
-            <a:avLst/>
-          </a:prstGeom>
-          <a:ln>
-            <a:solidFill>
-              <a:schemeClr val="tx1"/>
-            </a:solidFill>
-          </a:ln>
-        </p:spPr>
-        <p:style>
-          <a:lnRef idx="1">
-            <a:schemeClr val="accent1"/>
-          </a:lnRef>
-          <a:fillRef idx="0">
-            <a:schemeClr val="accent1"/>
-          </a:fillRef>
-          <a:effectRef idx="0">
-            <a:schemeClr val="accent1"/>
-          </a:effectRef>
-          <a:fontRef idx="minor">
-            <a:schemeClr val="tx1"/>
-          </a:fontRef>
-        </p:style>
-      </p:cxnSp>
-      <p:cxnSp>
-        <p:nvCxnSpPr>
-          <p:cNvPr id="19" name="直接连接符 18"/>
-          <p:cNvCxnSpPr/>
-          <p:nvPr/>
-        </p:nvCxnSpPr>
-        <p:spPr>
-          <a:xfrm>
-            <a:off x="1863725" y="244475"/>
-            <a:ext cx="1588" cy="231775"/>
-          </a:xfrm>
-          <a:prstGeom prst="line">
-            <a:avLst/>
-          </a:prstGeom>
-          <a:ln w="12700" cap="rnd">
-            <a:solidFill>
-              <a:schemeClr val="tx1">
-                <a:alpha val="49000"/>
-              </a:schemeClr>
-            </a:solidFill>
-            <a:round/>
-            <a:tailEnd type="none" w="sm" len="sm"/>
-          </a:ln>
-        </p:spPr>
-        <p:style>
-          <a:lnRef idx="1">
-            <a:schemeClr val="accent1"/>
-          </a:lnRef>
-          <a:fillRef idx="0">
-            <a:schemeClr val="accent1"/>
-          </a:fillRef>
-          <a:effectRef idx="0">
-            <a:schemeClr val="accent1"/>
-          </a:effectRef>
-          <a:fontRef idx="minor">
-            <a:schemeClr val="tx1"/>
-          </a:fontRef>
-        </p:style>
-      </p:cxnSp>
-      <p:pic>
-        <p:nvPicPr>
-          <p:cNvPr id="11287" name="图片 2" descr="小组logo"/>
-          <p:cNvPicPr>
-            <a:picLocks noChangeAspect="1"/>
-          </p:cNvPicPr>
-          <p:nvPr/>
-        </p:nvPicPr>
-        <p:blipFill>
-          <a:blip r:embed="rId1"/>
-          <a:stretch>
-            <a:fillRect/>
-          </a:stretch>
-        </p:blipFill>
-        <p:spPr>
-          <a:xfrm>
-            <a:off x="10318750" y="-190500"/>
-            <a:ext cx="2105025" cy="2105025"/>
-          </a:xfrm>
-          <a:prstGeom prst="rect">
-            <a:avLst/>
-          </a:prstGeom>
-          <a:noFill/>
-          <a:ln w="9525">
-            <a:noFill/>
-          </a:ln>
-        </p:spPr>
-      </p:pic>
-      <p:sp>
-        <p:nvSpPr>
-          <p:cNvPr id="5" name="文本框 4"/>
-          <p:cNvSpPr txBox="1"/>
-          <p:nvPr/>
-        </p:nvSpPr>
-        <p:spPr>
-          <a:xfrm>
-            <a:off x="904875" y="1064895"/>
-            <a:ext cx="5209540" cy="460375"/>
-          </a:xfrm>
-          <a:prstGeom prst="rect">
-            <a:avLst/>
-          </a:prstGeom>
-          <a:noFill/>
-        </p:spPr>
-        <p:txBody>
-          <a:bodyPr wrap="square" rtlCol="0" anchor="t">
-            <a:spAutoFit/>
-          </a:bodyPr>
-          <a:p>
-            <a:r>
-              <a:rPr lang="en-US" altLang="zh-CN" sz="2400" b="1" kern="0" noProof="0" dirty="0" smtClean="0">
-                <a:ln>
-                  <a:noFill/>
-                </a:ln>
-                <a:effectLst/>
-                <a:uLnTx/>
-                <a:uFillTx/>
-                <a:latin typeface="微软雅黑" panose="020B0503020204020204" pitchFamily="34" charset="-122"/>
-                <a:ea typeface="微软雅黑" panose="020B0503020204020204" pitchFamily="34" charset="-122"/>
-                <a:cs typeface="微软雅黑" panose="020B0503020204020204" pitchFamily="34" charset="-122"/>
-              </a:rPr>
-              <a:t>Rational Rose的两个受欢迎的特征</a:t>
-            </a:r>
-            <a:endParaRPr lang="en-US" altLang="zh-CN" sz="2400" b="1" kern="0" noProof="0" dirty="0" smtClean="0">
-              <a:ln>
-                <a:noFill/>
-              </a:ln>
-              <a:effectLst/>
-              <a:uLnTx/>
-              <a:uFillTx/>
-              <a:latin typeface="微软雅黑" panose="020B0503020204020204" pitchFamily="34" charset="-122"/>
-              <a:ea typeface="微软雅黑" panose="020B0503020204020204" pitchFamily="34" charset="-122"/>
-              <a:cs typeface="微软雅黑" panose="020B0503020204020204" pitchFamily="34" charset="-122"/>
-            </a:endParaRPr>
-          </a:p>
-        </p:txBody>
-      </p:sp>
-      <p:sp>
-        <p:nvSpPr>
-          <p:cNvPr id="6" name="文本框 5"/>
-          <p:cNvSpPr txBox="1"/>
-          <p:nvPr/>
-        </p:nvSpPr>
-        <p:spPr>
-          <a:xfrm>
-            <a:off x="904875" y="2136775"/>
-            <a:ext cx="9596755" cy="2861310"/>
-          </a:xfrm>
-          <a:prstGeom prst="rect">
-            <a:avLst/>
-          </a:prstGeom>
-          <a:noFill/>
-        </p:spPr>
-        <p:txBody>
-          <a:bodyPr wrap="square" rtlCol="0" anchor="t">
-            <a:spAutoFit/>
-          </a:bodyPr>
-          <a:p>
-            <a:r>
-              <a:rPr lang="zh-CN" altLang="en-US" sz="2000" b="1"/>
-              <a:t>反复式发展 和 来回旅程工程 的能力</a:t>
-            </a:r>
-            <a:endParaRPr lang="zh-CN" altLang="en-US" sz="2000" b="1"/>
-          </a:p>
-          <a:p>
-            <a:endParaRPr lang="zh-CN" altLang="en-US" sz="2000" b="1"/>
-          </a:p>
-          <a:p>
-            <a:r>
-              <a:rPr lang="zh-CN" altLang="en-US" sz="2000"/>
-              <a:t>Rational Rose允许设计师利用反复发展（有时也叫进化式发展），因为在各个进程中新的应用能够被创建，通过把一个反复的输出变成下一个反复的输入。（这和瀑布式发展形成对比，在瀑布式发展中，在一个用户开始尝试之前整个工程被从头到尾的完成。）然后,当开发者开始理解组件之间是如何相互作用和在设计中进行调整时,Rational Rose能够通过回溯和更新模型的其余部分来保证代码的一致性，从而展现出被称为"来回旅程工程"的能力，Rational Rose是可扩展的，可以使用可下载附加项和第三方应用软件，它支持COM/DCOM (ActiveX)，JavaBeans 和 Corba组件标准.</a:t>
-            </a:r>
-            <a:endParaRPr lang="zh-CN" altLang="en-US" sz="2000"/>
           </a:p>
         </p:txBody>
       </p:sp>
@@ -12366,14 +14404,14 @@
       </p:pic>
       <p:sp>
         <p:nvSpPr>
-          <p:cNvPr id="6" name="文本框 5"/>
+          <p:cNvPr id="5" name="文本框 4"/>
           <p:cNvSpPr txBox="1"/>
           <p:nvPr/>
         </p:nvSpPr>
         <p:spPr>
           <a:xfrm>
-            <a:off x="544830" y="1720850"/>
-            <a:ext cx="10901045" cy="4523105"/>
+            <a:off x="904875" y="1064895"/>
+            <a:ext cx="5209540" cy="460375"/>
           </a:xfrm>
           <a:prstGeom prst="rect">
             <a:avLst/>
@@ -12386,63 +14424,43 @@
           </a:bodyPr>
           <a:p>
             <a:r>
-              <a:rPr lang="zh-CN" altLang="en-US" sz="2400"/>
-              <a:t>1、对业务进行建模（工作流）；</a:t>
-            </a:r>
-            <a:endParaRPr lang="zh-CN" altLang="en-US" sz="2400"/>
-          </a:p>
-          <a:p>
-            <a:endParaRPr lang="zh-CN" altLang="en-US" sz="2400"/>
-          </a:p>
-          <a:p>
-            <a:r>
-              <a:rPr lang="zh-CN" altLang="en-US" sz="2400"/>
-              <a:t>2、建立对象模型（表达信息系统内有哪些对象，它们之间是如何协作完成系统功能的）；</a:t>
-            </a:r>
-            <a:endParaRPr lang="zh-CN" altLang="en-US" sz="2400"/>
-          </a:p>
-          <a:p>
-            <a:endParaRPr lang="zh-CN" altLang="en-US" sz="2400"/>
-          </a:p>
-          <a:p>
-            <a:r>
-              <a:rPr lang="zh-CN" altLang="en-US" sz="2400"/>
-              <a:t>3、对数据库进行建模，并可以在对象模型和数据模型之间进行正、逆向工程，相互同步；</a:t>
-            </a:r>
-            <a:endParaRPr lang="zh-CN" altLang="en-US" sz="2400"/>
-          </a:p>
-          <a:p>
-            <a:endParaRPr lang="zh-CN" altLang="en-US" sz="2400"/>
-          </a:p>
-          <a:p>
-            <a:r>
-              <a:rPr lang="zh-CN" altLang="en-US" sz="2400"/>
-              <a:t>4、建立构件模型（表达信息系统的物理组成，如有什么文件、进程、线程、分布如何等等）；</a:t>
-            </a:r>
-            <a:endParaRPr lang="zh-CN" altLang="en-US" sz="2400"/>
-          </a:p>
-          <a:p>
-            <a:endParaRPr lang="zh-CN" altLang="en-US" sz="2400"/>
-          </a:p>
-          <a:p>
-            <a:r>
-              <a:rPr lang="zh-CN" altLang="en-US" sz="2400"/>
-              <a:t>5、生成目标语言的框架代码，如VB、JAVA、DELPHI等。</a:t>
-            </a:r>
-            <a:endParaRPr lang="zh-CN" altLang="en-US" sz="2400"/>
+              <a:rPr lang="en-US" altLang="zh-CN" sz="2400" b="1" kern="0" noProof="0" dirty="0" smtClean="0">
+                <a:ln>
+                  <a:noFill/>
+                </a:ln>
+                <a:effectLst/>
+                <a:uLnTx/>
+                <a:uFillTx/>
+                <a:latin typeface="微软雅黑" panose="020B0503020204020204" pitchFamily="34" charset="-122"/>
+                <a:ea typeface="微软雅黑" panose="020B0503020204020204" pitchFamily="34" charset="-122"/>
+                <a:cs typeface="微软雅黑" panose="020B0503020204020204" pitchFamily="34" charset="-122"/>
+              </a:rPr>
+              <a:t>Rational Rose的两个受欢迎的特征</a:t>
+            </a:r>
+            <a:endParaRPr lang="en-US" altLang="zh-CN" sz="2400" b="1" kern="0" noProof="0" dirty="0" smtClean="0">
+              <a:ln>
+                <a:noFill/>
+              </a:ln>
+              <a:effectLst/>
+              <a:uLnTx/>
+              <a:uFillTx/>
+              <a:latin typeface="微软雅黑" panose="020B0503020204020204" pitchFamily="34" charset="-122"/>
+              <a:ea typeface="微软雅黑" panose="020B0503020204020204" pitchFamily="34" charset="-122"/>
+              <a:cs typeface="微软雅黑" panose="020B0503020204020204" pitchFamily="34" charset="-122"/>
+            </a:endParaRPr>
           </a:p>
         </p:txBody>
       </p:sp>
       <p:sp>
         <p:nvSpPr>
-          <p:cNvPr id="2" name="文本框 1"/>
+          <p:cNvPr id="6" name="文本框 5"/>
           <p:cNvSpPr txBox="1"/>
           <p:nvPr/>
         </p:nvSpPr>
         <p:spPr>
           <a:xfrm>
-            <a:off x="696595" y="1033780"/>
-            <a:ext cx="7112000" cy="460375"/>
+            <a:off x="904875" y="2136775"/>
+            <a:ext cx="9596755" cy="2861310"/>
           </a:xfrm>
           <a:prstGeom prst="rect">
             <a:avLst/>
@@ -12450,19 +14468,25 @@
           <a:noFill/>
         </p:spPr>
         <p:txBody>
-          <a:bodyPr wrap="none" rtlCol="0" anchor="t">
+          <a:bodyPr wrap="square" rtlCol="0" anchor="t">
             <a:spAutoFit/>
           </a:bodyPr>
           <a:p>
             <a:r>
-              <a:rPr lang="zh-CN" altLang="en-US" sz="2400" b="1">
-                <a:sym typeface="+mn-ea"/>
-              </a:rPr>
-              <a:t>目前版本的Rational Rose可以用来做以下一些工作：</a:t>
-            </a:r>
-            <a:endParaRPr lang="zh-CN" altLang="en-US" sz="2400" b="1">
-              <a:sym typeface="+mn-ea"/>
-            </a:endParaRPr>
+              <a:rPr lang="zh-CN" altLang="en-US" sz="2000" b="1"/>
+              <a:t>反复式发展 和 来回旅程工程 的能力</a:t>
+            </a:r>
+            <a:endParaRPr lang="zh-CN" altLang="en-US" sz="2000" b="1"/>
+          </a:p>
+          <a:p>
+            <a:endParaRPr lang="zh-CN" altLang="en-US" sz="2000" b="1"/>
+          </a:p>
+          <a:p>
+            <a:r>
+              <a:rPr lang="zh-CN" altLang="en-US" sz="2000"/>
+              <a:t>Rational Rose允许设计师利用反复发展（有时也叫进化式发展），因为在各个进程中新的应用能够被创建，通过把一个反复的输出变成下一个反复的输入。（这和瀑布式发展形成对比，在瀑布式发展中，在一个用户开始尝试之前整个工程被从头到尾的完成。）然后,当开发者开始理解组件之间是如何相互作用和在设计中进行调整时,Rational Rose能够通过回溯和更新模型的其余部分来保证代码的一致性，从而展现出被称为"来回旅程工程"的能力，Rational Rose是可扩展的，可以使用可下载附加项和第三方应用软件，它支持COM/DCOM (ActiveX)，JavaBeans 和 Corba组件标准.</a:t>
+            </a:r>
+            <a:endParaRPr lang="zh-CN" altLang="en-US" sz="2000"/>
           </a:p>
         </p:txBody>
       </p:sp>
@@ -12471,238 +14495,6 @@
   <p:clrMapOvr>
     <a:masterClrMapping/>
   </p:clrMapOvr>
-  <p:timing>
-    <p:tnLst>
-      <p:par>
-        <p:cTn id="1" dur="indefinite" restart="never" nodeType="tmRoot">
-          <p:childTnLst>
-            <p:seq concurrent="1" nextAc="seek">
-              <p:cTn id="2" dur="indefinite" nodeType="mainSeq">
-                <p:childTnLst>
-                  <p:par>
-                    <p:cTn id="3" fill="hold">
-                      <p:stCondLst>
-                        <p:cond delay="indefinite"/>
-                      </p:stCondLst>
-                      <p:childTnLst>
-                        <p:par>
-                          <p:cTn id="4" fill="hold">
-                            <p:stCondLst>
-                              <p:cond delay="0"/>
-                            </p:stCondLst>
-                            <p:childTnLst>
-                              <p:par>
-                                <p:cTn id="5" presetID="2" presetClass="entr" presetSubtype="4" fill="hold" grpId="0" nodeType="clickEffect">
-                                  <p:stCondLst>
-                                    <p:cond delay="0"/>
-                                  </p:stCondLst>
-                                  <p:childTnLst>
-                                    <p:set>
-                                      <p:cBhvr>
-                                        <p:cTn id="6" dur="1" fill="hold">
-                                          <p:stCondLst>
-                                            <p:cond delay="0"/>
-                                          </p:stCondLst>
-                                        </p:cTn>
-                                        <p:tgtEl>
-                                          <p:spTgt spid="2"/>
-                                        </p:tgtEl>
-                                        <p:attrNameLst>
-                                          <p:attrName>style.visibility</p:attrName>
-                                        </p:attrNameLst>
-                                      </p:cBhvr>
-                                      <p:to>
-                                        <p:strVal val="visible"/>
-                                      </p:to>
-                                    </p:set>
-                                    <p:anim calcmode="lin" valueType="num">
-                                      <p:cBhvr additive="base">
-                                        <p:cTn id="7" dur="500" fill="hold"/>
-                                        <p:tgtEl>
-                                          <p:spTgt spid="2"/>
-                                        </p:tgtEl>
-                                        <p:attrNameLst>
-                                          <p:attrName>ppt_x</p:attrName>
-                                        </p:attrNameLst>
-                                      </p:cBhvr>
-                                      <p:tavLst>
-                                        <p:tav tm="0">
-                                          <p:val>
-                                            <p:strVal val="#ppt_x"/>
-                                          </p:val>
-                                        </p:tav>
-                                        <p:tav tm="100000">
-                                          <p:val>
-                                            <p:strVal val="#ppt_x"/>
-                                          </p:val>
-                                        </p:tav>
-                                      </p:tavLst>
-                                    </p:anim>
-                                    <p:anim calcmode="lin" valueType="num">
-                                      <p:cBhvr additive="base">
-                                        <p:cTn id="8" dur="500" fill="hold"/>
-                                        <p:tgtEl>
-                                          <p:spTgt spid="2"/>
-                                        </p:tgtEl>
-                                        <p:attrNameLst>
-                                          <p:attrName>ppt_y</p:attrName>
-                                        </p:attrNameLst>
-                                      </p:cBhvr>
-                                      <p:tavLst>
-                                        <p:tav tm="0">
-                                          <p:val>
-                                            <p:strVal val="1+#ppt_h/2"/>
-                                          </p:val>
-                                        </p:tav>
-                                        <p:tav tm="100000">
-                                          <p:val>
-                                            <p:strVal val="#ppt_y"/>
-                                          </p:val>
-                                        </p:tav>
-                                      </p:tavLst>
-                                    </p:anim>
-                                  </p:childTnLst>
-                                </p:cTn>
-                              </p:par>
-                            </p:childTnLst>
-                          </p:cTn>
-                        </p:par>
-                      </p:childTnLst>
-                    </p:cTn>
-                  </p:par>
-                  <p:par>
-                    <p:cTn id="9" fill="hold">
-                      <p:stCondLst>
-                        <p:cond delay="indefinite"/>
-                      </p:stCondLst>
-                      <p:childTnLst>
-                        <p:par>
-                          <p:cTn id="10" fill="hold">
-                            <p:stCondLst>
-                              <p:cond delay="0"/>
-                            </p:stCondLst>
-                            <p:childTnLst>
-                              <p:par>
-                                <p:cTn id="11" presetID="5" presetClass="entr" presetSubtype="10" fill="hold" grpId="1" nodeType="clickEffect">
-                                  <p:stCondLst>
-                                    <p:cond delay="0"/>
-                                  </p:stCondLst>
-                                  <p:childTnLst>
-                                    <p:set>
-                                      <p:cBhvr>
-                                        <p:cTn id="12" dur="1" fill="hold">
-                                          <p:stCondLst>
-                                            <p:cond delay="0"/>
-                                          </p:stCondLst>
-                                        </p:cTn>
-                                        <p:tgtEl>
-                                          <p:spTgt spid="2"/>
-                                        </p:tgtEl>
-                                        <p:attrNameLst>
-                                          <p:attrName>style.visibility</p:attrName>
-                                        </p:attrNameLst>
-                                      </p:cBhvr>
-                                      <p:to>
-                                        <p:strVal val="visible"/>
-                                      </p:to>
-                                    </p:set>
-                                    <p:animEffect transition="in" filter="checkerboard(across)">
-                                      <p:cBhvr>
-                                        <p:cTn id="13" dur="500"/>
-                                        <p:tgtEl>
-                                          <p:spTgt spid="2"/>
-                                        </p:tgtEl>
-                                      </p:cBhvr>
-                                    </p:animEffect>
-                                  </p:childTnLst>
-                                </p:cTn>
-                              </p:par>
-                            </p:childTnLst>
-                          </p:cTn>
-                        </p:par>
-                      </p:childTnLst>
-                    </p:cTn>
-                  </p:par>
-                  <p:par>
-                    <p:cTn id="14" fill="hold">
-                      <p:stCondLst>
-                        <p:cond delay="indefinite"/>
-                      </p:stCondLst>
-                      <p:childTnLst>
-                        <p:par>
-                          <p:cTn id="15" fill="hold">
-                            <p:stCondLst>
-                              <p:cond delay="0"/>
-                            </p:stCondLst>
-                            <p:childTnLst>
-                              <p:par>
-                                <p:cTn id="16" presetID="3" presetClass="entr" presetSubtype="10" fill="hold" grpId="0" nodeType="clickEffect">
-                                  <p:stCondLst>
-                                    <p:cond delay="0"/>
-                                  </p:stCondLst>
-                                  <p:childTnLst>
-                                    <p:set>
-                                      <p:cBhvr>
-                                        <p:cTn id="17" dur="1" fill="hold">
-                                          <p:stCondLst>
-                                            <p:cond delay="0"/>
-                                          </p:stCondLst>
-                                        </p:cTn>
-                                        <p:tgtEl>
-                                          <p:spTgt spid="6"/>
-                                        </p:tgtEl>
-                                        <p:attrNameLst>
-                                          <p:attrName>style.visibility</p:attrName>
-                                        </p:attrNameLst>
-                                      </p:cBhvr>
-                                      <p:to>
-                                        <p:strVal val="visible"/>
-                                      </p:to>
-                                    </p:set>
-                                    <p:animEffect transition="in" filter="blinds(horizontal)">
-                                      <p:cBhvr>
-                                        <p:cTn id="18" dur="500"/>
-                                        <p:tgtEl>
-                                          <p:spTgt spid="6"/>
-                                        </p:tgtEl>
-                                      </p:cBhvr>
-                                    </p:animEffect>
-                                  </p:childTnLst>
-                                </p:cTn>
-                              </p:par>
-                            </p:childTnLst>
-                          </p:cTn>
-                        </p:par>
-                      </p:childTnLst>
-                    </p:cTn>
-                  </p:par>
-                </p:childTnLst>
-              </p:cTn>
-              <p:prevCondLst>
-                <p:cond evt="onPrev" delay="0">
-                  <p:tgtEl>
-                    <p:sldTgt/>
-                  </p:tgtEl>
-                </p:cond>
-              </p:prevCondLst>
-              <p:nextCondLst>
-                <p:cond evt="onNext" delay="0">
-                  <p:tgtEl>
-                    <p:sldTgt/>
-                  </p:tgtEl>
-                </p:cond>
-              </p:nextCondLst>
-            </p:seq>
-          </p:childTnLst>
-        </p:cTn>
-      </p:par>
-    </p:tnLst>
-    <p:bldLst>
-      <p:bldP spid="2" grpId="0"/>
-      <p:bldP spid="2" grpId="1"/>
-      <p:bldP spid="6" grpId="0"/>
-    </p:bldLst>
-  </p:timing>
 </p:sld>
 </file>
 
@@ -12716,16 +14508,269 @@
         <p:nvPr/>
       </p:nvGrpSpPr>
       <p:grpSpPr/>
+      <p:sp>
+        <p:nvSpPr>
+          <p:cNvPr id="15" name="矩形 14"/>
+          <p:cNvSpPr/>
+          <p:nvPr/>
+        </p:nvSpPr>
+        <p:spPr>
+          <a:xfrm>
+            <a:off x="573088" y="163355"/>
+            <a:ext cx="1781175" cy="398780"/>
+          </a:xfrm>
+          <a:prstGeom prst="rect">
+            <a:avLst/>
+          </a:prstGeom>
+        </p:spPr>
+        <p:txBody>
+          <a:bodyPr wrap="square" anchor="ctr">
+            <a:spAutoFit/>
+          </a:bodyPr>
+          <a:lstStyle/>
+          <a:p>
+            <a:pPr marL="0" marR="0" lvl="0" indent="0" defTabSz="914400" eaLnBrk="1" fontAlgn="auto" latinLnBrk="0" hangingPunct="1">
+              <a:lnSpc>
+                <a:spcPct val="100000"/>
+              </a:lnSpc>
+              <a:spcBef>
+                <a:spcPts val="0"/>
+              </a:spcBef>
+              <a:spcAft>
+                <a:spcPts val="0"/>
+              </a:spcAft>
+              <a:buClrTx/>
+              <a:buSzTx/>
+              <a:buFontTx/>
+              <a:buNone/>
+              <a:defRPr/>
+            </a:pPr>
+            <a:r>
+              <a:rPr lang="zh-CN" altLang="en-US" sz="2000" b="1" kern="0" noProof="0" dirty="0" smtClean="0">
+                <a:ln>
+                  <a:noFill/>
+                </a:ln>
+                <a:effectLst/>
+                <a:uLnTx/>
+                <a:uFillTx/>
+                <a:latin typeface="微软雅黑" panose="020B0503020204020204" pitchFamily="34" charset="-122"/>
+                <a:ea typeface="微软雅黑" panose="020B0503020204020204" pitchFamily="34" charset="-122"/>
+                <a:cs typeface="微软雅黑" panose="020B0503020204020204" pitchFamily="34" charset="-122"/>
+                <a:sym typeface="+mn-ea"/>
+              </a:rPr>
+              <a:t>常用建模工具</a:t>
+            </a:r>
+            <a:endParaRPr kumimoji="0" lang="zh-CN" altLang="en-US" sz="2000" b="1" i="0" u="none" strike="noStrike" kern="0" cap="none" spc="0" normalizeH="0" baseline="0" noProof="0" dirty="0">
+              <a:ln>
+                <a:noFill/>
+              </a:ln>
+              <a:effectLst/>
+              <a:uLnTx/>
+              <a:uFillTx/>
+              <a:latin typeface="微软雅黑" panose="020B0503020204020204" pitchFamily="34" charset="-122"/>
+              <a:ea typeface="微软雅黑" panose="020B0503020204020204" pitchFamily="34" charset="-122"/>
+              <a:cs typeface="微软雅黑" panose="020B0503020204020204" pitchFamily="34" charset="-122"/>
+            </a:endParaRPr>
+          </a:p>
+        </p:txBody>
+      </p:sp>
+      <p:sp>
+        <p:nvSpPr>
+          <p:cNvPr id="16" name="矩形 15"/>
+          <p:cNvSpPr/>
+          <p:nvPr/>
+        </p:nvSpPr>
+        <p:spPr>
+          <a:xfrm>
+            <a:off x="2551430" y="210185"/>
+            <a:ext cx="1352550" cy="306705"/>
+          </a:xfrm>
+          <a:prstGeom prst="rect">
+            <a:avLst/>
+          </a:prstGeom>
+        </p:spPr>
+        <p:txBody>
+          <a:bodyPr wrap="none">
+            <a:spAutoFit/>
+          </a:bodyPr>
+          <a:lstStyle/>
+          <a:p>
+            <a:pPr marL="0" marR="0" lvl="0" indent="0" algn="l" defTabSz="914400" eaLnBrk="1" fontAlgn="auto" latinLnBrk="0" hangingPunct="1">
+              <a:lnSpc>
+                <a:spcPct val="100000"/>
+              </a:lnSpc>
+              <a:spcBef>
+                <a:spcPts val="0"/>
+              </a:spcBef>
+              <a:spcAft>
+                <a:spcPts val="0"/>
+              </a:spcAft>
+              <a:buClrTx/>
+              <a:buSzTx/>
+              <a:buFontTx/>
+              <a:buNone/>
+              <a:defRPr/>
+            </a:pPr>
+            <a:r>
+              <a:rPr lang="en-US" altLang="zh-CN" sz="1400" kern="0" noProof="0" dirty="0">
+                <a:ln>
+                  <a:noFill/>
+                </a:ln>
+                <a:effectLst/>
+                <a:uLnTx/>
+                <a:uFillTx/>
+                <a:latin typeface="微软雅黑" panose="020B0503020204020204" pitchFamily="34" charset="-122"/>
+                <a:ea typeface="微软雅黑" panose="020B0503020204020204" pitchFamily="34" charset="-122"/>
+                <a:sym typeface="+mn-ea"/>
+              </a:rPr>
+              <a:t>INSTRUMENT</a:t>
+            </a:r>
+            <a:endParaRPr kumimoji="1" lang="zh-CN" altLang="en-US" sz="1400" b="0" i="0" u="none" strike="noStrike" kern="0" cap="none" spc="0" normalizeH="0" baseline="0" noProof="0" dirty="0">
+              <a:ln>
+                <a:noFill/>
+              </a:ln>
+              <a:effectLst/>
+              <a:uLnTx/>
+              <a:uFillTx/>
+              <a:latin typeface="微软雅黑" panose="020B0503020204020204" pitchFamily="34" charset="-122"/>
+              <a:ea typeface="微软雅黑" panose="020B0503020204020204" pitchFamily="34" charset="-122"/>
+            </a:endParaRPr>
+          </a:p>
+        </p:txBody>
+      </p:sp>
+      <p:sp>
+        <p:nvSpPr>
+          <p:cNvPr id="13" name="矩形 12"/>
+          <p:cNvSpPr/>
+          <p:nvPr/>
+        </p:nvSpPr>
+        <p:spPr>
+          <a:xfrm>
+            <a:off x="169863" y="168275"/>
+            <a:ext cx="374650" cy="385763"/>
+          </a:xfrm>
+          <a:prstGeom prst="rect">
+            <a:avLst/>
+          </a:prstGeom>
+          <a:solidFill>
+            <a:schemeClr val="accent2"/>
+          </a:solidFill>
+          <a:ln>
+            <a:noFill/>
+          </a:ln>
+        </p:spPr>
+        <p:style>
+          <a:lnRef idx="2">
+            <a:schemeClr val="accent1">
+              <a:shade val="50000"/>
+            </a:schemeClr>
+          </a:lnRef>
+          <a:fillRef idx="1">
+            <a:schemeClr val="accent1"/>
+          </a:fillRef>
+          <a:effectRef idx="0">
+            <a:schemeClr val="accent1"/>
+          </a:effectRef>
+          <a:fontRef idx="minor">
+            <a:schemeClr val="lt1"/>
+          </a:fontRef>
+        </p:style>
+        <p:txBody>
+          <a:bodyPr rot="0" spcFirstLastPara="0" vertOverflow="overflow" horzOverflow="overflow" vert="horz" wrap="square" lIns="91440" tIns="45720" rIns="91440" bIns="45720" numCol="1" spcCol="0" rtlCol="0" fromWordArt="0" anchor="ctr" anchorCtr="0" forceAA="0" compatLnSpc="1">
+            <a:noAutofit/>
+          </a:bodyPr>
+          <a:lstStyle/>
+          <a:p>
+            <a:pPr algn="ctr" fontAlgn="auto"/>
+            <a:endParaRPr lang="zh-CN" altLang="en-US" strike="noStrike" noProof="1">
+              <a:solidFill>
+                <a:schemeClr val="tx1"/>
+              </a:solidFill>
+            </a:endParaRPr>
+          </a:p>
+        </p:txBody>
+      </p:sp>
+      <p:sp>
+        <p:nvSpPr>
+          <p:cNvPr id="14" name="矩形 13"/>
+          <p:cNvSpPr/>
+          <p:nvPr/>
+        </p:nvSpPr>
+        <p:spPr>
+          <a:xfrm>
+            <a:off x="-63500" y="161925"/>
+            <a:ext cx="866775" cy="400050"/>
+          </a:xfrm>
+          <a:prstGeom prst="rect">
+            <a:avLst/>
+          </a:prstGeom>
+        </p:spPr>
+        <p:txBody>
+          <a:bodyPr wrap="square" anchor="ctr">
+            <a:spAutoFit/>
+          </a:bodyPr>
+          <a:lstStyle/>
+          <a:p>
+            <a:pPr marL="0" marR="0" lvl="0" indent="0" algn="ctr" defTabSz="914400" eaLnBrk="1" fontAlgn="auto" latinLnBrk="0" hangingPunct="1">
+              <a:lnSpc>
+                <a:spcPct val="100000"/>
+              </a:lnSpc>
+              <a:spcBef>
+                <a:spcPts val="0"/>
+              </a:spcBef>
+              <a:spcAft>
+                <a:spcPts val="0"/>
+              </a:spcAft>
+              <a:buClrTx/>
+              <a:buSzTx/>
+              <a:buFontTx/>
+              <a:buNone/>
+              <a:defRPr/>
+            </a:pPr>
+            <a:r>
+              <a:rPr kumimoji="0" lang="en-US" altLang="zh-CN" sz="2000" b="0" i="0" u="none" strike="noStrike" kern="0" cap="none" spc="0" normalizeH="0" baseline="0" noProof="0" dirty="0" smtClean="0">
+                <a:ln>
+                  <a:noFill/>
+                </a:ln>
+                <a:solidFill>
+                  <a:schemeClr val="bg1"/>
+                </a:solidFill>
+                <a:effectLst/>
+                <a:uLnTx/>
+                <a:uFillTx/>
+                <a:latin typeface="微软雅黑" panose="020B0503020204020204" pitchFamily="34" charset="-122"/>
+                <a:ea typeface="微软雅黑" panose="020B0503020204020204" pitchFamily="34" charset="-122"/>
+                <a:cs typeface="微软雅黑" panose="020B0503020204020204" pitchFamily="34" charset="-122"/>
+              </a:rPr>
+              <a:t>01</a:t>
+            </a:r>
+            <a:endParaRPr kumimoji="0" lang="en-US" altLang="zh-CN" sz="2000" b="0" i="0" u="none" strike="noStrike" kern="0" cap="none" spc="0" normalizeH="0" baseline="0" noProof="0" dirty="0">
+              <a:ln>
+                <a:noFill/>
+              </a:ln>
+              <a:solidFill>
+                <a:schemeClr val="bg1"/>
+              </a:solidFill>
+              <a:effectLst/>
+              <a:uLnTx/>
+              <a:uFillTx/>
+              <a:latin typeface="微软雅黑" panose="020B0503020204020204" pitchFamily="34" charset="-122"/>
+              <a:ea typeface="微软雅黑" panose="020B0503020204020204" pitchFamily="34" charset="-122"/>
+              <a:cs typeface="微软雅黑" panose="020B0503020204020204" pitchFamily="34" charset="-122"/>
+            </a:endParaRPr>
+          </a:p>
+        </p:txBody>
+      </p:sp>
       <p:cxnSp>
         <p:nvCxnSpPr>
-          <p:cNvPr id="3" name="直接连接符 2"/>
+          <p:cNvPr id="17" name="直接连接符 16"/>
           <p:cNvCxnSpPr/>
           <p:nvPr/>
         </p:nvCxnSpPr>
         <p:spPr>
           <a:xfrm>
-            <a:off x="4251325" y="2090738"/>
-            <a:ext cx="7251700" cy="0"/>
+            <a:off x="4573905" y="363855"/>
+            <a:ext cx="7724775" cy="0"/>
           </a:xfrm>
           <a:prstGeom prst="line">
             <a:avLst/>
@@ -12751,315 +14796,100 @@
           </a:fontRef>
         </p:style>
       </p:cxnSp>
-      <p:grpSp>
-        <p:nvGrpSpPr>
-          <p:cNvPr id="13314" name="组合 10"/>
-          <p:cNvGrpSpPr/>
-          <p:nvPr/>
-        </p:nvGrpSpPr>
-        <p:grpSpPr>
-          <a:xfrm>
-            <a:off x="1158875" y="1717644"/>
-            <a:ext cx="3221038" cy="758888"/>
-            <a:chOff x="4694848" y="2805880"/>
-            <a:chExt cx="3221340" cy="758977"/>
-          </a:xfrm>
-        </p:grpSpPr>
-        <p:grpSp>
-          <p:nvGrpSpPr>
-            <p:cNvPr id="13315" name="组合 11"/>
-            <p:cNvGrpSpPr/>
-            <p:nvPr/>
-          </p:nvGrpSpPr>
-          <p:grpSpPr>
-            <a:xfrm>
-              <a:off x="5517158" y="2805880"/>
-              <a:ext cx="2399030" cy="758977"/>
-              <a:chOff x="5517158" y="2886283"/>
-              <a:chExt cx="2399030" cy="758977"/>
-            </a:xfrm>
-          </p:grpSpPr>
-          <p:sp>
-            <p:nvSpPr>
-              <p:cNvPr id="16" name="矩形 15"/>
-              <p:cNvSpPr/>
-              <p:nvPr/>
-            </p:nvSpPr>
-            <p:spPr>
-              <a:xfrm>
-                <a:off x="5517158" y="2886283"/>
-                <a:ext cx="2399030" cy="522031"/>
-              </a:xfrm>
-              <a:prstGeom prst="rect">
-                <a:avLst/>
-              </a:prstGeom>
-            </p:spPr>
-            <p:txBody>
-              <a:bodyPr wrap="square" anchor="ctr">
-                <a:spAutoFit/>
-              </a:bodyPr>
-              <a:lstStyle/>
-              <a:p>
-                <a:pPr marL="0" marR="0" lvl="0" indent="0" defTabSz="914400" eaLnBrk="1" fontAlgn="auto" latinLnBrk="0" hangingPunct="1">
-                  <a:lnSpc>
-                    <a:spcPct val="100000"/>
-                  </a:lnSpc>
-                  <a:spcBef>
-                    <a:spcPts val="0"/>
-                  </a:spcBef>
-                  <a:spcAft>
-                    <a:spcPts val="0"/>
-                  </a:spcAft>
-                  <a:buClrTx/>
-                  <a:buSzTx/>
-                  <a:buFontTx/>
-                  <a:buNone/>
-                  <a:defRPr/>
-                </a:pPr>
-                <a:r>
-                  <a:rPr kumimoji="0" lang="en-US" altLang="zh-CN" sz="2800" b="1" i="0" u="none" strike="noStrike" kern="0" cap="none" spc="0" normalizeH="0" baseline="0" noProof="0" dirty="0" smtClean="0">
-                    <a:ln>
-                      <a:noFill/>
-                    </a:ln>
-                    <a:effectLst/>
-                    <a:uLnTx/>
-                    <a:uFillTx/>
-                    <a:latin typeface="微软雅黑" panose="020B0503020204020204" pitchFamily="34" charset="-122"/>
-                    <a:ea typeface="微软雅黑" panose="020B0503020204020204" pitchFamily="34" charset="-122"/>
-                    <a:cs typeface="微软雅黑" panose="020B0503020204020204" pitchFamily="34" charset="-122"/>
-                  </a:rPr>
-                  <a:t>Rose</a:t>
-                </a:r>
-                <a:r>
-                  <a:rPr kumimoji="0" lang="zh-CN" altLang="en-US" sz="2800" b="1" i="0" u="none" strike="noStrike" kern="0" cap="none" spc="0" normalizeH="0" baseline="0" noProof="0" dirty="0" smtClean="0">
-                    <a:ln>
-                      <a:noFill/>
-                    </a:ln>
-                    <a:effectLst/>
-                    <a:uLnTx/>
-                    <a:uFillTx/>
-                    <a:latin typeface="微软雅黑" panose="020B0503020204020204" pitchFamily="34" charset="-122"/>
-                    <a:ea typeface="微软雅黑" panose="020B0503020204020204" pitchFamily="34" charset="-122"/>
-                    <a:cs typeface="微软雅黑" panose="020B0503020204020204" pitchFamily="34" charset="-122"/>
-                  </a:rPr>
-                  <a:t>的使用</a:t>
-                </a:r>
-                <a:endParaRPr kumimoji="0" lang="en-US" altLang="zh-CN" sz="2800" b="1" i="0" u="none" strike="noStrike" kern="0" cap="none" spc="0" normalizeH="0" baseline="0" noProof="0" dirty="0" smtClean="0">
-                  <a:ln>
-                    <a:noFill/>
-                  </a:ln>
-                  <a:effectLst/>
-                  <a:uLnTx/>
-                  <a:uFillTx/>
-                  <a:latin typeface="微软雅黑" panose="020B0503020204020204" pitchFamily="34" charset="-122"/>
-                  <a:ea typeface="微软雅黑" panose="020B0503020204020204" pitchFamily="34" charset="-122"/>
-                  <a:cs typeface="微软雅黑" panose="020B0503020204020204" pitchFamily="34" charset="-122"/>
-                </a:endParaRPr>
-              </a:p>
-            </p:txBody>
-          </p:sp>
-          <p:sp>
-            <p:nvSpPr>
-              <p:cNvPr id="17" name="矩形 16"/>
-              <p:cNvSpPr/>
-              <p:nvPr/>
-            </p:nvSpPr>
-            <p:spPr>
-              <a:xfrm>
-                <a:off x="5517158" y="3369638"/>
-                <a:ext cx="1192642" cy="275622"/>
-              </a:xfrm>
-              <a:prstGeom prst="rect">
-                <a:avLst/>
-              </a:prstGeom>
-            </p:spPr>
-            <p:txBody>
-              <a:bodyPr wrap="none">
-                <a:spAutoFit/>
-              </a:bodyPr>
-              <a:lstStyle/>
-              <a:p>
-                <a:pPr marL="0" marR="0" lvl="0" indent="0" algn="l" defTabSz="914400" eaLnBrk="1" fontAlgn="auto" latinLnBrk="0" hangingPunct="1">
-                  <a:lnSpc>
-                    <a:spcPct val="100000"/>
-                  </a:lnSpc>
-                  <a:spcBef>
-                    <a:spcPts val="0"/>
-                  </a:spcBef>
-                  <a:spcAft>
-                    <a:spcPts val="0"/>
-                  </a:spcAft>
-                  <a:buClrTx/>
-                  <a:buSzTx/>
-                  <a:buFontTx/>
-                  <a:buNone/>
-                  <a:defRPr/>
-                </a:pPr>
-                <a:r>
-                  <a:rPr kumimoji="1" lang="en-US" altLang="zh-CN" sz="1200" b="0" i="0" u="none" strike="noStrike" kern="0" cap="none" spc="0" normalizeH="0" baseline="0" noProof="0" dirty="0">
-                    <a:ln>
-                      <a:noFill/>
-                    </a:ln>
-                    <a:effectLst/>
-                    <a:uLnTx/>
-                    <a:uFillTx/>
-                    <a:latin typeface="微软雅黑" panose="020B0503020204020204" pitchFamily="34" charset="-122"/>
-                    <a:ea typeface="微软雅黑" panose="020B0503020204020204" pitchFamily="34" charset="-122"/>
-                    <a:cs typeface="+mn-cs"/>
-                  </a:rPr>
-                  <a:t>DESCRIPTION</a:t>
-                </a:r>
-                <a:endParaRPr kumimoji="1" lang="en-US" altLang="zh-CN" sz="1200" b="0" i="0" u="none" strike="noStrike" kern="0" cap="none" spc="0" normalizeH="0" baseline="0" noProof="0" dirty="0">
-                  <a:ln>
-                    <a:noFill/>
-                  </a:ln>
-                  <a:effectLst/>
-                  <a:uLnTx/>
-                  <a:uFillTx/>
-                  <a:latin typeface="微软雅黑" panose="020B0503020204020204" pitchFamily="34" charset="-122"/>
-                  <a:ea typeface="微软雅黑" panose="020B0503020204020204" pitchFamily="34" charset="-122"/>
-                  <a:cs typeface="+mn-cs"/>
-                </a:endParaRPr>
-              </a:p>
-            </p:txBody>
-          </p:sp>
-        </p:grpSp>
-        <p:grpSp>
-          <p:nvGrpSpPr>
-            <p:cNvPr id="13318" name="组合 12"/>
-            <p:cNvGrpSpPr/>
-            <p:nvPr/>
-          </p:nvGrpSpPr>
-          <p:grpSpPr>
-            <a:xfrm>
-              <a:off x="4694848" y="2825155"/>
-              <a:ext cx="797404" cy="721209"/>
-              <a:chOff x="4428148" y="2896829"/>
-              <a:chExt cx="797404" cy="721209"/>
-            </a:xfrm>
-          </p:grpSpPr>
-          <p:sp>
-            <p:nvSpPr>
-              <p:cNvPr id="14" name="矩形 13"/>
-              <p:cNvSpPr/>
-              <p:nvPr/>
-            </p:nvSpPr>
-            <p:spPr>
-              <a:xfrm>
-                <a:off x="4466850" y="2898038"/>
-                <a:ext cx="720000" cy="720000"/>
-              </a:xfrm>
-              <a:prstGeom prst="rect">
-                <a:avLst/>
-              </a:prstGeom>
+      <p:cxnSp>
+        <p:nvCxnSpPr>
+          <p:cNvPr id="19" name="直接连接符 18"/>
+          <p:cNvCxnSpPr/>
+          <p:nvPr/>
+        </p:nvCxnSpPr>
+        <p:spPr>
+          <a:xfrm>
+            <a:off x="2337753" y="246063"/>
+            <a:ext cx="1588" cy="230188"/>
+          </a:xfrm>
+          <a:prstGeom prst="line">
+            <a:avLst/>
+          </a:prstGeom>
+          <a:ln w="12700" cap="rnd">
+            <a:solidFill>
+              <a:schemeClr val="tx1">
+                <a:alpha val="49000"/>
+              </a:schemeClr>
+            </a:solidFill>
+            <a:round/>
+            <a:tailEnd type="none" w="sm" len="sm"/>
+          </a:ln>
+        </p:spPr>
+        <p:style>
+          <a:lnRef idx="1">
+            <a:schemeClr val="accent1"/>
+          </a:lnRef>
+          <a:fillRef idx="0">
+            <a:schemeClr val="accent1"/>
+          </a:fillRef>
+          <a:effectRef idx="0">
+            <a:schemeClr val="accent1"/>
+          </a:effectRef>
+          <a:fontRef idx="minor">
+            <a:schemeClr val="tx1"/>
+          </a:fontRef>
+        </p:style>
+      </p:cxnSp>
+      <p:sp>
+        <p:nvSpPr>
+          <p:cNvPr id="10" name="矩形 9"/>
+          <p:cNvSpPr/>
+          <p:nvPr/>
+        </p:nvSpPr>
+        <p:spPr>
+          <a:xfrm>
+            <a:off x="2009775" y="2176463"/>
+            <a:ext cx="34925" cy="2028825"/>
+          </a:xfrm>
+          <a:prstGeom prst="rect">
+            <a:avLst/>
+          </a:prstGeom>
+          <a:solidFill>
+            <a:schemeClr val="accent2"/>
+          </a:solidFill>
+          <a:ln>
+            <a:noFill/>
+          </a:ln>
+        </p:spPr>
+        <p:style>
+          <a:lnRef idx="2">
+            <a:schemeClr val="accent1">
+              <a:shade val="50000"/>
+            </a:schemeClr>
+          </a:lnRef>
+          <a:fillRef idx="1">
+            <a:schemeClr val="accent1"/>
+          </a:fillRef>
+          <a:effectRef idx="0">
+            <a:schemeClr val="accent1"/>
+          </a:effectRef>
+          <a:fontRef idx="minor">
+            <a:schemeClr val="lt1"/>
+          </a:fontRef>
+        </p:style>
+        <p:txBody>
+          <a:bodyPr rot="0" spcFirstLastPara="0" vertOverflow="overflow" horzOverflow="overflow" vert="horz" wrap="square" lIns="91440" tIns="45720" rIns="91440" bIns="45720" numCol="1" spcCol="0" rtlCol="0" fromWordArt="0" anchor="ctr" anchorCtr="0" forceAA="0" compatLnSpc="1">
+            <a:noAutofit/>
+          </a:bodyPr>
+          <a:lstStyle/>
+          <a:p>
+            <a:pPr algn="ctr" fontAlgn="auto"/>
+            <a:endParaRPr lang="zh-CN" altLang="en-US" strike="noStrike" noProof="1">
               <a:solidFill>
-                <a:schemeClr val="accent2"/>
+                <a:schemeClr val="tx1"/>
               </a:solidFill>
-              <a:ln>
-                <a:noFill/>
-              </a:ln>
-            </p:spPr>
-            <p:style>
-              <a:lnRef idx="2">
-                <a:schemeClr val="accent1">
-                  <a:shade val="50000"/>
-                </a:schemeClr>
-              </a:lnRef>
-              <a:fillRef idx="1">
-                <a:schemeClr val="accent1"/>
-              </a:fillRef>
-              <a:effectRef idx="0">
-                <a:schemeClr val="accent1"/>
-              </a:effectRef>
-              <a:fontRef idx="minor">
-                <a:schemeClr val="lt1"/>
-              </a:fontRef>
-            </p:style>
-            <p:txBody>
-              <a:bodyPr rot="0" spcFirstLastPara="0" vertOverflow="overflow" horzOverflow="overflow" vert="horz" wrap="square" lIns="91440" tIns="45720" rIns="91440" bIns="45720" numCol="1" spcCol="0" rtlCol="0" fromWordArt="0" anchor="ctr" anchorCtr="0" forceAA="0" compatLnSpc="1">
-                <a:noAutofit/>
-              </a:bodyPr>
-              <a:lstStyle/>
-              <a:p>
-                <a:pPr algn="ctr" fontAlgn="auto"/>
-                <a:endParaRPr lang="zh-CN" altLang="en-US" strike="noStrike" noProof="1">
-                  <a:solidFill>
-                    <a:schemeClr val="tx1"/>
-                  </a:solidFill>
-                </a:endParaRPr>
-              </a:p>
-            </p:txBody>
-          </p:sp>
-          <p:sp>
-            <p:nvSpPr>
-              <p:cNvPr id="15" name="矩形 14"/>
-              <p:cNvSpPr/>
-              <p:nvPr/>
-            </p:nvSpPr>
-            <p:spPr>
-              <a:xfrm>
-                <a:off x="4428148" y="2896829"/>
-                <a:ext cx="797404" cy="707886"/>
-              </a:xfrm>
-              <a:prstGeom prst="rect">
-                <a:avLst/>
-              </a:prstGeom>
-            </p:spPr>
-            <p:txBody>
-              <a:bodyPr wrap="square" anchor="ctr">
-                <a:spAutoFit/>
-              </a:bodyPr>
-              <a:lstStyle/>
-              <a:p>
-                <a:pPr marL="0" marR="0" lvl="0" indent="0" algn="ctr" defTabSz="914400" eaLnBrk="1" fontAlgn="auto" latinLnBrk="0" hangingPunct="1">
-                  <a:lnSpc>
-                    <a:spcPct val="100000"/>
-                  </a:lnSpc>
-                  <a:spcBef>
-                    <a:spcPts val="0"/>
-                  </a:spcBef>
-                  <a:spcAft>
-                    <a:spcPts val="0"/>
-                  </a:spcAft>
-                  <a:buClrTx/>
-                  <a:buSzTx/>
-                  <a:buFontTx/>
-                  <a:buNone/>
-                  <a:defRPr/>
-                </a:pPr>
-                <a:r>
-                  <a:rPr kumimoji="0" lang="en-US" altLang="zh-CN" sz="4000" b="0" i="0" u="none" strike="noStrike" kern="0" cap="none" spc="0" normalizeH="0" baseline="0" noProof="0" dirty="0" smtClean="0">
-                    <a:ln>
-                      <a:noFill/>
-                    </a:ln>
-                    <a:effectLst/>
-                    <a:uLnTx/>
-                    <a:uFillTx/>
-                    <a:latin typeface="微软雅黑" panose="020B0503020204020204" pitchFamily="34" charset="-122"/>
-                    <a:ea typeface="微软雅黑" panose="020B0503020204020204" pitchFamily="34" charset="-122"/>
-                    <a:cs typeface="微软雅黑" panose="020B0503020204020204" pitchFamily="34" charset="-122"/>
-                  </a:rPr>
-                  <a:t>03</a:t>
-                </a:r>
-                <a:endParaRPr kumimoji="0" lang="en-US" altLang="zh-CN" sz="4000" b="0" i="0" u="none" strike="noStrike" kern="0" cap="none" spc="0" normalizeH="0" baseline="0" noProof="0" dirty="0">
-                  <a:ln>
-                    <a:noFill/>
-                  </a:ln>
-                  <a:effectLst/>
-                  <a:uLnTx/>
-                  <a:uFillTx/>
-                  <a:latin typeface="微软雅黑" panose="020B0503020204020204" pitchFamily="34" charset="-122"/>
-                  <a:ea typeface="微软雅黑" panose="020B0503020204020204" pitchFamily="34" charset="-122"/>
-                  <a:cs typeface="微软雅黑" panose="020B0503020204020204" pitchFamily="34" charset="-122"/>
-                </a:endParaRPr>
-              </a:p>
-            </p:txBody>
-          </p:sp>
-        </p:grpSp>
-      </p:grpSp>
+            </a:endParaRPr>
+          </a:p>
+        </p:txBody>
+      </p:sp>
       <p:pic>
         <p:nvPicPr>
-          <p:cNvPr id="13321" name="图片 1" descr="小组logo"/>
+          <p:cNvPr id="8202" name="图片 2" descr="小组logo"/>
           <p:cNvPicPr>
             <a:picLocks noChangeAspect="1"/>
           </p:cNvPicPr>
@@ -13087,38 +14917,155 @@
       </p:pic>
       <p:sp>
         <p:nvSpPr>
-          <p:cNvPr id="2" name="文本框 1"/>
-          <p:cNvSpPr txBox="1"/>
+          <p:cNvPr id="4" name="矩形 3"/>
+          <p:cNvSpPr/>
           <p:nvPr/>
         </p:nvSpPr>
         <p:spPr>
           <a:xfrm>
-            <a:off x="1197610" y="3069590"/>
-            <a:ext cx="5447665" cy="398780"/>
+            <a:off x="2354580" y="2468880"/>
+            <a:ext cx="6123305" cy="460375"/>
           </a:xfrm>
           <a:prstGeom prst="rect">
             <a:avLst/>
           </a:prstGeom>
-          <a:noFill/>
         </p:spPr>
         <p:txBody>
-          <a:bodyPr wrap="square" rtlCol="0" anchor="t">
+          <a:bodyPr wrap="square" anchor="ctr">
             <a:spAutoFit/>
           </a:bodyPr>
           <a:p>
-            <a:r>
-              <a:rPr lang="zh-CN" altLang="en-US" sz="2000"/>
-              <a:t>简单介绍</a:t>
-            </a:r>
-            <a:r>
-              <a:rPr lang="en-US" altLang="zh-CN" sz="2000"/>
-              <a:t>如何用Rational rose创建P8 1.8</a:t>
-            </a:r>
-            <a:r>
-              <a:rPr lang="zh-CN" altLang="en-US" sz="2000"/>
-              <a:t>活动图</a:t>
-            </a:r>
-            <a:endParaRPr lang="zh-CN" altLang="en-US" sz="2000"/>
+            <a:pPr marL="0" marR="0" lvl="0" indent="0" defTabSz="914400" eaLnBrk="1" fontAlgn="auto" latinLnBrk="0" hangingPunct="1">
+              <a:lnSpc>
+                <a:spcPct val="100000"/>
+              </a:lnSpc>
+              <a:spcBef>
+                <a:spcPts val="0"/>
+              </a:spcBef>
+              <a:spcAft>
+                <a:spcPts val="0"/>
+              </a:spcAft>
+              <a:buClrTx/>
+              <a:buSzTx/>
+              <a:buFontTx/>
+              <a:buNone/>
+              <a:defRPr/>
+            </a:pPr>
+            <a:r>
+              <a:rPr lang="zh-CN" altLang="en-US" sz="2400" b="1">
+                <a:sym typeface="+mn-ea"/>
+              </a:rPr>
+              <a:t>反复式发展 和 来回旅程工程 的能力</a:t>
+            </a:r>
+            <a:endParaRPr kumimoji="0" lang="en-US" altLang="zh-CN" sz="2400" b="1" i="0" u="none" strike="noStrike" kern="0" cap="none" spc="0" normalizeH="0" baseline="0" noProof="0" dirty="0" smtClean="0">
+              <a:ln>
+                <a:noFill/>
+              </a:ln>
+              <a:effectLst/>
+              <a:uLnTx/>
+              <a:uFillTx/>
+              <a:latin typeface="微软雅黑" panose="020B0503020204020204" pitchFamily="34" charset="-122"/>
+              <a:ea typeface="微软雅黑" panose="020B0503020204020204" pitchFamily="34" charset="-122"/>
+              <a:cs typeface="微软雅黑" panose="020B0503020204020204" pitchFamily="34" charset="-122"/>
+            </a:endParaRPr>
+          </a:p>
+        </p:txBody>
+      </p:sp>
+      <p:sp>
+        <p:nvSpPr>
+          <p:cNvPr id="5" name="矩形 4"/>
+          <p:cNvSpPr/>
+          <p:nvPr/>
+        </p:nvSpPr>
+        <p:spPr>
+          <a:xfrm>
+            <a:off x="2009775" y="2176463"/>
+            <a:ext cx="36513" cy="2028825"/>
+          </a:xfrm>
+          <a:prstGeom prst="rect">
+            <a:avLst/>
+          </a:prstGeom>
+          <a:solidFill>
+            <a:schemeClr val="accent2"/>
+          </a:solidFill>
+          <a:ln>
+            <a:noFill/>
+          </a:ln>
+        </p:spPr>
+        <p:style>
+          <a:lnRef idx="2">
+            <a:schemeClr val="accent1">
+              <a:shade val="50000"/>
+            </a:schemeClr>
+          </a:lnRef>
+          <a:fillRef idx="1">
+            <a:schemeClr val="accent1"/>
+          </a:fillRef>
+          <a:effectRef idx="0">
+            <a:schemeClr val="accent1"/>
+          </a:effectRef>
+          <a:fontRef idx="minor">
+            <a:schemeClr val="lt1"/>
+          </a:fontRef>
+        </p:style>
+        <p:txBody>
+          <a:bodyPr rot="0" spcFirstLastPara="0" vertOverflow="overflow" horzOverflow="overflow" vert="horz" wrap="square" lIns="91440" tIns="45720" rIns="91440" bIns="45720" numCol="1" spcCol="0" rtlCol="0" fromWordArt="0" anchor="ctr" anchorCtr="0" forceAA="0" compatLnSpc="1">
+            <a:noAutofit/>
+          </a:bodyPr>
+          <a:p>
+            <a:pPr algn="ctr" fontAlgn="auto"/>
+            <a:endParaRPr lang="zh-CN" altLang="en-US" strike="noStrike" noProof="1">
+              <a:solidFill>
+                <a:schemeClr val="tx1"/>
+              </a:solidFill>
+            </a:endParaRPr>
+          </a:p>
+        </p:txBody>
+      </p:sp>
+      <p:sp>
+        <p:nvSpPr>
+          <p:cNvPr id="11" name="文本框 10"/>
+          <p:cNvSpPr txBox="1"/>
+          <p:nvPr/>
+        </p:nvSpPr>
+        <p:spPr>
+          <a:xfrm>
+            <a:off x="2338070" y="1330960"/>
+            <a:ext cx="7904480" cy="583565"/>
+          </a:xfrm>
+          <a:prstGeom prst="rect">
+            <a:avLst/>
+          </a:prstGeom>
+          <a:noFill/>
+        </p:spPr>
+        <p:txBody>
+          <a:bodyPr wrap="square" rtlCol="0">
+            <a:spAutoFit/>
+          </a:bodyPr>
+          <a:p>
+            <a:r>
+              <a:rPr lang="zh-CN" altLang="en-US" sz="3200"/>
+              <a:t>问题</a:t>
+            </a:r>
+            <a:r>
+              <a:rPr lang="en-US" altLang="zh-CN" sz="3200"/>
+              <a:t>2</a:t>
+            </a:r>
+            <a:r>
+              <a:rPr lang="zh-CN" altLang="en-US" sz="3200"/>
+              <a:t>：</a:t>
+            </a:r>
+            <a:r>
+              <a:rPr lang="zh-CN" altLang="en-US" sz="3200">
+                <a:sym typeface="+mn-ea"/>
+              </a:rPr>
+              <a:t>Rational Rose的两个受欢迎的特征</a:t>
+            </a:r>
+            <a:r>
+              <a:rPr lang="zh-CN" altLang="en-US" sz="3200"/>
+              <a:t>？</a:t>
+            </a:r>
+            <a:endParaRPr lang="en-US" altLang="zh-CN" sz="3200"/>
           </a:p>
         </p:txBody>
       </p:sp>

--- a/G2/软件工程系列课程教学辅助网站/非受控文档/楼静靓/PRD2017-G2-UML工具Rose课堂PPT.pptx
+++ b/G2/软件工程系列课程教学辅助网站/非受控文档/楼静靓/PRD2017-G2-UML工具Rose课堂PPT.pptx
@@ -5,26 +5,28 @@
     <p:sldMasterId id="2147483648" r:id="rId1"/>
   </p:sldMasterIdLst>
   <p:sldIdLst>
-    <p:sldId id="257" r:id="rId3"/>
-    <p:sldId id="258" r:id="rId4"/>
-    <p:sldId id="259" r:id="rId5"/>
-    <p:sldId id="265" r:id="rId6"/>
-    <p:sldId id="339" r:id="rId7"/>
-    <p:sldId id="260" r:id="rId8"/>
-    <p:sldId id="266" r:id="rId9"/>
-    <p:sldId id="328" r:id="rId10"/>
-    <p:sldId id="340" r:id="rId11"/>
-    <p:sldId id="341" r:id="rId12"/>
-    <p:sldId id="329" r:id="rId13"/>
-    <p:sldId id="261" r:id="rId14"/>
-    <p:sldId id="331" r:id="rId15"/>
-    <p:sldId id="332" r:id="rId16"/>
-    <p:sldId id="333" r:id="rId17"/>
-    <p:sldId id="334" r:id="rId18"/>
-    <p:sldId id="335" r:id="rId19"/>
-    <p:sldId id="264" r:id="rId20"/>
-    <p:sldId id="270" r:id="rId21"/>
-    <p:sldId id="280" r:id="rId22"/>
+    <p:sldId id="355" r:id="rId3"/>
+    <p:sldId id="356" r:id="rId4"/>
+    <p:sldId id="357" r:id="rId5"/>
+    <p:sldId id="358" r:id="rId6"/>
+    <p:sldId id="359" r:id="rId7"/>
+    <p:sldId id="360" r:id="rId8"/>
+    <p:sldId id="361" r:id="rId9"/>
+    <p:sldId id="362" r:id="rId10"/>
+    <p:sldId id="363" r:id="rId11"/>
+    <p:sldId id="364" r:id="rId12"/>
+    <p:sldId id="365" r:id="rId13"/>
+    <p:sldId id="366" r:id="rId14"/>
+    <p:sldId id="367" r:id="rId15"/>
+    <p:sldId id="368" r:id="rId16"/>
+    <p:sldId id="369" r:id="rId17"/>
+    <p:sldId id="370" r:id="rId18"/>
+    <p:sldId id="371" r:id="rId19"/>
+    <p:sldId id="372" r:id="rId20"/>
+    <p:sldId id="373" r:id="rId21"/>
+    <p:sldId id="374" r:id="rId22"/>
+    <p:sldId id="375" r:id="rId23"/>
+    <p:sldId id="376" r:id="rId24"/>
   </p:sldIdLst>
   <p:sldSz cx="12192000" cy="6858000"/>
   <p:notesSz cx="6858000" cy="9144000"/>
@@ -10558,6 +10560,2431 @@
       <p:grpSpPr/>
       <p:sp>
         <p:nvSpPr>
+          <p:cNvPr id="15" name="矩形 14"/>
+          <p:cNvSpPr/>
+          <p:nvPr/>
+        </p:nvSpPr>
+        <p:spPr>
+          <a:xfrm>
+            <a:off x="573088" y="162560"/>
+            <a:ext cx="1260475" cy="398780"/>
+          </a:xfrm>
+          <a:prstGeom prst="rect">
+            <a:avLst/>
+          </a:prstGeom>
+        </p:spPr>
+        <p:txBody>
+          <a:bodyPr wrap="square" anchor="ctr">
+            <a:spAutoFit/>
+          </a:bodyPr>
+          <a:lstStyle/>
+          <a:p>
+            <a:pPr lvl="0" fontAlgn="auto"/>
+            <a:r>
+              <a:rPr lang="zh-CN" altLang="en-US" sz="2000">
+                <a:sym typeface="+mn-ea"/>
+              </a:rPr>
+              <a:t>绩效评定</a:t>
+            </a:r>
+            <a:endParaRPr kumimoji="0" lang="zh-CN" altLang="en-US" sz="2000" b="1" i="0" u="none" strike="noStrike" kern="0" cap="none" spc="0" normalizeH="0" baseline="0" noProof="0" dirty="0" smtClean="0">
+              <a:ln>
+                <a:noFill/>
+              </a:ln>
+              <a:effectLst/>
+              <a:uLnTx/>
+              <a:uFillTx/>
+              <a:latin typeface="微软雅黑" panose="020B0503020204020204" pitchFamily="34" charset="-122"/>
+              <a:ea typeface="微软雅黑" panose="020B0503020204020204" pitchFamily="34" charset="-122"/>
+              <a:cs typeface="微软雅黑" panose="020B0503020204020204" pitchFamily="34" charset="-122"/>
+            </a:endParaRPr>
+          </a:p>
+        </p:txBody>
+      </p:sp>
+      <p:sp>
+        <p:nvSpPr>
+          <p:cNvPr id="30722" name="矩形 15"/>
+          <p:cNvSpPr/>
+          <p:nvPr/>
+        </p:nvSpPr>
+        <p:spPr>
+          <a:xfrm>
+            <a:off x="1735138" y="207963"/>
+            <a:ext cx="1177925" cy="307975"/>
+          </a:xfrm>
+          <a:prstGeom prst="rect">
+            <a:avLst/>
+          </a:prstGeom>
+          <a:noFill/>
+          <a:ln w="9525">
+            <a:noFill/>
+          </a:ln>
+        </p:spPr>
+        <p:txBody>
+          <a:bodyPr wrap="none" anchor="t">
+            <a:spAutoFit/>
+          </a:bodyPr>
+          <a:p>
+            <a:r>
+              <a:rPr lang="en-US" altLang="zh-CN" sz="1400" dirty="0">
+                <a:latin typeface="微软雅黑" panose="020B0503020204020204" pitchFamily="34" charset="-122"/>
+                <a:ea typeface="微软雅黑" panose="020B0503020204020204" pitchFamily="34" charset="-122"/>
+              </a:rPr>
+              <a:t>REFERENCE</a:t>
+            </a:r>
+            <a:endParaRPr lang="en-US" altLang="zh-CN" sz="1400" dirty="0">
+              <a:latin typeface="微软雅黑" panose="020B0503020204020204" pitchFamily="34" charset="-122"/>
+              <a:ea typeface="微软雅黑" panose="020B0503020204020204" pitchFamily="34" charset="-122"/>
+            </a:endParaRPr>
+          </a:p>
+        </p:txBody>
+      </p:sp>
+      <p:sp>
+        <p:nvSpPr>
+          <p:cNvPr id="13" name="矩形 12"/>
+          <p:cNvSpPr/>
+          <p:nvPr/>
+        </p:nvSpPr>
+        <p:spPr>
+          <a:xfrm>
+            <a:off x="169863" y="168275"/>
+            <a:ext cx="374650" cy="385763"/>
+          </a:xfrm>
+          <a:prstGeom prst="rect">
+            <a:avLst/>
+          </a:prstGeom>
+          <a:solidFill>
+            <a:schemeClr val="accent2"/>
+          </a:solidFill>
+          <a:ln>
+            <a:noFill/>
+          </a:ln>
+        </p:spPr>
+        <p:style>
+          <a:lnRef idx="2">
+            <a:schemeClr val="accent1">
+              <a:shade val="50000"/>
+            </a:schemeClr>
+          </a:lnRef>
+          <a:fillRef idx="1">
+            <a:schemeClr val="accent1"/>
+          </a:fillRef>
+          <a:effectRef idx="0">
+            <a:schemeClr val="accent1"/>
+          </a:effectRef>
+          <a:fontRef idx="minor">
+            <a:schemeClr val="lt1"/>
+          </a:fontRef>
+        </p:style>
+        <p:txBody>
+          <a:bodyPr rot="0" spcFirstLastPara="0" vertOverflow="overflow" horzOverflow="overflow" vert="horz" wrap="square" lIns="91440" tIns="45720" rIns="91440" bIns="45720" numCol="1" spcCol="0" rtlCol="0" fromWordArt="0" anchor="ctr" anchorCtr="0" forceAA="0" compatLnSpc="1">
+            <a:noAutofit/>
+          </a:bodyPr>
+          <a:lstStyle/>
+          <a:p>
+            <a:pPr algn="ctr" fontAlgn="auto"/>
+            <a:endParaRPr lang="zh-CN" altLang="en-US" strike="noStrike" noProof="1">
+              <a:solidFill>
+                <a:schemeClr val="tx1"/>
+              </a:solidFill>
+            </a:endParaRPr>
+          </a:p>
+        </p:txBody>
+      </p:sp>
+      <p:sp>
+        <p:nvSpPr>
+          <p:cNvPr id="14" name="矩形 13"/>
+          <p:cNvSpPr/>
+          <p:nvPr/>
+        </p:nvSpPr>
+        <p:spPr>
+          <a:xfrm>
+            <a:off x="-75565" y="161925"/>
+            <a:ext cx="866775" cy="400050"/>
+          </a:xfrm>
+          <a:prstGeom prst="rect">
+            <a:avLst/>
+          </a:prstGeom>
+        </p:spPr>
+        <p:txBody>
+          <a:bodyPr wrap="square" anchor="ctr">
+            <a:spAutoFit/>
+          </a:bodyPr>
+          <a:lstStyle/>
+          <a:p>
+            <a:pPr marL="0" marR="0" lvl="0" indent="0" algn="ctr" defTabSz="914400" eaLnBrk="1" fontAlgn="auto" latinLnBrk="0" hangingPunct="1">
+              <a:lnSpc>
+                <a:spcPct val="100000"/>
+              </a:lnSpc>
+              <a:spcBef>
+                <a:spcPts val="0"/>
+              </a:spcBef>
+              <a:spcAft>
+                <a:spcPts val="0"/>
+              </a:spcAft>
+              <a:buClrTx/>
+              <a:buSzTx/>
+              <a:buFontTx/>
+              <a:buNone/>
+              <a:defRPr/>
+            </a:pPr>
+            <a:r>
+              <a:rPr kumimoji="0" lang="en-US" altLang="zh-CN" sz="2000" b="0" i="0" u="none" strike="noStrike" kern="0" cap="none" spc="0" normalizeH="0" baseline="0" noProof="0" dirty="0" smtClean="0">
+                <a:ln>
+                  <a:noFill/>
+                </a:ln>
+                <a:solidFill>
+                  <a:schemeClr val="bg1"/>
+                </a:solidFill>
+                <a:effectLst/>
+                <a:uLnTx/>
+                <a:uFillTx/>
+                <a:latin typeface="微软雅黑" panose="020B0503020204020204" pitchFamily="34" charset="-122"/>
+                <a:ea typeface="微软雅黑" panose="020B0503020204020204" pitchFamily="34" charset="-122"/>
+                <a:cs typeface="微软雅黑" panose="020B0503020204020204" pitchFamily="34" charset="-122"/>
+              </a:rPr>
+              <a:t>06</a:t>
+            </a:r>
+            <a:endParaRPr kumimoji="0" lang="en-US" altLang="zh-CN" sz="2000" b="0" i="0" u="none" strike="noStrike" kern="0" cap="none" spc="0" normalizeH="0" baseline="0" noProof="0" dirty="0">
+              <a:ln>
+                <a:noFill/>
+              </a:ln>
+              <a:solidFill>
+                <a:schemeClr val="bg1"/>
+              </a:solidFill>
+              <a:effectLst/>
+              <a:uLnTx/>
+              <a:uFillTx/>
+              <a:latin typeface="微软雅黑" panose="020B0503020204020204" pitchFamily="34" charset="-122"/>
+              <a:ea typeface="微软雅黑" panose="020B0503020204020204" pitchFamily="34" charset="-122"/>
+              <a:cs typeface="微软雅黑" panose="020B0503020204020204" pitchFamily="34" charset="-122"/>
+            </a:endParaRPr>
+          </a:p>
+        </p:txBody>
+      </p:sp>
+      <p:cxnSp>
+        <p:nvCxnSpPr>
+          <p:cNvPr id="17" name="直接连接符 16"/>
+          <p:cNvCxnSpPr/>
+          <p:nvPr/>
+        </p:nvCxnSpPr>
+        <p:spPr>
+          <a:xfrm>
+            <a:off x="3060700" y="361950"/>
+            <a:ext cx="8953500" cy="0"/>
+          </a:xfrm>
+          <a:prstGeom prst="line">
+            <a:avLst/>
+          </a:prstGeom>
+          <a:ln>
+            <a:solidFill>
+              <a:schemeClr val="tx1"/>
+            </a:solidFill>
+          </a:ln>
+        </p:spPr>
+        <p:style>
+          <a:lnRef idx="1">
+            <a:schemeClr val="accent1"/>
+          </a:lnRef>
+          <a:fillRef idx="0">
+            <a:schemeClr val="accent1"/>
+          </a:fillRef>
+          <a:effectRef idx="0">
+            <a:schemeClr val="accent1"/>
+          </a:effectRef>
+          <a:fontRef idx="minor">
+            <a:schemeClr val="tx1"/>
+          </a:fontRef>
+        </p:style>
+      </p:cxnSp>
+      <p:cxnSp>
+        <p:nvCxnSpPr>
+          <p:cNvPr id="19" name="直接连接符 18"/>
+          <p:cNvCxnSpPr/>
+          <p:nvPr/>
+        </p:nvCxnSpPr>
+        <p:spPr>
+          <a:xfrm>
+            <a:off x="1774825" y="246063"/>
+            <a:ext cx="1588" cy="230188"/>
+          </a:xfrm>
+          <a:prstGeom prst="line">
+            <a:avLst/>
+          </a:prstGeom>
+          <a:ln w="12700" cap="rnd">
+            <a:solidFill>
+              <a:schemeClr val="tx1">
+                <a:alpha val="49000"/>
+              </a:schemeClr>
+            </a:solidFill>
+            <a:round/>
+            <a:tailEnd type="none" w="sm" len="sm"/>
+          </a:ln>
+        </p:spPr>
+        <p:style>
+          <a:lnRef idx="1">
+            <a:schemeClr val="accent1"/>
+          </a:lnRef>
+          <a:fillRef idx="0">
+            <a:schemeClr val="accent1"/>
+          </a:fillRef>
+          <a:effectRef idx="0">
+            <a:schemeClr val="accent1"/>
+          </a:effectRef>
+          <a:fontRef idx="minor">
+            <a:schemeClr val="tx1"/>
+          </a:fontRef>
+        </p:style>
+      </p:cxnSp>
+      <p:pic>
+        <p:nvPicPr>
+          <p:cNvPr id="30727" name="图片 2" descr="小组logo"/>
+          <p:cNvPicPr>
+            <a:picLocks noChangeAspect="1"/>
+          </p:cNvPicPr>
+          <p:nvPr/>
+        </p:nvPicPr>
+        <p:blipFill>
+          <a:blip r:embed="rId1"/>
+          <a:stretch>
+            <a:fillRect/>
+          </a:stretch>
+        </p:blipFill>
+        <p:spPr>
+          <a:xfrm>
+            <a:off x="10318750" y="-190500"/>
+            <a:ext cx="2105025" cy="2105025"/>
+          </a:xfrm>
+          <a:prstGeom prst="rect">
+            <a:avLst/>
+          </a:prstGeom>
+          <a:noFill/>
+          <a:ln w="9525">
+            <a:noFill/>
+          </a:ln>
+        </p:spPr>
+      </p:pic>
+      <p:pic>
+        <p:nvPicPr>
+          <p:cNvPr id="30728" name="Picture 2" descr="C:\Documents and Settings\Administrator\My Documents\Downloads\006.png"/>
+          <p:cNvPicPr>
+            <a:picLocks noChangeAspect="1"/>
+          </p:cNvPicPr>
+          <p:nvPr/>
+        </p:nvPicPr>
+        <p:blipFill>
+          <a:blip r:embed="rId2"/>
+          <a:stretch>
+            <a:fillRect/>
+          </a:stretch>
+        </p:blipFill>
+        <p:spPr>
+          <a:xfrm>
+            <a:off x="111125" y="933450"/>
+            <a:ext cx="492125" cy="492125"/>
+          </a:xfrm>
+          <a:prstGeom prst="rect">
+            <a:avLst/>
+          </a:prstGeom>
+          <a:noFill/>
+          <a:ln w="9525">
+            <a:noFill/>
+          </a:ln>
+        </p:spPr>
+      </p:pic>
+      <p:cxnSp>
+        <p:nvCxnSpPr>
+          <p:cNvPr id="4" name="直接连接符 3"/>
+          <p:cNvCxnSpPr/>
+          <p:nvPr/>
+        </p:nvCxnSpPr>
+        <p:spPr>
+          <a:xfrm>
+            <a:off x="1833563" y="996950"/>
+            <a:ext cx="0" cy="3633788"/>
+          </a:xfrm>
+          <a:prstGeom prst="line">
+            <a:avLst/>
+          </a:prstGeom>
+          <a:ln w="15875">
+            <a:solidFill>
+              <a:schemeClr val="tx1">
+                <a:lumMod val="85000"/>
+                <a:lumOff val="15000"/>
+              </a:schemeClr>
+            </a:solidFill>
+          </a:ln>
+        </p:spPr>
+        <p:style>
+          <a:lnRef idx="1">
+            <a:schemeClr val="accent1"/>
+          </a:lnRef>
+          <a:fillRef idx="0">
+            <a:schemeClr val="accent1"/>
+          </a:fillRef>
+          <a:effectRef idx="0">
+            <a:schemeClr val="accent1"/>
+          </a:effectRef>
+          <a:fontRef idx="minor">
+            <a:schemeClr val="tx1"/>
+          </a:fontRef>
+        </p:style>
+      </p:cxnSp>
+      <p:sp>
+        <p:nvSpPr>
+          <p:cNvPr id="30730" name="文本框 1"/>
+          <p:cNvSpPr txBox="1"/>
+          <p:nvPr/>
+        </p:nvSpPr>
+        <p:spPr>
+          <a:xfrm>
+            <a:off x="679450" y="996950"/>
+            <a:ext cx="1096963" cy="365125"/>
+          </a:xfrm>
+          <a:prstGeom prst="rect">
+            <a:avLst/>
+          </a:prstGeom>
+          <a:noFill/>
+          <a:ln w="9525">
+            <a:noFill/>
+          </a:ln>
+        </p:spPr>
+        <p:txBody>
+          <a:bodyPr wrap="none" anchor="t">
+            <a:spAutoFit/>
+          </a:bodyPr>
+          <a:p>
+            <a:r>
+              <a:rPr lang="zh-CN" altLang="en-US">
+                <a:latin typeface="Calibri" panose="020F0502020204030204" charset="0"/>
+                <a:ea typeface="宋体" panose="02010600030101010101" pitchFamily="2" charset="-122"/>
+              </a:rPr>
+              <a:t>绩效评定</a:t>
+            </a:r>
+            <a:endParaRPr lang="zh-CN" altLang="en-US">
+              <a:latin typeface="Calibri" panose="020F0502020204030204" charset="0"/>
+              <a:ea typeface="宋体" panose="02010600030101010101" pitchFamily="2" charset="-122"/>
+            </a:endParaRPr>
+          </a:p>
+        </p:txBody>
+      </p:sp>
+      <p:sp>
+        <p:nvSpPr>
+          <p:cNvPr id="30731" name="文本框 3"/>
+          <p:cNvSpPr txBox="1"/>
+          <p:nvPr/>
+        </p:nvSpPr>
+        <p:spPr>
+          <a:xfrm>
+            <a:off x="2870200" y="996950"/>
+            <a:ext cx="1096963" cy="368300"/>
+          </a:xfrm>
+          <a:prstGeom prst="rect">
+            <a:avLst/>
+          </a:prstGeom>
+          <a:noFill/>
+          <a:ln w="9525">
+            <a:noFill/>
+          </a:ln>
+        </p:spPr>
+        <p:txBody>
+          <a:bodyPr wrap="none" anchor="t">
+            <a:spAutoFit/>
+          </a:bodyPr>
+          <a:p>
+            <a:r>
+              <a:rPr lang="zh-CN" altLang="en-US">
+                <a:latin typeface="Calibri" panose="020F0502020204030204" charset="0"/>
+                <a:ea typeface="宋体" panose="02010600030101010101" pitchFamily="2" charset="-122"/>
+              </a:rPr>
+              <a:t>温中磊：</a:t>
+            </a:r>
+            <a:endParaRPr lang="zh-CN" altLang="en-US">
+              <a:latin typeface="Calibri" panose="020F0502020204030204" charset="0"/>
+              <a:ea typeface="宋体" panose="02010600030101010101" pitchFamily="2" charset="-122"/>
+            </a:endParaRPr>
+          </a:p>
+        </p:txBody>
+      </p:sp>
+      <p:cxnSp>
+        <p:nvCxnSpPr>
+          <p:cNvPr id="5" name="直接连接符 4"/>
+          <p:cNvCxnSpPr/>
+          <p:nvPr/>
+        </p:nvCxnSpPr>
+        <p:spPr>
+          <a:xfrm>
+            <a:off x="1833563" y="2714625"/>
+            <a:ext cx="0" cy="3633788"/>
+          </a:xfrm>
+          <a:prstGeom prst="line">
+            <a:avLst/>
+          </a:prstGeom>
+          <a:ln w="15875">
+            <a:solidFill>
+              <a:schemeClr val="tx1">
+                <a:lumMod val="85000"/>
+                <a:lumOff val="15000"/>
+              </a:schemeClr>
+            </a:solidFill>
+          </a:ln>
+        </p:spPr>
+        <p:style>
+          <a:lnRef idx="1">
+            <a:schemeClr val="accent1"/>
+          </a:lnRef>
+          <a:fillRef idx="0">
+            <a:schemeClr val="accent1"/>
+          </a:fillRef>
+          <a:effectRef idx="0">
+            <a:schemeClr val="accent1"/>
+          </a:effectRef>
+          <a:fontRef idx="minor">
+            <a:schemeClr val="tx1"/>
+          </a:fontRef>
+        </p:style>
+      </p:cxnSp>
+      <p:sp>
+        <p:nvSpPr>
+          <p:cNvPr id="30733" name="文本框 5"/>
+          <p:cNvSpPr txBox="1"/>
+          <p:nvPr/>
+        </p:nvSpPr>
+        <p:spPr>
+          <a:xfrm>
+            <a:off x="1957388" y="1531938"/>
+            <a:ext cx="2922587" cy="3415030"/>
+          </a:xfrm>
+          <a:prstGeom prst="rect">
+            <a:avLst/>
+          </a:prstGeom>
+          <a:noFill/>
+          <a:ln w="9525">
+            <a:noFill/>
+          </a:ln>
+        </p:spPr>
+        <p:txBody>
+          <a:bodyPr wrap="square" anchor="t">
+            <a:spAutoFit/>
+          </a:bodyPr>
+          <a:p>
+            <a:r>
+              <a:rPr lang="zh-CN" altLang="en-US">
+                <a:latin typeface="Calibri" panose="020F0502020204030204" charset="0"/>
+                <a:ea typeface="宋体" panose="02010600030101010101" pitchFamily="2" charset="-122"/>
+              </a:rPr>
+              <a:t>职责要求                   10</a:t>
+            </a:r>
+            <a:endParaRPr lang="zh-CN" altLang="en-US">
+              <a:latin typeface="Calibri" panose="020F0502020204030204" charset="0"/>
+              <a:ea typeface="宋体" panose="02010600030101010101" pitchFamily="2" charset="-122"/>
+            </a:endParaRPr>
+          </a:p>
+          <a:p>
+            <a:r>
+              <a:rPr lang="zh-CN" altLang="en-US">
+                <a:latin typeface="Calibri" panose="020F0502020204030204" charset="0"/>
+                <a:ea typeface="宋体" panose="02010600030101010101" pitchFamily="2" charset="-122"/>
+              </a:rPr>
+              <a:t>技术难度	 </a:t>
+            </a:r>
+            <a:r>
+              <a:rPr lang="en-US" altLang="zh-CN">
+                <a:latin typeface="Calibri" panose="020F0502020204030204" charset="0"/>
+                <a:ea typeface="宋体" panose="02010600030101010101" pitchFamily="2" charset="-122"/>
+              </a:rPr>
+              <a:t>7</a:t>
+            </a:r>
+            <a:r>
+              <a:rPr lang="zh-CN" altLang="en-US">
+                <a:latin typeface="Calibri" panose="020F0502020204030204" charset="0"/>
+                <a:ea typeface="宋体" panose="02010600030101010101" pitchFamily="2" charset="-122"/>
+              </a:rPr>
+              <a:t>   </a:t>
+            </a:r>
+            <a:endParaRPr lang="zh-CN" altLang="en-US">
+              <a:latin typeface="Calibri" panose="020F0502020204030204" charset="0"/>
+              <a:ea typeface="宋体" panose="02010600030101010101" pitchFamily="2" charset="-122"/>
+            </a:endParaRPr>
+          </a:p>
+          <a:p>
+            <a:r>
+              <a:rPr lang="zh-CN" altLang="en-US">
+                <a:latin typeface="Calibri" panose="020F0502020204030204" charset="0"/>
+                <a:ea typeface="宋体" panose="02010600030101010101" pitchFamily="2" charset="-122"/>
+              </a:rPr>
+              <a:t>工作的重要性	 10</a:t>
+            </a:r>
+            <a:endParaRPr lang="zh-CN" altLang="en-US">
+              <a:latin typeface="Calibri" panose="020F0502020204030204" charset="0"/>
+              <a:ea typeface="宋体" panose="02010600030101010101" pitchFamily="2" charset="-122"/>
+            </a:endParaRPr>
+          </a:p>
+          <a:p>
+            <a:r>
+              <a:rPr lang="zh-CN" altLang="en-US">
+                <a:latin typeface="Calibri" panose="020F0502020204030204" charset="0"/>
+                <a:ea typeface="宋体" panose="02010600030101010101" pitchFamily="2" charset="-122"/>
+              </a:rPr>
+              <a:t>工作强度</a:t>
+            </a:r>
+            <a:r>
+              <a:rPr lang="en-US" altLang="zh-CN">
+                <a:latin typeface="Calibri" panose="020F0502020204030204" charset="0"/>
+                <a:ea typeface="宋体" panose="02010600030101010101" pitchFamily="2" charset="-122"/>
+              </a:rPr>
+              <a:t>	</a:t>
+            </a:r>
+            <a:r>
+              <a:rPr lang="zh-CN" altLang="en-US">
+                <a:latin typeface="Calibri" panose="020F0502020204030204" charset="0"/>
+                <a:ea typeface="宋体" panose="02010600030101010101" pitchFamily="2" charset="-122"/>
+              </a:rPr>
+              <a:t> </a:t>
+            </a:r>
+            <a:r>
+              <a:rPr lang="en-US" altLang="zh-CN">
+                <a:latin typeface="Calibri" panose="020F0502020204030204" charset="0"/>
+                <a:ea typeface="宋体" panose="02010600030101010101" pitchFamily="2" charset="-122"/>
+              </a:rPr>
+              <a:t>6</a:t>
+            </a:r>
+            <a:endParaRPr lang="en-US" altLang="zh-CN">
+              <a:latin typeface="Calibri" panose="020F0502020204030204" charset="0"/>
+              <a:ea typeface="宋体" panose="02010600030101010101" pitchFamily="2" charset="-122"/>
+            </a:endParaRPr>
+          </a:p>
+          <a:p>
+            <a:r>
+              <a:rPr lang="zh-CN" altLang="en-US">
+                <a:latin typeface="Calibri" panose="020F0502020204030204" charset="0"/>
+                <a:ea typeface="宋体" panose="02010600030101010101" pitchFamily="2" charset="-122"/>
+              </a:rPr>
+              <a:t>实际完成情况：	 </a:t>
+            </a:r>
+            <a:endParaRPr lang="zh-CN" altLang="en-US">
+              <a:latin typeface="Calibri" panose="020F0502020204030204" charset="0"/>
+              <a:ea typeface="宋体" panose="02010600030101010101" pitchFamily="2" charset="-122"/>
+            </a:endParaRPr>
+          </a:p>
+          <a:p>
+            <a:r>
+              <a:rPr lang="en-US" altLang="zh-CN">
+                <a:latin typeface="Calibri" panose="020F0502020204030204" charset="0"/>
+                <a:ea typeface="宋体" panose="02010600030101010101" pitchFamily="2" charset="-122"/>
+              </a:rPr>
+              <a:t>所承担工作的完成速度9</a:t>
+            </a:r>
+            <a:endParaRPr lang="en-US" altLang="zh-CN">
+              <a:latin typeface="Calibri" panose="020F0502020204030204" charset="0"/>
+              <a:ea typeface="宋体" panose="02010600030101010101" pitchFamily="2" charset="-122"/>
+            </a:endParaRPr>
+          </a:p>
+          <a:p>
+            <a:r>
+              <a:rPr lang="en-US" altLang="zh-CN">
+                <a:latin typeface="Calibri" panose="020F0502020204030204" charset="0"/>
+                <a:ea typeface="宋体" panose="02010600030101010101" pitchFamily="2" charset="-122"/>
+              </a:rPr>
+              <a:t>所承担工作的完成质量8</a:t>
+            </a:r>
+            <a:endParaRPr lang="en-US" altLang="zh-CN">
+              <a:latin typeface="Calibri" panose="020F0502020204030204" charset="0"/>
+              <a:ea typeface="宋体" panose="02010600030101010101" pitchFamily="2" charset="-122"/>
+            </a:endParaRPr>
+          </a:p>
+          <a:p>
+            <a:r>
+              <a:rPr lang="en-US" altLang="zh-CN">
+                <a:latin typeface="Calibri" panose="020F0502020204030204" charset="0"/>
+                <a:ea typeface="宋体" panose="02010600030101010101" pitchFamily="2" charset="-122"/>
+              </a:rPr>
+              <a:t>工作沟通               7</a:t>
+            </a:r>
+            <a:endParaRPr lang="en-US" altLang="zh-CN">
+              <a:latin typeface="Calibri" panose="020F0502020204030204" charset="0"/>
+              <a:ea typeface="宋体" panose="02010600030101010101" pitchFamily="2" charset="-122"/>
+            </a:endParaRPr>
+          </a:p>
+          <a:p>
+            <a:r>
+              <a:rPr lang="en-US" altLang="zh-CN">
+                <a:latin typeface="Calibri" panose="020F0502020204030204" charset="0"/>
+                <a:ea typeface="宋体" panose="02010600030101010101" pitchFamily="2" charset="-122"/>
+              </a:rPr>
+              <a:t>文档提交的及时程</a:t>
+            </a:r>
+            <a:r>
+              <a:rPr lang="zh-CN" altLang="en-US">
+                <a:latin typeface="Calibri" panose="020F0502020204030204" charset="0"/>
+                <a:ea typeface="宋体" panose="02010600030101010101" pitchFamily="2" charset="-122"/>
+              </a:rPr>
+              <a:t>度</a:t>
+            </a:r>
+            <a:r>
+              <a:rPr lang="en-US" altLang="zh-CN">
+                <a:latin typeface="Calibri" panose="020F0502020204030204" charset="0"/>
+                <a:ea typeface="宋体" panose="02010600030101010101" pitchFamily="2" charset="-122"/>
+              </a:rPr>
+              <a:t> 9</a:t>
+            </a:r>
+            <a:endParaRPr lang="en-US" altLang="zh-CN">
+              <a:latin typeface="Calibri" panose="020F0502020204030204" charset="0"/>
+              <a:ea typeface="宋体" panose="02010600030101010101" pitchFamily="2" charset="-122"/>
+            </a:endParaRPr>
+          </a:p>
+          <a:p>
+            <a:r>
+              <a:rPr lang="en-US" altLang="zh-CN">
+                <a:latin typeface="Calibri" panose="020F0502020204030204" charset="0"/>
+                <a:ea typeface="宋体" panose="02010600030101010101" pitchFamily="2" charset="-122"/>
+              </a:rPr>
+              <a:t>文档的质量	         9</a:t>
+            </a:r>
+            <a:endParaRPr lang="en-US" altLang="zh-CN">
+              <a:latin typeface="Calibri" panose="020F0502020204030204" charset="0"/>
+              <a:ea typeface="宋体" panose="02010600030101010101" pitchFamily="2" charset="-122"/>
+            </a:endParaRPr>
+          </a:p>
+          <a:p>
+            <a:r>
+              <a:rPr lang="en-US" altLang="zh-CN">
+                <a:latin typeface="Calibri" panose="020F0502020204030204" charset="0"/>
+                <a:ea typeface="宋体" panose="02010600030101010101" pitchFamily="2" charset="-122"/>
+              </a:rPr>
+              <a:t>工作态度                 9</a:t>
+            </a:r>
+            <a:endParaRPr lang="en-US" altLang="zh-CN">
+              <a:latin typeface="Calibri" panose="020F0502020204030204" charset="0"/>
+              <a:ea typeface="宋体" panose="02010600030101010101" pitchFamily="2" charset="-122"/>
+            </a:endParaRPr>
+          </a:p>
+          <a:p>
+            <a:r>
+              <a:rPr lang="zh-CN" altLang="en-US">
+                <a:latin typeface="Calibri" panose="020F0502020204030204" charset="0"/>
+                <a:ea typeface="宋体" panose="02010600030101010101" pitchFamily="2" charset="-122"/>
+              </a:rPr>
+              <a:t>总评：</a:t>
+            </a:r>
+            <a:r>
+              <a:rPr lang="en-US" altLang="zh-CN">
+                <a:latin typeface="Calibri" panose="020F0502020204030204" charset="0"/>
+                <a:ea typeface="宋体" panose="02010600030101010101" pitchFamily="2" charset="-122"/>
+              </a:rPr>
+              <a:t>84	</a:t>
+            </a:r>
+            <a:endParaRPr lang="en-US" altLang="zh-CN">
+              <a:latin typeface="Calibri" panose="020F0502020204030204" charset="0"/>
+              <a:ea typeface="宋体" panose="02010600030101010101" pitchFamily="2" charset="-122"/>
+            </a:endParaRPr>
+          </a:p>
+        </p:txBody>
+      </p:sp>
+      <p:sp>
+        <p:nvSpPr>
+          <p:cNvPr id="30734" name="文本框 6"/>
+          <p:cNvSpPr txBox="1"/>
+          <p:nvPr/>
+        </p:nvSpPr>
+        <p:spPr>
+          <a:xfrm>
+            <a:off x="5934393" y="933450"/>
+            <a:ext cx="1096962" cy="368300"/>
+          </a:xfrm>
+          <a:prstGeom prst="rect">
+            <a:avLst/>
+          </a:prstGeom>
+          <a:noFill/>
+          <a:ln w="9525">
+            <a:noFill/>
+          </a:ln>
+        </p:spPr>
+        <p:txBody>
+          <a:bodyPr wrap="none" anchor="t">
+            <a:spAutoFit/>
+          </a:bodyPr>
+          <a:p>
+            <a:r>
+              <a:rPr lang="zh-CN" altLang="en-US">
+                <a:latin typeface="Calibri" panose="020F0502020204030204" charset="0"/>
+                <a:ea typeface="宋体" panose="02010600030101010101" pitchFamily="2" charset="-122"/>
+              </a:rPr>
+              <a:t>陈金润：</a:t>
+            </a:r>
+            <a:endParaRPr lang="zh-CN" altLang="en-US">
+              <a:latin typeface="Calibri" panose="020F0502020204030204" charset="0"/>
+              <a:ea typeface="宋体" panose="02010600030101010101" pitchFamily="2" charset="-122"/>
+            </a:endParaRPr>
+          </a:p>
+        </p:txBody>
+      </p:sp>
+      <p:sp>
+        <p:nvSpPr>
+          <p:cNvPr id="30735" name="文本框 7"/>
+          <p:cNvSpPr txBox="1"/>
+          <p:nvPr/>
+        </p:nvSpPr>
+        <p:spPr>
+          <a:xfrm>
+            <a:off x="4879658" y="1531938"/>
+            <a:ext cx="2926080" cy="3415030"/>
+          </a:xfrm>
+          <a:prstGeom prst="rect">
+            <a:avLst/>
+          </a:prstGeom>
+          <a:noFill/>
+          <a:ln w="9525">
+            <a:noFill/>
+          </a:ln>
+        </p:spPr>
+        <p:txBody>
+          <a:bodyPr wrap="none" anchor="t">
+            <a:spAutoFit/>
+          </a:bodyPr>
+          <a:p>
+            <a:r>
+              <a:rPr lang="zh-CN" altLang="en-US">
+                <a:latin typeface="Calibri" panose="020F0502020204030204" charset="0"/>
+                <a:ea typeface="宋体" panose="02010600030101010101" pitchFamily="2" charset="-122"/>
+                <a:sym typeface="宋体" panose="02010600030101010101" pitchFamily="2" charset="-122"/>
+              </a:rPr>
+              <a:t>职责要求                   </a:t>
+            </a:r>
+            <a:r>
+              <a:rPr lang="en-US" altLang="zh-CN">
+                <a:latin typeface="Calibri" panose="020F0502020204030204" charset="0"/>
+                <a:ea typeface="宋体" panose="02010600030101010101" pitchFamily="2" charset="-122"/>
+                <a:sym typeface="宋体" panose="02010600030101010101" pitchFamily="2" charset="-122"/>
+              </a:rPr>
+              <a:t>10</a:t>
+            </a:r>
+            <a:endParaRPr lang="en-US" altLang="zh-CN">
+              <a:latin typeface="Calibri" panose="020F0502020204030204" charset="0"/>
+              <a:ea typeface="宋体" panose="02010600030101010101" pitchFamily="2" charset="-122"/>
+              <a:sym typeface="宋体" panose="02010600030101010101" pitchFamily="2" charset="-122"/>
+            </a:endParaRPr>
+          </a:p>
+          <a:p>
+            <a:r>
+              <a:rPr lang="zh-CN" altLang="en-US">
+                <a:latin typeface="Calibri" panose="020F0502020204030204" charset="0"/>
+                <a:ea typeface="宋体" panose="02010600030101010101" pitchFamily="2" charset="-122"/>
+                <a:sym typeface="宋体" panose="02010600030101010101" pitchFamily="2" charset="-122"/>
+              </a:rPr>
+              <a:t>技术难度	 </a:t>
+            </a:r>
+            <a:r>
+              <a:rPr lang="en-US" altLang="zh-CN">
+                <a:latin typeface="Calibri" panose="020F0502020204030204" charset="0"/>
+                <a:ea typeface="宋体" panose="02010600030101010101" pitchFamily="2" charset="-122"/>
+                <a:sym typeface="宋体" panose="02010600030101010101" pitchFamily="2" charset="-122"/>
+              </a:rPr>
+              <a:t>8</a:t>
+            </a:r>
+            <a:r>
+              <a:rPr lang="zh-CN" altLang="en-US">
+                <a:latin typeface="Calibri" panose="020F0502020204030204" charset="0"/>
+                <a:ea typeface="宋体" panose="02010600030101010101" pitchFamily="2" charset="-122"/>
+                <a:sym typeface="宋体" panose="02010600030101010101" pitchFamily="2" charset="-122"/>
+              </a:rPr>
+              <a:t>   </a:t>
+            </a:r>
+            <a:endParaRPr lang="zh-CN" altLang="en-US">
+              <a:latin typeface="Calibri" panose="020F0502020204030204" charset="0"/>
+              <a:ea typeface="宋体" panose="02010600030101010101" pitchFamily="2" charset="-122"/>
+            </a:endParaRPr>
+          </a:p>
+          <a:p>
+            <a:r>
+              <a:rPr lang="zh-CN" altLang="en-US">
+                <a:latin typeface="Calibri" panose="020F0502020204030204" charset="0"/>
+                <a:ea typeface="宋体" panose="02010600030101010101" pitchFamily="2" charset="-122"/>
+                <a:sym typeface="宋体" panose="02010600030101010101" pitchFamily="2" charset="-122"/>
+              </a:rPr>
+              <a:t>工作的重要性	 </a:t>
+            </a:r>
+            <a:r>
+              <a:rPr lang="en-US" altLang="zh-CN">
+                <a:latin typeface="Calibri" panose="020F0502020204030204" charset="0"/>
+                <a:ea typeface="宋体" panose="02010600030101010101" pitchFamily="2" charset="-122"/>
+                <a:sym typeface="宋体" panose="02010600030101010101" pitchFamily="2" charset="-122"/>
+              </a:rPr>
+              <a:t>8</a:t>
+            </a:r>
+            <a:endParaRPr lang="en-US" altLang="zh-CN">
+              <a:latin typeface="Calibri" panose="020F0502020204030204" charset="0"/>
+              <a:ea typeface="宋体" panose="02010600030101010101" pitchFamily="2" charset="-122"/>
+              <a:sym typeface="宋体" panose="02010600030101010101" pitchFamily="2" charset="-122"/>
+            </a:endParaRPr>
+          </a:p>
+          <a:p>
+            <a:r>
+              <a:rPr lang="zh-CN" altLang="en-US">
+                <a:latin typeface="Calibri" panose="020F0502020204030204" charset="0"/>
+                <a:ea typeface="宋体" panose="02010600030101010101" pitchFamily="2" charset="-122"/>
+                <a:sym typeface="宋体" panose="02010600030101010101" pitchFamily="2" charset="-122"/>
+              </a:rPr>
+              <a:t>工作强度</a:t>
+            </a:r>
+            <a:r>
+              <a:rPr lang="en-US" altLang="zh-CN">
+                <a:latin typeface="Calibri" panose="020F0502020204030204" charset="0"/>
+                <a:ea typeface="宋体" panose="02010600030101010101" pitchFamily="2" charset="-122"/>
+                <a:sym typeface="宋体" panose="02010600030101010101" pitchFamily="2" charset="-122"/>
+              </a:rPr>
+              <a:t>	</a:t>
+            </a:r>
+            <a:r>
+              <a:rPr lang="zh-CN" altLang="en-US">
+                <a:latin typeface="Calibri" panose="020F0502020204030204" charset="0"/>
+                <a:ea typeface="宋体" panose="02010600030101010101" pitchFamily="2" charset="-122"/>
+                <a:sym typeface="宋体" panose="02010600030101010101" pitchFamily="2" charset="-122"/>
+              </a:rPr>
+              <a:t> </a:t>
+            </a:r>
+            <a:r>
+              <a:rPr lang="en-US" altLang="zh-CN">
+                <a:latin typeface="Calibri" panose="020F0502020204030204" charset="0"/>
+                <a:ea typeface="宋体" panose="02010600030101010101" pitchFamily="2" charset="-122"/>
+                <a:sym typeface="宋体" panose="02010600030101010101" pitchFamily="2" charset="-122"/>
+              </a:rPr>
+              <a:t>9</a:t>
+            </a:r>
+            <a:endParaRPr lang="en-US" altLang="zh-CN">
+              <a:latin typeface="Calibri" panose="020F0502020204030204" charset="0"/>
+              <a:ea typeface="宋体" panose="02010600030101010101" pitchFamily="2" charset="-122"/>
+              <a:sym typeface="宋体" panose="02010600030101010101" pitchFamily="2" charset="-122"/>
+            </a:endParaRPr>
+          </a:p>
+          <a:p>
+            <a:r>
+              <a:rPr lang="zh-CN" altLang="en-US">
+                <a:latin typeface="Calibri" panose="020F0502020204030204" charset="0"/>
+                <a:ea typeface="宋体" panose="02010600030101010101" pitchFamily="2" charset="-122"/>
+                <a:sym typeface="宋体" panose="02010600030101010101" pitchFamily="2" charset="-122"/>
+              </a:rPr>
+              <a:t>实际完成情况：	 </a:t>
+            </a:r>
+            <a:endParaRPr lang="zh-CN" altLang="en-US">
+              <a:latin typeface="Calibri" panose="020F0502020204030204" charset="0"/>
+              <a:ea typeface="宋体" panose="02010600030101010101" pitchFamily="2" charset="-122"/>
+            </a:endParaRPr>
+          </a:p>
+          <a:p>
+            <a:r>
+              <a:rPr lang="en-US" altLang="zh-CN">
+                <a:latin typeface="Calibri" panose="020F0502020204030204" charset="0"/>
+                <a:ea typeface="宋体" panose="02010600030101010101" pitchFamily="2" charset="-122"/>
+                <a:sym typeface="宋体" panose="02010600030101010101" pitchFamily="2" charset="-122"/>
+              </a:rPr>
+              <a:t>所承担工作的完成速度10</a:t>
+            </a:r>
+            <a:endParaRPr lang="en-US" altLang="zh-CN">
+              <a:latin typeface="Calibri" panose="020F0502020204030204" charset="0"/>
+              <a:ea typeface="宋体" panose="02010600030101010101" pitchFamily="2" charset="-122"/>
+            </a:endParaRPr>
+          </a:p>
+          <a:p>
+            <a:r>
+              <a:rPr lang="en-US" altLang="zh-CN">
+                <a:latin typeface="Calibri" panose="020F0502020204030204" charset="0"/>
+                <a:ea typeface="宋体" panose="02010600030101010101" pitchFamily="2" charset="-122"/>
+                <a:sym typeface="宋体" panose="02010600030101010101" pitchFamily="2" charset="-122"/>
+              </a:rPr>
+              <a:t>所承担工作的完成质量7</a:t>
+            </a:r>
+            <a:endParaRPr lang="en-US" altLang="zh-CN">
+              <a:latin typeface="Calibri" panose="020F0502020204030204" charset="0"/>
+              <a:ea typeface="宋体" panose="02010600030101010101" pitchFamily="2" charset="-122"/>
+            </a:endParaRPr>
+          </a:p>
+          <a:p>
+            <a:r>
+              <a:rPr lang="en-US" altLang="zh-CN">
+                <a:latin typeface="Calibri" panose="020F0502020204030204" charset="0"/>
+                <a:ea typeface="宋体" panose="02010600030101010101" pitchFamily="2" charset="-122"/>
+                <a:sym typeface="宋体" panose="02010600030101010101" pitchFamily="2" charset="-122"/>
+              </a:rPr>
+              <a:t>工作沟通               7</a:t>
+            </a:r>
+            <a:endParaRPr lang="en-US" altLang="zh-CN">
+              <a:latin typeface="Calibri" panose="020F0502020204030204" charset="0"/>
+              <a:ea typeface="宋体" panose="02010600030101010101" pitchFamily="2" charset="-122"/>
+            </a:endParaRPr>
+          </a:p>
+          <a:p>
+            <a:r>
+              <a:rPr lang="en-US" altLang="zh-CN">
+                <a:latin typeface="Calibri" panose="020F0502020204030204" charset="0"/>
+                <a:ea typeface="宋体" panose="02010600030101010101" pitchFamily="2" charset="-122"/>
+                <a:sym typeface="宋体" panose="02010600030101010101" pitchFamily="2" charset="-122"/>
+              </a:rPr>
+              <a:t>文档提交的及时程</a:t>
+            </a:r>
+            <a:r>
+              <a:rPr lang="zh-CN" altLang="en-US">
+                <a:latin typeface="Calibri" panose="020F0502020204030204" charset="0"/>
+                <a:ea typeface="宋体" panose="02010600030101010101" pitchFamily="2" charset="-122"/>
+                <a:sym typeface="宋体" panose="02010600030101010101" pitchFamily="2" charset="-122"/>
+              </a:rPr>
+              <a:t>度</a:t>
+            </a:r>
+            <a:r>
+              <a:rPr lang="en-US" altLang="zh-CN">
+                <a:latin typeface="Calibri" panose="020F0502020204030204" charset="0"/>
+                <a:ea typeface="宋体" panose="02010600030101010101" pitchFamily="2" charset="-122"/>
+                <a:sym typeface="宋体" panose="02010600030101010101" pitchFamily="2" charset="-122"/>
+              </a:rPr>
+              <a:t> 10</a:t>
+            </a:r>
+            <a:endParaRPr lang="en-US" altLang="zh-CN">
+              <a:latin typeface="Calibri" panose="020F0502020204030204" charset="0"/>
+              <a:ea typeface="宋体" panose="02010600030101010101" pitchFamily="2" charset="-122"/>
+            </a:endParaRPr>
+          </a:p>
+          <a:p>
+            <a:r>
+              <a:rPr lang="en-US" altLang="zh-CN">
+                <a:latin typeface="Calibri" panose="020F0502020204030204" charset="0"/>
+                <a:ea typeface="宋体" panose="02010600030101010101" pitchFamily="2" charset="-122"/>
+                <a:sym typeface="宋体" panose="02010600030101010101" pitchFamily="2" charset="-122"/>
+              </a:rPr>
+              <a:t>文档的质量	         8</a:t>
+            </a:r>
+            <a:endParaRPr lang="en-US" altLang="zh-CN">
+              <a:latin typeface="Calibri" panose="020F0502020204030204" charset="0"/>
+              <a:ea typeface="宋体" panose="02010600030101010101" pitchFamily="2" charset="-122"/>
+            </a:endParaRPr>
+          </a:p>
+          <a:p>
+            <a:r>
+              <a:rPr lang="en-US" altLang="zh-CN">
+                <a:latin typeface="Calibri" panose="020F0502020204030204" charset="0"/>
+                <a:ea typeface="宋体" panose="02010600030101010101" pitchFamily="2" charset="-122"/>
+                <a:sym typeface="宋体" panose="02010600030101010101" pitchFamily="2" charset="-122"/>
+              </a:rPr>
+              <a:t>工作态度                 9	</a:t>
+            </a:r>
+            <a:endParaRPr lang="en-US" altLang="zh-CN">
+              <a:latin typeface="Calibri" panose="020F0502020204030204" charset="0"/>
+              <a:ea typeface="宋体" panose="02010600030101010101" pitchFamily="2" charset="-122"/>
+              <a:sym typeface="宋体" panose="02010600030101010101" pitchFamily="2" charset="-122"/>
+            </a:endParaRPr>
+          </a:p>
+          <a:p>
+            <a:r>
+              <a:rPr lang="zh-CN" altLang="en-US">
+                <a:latin typeface="Calibri" panose="020F0502020204030204" charset="0"/>
+                <a:ea typeface="宋体" panose="02010600030101010101" pitchFamily="2" charset="-122"/>
+              </a:rPr>
+              <a:t>总评：</a:t>
+            </a:r>
+            <a:r>
+              <a:rPr lang="en-US" altLang="zh-CN">
+                <a:latin typeface="Calibri" panose="020F0502020204030204" charset="0"/>
+                <a:ea typeface="宋体" panose="02010600030101010101" pitchFamily="2" charset="-122"/>
+              </a:rPr>
+              <a:t>86</a:t>
+            </a:r>
+            <a:endParaRPr lang="en-US" altLang="zh-CN">
+              <a:latin typeface="Calibri" panose="020F0502020204030204" charset="0"/>
+              <a:ea typeface="宋体" panose="02010600030101010101" pitchFamily="2" charset="-122"/>
+            </a:endParaRPr>
+          </a:p>
+        </p:txBody>
+      </p:sp>
+      <p:sp>
+        <p:nvSpPr>
+          <p:cNvPr id="2" name="文本框 7"/>
+          <p:cNvSpPr txBox="1"/>
+          <p:nvPr/>
+        </p:nvSpPr>
+        <p:spPr>
+          <a:xfrm>
+            <a:off x="7805738" y="1531938"/>
+            <a:ext cx="2590165" cy="3415030"/>
+          </a:xfrm>
+          <a:prstGeom prst="rect">
+            <a:avLst/>
+          </a:prstGeom>
+          <a:noFill/>
+          <a:ln w="9525">
+            <a:noFill/>
+          </a:ln>
+        </p:spPr>
+        <p:txBody>
+          <a:bodyPr wrap="none" anchor="t">
+            <a:spAutoFit/>
+          </a:bodyPr>
+          <a:p>
+            <a:r>
+              <a:rPr lang="zh-CN" altLang="en-US">
+                <a:latin typeface="Calibri" panose="020F0502020204030204" charset="0"/>
+                <a:ea typeface="宋体" panose="02010600030101010101" pitchFamily="2" charset="-122"/>
+                <a:sym typeface="宋体" panose="02010600030101010101" pitchFamily="2" charset="-122"/>
+              </a:rPr>
+              <a:t>职责要求                   </a:t>
+            </a:r>
+            <a:r>
+              <a:rPr lang="en-US" altLang="zh-CN">
+                <a:latin typeface="Calibri" panose="020F0502020204030204" charset="0"/>
+                <a:ea typeface="宋体" panose="02010600030101010101" pitchFamily="2" charset="-122"/>
+                <a:sym typeface="宋体" panose="02010600030101010101" pitchFamily="2" charset="-122"/>
+              </a:rPr>
+              <a:t>10</a:t>
+            </a:r>
+            <a:endParaRPr lang="en-US" altLang="zh-CN">
+              <a:latin typeface="Calibri" panose="020F0502020204030204" charset="0"/>
+              <a:ea typeface="宋体" panose="02010600030101010101" pitchFamily="2" charset="-122"/>
+              <a:sym typeface="宋体" panose="02010600030101010101" pitchFamily="2" charset="-122"/>
+            </a:endParaRPr>
+          </a:p>
+          <a:p>
+            <a:r>
+              <a:rPr lang="zh-CN" altLang="en-US">
+                <a:latin typeface="Calibri" panose="020F0502020204030204" charset="0"/>
+                <a:ea typeface="宋体" panose="02010600030101010101" pitchFamily="2" charset="-122"/>
+                <a:sym typeface="宋体" panose="02010600030101010101" pitchFamily="2" charset="-122"/>
+              </a:rPr>
+              <a:t>技术难度	 </a:t>
+            </a:r>
+            <a:r>
+              <a:rPr lang="en-US" altLang="zh-CN">
+                <a:latin typeface="Calibri" panose="020F0502020204030204" charset="0"/>
+                <a:ea typeface="宋体" panose="02010600030101010101" pitchFamily="2" charset="-122"/>
+                <a:sym typeface="宋体" panose="02010600030101010101" pitchFamily="2" charset="-122"/>
+              </a:rPr>
+              <a:t>7</a:t>
+            </a:r>
+            <a:r>
+              <a:rPr lang="zh-CN" altLang="en-US">
+                <a:latin typeface="Calibri" panose="020F0502020204030204" charset="0"/>
+                <a:ea typeface="宋体" panose="02010600030101010101" pitchFamily="2" charset="-122"/>
+                <a:sym typeface="宋体" panose="02010600030101010101" pitchFamily="2" charset="-122"/>
+              </a:rPr>
+              <a:t>   </a:t>
+            </a:r>
+            <a:endParaRPr lang="zh-CN" altLang="en-US">
+              <a:latin typeface="Calibri" panose="020F0502020204030204" charset="0"/>
+              <a:ea typeface="宋体" panose="02010600030101010101" pitchFamily="2" charset="-122"/>
+            </a:endParaRPr>
+          </a:p>
+          <a:p>
+            <a:r>
+              <a:rPr lang="zh-CN" altLang="en-US">
+                <a:latin typeface="Calibri" panose="020F0502020204030204" charset="0"/>
+                <a:ea typeface="宋体" panose="02010600030101010101" pitchFamily="2" charset="-122"/>
+                <a:sym typeface="宋体" panose="02010600030101010101" pitchFamily="2" charset="-122"/>
+              </a:rPr>
+              <a:t>工作的重要性	 </a:t>
+            </a:r>
+            <a:r>
+              <a:rPr lang="en-US" altLang="zh-CN">
+                <a:latin typeface="Calibri" panose="020F0502020204030204" charset="0"/>
+                <a:ea typeface="宋体" panose="02010600030101010101" pitchFamily="2" charset="-122"/>
+                <a:sym typeface="宋体" panose="02010600030101010101" pitchFamily="2" charset="-122"/>
+              </a:rPr>
+              <a:t>8</a:t>
+            </a:r>
+            <a:endParaRPr lang="en-US" altLang="zh-CN">
+              <a:latin typeface="Calibri" panose="020F0502020204030204" charset="0"/>
+              <a:ea typeface="宋体" panose="02010600030101010101" pitchFamily="2" charset="-122"/>
+              <a:sym typeface="宋体" panose="02010600030101010101" pitchFamily="2" charset="-122"/>
+            </a:endParaRPr>
+          </a:p>
+          <a:p>
+            <a:r>
+              <a:rPr lang="zh-CN" altLang="en-US">
+                <a:latin typeface="Calibri" panose="020F0502020204030204" charset="0"/>
+                <a:ea typeface="宋体" panose="02010600030101010101" pitchFamily="2" charset="-122"/>
+                <a:sym typeface="宋体" panose="02010600030101010101" pitchFamily="2" charset="-122"/>
+              </a:rPr>
+              <a:t>工作强度</a:t>
+            </a:r>
+            <a:r>
+              <a:rPr lang="en-US" altLang="zh-CN">
+                <a:latin typeface="Calibri" panose="020F0502020204030204" charset="0"/>
+                <a:ea typeface="宋体" panose="02010600030101010101" pitchFamily="2" charset="-122"/>
+                <a:sym typeface="宋体" panose="02010600030101010101" pitchFamily="2" charset="-122"/>
+              </a:rPr>
+              <a:t>	</a:t>
+            </a:r>
+            <a:r>
+              <a:rPr lang="zh-CN" altLang="en-US">
+                <a:latin typeface="Calibri" panose="020F0502020204030204" charset="0"/>
+                <a:ea typeface="宋体" panose="02010600030101010101" pitchFamily="2" charset="-122"/>
+                <a:sym typeface="宋体" panose="02010600030101010101" pitchFamily="2" charset="-122"/>
+              </a:rPr>
+              <a:t> </a:t>
+            </a:r>
+            <a:r>
+              <a:rPr lang="en-US" altLang="zh-CN">
+                <a:latin typeface="Calibri" panose="020F0502020204030204" charset="0"/>
+                <a:ea typeface="宋体" panose="02010600030101010101" pitchFamily="2" charset="-122"/>
+                <a:sym typeface="宋体" panose="02010600030101010101" pitchFamily="2" charset="-122"/>
+              </a:rPr>
+              <a:t>7</a:t>
+            </a:r>
+            <a:endParaRPr lang="en-US" altLang="zh-CN">
+              <a:latin typeface="Calibri" panose="020F0502020204030204" charset="0"/>
+              <a:ea typeface="宋体" panose="02010600030101010101" pitchFamily="2" charset="-122"/>
+              <a:sym typeface="宋体" panose="02010600030101010101" pitchFamily="2" charset="-122"/>
+            </a:endParaRPr>
+          </a:p>
+          <a:p>
+            <a:r>
+              <a:rPr lang="zh-CN" altLang="en-US">
+                <a:latin typeface="Calibri" panose="020F0502020204030204" charset="0"/>
+                <a:ea typeface="宋体" panose="02010600030101010101" pitchFamily="2" charset="-122"/>
+                <a:sym typeface="宋体" panose="02010600030101010101" pitchFamily="2" charset="-122"/>
+              </a:rPr>
+              <a:t>实际完成情况：	 </a:t>
+            </a:r>
+            <a:endParaRPr lang="zh-CN" altLang="en-US">
+              <a:latin typeface="Calibri" panose="020F0502020204030204" charset="0"/>
+              <a:ea typeface="宋体" panose="02010600030101010101" pitchFamily="2" charset="-122"/>
+            </a:endParaRPr>
+          </a:p>
+          <a:p>
+            <a:r>
+              <a:rPr lang="en-US" altLang="zh-CN">
+                <a:latin typeface="Calibri" panose="020F0502020204030204" charset="0"/>
+                <a:ea typeface="宋体" panose="02010600030101010101" pitchFamily="2" charset="-122"/>
+                <a:sym typeface="宋体" panose="02010600030101010101" pitchFamily="2" charset="-122"/>
+              </a:rPr>
+              <a:t>所承担工作的完成速度7</a:t>
+            </a:r>
+            <a:endParaRPr lang="en-US" altLang="zh-CN">
+              <a:latin typeface="Calibri" panose="020F0502020204030204" charset="0"/>
+              <a:ea typeface="宋体" panose="02010600030101010101" pitchFamily="2" charset="-122"/>
+            </a:endParaRPr>
+          </a:p>
+          <a:p>
+            <a:r>
+              <a:rPr lang="en-US" altLang="zh-CN">
+                <a:latin typeface="Calibri" panose="020F0502020204030204" charset="0"/>
+                <a:ea typeface="宋体" panose="02010600030101010101" pitchFamily="2" charset="-122"/>
+                <a:sym typeface="宋体" panose="02010600030101010101" pitchFamily="2" charset="-122"/>
+              </a:rPr>
+              <a:t>所承担工作的完成质量8</a:t>
+            </a:r>
+            <a:endParaRPr lang="en-US" altLang="zh-CN">
+              <a:latin typeface="Calibri" panose="020F0502020204030204" charset="0"/>
+              <a:ea typeface="宋体" panose="02010600030101010101" pitchFamily="2" charset="-122"/>
+            </a:endParaRPr>
+          </a:p>
+          <a:p>
+            <a:r>
+              <a:rPr lang="en-US" altLang="zh-CN">
+                <a:latin typeface="Calibri" panose="020F0502020204030204" charset="0"/>
+                <a:ea typeface="宋体" panose="02010600030101010101" pitchFamily="2" charset="-122"/>
+                <a:sym typeface="宋体" panose="02010600030101010101" pitchFamily="2" charset="-122"/>
+              </a:rPr>
+              <a:t>工作沟通               7</a:t>
+            </a:r>
+            <a:endParaRPr lang="en-US" altLang="zh-CN">
+              <a:latin typeface="Calibri" panose="020F0502020204030204" charset="0"/>
+              <a:ea typeface="宋体" panose="02010600030101010101" pitchFamily="2" charset="-122"/>
+            </a:endParaRPr>
+          </a:p>
+          <a:p>
+            <a:r>
+              <a:rPr lang="en-US" altLang="zh-CN">
+                <a:latin typeface="Calibri" panose="020F0502020204030204" charset="0"/>
+                <a:ea typeface="宋体" panose="02010600030101010101" pitchFamily="2" charset="-122"/>
+                <a:sym typeface="宋体" panose="02010600030101010101" pitchFamily="2" charset="-122"/>
+              </a:rPr>
+              <a:t>文档提交的及时程</a:t>
+            </a:r>
+            <a:r>
+              <a:rPr lang="zh-CN" altLang="en-US">
+                <a:latin typeface="Calibri" panose="020F0502020204030204" charset="0"/>
+                <a:ea typeface="宋体" panose="02010600030101010101" pitchFamily="2" charset="-122"/>
+                <a:sym typeface="宋体" panose="02010600030101010101" pitchFamily="2" charset="-122"/>
+              </a:rPr>
+              <a:t>度</a:t>
+            </a:r>
+            <a:r>
+              <a:rPr lang="en-US" altLang="zh-CN">
+                <a:latin typeface="Calibri" panose="020F0502020204030204" charset="0"/>
+                <a:ea typeface="宋体" panose="02010600030101010101" pitchFamily="2" charset="-122"/>
+                <a:sym typeface="宋体" panose="02010600030101010101" pitchFamily="2" charset="-122"/>
+              </a:rPr>
+              <a:t>8 </a:t>
+            </a:r>
+            <a:endParaRPr lang="en-US" altLang="zh-CN">
+              <a:latin typeface="Calibri" panose="020F0502020204030204" charset="0"/>
+              <a:ea typeface="宋体" panose="02010600030101010101" pitchFamily="2" charset="-122"/>
+            </a:endParaRPr>
+          </a:p>
+          <a:p>
+            <a:r>
+              <a:rPr lang="en-US" altLang="zh-CN">
+                <a:latin typeface="Calibri" panose="020F0502020204030204" charset="0"/>
+                <a:ea typeface="宋体" panose="02010600030101010101" pitchFamily="2" charset="-122"/>
+                <a:sym typeface="宋体" panose="02010600030101010101" pitchFamily="2" charset="-122"/>
+              </a:rPr>
+              <a:t>文档的质量	         8</a:t>
+            </a:r>
+            <a:endParaRPr lang="en-US" altLang="zh-CN">
+              <a:latin typeface="Calibri" panose="020F0502020204030204" charset="0"/>
+              <a:ea typeface="宋体" panose="02010600030101010101" pitchFamily="2" charset="-122"/>
+            </a:endParaRPr>
+          </a:p>
+          <a:p>
+            <a:r>
+              <a:rPr lang="en-US" altLang="zh-CN">
+                <a:latin typeface="Calibri" panose="020F0502020204030204" charset="0"/>
+                <a:ea typeface="宋体" panose="02010600030101010101" pitchFamily="2" charset="-122"/>
+                <a:sym typeface="宋体" panose="02010600030101010101" pitchFamily="2" charset="-122"/>
+              </a:rPr>
+              <a:t>工作态度                 9</a:t>
+            </a:r>
+            <a:endParaRPr lang="en-US" altLang="zh-CN">
+              <a:latin typeface="Calibri" panose="020F0502020204030204" charset="0"/>
+              <a:ea typeface="宋体" panose="02010600030101010101" pitchFamily="2" charset="-122"/>
+              <a:sym typeface="宋体" panose="02010600030101010101" pitchFamily="2" charset="-122"/>
+            </a:endParaRPr>
+          </a:p>
+          <a:p>
+            <a:r>
+              <a:rPr lang="zh-CN" altLang="en-US">
+                <a:latin typeface="Calibri" panose="020F0502020204030204" charset="0"/>
+                <a:ea typeface="宋体" panose="02010600030101010101" pitchFamily="2" charset="-122"/>
+                <a:sym typeface="宋体" panose="02010600030101010101" pitchFamily="2" charset="-122"/>
+              </a:rPr>
+              <a:t>总评：</a:t>
+            </a:r>
+            <a:r>
+              <a:rPr lang="en-US" altLang="zh-CN">
+                <a:latin typeface="Calibri" panose="020F0502020204030204" charset="0"/>
+                <a:ea typeface="宋体" panose="02010600030101010101" pitchFamily="2" charset="-122"/>
+                <a:sym typeface="宋体" panose="02010600030101010101" pitchFamily="2" charset="-122"/>
+              </a:rPr>
+              <a:t>79	</a:t>
+            </a:r>
+            <a:endParaRPr lang="zh-CN" altLang="en-US">
+              <a:latin typeface="Calibri" panose="020F0502020204030204" charset="0"/>
+              <a:ea typeface="宋体" panose="02010600030101010101" pitchFamily="2" charset="-122"/>
+            </a:endParaRPr>
+          </a:p>
+        </p:txBody>
+      </p:sp>
+      <p:sp>
+        <p:nvSpPr>
+          <p:cNvPr id="6" name="文本框 5"/>
+          <p:cNvSpPr txBox="1"/>
+          <p:nvPr/>
+        </p:nvSpPr>
+        <p:spPr>
+          <a:xfrm>
+            <a:off x="8952230" y="933450"/>
+            <a:ext cx="868680" cy="368300"/>
+          </a:xfrm>
+          <a:prstGeom prst="rect">
+            <a:avLst/>
+          </a:prstGeom>
+          <a:noFill/>
+        </p:spPr>
+        <p:txBody>
+          <a:bodyPr wrap="none" rtlCol="0">
+            <a:spAutoFit/>
+          </a:bodyPr>
+          <a:p>
+            <a:r>
+              <a:rPr lang="zh-CN" altLang="en-US" sz="1800"/>
+              <a:t>简浩男</a:t>
+            </a:r>
+            <a:endParaRPr lang="zh-CN" altLang="en-US" sz="1800"/>
+          </a:p>
+        </p:txBody>
+      </p:sp>
+    </p:spTree>
+  </p:cSld>
+  <p:clrMapOvr>
+    <a:masterClrMapping/>
+  </p:clrMapOvr>
+</p:sld>
+</file>
+
+<file path=ppt/slides/slide21.xml><?xml version="1.0" encoding="utf-8"?>
+<p:sld xmlns:a="http://schemas.openxmlformats.org/drawingml/2006/main" xmlns:r="http://schemas.openxmlformats.org/officeDocument/2006/relationships" xmlns:p="http://schemas.openxmlformats.org/presentationml/2006/main">
+  <p:cSld>
+    <p:spTree>
+      <p:nvGrpSpPr>
+        <p:cNvPr id="1" name=""/>
+        <p:cNvGrpSpPr/>
+        <p:nvPr/>
+      </p:nvGrpSpPr>
+      <p:grpSpPr/>
+      <p:sp>
+        <p:nvSpPr>
+          <p:cNvPr id="15" name="矩形 14"/>
+          <p:cNvSpPr/>
+          <p:nvPr/>
+        </p:nvSpPr>
+        <p:spPr>
+          <a:xfrm>
+            <a:off x="573088" y="162560"/>
+            <a:ext cx="1260475" cy="398780"/>
+          </a:xfrm>
+          <a:prstGeom prst="rect">
+            <a:avLst/>
+          </a:prstGeom>
+        </p:spPr>
+        <p:txBody>
+          <a:bodyPr wrap="square" anchor="ctr">
+            <a:spAutoFit/>
+          </a:bodyPr>
+          <a:lstStyle/>
+          <a:p>
+            <a:pPr lvl="0" fontAlgn="auto"/>
+            <a:r>
+              <a:rPr kumimoji="0" lang="zh-CN" altLang="en-US" sz="2000" b="1" i="0" u="none" strike="noStrike" kern="0" cap="none" spc="0" normalizeH="0" baseline="0" noProof="0" dirty="0" smtClean="0">
+                <a:ln>
+                  <a:noFill/>
+                </a:ln>
+                <a:effectLst/>
+                <a:uLnTx/>
+                <a:uFillTx/>
+                <a:latin typeface="微软雅黑" panose="020B0503020204020204" pitchFamily="34" charset="-122"/>
+                <a:ea typeface="微软雅黑" panose="020B0503020204020204" pitchFamily="34" charset="-122"/>
+                <a:cs typeface="微软雅黑" panose="020B0503020204020204" pitchFamily="34" charset="-122"/>
+              </a:rPr>
+              <a:t>绩效评定</a:t>
+            </a:r>
+            <a:endParaRPr kumimoji="0" lang="zh-CN" altLang="en-US" sz="2000" b="1" i="0" u="none" strike="noStrike" kern="0" cap="none" spc="0" normalizeH="0" baseline="0" noProof="0" dirty="0" smtClean="0">
+              <a:ln>
+                <a:noFill/>
+              </a:ln>
+              <a:effectLst/>
+              <a:uLnTx/>
+              <a:uFillTx/>
+              <a:latin typeface="微软雅黑" panose="020B0503020204020204" pitchFamily="34" charset="-122"/>
+              <a:ea typeface="微软雅黑" panose="020B0503020204020204" pitchFamily="34" charset="-122"/>
+              <a:cs typeface="微软雅黑" panose="020B0503020204020204" pitchFamily="34" charset="-122"/>
+            </a:endParaRPr>
+          </a:p>
+        </p:txBody>
+      </p:sp>
+      <p:sp>
+        <p:nvSpPr>
+          <p:cNvPr id="31746" name="矩形 15"/>
+          <p:cNvSpPr/>
+          <p:nvPr/>
+        </p:nvSpPr>
+        <p:spPr>
+          <a:xfrm>
+            <a:off x="1735138" y="207963"/>
+            <a:ext cx="1177925" cy="307975"/>
+          </a:xfrm>
+          <a:prstGeom prst="rect">
+            <a:avLst/>
+          </a:prstGeom>
+          <a:noFill/>
+          <a:ln w="9525">
+            <a:noFill/>
+          </a:ln>
+        </p:spPr>
+        <p:txBody>
+          <a:bodyPr wrap="none" anchor="t">
+            <a:spAutoFit/>
+          </a:bodyPr>
+          <a:p>
+            <a:r>
+              <a:rPr lang="en-US" altLang="zh-CN" sz="1400" dirty="0">
+                <a:latin typeface="微软雅黑" panose="020B0503020204020204" pitchFamily="34" charset="-122"/>
+                <a:ea typeface="微软雅黑" panose="020B0503020204020204" pitchFamily="34" charset="-122"/>
+              </a:rPr>
+              <a:t>REFERENCE</a:t>
+            </a:r>
+            <a:endParaRPr lang="en-US" altLang="zh-CN" sz="1400" dirty="0">
+              <a:latin typeface="微软雅黑" panose="020B0503020204020204" pitchFamily="34" charset="-122"/>
+              <a:ea typeface="微软雅黑" panose="020B0503020204020204" pitchFamily="34" charset="-122"/>
+            </a:endParaRPr>
+          </a:p>
+        </p:txBody>
+      </p:sp>
+      <p:sp>
+        <p:nvSpPr>
+          <p:cNvPr id="13" name="矩形 12"/>
+          <p:cNvSpPr/>
+          <p:nvPr/>
+        </p:nvSpPr>
+        <p:spPr>
+          <a:xfrm>
+            <a:off x="169863" y="168275"/>
+            <a:ext cx="374650" cy="385763"/>
+          </a:xfrm>
+          <a:prstGeom prst="rect">
+            <a:avLst/>
+          </a:prstGeom>
+          <a:solidFill>
+            <a:schemeClr val="accent2"/>
+          </a:solidFill>
+          <a:ln>
+            <a:noFill/>
+          </a:ln>
+        </p:spPr>
+        <p:style>
+          <a:lnRef idx="2">
+            <a:schemeClr val="accent1">
+              <a:shade val="50000"/>
+            </a:schemeClr>
+          </a:lnRef>
+          <a:fillRef idx="1">
+            <a:schemeClr val="accent1"/>
+          </a:fillRef>
+          <a:effectRef idx="0">
+            <a:schemeClr val="accent1"/>
+          </a:effectRef>
+          <a:fontRef idx="minor">
+            <a:schemeClr val="lt1"/>
+          </a:fontRef>
+        </p:style>
+        <p:txBody>
+          <a:bodyPr rot="0" spcFirstLastPara="0" vertOverflow="overflow" horzOverflow="overflow" vert="horz" wrap="square" lIns="91440" tIns="45720" rIns="91440" bIns="45720" numCol="1" spcCol="0" rtlCol="0" fromWordArt="0" anchor="ctr" anchorCtr="0" forceAA="0" compatLnSpc="1">
+            <a:noAutofit/>
+          </a:bodyPr>
+          <a:lstStyle/>
+          <a:p>
+            <a:pPr algn="ctr" fontAlgn="auto"/>
+            <a:endParaRPr lang="zh-CN" altLang="en-US" strike="noStrike" noProof="1">
+              <a:solidFill>
+                <a:schemeClr val="tx1"/>
+              </a:solidFill>
+            </a:endParaRPr>
+          </a:p>
+        </p:txBody>
+      </p:sp>
+      <p:sp>
+        <p:nvSpPr>
+          <p:cNvPr id="14" name="矩形 13"/>
+          <p:cNvSpPr/>
+          <p:nvPr/>
+        </p:nvSpPr>
+        <p:spPr>
+          <a:xfrm>
+            <a:off x="-76200" y="161925"/>
+            <a:ext cx="866775" cy="400050"/>
+          </a:xfrm>
+          <a:prstGeom prst="rect">
+            <a:avLst/>
+          </a:prstGeom>
+        </p:spPr>
+        <p:txBody>
+          <a:bodyPr wrap="square" anchor="ctr">
+            <a:spAutoFit/>
+          </a:bodyPr>
+          <a:lstStyle/>
+          <a:p>
+            <a:pPr marL="0" marR="0" lvl="0" indent="0" algn="ctr" defTabSz="914400" eaLnBrk="1" fontAlgn="auto" latinLnBrk="0" hangingPunct="1">
+              <a:lnSpc>
+                <a:spcPct val="100000"/>
+              </a:lnSpc>
+              <a:spcBef>
+                <a:spcPts val="0"/>
+              </a:spcBef>
+              <a:spcAft>
+                <a:spcPts val="0"/>
+              </a:spcAft>
+              <a:buClrTx/>
+              <a:buSzTx/>
+              <a:buFontTx/>
+              <a:buNone/>
+              <a:defRPr/>
+            </a:pPr>
+            <a:r>
+              <a:rPr kumimoji="0" lang="en-US" altLang="zh-CN" sz="2000" b="0" i="0" u="none" strike="noStrike" kern="0" cap="none" spc="0" normalizeH="0" baseline="0" noProof="0" dirty="0" smtClean="0">
+                <a:ln>
+                  <a:noFill/>
+                </a:ln>
+                <a:solidFill>
+                  <a:schemeClr val="bg1"/>
+                </a:solidFill>
+                <a:effectLst/>
+                <a:uLnTx/>
+                <a:uFillTx/>
+                <a:latin typeface="微软雅黑" panose="020B0503020204020204" pitchFamily="34" charset="-122"/>
+                <a:ea typeface="微软雅黑" panose="020B0503020204020204" pitchFamily="34" charset="-122"/>
+                <a:cs typeface="微软雅黑" panose="020B0503020204020204" pitchFamily="34" charset="-122"/>
+              </a:rPr>
+              <a:t>06</a:t>
+            </a:r>
+            <a:endParaRPr kumimoji="0" lang="en-US" altLang="zh-CN" sz="2000" b="0" i="0" u="none" strike="noStrike" kern="0" cap="none" spc="0" normalizeH="0" baseline="0" noProof="0" dirty="0">
+              <a:ln>
+                <a:noFill/>
+              </a:ln>
+              <a:solidFill>
+                <a:schemeClr val="bg1"/>
+              </a:solidFill>
+              <a:effectLst/>
+              <a:uLnTx/>
+              <a:uFillTx/>
+              <a:latin typeface="微软雅黑" panose="020B0503020204020204" pitchFamily="34" charset="-122"/>
+              <a:ea typeface="微软雅黑" panose="020B0503020204020204" pitchFamily="34" charset="-122"/>
+              <a:cs typeface="微软雅黑" panose="020B0503020204020204" pitchFamily="34" charset="-122"/>
+            </a:endParaRPr>
+          </a:p>
+        </p:txBody>
+      </p:sp>
+      <p:cxnSp>
+        <p:nvCxnSpPr>
+          <p:cNvPr id="17" name="直接连接符 16"/>
+          <p:cNvCxnSpPr/>
+          <p:nvPr/>
+        </p:nvCxnSpPr>
+        <p:spPr>
+          <a:xfrm>
+            <a:off x="3060700" y="361950"/>
+            <a:ext cx="8953500" cy="0"/>
+          </a:xfrm>
+          <a:prstGeom prst="line">
+            <a:avLst/>
+          </a:prstGeom>
+          <a:ln>
+            <a:solidFill>
+              <a:schemeClr val="tx1"/>
+            </a:solidFill>
+          </a:ln>
+        </p:spPr>
+        <p:style>
+          <a:lnRef idx="1">
+            <a:schemeClr val="accent1"/>
+          </a:lnRef>
+          <a:fillRef idx="0">
+            <a:schemeClr val="accent1"/>
+          </a:fillRef>
+          <a:effectRef idx="0">
+            <a:schemeClr val="accent1"/>
+          </a:effectRef>
+          <a:fontRef idx="minor">
+            <a:schemeClr val="tx1"/>
+          </a:fontRef>
+        </p:style>
+      </p:cxnSp>
+      <p:cxnSp>
+        <p:nvCxnSpPr>
+          <p:cNvPr id="19" name="直接连接符 18"/>
+          <p:cNvCxnSpPr/>
+          <p:nvPr/>
+        </p:nvCxnSpPr>
+        <p:spPr>
+          <a:xfrm>
+            <a:off x="1774825" y="246063"/>
+            <a:ext cx="1588" cy="230188"/>
+          </a:xfrm>
+          <a:prstGeom prst="line">
+            <a:avLst/>
+          </a:prstGeom>
+          <a:ln w="12700" cap="rnd">
+            <a:solidFill>
+              <a:schemeClr val="tx1">
+                <a:alpha val="49000"/>
+              </a:schemeClr>
+            </a:solidFill>
+            <a:round/>
+            <a:tailEnd type="none" w="sm" len="sm"/>
+          </a:ln>
+        </p:spPr>
+        <p:style>
+          <a:lnRef idx="1">
+            <a:schemeClr val="accent1"/>
+          </a:lnRef>
+          <a:fillRef idx="0">
+            <a:schemeClr val="accent1"/>
+          </a:fillRef>
+          <a:effectRef idx="0">
+            <a:schemeClr val="accent1"/>
+          </a:effectRef>
+          <a:fontRef idx="minor">
+            <a:schemeClr val="tx1"/>
+          </a:fontRef>
+        </p:style>
+      </p:cxnSp>
+      <p:pic>
+        <p:nvPicPr>
+          <p:cNvPr id="31751" name="图片 2" descr="小组logo"/>
+          <p:cNvPicPr>
+            <a:picLocks noChangeAspect="1"/>
+          </p:cNvPicPr>
+          <p:nvPr/>
+        </p:nvPicPr>
+        <p:blipFill>
+          <a:blip r:embed="rId1"/>
+          <a:stretch>
+            <a:fillRect/>
+          </a:stretch>
+        </p:blipFill>
+        <p:spPr>
+          <a:xfrm>
+            <a:off x="10318750" y="-190500"/>
+            <a:ext cx="2105025" cy="2105025"/>
+          </a:xfrm>
+          <a:prstGeom prst="rect">
+            <a:avLst/>
+          </a:prstGeom>
+          <a:noFill/>
+          <a:ln w="9525">
+            <a:noFill/>
+          </a:ln>
+        </p:spPr>
+      </p:pic>
+      <p:pic>
+        <p:nvPicPr>
+          <p:cNvPr id="31752" name="Picture 2" descr="C:\Documents and Settings\Administrator\My Documents\Downloads\006.png"/>
+          <p:cNvPicPr>
+            <a:picLocks noChangeAspect="1"/>
+          </p:cNvPicPr>
+          <p:nvPr/>
+        </p:nvPicPr>
+        <p:blipFill>
+          <a:blip r:embed="rId2"/>
+          <a:stretch>
+            <a:fillRect/>
+          </a:stretch>
+        </p:blipFill>
+        <p:spPr>
+          <a:xfrm>
+            <a:off x="111125" y="933450"/>
+            <a:ext cx="492125" cy="492125"/>
+          </a:xfrm>
+          <a:prstGeom prst="rect">
+            <a:avLst/>
+          </a:prstGeom>
+          <a:noFill/>
+          <a:ln w="9525">
+            <a:noFill/>
+          </a:ln>
+        </p:spPr>
+      </p:pic>
+      <p:cxnSp>
+        <p:nvCxnSpPr>
+          <p:cNvPr id="4" name="直接连接符 3"/>
+          <p:cNvCxnSpPr/>
+          <p:nvPr/>
+        </p:nvCxnSpPr>
+        <p:spPr>
+          <a:xfrm>
+            <a:off x="1833563" y="996950"/>
+            <a:ext cx="0" cy="3633788"/>
+          </a:xfrm>
+          <a:prstGeom prst="line">
+            <a:avLst/>
+          </a:prstGeom>
+          <a:ln w="15875">
+            <a:solidFill>
+              <a:schemeClr val="tx1">
+                <a:lumMod val="85000"/>
+                <a:lumOff val="15000"/>
+              </a:schemeClr>
+            </a:solidFill>
+          </a:ln>
+        </p:spPr>
+        <p:style>
+          <a:lnRef idx="1">
+            <a:schemeClr val="accent1"/>
+          </a:lnRef>
+          <a:fillRef idx="0">
+            <a:schemeClr val="accent1"/>
+          </a:fillRef>
+          <a:effectRef idx="0">
+            <a:schemeClr val="accent1"/>
+          </a:effectRef>
+          <a:fontRef idx="minor">
+            <a:schemeClr val="tx1"/>
+          </a:fontRef>
+        </p:style>
+      </p:cxnSp>
+      <p:sp>
+        <p:nvSpPr>
+          <p:cNvPr id="31754" name="文本框 1"/>
+          <p:cNvSpPr txBox="1"/>
+          <p:nvPr/>
+        </p:nvSpPr>
+        <p:spPr>
+          <a:xfrm>
+            <a:off x="679450" y="996950"/>
+            <a:ext cx="1096963" cy="365125"/>
+          </a:xfrm>
+          <a:prstGeom prst="rect">
+            <a:avLst/>
+          </a:prstGeom>
+          <a:noFill/>
+          <a:ln w="9525">
+            <a:noFill/>
+          </a:ln>
+        </p:spPr>
+        <p:txBody>
+          <a:bodyPr wrap="none" anchor="t">
+            <a:spAutoFit/>
+          </a:bodyPr>
+          <a:p>
+            <a:r>
+              <a:rPr lang="zh-CN" altLang="en-US">
+                <a:latin typeface="Calibri" panose="020F0502020204030204" charset="0"/>
+                <a:ea typeface="宋体" panose="02010600030101010101" pitchFamily="2" charset="-122"/>
+              </a:rPr>
+              <a:t>绩效评定</a:t>
+            </a:r>
+            <a:endParaRPr lang="zh-CN" altLang="en-US">
+              <a:latin typeface="Calibri" panose="020F0502020204030204" charset="0"/>
+              <a:ea typeface="宋体" panose="02010600030101010101" pitchFamily="2" charset="-122"/>
+            </a:endParaRPr>
+          </a:p>
+        </p:txBody>
+      </p:sp>
+      <p:sp>
+        <p:nvSpPr>
+          <p:cNvPr id="31755" name="文本框 3"/>
+          <p:cNvSpPr txBox="1"/>
+          <p:nvPr/>
+        </p:nvSpPr>
+        <p:spPr>
+          <a:xfrm>
+            <a:off x="2870200" y="996950"/>
+            <a:ext cx="1096963" cy="368300"/>
+          </a:xfrm>
+          <a:prstGeom prst="rect">
+            <a:avLst/>
+          </a:prstGeom>
+          <a:noFill/>
+          <a:ln w="9525">
+            <a:noFill/>
+          </a:ln>
+        </p:spPr>
+        <p:txBody>
+          <a:bodyPr wrap="none" anchor="t">
+            <a:spAutoFit/>
+          </a:bodyPr>
+          <a:p>
+            <a:r>
+              <a:rPr lang="zh-CN" altLang="en-US">
+                <a:latin typeface="Calibri" panose="020F0502020204030204" charset="0"/>
+                <a:ea typeface="宋体" panose="02010600030101010101" pitchFamily="2" charset="-122"/>
+              </a:rPr>
+              <a:t>吕政凯：</a:t>
+            </a:r>
+            <a:endParaRPr lang="zh-CN" altLang="en-US">
+              <a:latin typeface="Calibri" panose="020F0502020204030204" charset="0"/>
+              <a:ea typeface="宋体" panose="02010600030101010101" pitchFamily="2" charset="-122"/>
+            </a:endParaRPr>
+          </a:p>
+        </p:txBody>
+      </p:sp>
+      <p:cxnSp>
+        <p:nvCxnSpPr>
+          <p:cNvPr id="5" name="直接连接符 4"/>
+          <p:cNvCxnSpPr/>
+          <p:nvPr/>
+        </p:nvCxnSpPr>
+        <p:spPr>
+          <a:xfrm>
+            <a:off x="1833563" y="2714625"/>
+            <a:ext cx="0" cy="3633788"/>
+          </a:xfrm>
+          <a:prstGeom prst="line">
+            <a:avLst/>
+          </a:prstGeom>
+          <a:ln w="15875">
+            <a:solidFill>
+              <a:schemeClr val="tx1">
+                <a:lumMod val="85000"/>
+                <a:lumOff val="15000"/>
+              </a:schemeClr>
+            </a:solidFill>
+          </a:ln>
+        </p:spPr>
+        <p:style>
+          <a:lnRef idx="1">
+            <a:schemeClr val="accent1"/>
+          </a:lnRef>
+          <a:fillRef idx="0">
+            <a:schemeClr val="accent1"/>
+          </a:fillRef>
+          <a:effectRef idx="0">
+            <a:schemeClr val="accent1"/>
+          </a:effectRef>
+          <a:fontRef idx="minor">
+            <a:schemeClr val="tx1"/>
+          </a:fontRef>
+        </p:style>
+      </p:cxnSp>
+      <p:sp>
+        <p:nvSpPr>
+          <p:cNvPr id="31757" name="文本框 5"/>
+          <p:cNvSpPr txBox="1"/>
+          <p:nvPr/>
+        </p:nvSpPr>
+        <p:spPr>
+          <a:xfrm>
+            <a:off x="1957388" y="1531938"/>
+            <a:ext cx="2922587" cy="3415030"/>
+          </a:xfrm>
+          <a:prstGeom prst="rect">
+            <a:avLst/>
+          </a:prstGeom>
+          <a:noFill/>
+          <a:ln w="9525">
+            <a:noFill/>
+          </a:ln>
+        </p:spPr>
+        <p:txBody>
+          <a:bodyPr wrap="square" anchor="t">
+            <a:spAutoFit/>
+          </a:bodyPr>
+          <a:p>
+            <a:r>
+              <a:rPr lang="zh-CN" altLang="en-US">
+                <a:latin typeface="Calibri" panose="020F0502020204030204" charset="0"/>
+                <a:ea typeface="宋体" panose="02010600030101010101" pitchFamily="2" charset="-122"/>
+              </a:rPr>
+              <a:t>职责要求                   </a:t>
+            </a:r>
+            <a:r>
+              <a:rPr lang="en-US" altLang="zh-CN">
+                <a:latin typeface="Calibri" panose="020F0502020204030204" charset="0"/>
+                <a:ea typeface="宋体" panose="02010600030101010101" pitchFamily="2" charset="-122"/>
+              </a:rPr>
+              <a:t>10</a:t>
+            </a:r>
+            <a:endParaRPr lang="en-US" altLang="zh-CN">
+              <a:latin typeface="Calibri" panose="020F0502020204030204" charset="0"/>
+              <a:ea typeface="宋体" panose="02010600030101010101" pitchFamily="2" charset="-122"/>
+            </a:endParaRPr>
+          </a:p>
+          <a:p>
+            <a:r>
+              <a:rPr lang="zh-CN" altLang="en-US">
+                <a:latin typeface="Calibri" panose="020F0502020204030204" charset="0"/>
+                <a:ea typeface="宋体" panose="02010600030101010101" pitchFamily="2" charset="-122"/>
+              </a:rPr>
+              <a:t>技术难度	 </a:t>
+            </a:r>
+            <a:r>
+              <a:rPr lang="en-US" altLang="zh-CN">
+                <a:latin typeface="Calibri" panose="020F0502020204030204" charset="0"/>
+                <a:ea typeface="宋体" panose="02010600030101010101" pitchFamily="2" charset="-122"/>
+              </a:rPr>
+              <a:t>7</a:t>
+            </a:r>
+            <a:r>
+              <a:rPr lang="zh-CN" altLang="en-US">
+                <a:latin typeface="Calibri" panose="020F0502020204030204" charset="0"/>
+                <a:ea typeface="宋体" panose="02010600030101010101" pitchFamily="2" charset="-122"/>
+              </a:rPr>
+              <a:t>   </a:t>
+            </a:r>
+            <a:endParaRPr lang="zh-CN" altLang="en-US">
+              <a:latin typeface="Calibri" panose="020F0502020204030204" charset="0"/>
+              <a:ea typeface="宋体" panose="02010600030101010101" pitchFamily="2" charset="-122"/>
+            </a:endParaRPr>
+          </a:p>
+          <a:p>
+            <a:r>
+              <a:rPr lang="zh-CN" altLang="en-US">
+                <a:latin typeface="Calibri" panose="020F0502020204030204" charset="0"/>
+                <a:ea typeface="宋体" panose="02010600030101010101" pitchFamily="2" charset="-122"/>
+              </a:rPr>
+              <a:t>工作的重要性	 </a:t>
+            </a:r>
+            <a:r>
+              <a:rPr lang="en-US" altLang="zh-CN">
+                <a:latin typeface="Calibri" panose="020F0502020204030204" charset="0"/>
+                <a:ea typeface="宋体" panose="02010600030101010101" pitchFamily="2" charset="-122"/>
+              </a:rPr>
+              <a:t>6</a:t>
+            </a:r>
+            <a:endParaRPr lang="en-US" altLang="zh-CN">
+              <a:latin typeface="Calibri" panose="020F0502020204030204" charset="0"/>
+              <a:ea typeface="宋体" panose="02010600030101010101" pitchFamily="2" charset="-122"/>
+            </a:endParaRPr>
+          </a:p>
+          <a:p>
+            <a:r>
+              <a:rPr lang="zh-CN" altLang="en-US">
+                <a:latin typeface="Calibri" panose="020F0502020204030204" charset="0"/>
+                <a:ea typeface="宋体" panose="02010600030101010101" pitchFamily="2" charset="-122"/>
+              </a:rPr>
+              <a:t>工作强度</a:t>
+            </a:r>
+            <a:r>
+              <a:rPr lang="en-US" altLang="zh-CN">
+                <a:latin typeface="Calibri" panose="020F0502020204030204" charset="0"/>
+                <a:ea typeface="宋体" panose="02010600030101010101" pitchFamily="2" charset="-122"/>
+              </a:rPr>
+              <a:t>	</a:t>
+            </a:r>
+            <a:r>
+              <a:rPr lang="zh-CN" altLang="en-US">
+                <a:latin typeface="Calibri" panose="020F0502020204030204" charset="0"/>
+                <a:ea typeface="宋体" panose="02010600030101010101" pitchFamily="2" charset="-122"/>
+              </a:rPr>
+              <a:t> </a:t>
+            </a:r>
+            <a:r>
+              <a:rPr lang="en-US" altLang="zh-CN">
+                <a:latin typeface="Calibri" panose="020F0502020204030204" charset="0"/>
+                <a:ea typeface="宋体" panose="02010600030101010101" pitchFamily="2" charset="-122"/>
+              </a:rPr>
+              <a:t>8</a:t>
+            </a:r>
+            <a:endParaRPr lang="en-US" altLang="zh-CN">
+              <a:latin typeface="Calibri" panose="020F0502020204030204" charset="0"/>
+              <a:ea typeface="宋体" panose="02010600030101010101" pitchFamily="2" charset="-122"/>
+            </a:endParaRPr>
+          </a:p>
+          <a:p>
+            <a:r>
+              <a:rPr lang="zh-CN" altLang="en-US">
+                <a:latin typeface="Calibri" panose="020F0502020204030204" charset="0"/>
+                <a:ea typeface="宋体" panose="02010600030101010101" pitchFamily="2" charset="-122"/>
+              </a:rPr>
+              <a:t>实际完成情况：	 </a:t>
+            </a:r>
+            <a:endParaRPr lang="zh-CN" altLang="en-US">
+              <a:latin typeface="Calibri" panose="020F0502020204030204" charset="0"/>
+              <a:ea typeface="宋体" panose="02010600030101010101" pitchFamily="2" charset="-122"/>
+            </a:endParaRPr>
+          </a:p>
+          <a:p>
+            <a:r>
+              <a:rPr lang="en-US" altLang="zh-CN">
+                <a:latin typeface="Calibri" panose="020F0502020204030204" charset="0"/>
+                <a:ea typeface="宋体" panose="02010600030101010101" pitchFamily="2" charset="-122"/>
+              </a:rPr>
+              <a:t>所承担工作的完成速度9</a:t>
+            </a:r>
+            <a:endParaRPr lang="en-US" altLang="zh-CN">
+              <a:latin typeface="Calibri" panose="020F0502020204030204" charset="0"/>
+              <a:ea typeface="宋体" panose="02010600030101010101" pitchFamily="2" charset="-122"/>
+            </a:endParaRPr>
+          </a:p>
+          <a:p>
+            <a:r>
+              <a:rPr lang="en-US" altLang="zh-CN">
+                <a:latin typeface="Calibri" panose="020F0502020204030204" charset="0"/>
+                <a:ea typeface="宋体" panose="02010600030101010101" pitchFamily="2" charset="-122"/>
+              </a:rPr>
+              <a:t>所承担工作的完成质量10</a:t>
+            </a:r>
+            <a:endParaRPr lang="en-US" altLang="zh-CN">
+              <a:latin typeface="Calibri" panose="020F0502020204030204" charset="0"/>
+              <a:ea typeface="宋体" panose="02010600030101010101" pitchFamily="2" charset="-122"/>
+            </a:endParaRPr>
+          </a:p>
+          <a:p>
+            <a:r>
+              <a:rPr lang="en-US" altLang="zh-CN">
+                <a:latin typeface="Calibri" panose="020F0502020204030204" charset="0"/>
+                <a:ea typeface="宋体" panose="02010600030101010101" pitchFamily="2" charset="-122"/>
+              </a:rPr>
+              <a:t>工作沟通               10</a:t>
+            </a:r>
+            <a:endParaRPr lang="en-US" altLang="zh-CN">
+              <a:latin typeface="Calibri" panose="020F0502020204030204" charset="0"/>
+              <a:ea typeface="宋体" panose="02010600030101010101" pitchFamily="2" charset="-122"/>
+            </a:endParaRPr>
+          </a:p>
+          <a:p>
+            <a:r>
+              <a:rPr lang="en-US" altLang="zh-CN">
+                <a:latin typeface="Calibri" panose="020F0502020204030204" charset="0"/>
+                <a:ea typeface="宋体" panose="02010600030101010101" pitchFamily="2" charset="-122"/>
+              </a:rPr>
+              <a:t>文档提交的及时程</a:t>
+            </a:r>
+            <a:r>
+              <a:rPr lang="zh-CN" altLang="en-US">
+                <a:latin typeface="Calibri" panose="020F0502020204030204" charset="0"/>
+                <a:ea typeface="宋体" panose="02010600030101010101" pitchFamily="2" charset="-122"/>
+              </a:rPr>
+              <a:t>度</a:t>
+            </a:r>
+            <a:r>
+              <a:rPr lang="en-US" altLang="zh-CN">
+                <a:latin typeface="Calibri" panose="020F0502020204030204" charset="0"/>
+                <a:ea typeface="宋体" panose="02010600030101010101" pitchFamily="2" charset="-122"/>
+              </a:rPr>
+              <a:t> 8</a:t>
+            </a:r>
+            <a:endParaRPr lang="en-US" altLang="zh-CN">
+              <a:latin typeface="Calibri" panose="020F0502020204030204" charset="0"/>
+              <a:ea typeface="宋体" panose="02010600030101010101" pitchFamily="2" charset="-122"/>
+            </a:endParaRPr>
+          </a:p>
+          <a:p>
+            <a:r>
+              <a:rPr lang="en-US" altLang="zh-CN">
+                <a:latin typeface="Calibri" panose="020F0502020204030204" charset="0"/>
+                <a:ea typeface="宋体" panose="02010600030101010101" pitchFamily="2" charset="-122"/>
+              </a:rPr>
+              <a:t>文档的质量	         10</a:t>
+            </a:r>
+            <a:endParaRPr lang="en-US" altLang="zh-CN">
+              <a:latin typeface="Calibri" panose="020F0502020204030204" charset="0"/>
+              <a:ea typeface="宋体" panose="02010600030101010101" pitchFamily="2" charset="-122"/>
+            </a:endParaRPr>
+          </a:p>
+          <a:p>
+            <a:r>
+              <a:rPr lang="en-US" altLang="zh-CN">
+                <a:latin typeface="Calibri" panose="020F0502020204030204" charset="0"/>
+                <a:ea typeface="宋体" panose="02010600030101010101" pitchFamily="2" charset="-122"/>
+              </a:rPr>
+              <a:t>工作态度                 9</a:t>
+            </a:r>
+            <a:endParaRPr lang="en-US" altLang="zh-CN">
+              <a:latin typeface="Calibri" panose="020F0502020204030204" charset="0"/>
+              <a:ea typeface="宋体" panose="02010600030101010101" pitchFamily="2" charset="-122"/>
+            </a:endParaRPr>
+          </a:p>
+          <a:p>
+            <a:r>
+              <a:rPr lang="zh-CN" altLang="en-US">
+                <a:latin typeface="Calibri" panose="020F0502020204030204" charset="0"/>
+                <a:ea typeface="宋体" panose="02010600030101010101" pitchFamily="2" charset="-122"/>
+              </a:rPr>
+              <a:t>总评：</a:t>
+            </a:r>
+            <a:r>
+              <a:rPr lang="en-US" altLang="zh-CN">
+                <a:latin typeface="Calibri" panose="020F0502020204030204" charset="0"/>
+                <a:ea typeface="宋体" panose="02010600030101010101" pitchFamily="2" charset="-122"/>
+              </a:rPr>
+              <a:t>88	</a:t>
+            </a:r>
+            <a:endParaRPr lang="en-US" altLang="zh-CN">
+              <a:latin typeface="Calibri" panose="020F0502020204030204" charset="0"/>
+              <a:ea typeface="宋体" panose="02010600030101010101" pitchFamily="2" charset="-122"/>
+            </a:endParaRPr>
+          </a:p>
+        </p:txBody>
+      </p:sp>
+      <p:sp>
+        <p:nvSpPr>
+          <p:cNvPr id="31758" name="文本框 6"/>
+          <p:cNvSpPr txBox="1"/>
+          <p:nvPr/>
+        </p:nvSpPr>
+        <p:spPr>
+          <a:xfrm>
+            <a:off x="6751638" y="933450"/>
+            <a:ext cx="1096962" cy="368300"/>
+          </a:xfrm>
+          <a:prstGeom prst="rect">
+            <a:avLst/>
+          </a:prstGeom>
+          <a:noFill/>
+          <a:ln w="9525">
+            <a:noFill/>
+          </a:ln>
+        </p:spPr>
+        <p:txBody>
+          <a:bodyPr wrap="none" anchor="t">
+            <a:spAutoFit/>
+          </a:bodyPr>
+          <a:p>
+            <a:r>
+              <a:rPr lang="zh-CN" altLang="en-US">
+                <a:latin typeface="Calibri" panose="020F0502020204030204" charset="0"/>
+                <a:ea typeface="宋体" panose="02010600030101010101" pitchFamily="2" charset="-122"/>
+              </a:rPr>
+              <a:t>楼静靓：</a:t>
+            </a:r>
+            <a:endParaRPr lang="zh-CN" altLang="en-US">
+              <a:latin typeface="Calibri" panose="020F0502020204030204" charset="0"/>
+              <a:ea typeface="宋体" panose="02010600030101010101" pitchFamily="2" charset="-122"/>
+            </a:endParaRPr>
+          </a:p>
+        </p:txBody>
+      </p:sp>
+      <p:sp>
+        <p:nvSpPr>
+          <p:cNvPr id="31759" name="文本框 7"/>
+          <p:cNvSpPr txBox="1"/>
+          <p:nvPr/>
+        </p:nvSpPr>
+        <p:spPr>
+          <a:xfrm>
+            <a:off x="5722938" y="1531938"/>
+            <a:ext cx="2926080" cy="3415030"/>
+          </a:xfrm>
+          <a:prstGeom prst="rect">
+            <a:avLst/>
+          </a:prstGeom>
+          <a:noFill/>
+          <a:ln w="9525">
+            <a:noFill/>
+          </a:ln>
+        </p:spPr>
+        <p:txBody>
+          <a:bodyPr wrap="none" anchor="t">
+            <a:spAutoFit/>
+          </a:bodyPr>
+          <a:p>
+            <a:r>
+              <a:rPr lang="zh-CN" altLang="en-US">
+                <a:latin typeface="Calibri" panose="020F0502020204030204" charset="0"/>
+                <a:ea typeface="宋体" panose="02010600030101010101" pitchFamily="2" charset="-122"/>
+                <a:sym typeface="宋体" panose="02010600030101010101" pitchFamily="2" charset="-122"/>
+              </a:rPr>
+              <a:t>职责要求                   10</a:t>
+            </a:r>
+            <a:endParaRPr lang="zh-CN" altLang="en-US">
+              <a:latin typeface="Calibri" panose="020F0502020204030204" charset="0"/>
+              <a:ea typeface="宋体" panose="02010600030101010101" pitchFamily="2" charset="-122"/>
+            </a:endParaRPr>
+          </a:p>
+          <a:p>
+            <a:r>
+              <a:rPr lang="zh-CN" altLang="en-US">
+                <a:latin typeface="Calibri" panose="020F0502020204030204" charset="0"/>
+                <a:ea typeface="宋体" panose="02010600030101010101" pitchFamily="2" charset="-122"/>
+                <a:sym typeface="宋体" panose="02010600030101010101" pitchFamily="2" charset="-122"/>
+              </a:rPr>
+              <a:t>技术难度	 </a:t>
+            </a:r>
+            <a:r>
+              <a:rPr lang="en-US" altLang="zh-CN">
+                <a:latin typeface="Calibri" panose="020F0502020204030204" charset="0"/>
+                <a:ea typeface="宋体" panose="02010600030101010101" pitchFamily="2" charset="-122"/>
+                <a:sym typeface="宋体" panose="02010600030101010101" pitchFamily="2" charset="-122"/>
+              </a:rPr>
+              <a:t>9</a:t>
+            </a:r>
+            <a:r>
+              <a:rPr lang="zh-CN" altLang="en-US">
+                <a:latin typeface="Calibri" panose="020F0502020204030204" charset="0"/>
+                <a:ea typeface="宋体" panose="02010600030101010101" pitchFamily="2" charset="-122"/>
+                <a:sym typeface="宋体" panose="02010600030101010101" pitchFamily="2" charset="-122"/>
+              </a:rPr>
+              <a:t>   </a:t>
+            </a:r>
+            <a:endParaRPr lang="zh-CN" altLang="en-US">
+              <a:latin typeface="Calibri" panose="020F0502020204030204" charset="0"/>
+              <a:ea typeface="宋体" panose="02010600030101010101" pitchFamily="2" charset="-122"/>
+            </a:endParaRPr>
+          </a:p>
+          <a:p>
+            <a:r>
+              <a:rPr lang="zh-CN" altLang="en-US">
+                <a:latin typeface="Calibri" panose="020F0502020204030204" charset="0"/>
+                <a:ea typeface="宋体" panose="02010600030101010101" pitchFamily="2" charset="-122"/>
+                <a:sym typeface="宋体" panose="02010600030101010101" pitchFamily="2" charset="-122"/>
+              </a:rPr>
+              <a:t>工作的重要性	 </a:t>
+            </a:r>
+            <a:r>
+              <a:rPr lang="en-US" altLang="zh-CN">
+                <a:latin typeface="Calibri" panose="020F0502020204030204" charset="0"/>
+                <a:ea typeface="宋体" panose="02010600030101010101" pitchFamily="2" charset="-122"/>
+                <a:sym typeface="宋体" panose="02010600030101010101" pitchFamily="2" charset="-122"/>
+              </a:rPr>
+              <a:t>9</a:t>
+            </a:r>
+            <a:endParaRPr lang="en-US" altLang="zh-CN">
+              <a:latin typeface="Calibri" panose="020F0502020204030204" charset="0"/>
+              <a:ea typeface="宋体" panose="02010600030101010101" pitchFamily="2" charset="-122"/>
+              <a:sym typeface="宋体" panose="02010600030101010101" pitchFamily="2" charset="-122"/>
+            </a:endParaRPr>
+          </a:p>
+          <a:p>
+            <a:r>
+              <a:rPr lang="zh-CN" altLang="en-US">
+                <a:latin typeface="Calibri" panose="020F0502020204030204" charset="0"/>
+                <a:ea typeface="宋体" panose="02010600030101010101" pitchFamily="2" charset="-122"/>
+                <a:sym typeface="宋体" panose="02010600030101010101" pitchFamily="2" charset="-122"/>
+              </a:rPr>
+              <a:t>工作强度</a:t>
+            </a:r>
+            <a:r>
+              <a:rPr lang="en-US" altLang="zh-CN">
+                <a:latin typeface="Calibri" panose="020F0502020204030204" charset="0"/>
+                <a:ea typeface="宋体" panose="02010600030101010101" pitchFamily="2" charset="-122"/>
+                <a:sym typeface="宋体" panose="02010600030101010101" pitchFamily="2" charset="-122"/>
+              </a:rPr>
+              <a:t>	</a:t>
+            </a:r>
+            <a:r>
+              <a:rPr lang="zh-CN" altLang="en-US">
+                <a:latin typeface="Calibri" panose="020F0502020204030204" charset="0"/>
+                <a:ea typeface="宋体" panose="02010600030101010101" pitchFamily="2" charset="-122"/>
+                <a:sym typeface="宋体" panose="02010600030101010101" pitchFamily="2" charset="-122"/>
+              </a:rPr>
+              <a:t> </a:t>
+            </a:r>
+            <a:r>
+              <a:rPr lang="en-US" altLang="zh-CN">
+                <a:latin typeface="Calibri" panose="020F0502020204030204" charset="0"/>
+                <a:ea typeface="宋体" panose="02010600030101010101" pitchFamily="2" charset="-122"/>
+                <a:sym typeface="宋体" panose="02010600030101010101" pitchFamily="2" charset="-122"/>
+              </a:rPr>
+              <a:t>8</a:t>
+            </a:r>
+            <a:endParaRPr lang="en-US" altLang="zh-CN">
+              <a:latin typeface="Calibri" panose="020F0502020204030204" charset="0"/>
+              <a:ea typeface="宋体" panose="02010600030101010101" pitchFamily="2" charset="-122"/>
+              <a:sym typeface="宋体" panose="02010600030101010101" pitchFamily="2" charset="-122"/>
+            </a:endParaRPr>
+          </a:p>
+          <a:p>
+            <a:r>
+              <a:rPr lang="zh-CN" altLang="en-US">
+                <a:latin typeface="Calibri" panose="020F0502020204030204" charset="0"/>
+                <a:ea typeface="宋体" panose="02010600030101010101" pitchFamily="2" charset="-122"/>
+                <a:sym typeface="宋体" panose="02010600030101010101" pitchFamily="2" charset="-122"/>
+              </a:rPr>
+              <a:t>实际完成情况：	 </a:t>
+            </a:r>
+            <a:endParaRPr lang="zh-CN" altLang="en-US">
+              <a:latin typeface="Calibri" panose="020F0502020204030204" charset="0"/>
+              <a:ea typeface="宋体" panose="02010600030101010101" pitchFamily="2" charset="-122"/>
+            </a:endParaRPr>
+          </a:p>
+          <a:p>
+            <a:r>
+              <a:rPr lang="en-US" altLang="zh-CN">
+                <a:latin typeface="Calibri" panose="020F0502020204030204" charset="0"/>
+                <a:ea typeface="宋体" panose="02010600030101010101" pitchFamily="2" charset="-122"/>
+                <a:sym typeface="宋体" panose="02010600030101010101" pitchFamily="2" charset="-122"/>
+              </a:rPr>
+              <a:t>所承担工作的完成速度9</a:t>
+            </a:r>
+            <a:endParaRPr lang="en-US" altLang="zh-CN">
+              <a:latin typeface="Calibri" panose="020F0502020204030204" charset="0"/>
+              <a:ea typeface="宋体" panose="02010600030101010101" pitchFamily="2" charset="-122"/>
+            </a:endParaRPr>
+          </a:p>
+          <a:p>
+            <a:r>
+              <a:rPr lang="en-US" altLang="zh-CN">
+                <a:latin typeface="Calibri" panose="020F0502020204030204" charset="0"/>
+                <a:ea typeface="宋体" panose="02010600030101010101" pitchFamily="2" charset="-122"/>
+                <a:sym typeface="宋体" panose="02010600030101010101" pitchFamily="2" charset="-122"/>
+              </a:rPr>
+              <a:t>所承担工作的完成质量8</a:t>
+            </a:r>
+            <a:endParaRPr lang="en-US" altLang="zh-CN">
+              <a:latin typeface="Calibri" panose="020F0502020204030204" charset="0"/>
+              <a:ea typeface="宋体" panose="02010600030101010101" pitchFamily="2" charset="-122"/>
+            </a:endParaRPr>
+          </a:p>
+          <a:p>
+            <a:r>
+              <a:rPr lang="en-US" altLang="zh-CN">
+                <a:latin typeface="Calibri" panose="020F0502020204030204" charset="0"/>
+                <a:ea typeface="宋体" panose="02010600030101010101" pitchFamily="2" charset="-122"/>
+                <a:sym typeface="宋体" panose="02010600030101010101" pitchFamily="2" charset="-122"/>
+              </a:rPr>
+              <a:t>工作沟通               9</a:t>
+            </a:r>
+            <a:endParaRPr lang="en-US" altLang="zh-CN">
+              <a:latin typeface="Calibri" panose="020F0502020204030204" charset="0"/>
+              <a:ea typeface="宋体" panose="02010600030101010101" pitchFamily="2" charset="-122"/>
+            </a:endParaRPr>
+          </a:p>
+          <a:p>
+            <a:r>
+              <a:rPr lang="en-US" altLang="zh-CN">
+                <a:latin typeface="Calibri" panose="020F0502020204030204" charset="0"/>
+                <a:ea typeface="宋体" panose="02010600030101010101" pitchFamily="2" charset="-122"/>
+                <a:sym typeface="宋体" panose="02010600030101010101" pitchFamily="2" charset="-122"/>
+              </a:rPr>
+              <a:t>文档提交的及时程</a:t>
+            </a:r>
+            <a:r>
+              <a:rPr lang="zh-CN" altLang="en-US">
+                <a:latin typeface="Calibri" panose="020F0502020204030204" charset="0"/>
+                <a:ea typeface="宋体" panose="02010600030101010101" pitchFamily="2" charset="-122"/>
+                <a:sym typeface="宋体" panose="02010600030101010101" pitchFamily="2" charset="-122"/>
+              </a:rPr>
+              <a:t>度</a:t>
+            </a:r>
+            <a:r>
+              <a:rPr lang="en-US" altLang="zh-CN">
+                <a:latin typeface="Calibri" panose="020F0502020204030204" charset="0"/>
+                <a:ea typeface="宋体" panose="02010600030101010101" pitchFamily="2" charset="-122"/>
+                <a:sym typeface="宋体" panose="02010600030101010101" pitchFamily="2" charset="-122"/>
+              </a:rPr>
+              <a:t> 9</a:t>
+            </a:r>
+            <a:endParaRPr lang="en-US" altLang="zh-CN">
+              <a:latin typeface="Calibri" panose="020F0502020204030204" charset="0"/>
+              <a:ea typeface="宋体" panose="02010600030101010101" pitchFamily="2" charset="-122"/>
+            </a:endParaRPr>
+          </a:p>
+          <a:p>
+            <a:r>
+              <a:rPr lang="en-US" altLang="zh-CN">
+                <a:latin typeface="Calibri" panose="020F0502020204030204" charset="0"/>
+                <a:ea typeface="宋体" panose="02010600030101010101" pitchFamily="2" charset="-122"/>
+                <a:sym typeface="宋体" panose="02010600030101010101" pitchFamily="2" charset="-122"/>
+              </a:rPr>
+              <a:t>文档的质量	         8</a:t>
+            </a:r>
+            <a:endParaRPr lang="en-US" altLang="zh-CN">
+              <a:latin typeface="Calibri" panose="020F0502020204030204" charset="0"/>
+              <a:ea typeface="宋体" panose="02010600030101010101" pitchFamily="2" charset="-122"/>
+            </a:endParaRPr>
+          </a:p>
+          <a:p>
+            <a:r>
+              <a:rPr lang="en-US" altLang="zh-CN">
+                <a:latin typeface="Calibri" panose="020F0502020204030204" charset="0"/>
+                <a:ea typeface="宋体" panose="02010600030101010101" pitchFamily="2" charset="-122"/>
+                <a:sym typeface="宋体" panose="02010600030101010101" pitchFamily="2" charset="-122"/>
+              </a:rPr>
+              <a:t>工作态度                 8	</a:t>
+            </a:r>
+            <a:endParaRPr lang="en-US" altLang="zh-CN">
+              <a:latin typeface="Calibri" panose="020F0502020204030204" charset="0"/>
+              <a:ea typeface="宋体" panose="02010600030101010101" pitchFamily="2" charset="-122"/>
+              <a:sym typeface="宋体" panose="02010600030101010101" pitchFamily="2" charset="-122"/>
+            </a:endParaRPr>
+          </a:p>
+          <a:p>
+            <a:r>
+              <a:rPr lang="zh-CN" altLang="en-US">
+                <a:latin typeface="Calibri" panose="020F0502020204030204" charset="0"/>
+                <a:ea typeface="宋体" panose="02010600030101010101" pitchFamily="2" charset="-122"/>
+              </a:rPr>
+              <a:t>总评：</a:t>
+            </a:r>
+            <a:r>
+              <a:rPr lang="en-US" altLang="zh-CN">
+                <a:latin typeface="Calibri" panose="020F0502020204030204" charset="0"/>
+                <a:ea typeface="宋体" panose="02010600030101010101" pitchFamily="2" charset="-122"/>
+              </a:rPr>
+              <a:t>87</a:t>
+            </a:r>
+            <a:endParaRPr lang="en-US" altLang="zh-CN">
+              <a:latin typeface="Calibri" panose="020F0502020204030204" charset="0"/>
+              <a:ea typeface="宋体" panose="02010600030101010101" pitchFamily="2" charset="-122"/>
+            </a:endParaRPr>
+          </a:p>
+        </p:txBody>
+      </p:sp>
+    </p:spTree>
+  </p:cSld>
+  <p:clrMapOvr>
+    <a:masterClrMapping/>
+  </p:clrMapOvr>
+</p:sld>
+</file>
+
+<file path=ppt/slides/slide22.xml><?xml version="1.0" encoding="utf-8"?>
+<p:sld xmlns:a="http://schemas.openxmlformats.org/drawingml/2006/main" xmlns:r="http://schemas.openxmlformats.org/officeDocument/2006/relationships" xmlns:p="http://schemas.openxmlformats.org/presentationml/2006/main">
+  <p:cSld>
+    <p:spTree>
+      <p:nvGrpSpPr>
+        <p:cNvPr id="1" name=""/>
+        <p:cNvGrpSpPr/>
+        <p:nvPr/>
+      </p:nvGrpSpPr>
+      <p:grpSpPr/>
+      <p:sp>
+        <p:nvSpPr>
           <p:cNvPr id="32769" name="文本框 19"/>
           <p:cNvSpPr txBox="1"/>
           <p:nvPr/>

--- a/G2/软件工程系列课程教学辅助网站/非受控文档/楼静靓/PRD2017-G2-UML工具Rose课堂PPT.pptx
+++ b/G2/软件工程系列课程教学辅助网站/非受控文档/楼静靓/PRD2017-G2-UML工具Rose课堂PPT.pptx
@@ -2618,6 +2618,92 @@
   <p:clrMapOvr>
     <a:masterClrMapping/>
   </p:clrMapOvr>
+  <p:timing>
+    <p:tnLst>
+      <p:par>
+        <p:cTn id="1" dur="indefinite" restart="never" nodeType="tmRoot">
+          <p:childTnLst>
+            <p:seq concurrent="1" nextAc="seek">
+              <p:cTn id="2" dur="indefinite" nodeType="mainSeq">
+                <p:childTnLst>
+                  <p:par>
+                    <p:cTn id="3" fill="hold">
+                      <p:stCondLst>
+                        <p:cond delay="indefinite"/>
+                      </p:stCondLst>
+                      <p:childTnLst>
+                        <p:par>
+                          <p:cTn id="4" fill="hold">
+                            <p:stCondLst>
+                              <p:cond delay="0"/>
+                            </p:stCondLst>
+                            <p:childTnLst>
+                              <p:par>
+                                <p:cTn id="5" presetID="3" presetClass="entr" presetSubtype="10" fill="hold" grpId="0" nodeType="clickEffect">
+                                  <p:stCondLst>
+                                    <p:cond delay="0"/>
+                                  </p:stCondLst>
+                                  <p:childTnLst>
+                                    <p:set>
+                                      <p:cBhvr>
+                                        <p:cTn id="6" dur="1" fill="hold">
+                                          <p:stCondLst>
+                                            <p:cond delay="0"/>
+                                          </p:stCondLst>
+                                        </p:cTn>
+                                        <p:tgtEl>
+                                          <p:spTgt spid="4"/>
+                                        </p:tgtEl>
+                                        <p:attrNameLst>
+                                          <p:attrName>style.visibility</p:attrName>
+                                        </p:attrNameLst>
+                                      </p:cBhvr>
+                                      <p:to>
+                                        <p:strVal val="visible"/>
+                                      </p:to>
+                                    </p:set>
+                                    <p:animEffect transition="in" filter="blinds(horizontal)">
+                                      <p:cBhvr>
+                                        <p:cTn id="7" dur="500"/>
+                                        <p:tgtEl>
+                                          <p:spTgt spid="4"/>
+                                        </p:tgtEl>
+                                      </p:cBhvr>
+                                    </p:animEffect>
+                                  </p:childTnLst>
+                                </p:cTn>
+                              </p:par>
+                            </p:childTnLst>
+                          </p:cTn>
+                        </p:par>
+                      </p:childTnLst>
+                    </p:cTn>
+                  </p:par>
+                </p:childTnLst>
+              </p:cTn>
+              <p:prevCondLst>
+                <p:cond evt="onPrev" delay="0">
+                  <p:tgtEl>
+                    <p:sldTgt/>
+                  </p:tgtEl>
+                </p:cond>
+              </p:prevCondLst>
+              <p:nextCondLst>
+                <p:cond evt="onNext" delay="0">
+                  <p:tgtEl>
+                    <p:sldTgt/>
+                  </p:tgtEl>
+                </p:cond>
+              </p:nextCondLst>
+            </p:seq>
+          </p:childTnLst>
+        </p:cTn>
+      </p:par>
+    </p:tnLst>
+    <p:bldLst>
+      <p:bldP spid="4" grpId="0"/>
+    </p:bldLst>
+  </p:timing>
 </p:sld>
 </file>
 
@@ -15135,70 +15221,6 @@
       </p:pic>
       <p:sp>
         <p:nvSpPr>
-          <p:cNvPr id="4" name="矩形 3"/>
-          <p:cNvSpPr/>
-          <p:nvPr/>
-        </p:nvSpPr>
-        <p:spPr>
-          <a:xfrm>
-            <a:off x="2354580" y="2468880"/>
-            <a:ext cx="2898140" cy="460375"/>
-          </a:xfrm>
-          <a:prstGeom prst="rect">
-            <a:avLst/>
-          </a:prstGeom>
-        </p:spPr>
-        <p:txBody>
-          <a:bodyPr wrap="square" anchor="ctr">
-            <a:spAutoFit/>
-          </a:bodyPr>
-          <a:p>
-            <a:pPr marL="0" marR="0" lvl="0" indent="0" defTabSz="914400" eaLnBrk="1" fontAlgn="auto" latinLnBrk="0" hangingPunct="1">
-              <a:lnSpc>
-                <a:spcPct val="100000"/>
-              </a:lnSpc>
-              <a:spcBef>
-                <a:spcPts val="0"/>
-              </a:spcBef>
-              <a:spcAft>
-                <a:spcPts val="0"/>
-              </a:spcAft>
-              <a:buClrTx/>
-              <a:buSzTx/>
-              <a:buFontTx/>
-              <a:buNone/>
-              <a:defRPr/>
-            </a:pPr>
-            <a:r>
-              <a:rPr kumimoji="0" lang="en-US" altLang="zh-CN" sz="2400" b="1" i="0" u="none" strike="noStrike" kern="0" cap="none" spc="0" normalizeH="0" baseline="0" noProof="0" dirty="0" smtClean="0">
-                <a:ln>
-                  <a:noFill/>
-                </a:ln>
-                <a:effectLst/>
-                <a:uLnTx/>
-                <a:uFillTx/>
-                <a:latin typeface="微软雅黑" panose="020B0503020204020204" pitchFamily="34" charset="-122"/>
-                <a:ea typeface="微软雅黑" panose="020B0503020204020204" pitchFamily="34" charset="-122"/>
-                <a:cs typeface="微软雅黑" panose="020B0503020204020204" pitchFamily="34" charset="-122"/>
-              </a:rPr>
-              <a:t>Rational Rose</a:t>
-            </a:r>
-            <a:endParaRPr kumimoji="0" lang="en-US" altLang="zh-CN" sz="2400" b="1" i="0" u="none" strike="noStrike" kern="0" cap="none" spc="0" normalizeH="0" baseline="0" noProof="0" dirty="0" smtClean="0">
-              <a:ln>
-                <a:noFill/>
-              </a:ln>
-              <a:effectLst/>
-              <a:uLnTx/>
-              <a:uFillTx/>
-              <a:latin typeface="微软雅黑" panose="020B0503020204020204" pitchFamily="34" charset="-122"/>
-              <a:ea typeface="微软雅黑" panose="020B0503020204020204" pitchFamily="34" charset="-122"/>
-              <a:cs typeface="微软雅黑" panose="020B0503020204020204" pitchFamily="34" charset="-122"/>
-            </a:endParaRPr>
-          </a:p>
-        </p:txBody>
-      </p:sp>
-      <p:sp>
-        <p:nvSpPr>
           <p:cNvPr id="5" name="矩形 4"/>
           <p:cNvSpPr/>
           <p:nvPr/>
@@ -15250,40 +15272,75 @@
       </p:sp>
       <p:sp>
         <p:nvSpPr>
-          <p:cNvPr id="3" name="矩形 2"/>
-          <p:cNvSpPr/>
+          <p:cNvPr id="11" name="文本框 10"/>
+          <p:cNvSpPr txBox="1"/>
           <p:nvPr/>
         </p:nvSpPr>
         <p:spPr>
           <a:xfrm>
-            <a:off x="2338070" y="2961005"/>
-            <a:ext cx="2898140" cy="460375"/>
+            <a:off x="2338070" y="1330960"/>
+            <a:ext cx="7312660" cy="583565"/>
           </a:xfrm>
           <a:prstGeom prst="rect">
             <a:avLst/>
           </a:prstGeom>
+          <a:noFill/>
         </p:spPr>
         <p:txBody>
-          <a:bodyPr wrap="square" anchor="ctr">
+          <a:bodyPr wrap="square" rtlCol="0">
             <a:spAutoFit/>
           </a:bodyPr>
           <a:p>
-            <a:pPr marL="0" marR="0" lvl="0" indent="0" defTabSz="914400" eaLnBrk="1" fontAlgn="auto" latinLnBrk="0" hangingPunct="1">
-              <a:lnSpc>
-                <a:spcPct val="100000"/>
-              </a:lnSpc>
-              <a:spcBef>
-                <a:spcPts val="0"/>
-              </a:spcBef>
-              <a:spcAft>
-                <a:spcPts val="0"/>
-              </a:spcAft>
-              <a:buClrTx/>
-              <a:buSzTx/>
-              <a:buFontTx/>
-              <a:buNone/>
-              <a:defRPr/>
-            </a:pPr>
+            <a:r>
+              <a:rPr lang="zh-CN" altLang="en-US" sz="3200"/>
+              <a:t>问题</a:t>
+            </a:r>
+            <a:r>
+              <a:rPr lang="en-US" altLang="zh-CN" sz="3200"/>
+              <a:t>1(</a:t>
+            </a:r>
+            <a:r>
+              <a:rPr lang="zh-CN" altLang="en-US" sz="3200">
+                <a:sym typeface="+mn-ea"/>
+              </a:rPr>
+              <a:t>送分题</a:t>
+            </a:r>
+            <a:r>
+              <a:rPr lang="en-US" altLang="zh-CN" sz="3200">
+                <a:sym typeface="+mn-ea"/>
+              </a:rPr>
+              <a:t>)</a:t>
+            </a:r>
+            <a:r>
+              <a:rPr lang="zh-CN" altLang="en-US" sz="3200"/>
+              <a:t>：刚刚讲了哪几样工具？</a:t>
+            </a:r>
+            <a:endParaRPr lang="en-US" altLang="zh-CN" sz="3200"/>
+          </a:p>
+        </p:txBody>
+      </p:sp>
+      <p:sp>
+        <p:nvSpPr>
+          <p:cNvPr id="2" name="文本框 1"/>
+          <p:cNvSpPr txBox="1"/>
+          <p:nvPr/>
+        </p:nvSpPr>
+        <p:spPr>
+          <a:xfrm>
+            <a:off x="4812665" y="2719070"/>
+            <a:ext cx="2566035" cy="1568450"/>
+          </a:xfrm>
+          <a:prstGeom prst="rect">
+            <a:avLst/>
+          </a:prstGeom>
+          <a:noFill/>
+        </p:spPr>
+        <p:txBody>
+          <a:bodyPr wrap="none" rtlCol="0">
+            <a:spAutoFit/>
+          </a:bodyPr>
+          <a:p>
+            <a:pPr algn="l"/>
             <a:r>
               <a:rPr lang="en-US" altLang="zh-CN" sz="2400" b="1" kern="0" noProof="0" dirty="0" smtClean="0">
                 <a:ln>
@@ -15297,72 +15354,7 @@
                 <a:cs typeface="微软雅黑" panose="020B0503020204020204" pitchFamily="34" charset="-122"/>
                 <a:sym typeface="+mn-ea"/>
               </a:rPr>
-              <a:t>Visio</a:t>
-            </a:r>
-            <a:endParaRPr kumimoji="0" lang="en-US" altLang="zh-CN" sz="2400" b="1" i="0" u="none" strike="noStrike" kern="0" cap="none" spc="0" normalizeH="0" baseline="0" noProof="0" dirty="0" smtClean="0">
-              <a:ln>
-                <a:noFill/>
-              </a:ln>
-              <a:effectLst/>
-              <a:uLnTx/>
-              <a:uFillTx/>
-              <a:latin typeface="微软雅黑" panose="020B0503020204020204" pitchFamily="34" charset="-122"/>
-              <a:ea typeface="微软雅黑" panose="020B0503020204020204" pitchFamily="34" charset="-122"/>
-              <a:cs typeface="微软雅黑" panose="020B0503020204020204" pitchFamily="34" charset="-122"/>
-            </a:endParaRPr>
-          </a:p>
-        </p:txBody>
-      </p:sp>
-      <p:sp>
-        <p:nvSpPr>
-          <p:cNvPr id="6" name="矩形 5"/>
-          <p:cNvSpPr/>
-          <p:nvPr/>
-        </p:nvSpPr>
-        <p:spPr>
-          <a:xfrm>
-            <a:off x="2339975" y="3457575"/>
-            <a:ext cx="2898140" cy="460375"/>
-          </a:xfrm>
-          <a:prstGeom prst="rect">
-            <a:avLst/>
-          </a:prstGeom>
-        </p:spPr>
-        <p:txBody>
-          <a:bodyPr wrap="square" anchor="ctr">
-            <a:spAutoFit/>
-          </a:bodyPr>
-          <a:p>
-            <a:pPr marL="0" marR="0" lvl="0" indent="0" defTabSz="914400" eaLnBrk="1" fontAlgn="auto" latinLnBrk="0" hangingPunct="1">
-              <a:lnSpc>
-                <a:spcPct val="100000"/>
-              </a:lnSpc>
-              <a:spcBef>
-                <a:spcPts val="0"/>
-              </a:spcBef>
-              <a:spcAft>
-                <a:spcPts val="0"/>
-              </a:spcAft>
-              <a:buClrTx/>
-              <a:buSzTx/>
-              <a:buFontTx/>
-              <a:buNone/>
-              <a:defRPr/>
-            </a:pPr>
-            <a:r>
-              <a:rPr lang="en-US" altLang="zh-CN" sz="2400" b="1" kern="0" noProof="0" dirty="0" smtClean="0">
-                <a:ln>
-                  <a:noFill/>
-                </a:ln>
-                <a:effectLst/>
-                <a:uLnTx/>
-                <a:uFillTx/>
-                <a:latin typeface="微软雅黑" panose="020B0503020204020204" pitchFamily="34" charset="-122"/>
-                <a:ea typeface="微软雅黑" panose="020B0503020204020204" pitchFamily="34" charset="-122"/>
-                <a:cs typeface="微软雅黑" panose="020B0503020204020204" pitchFamily="34" charset="-122"/>
-                <a:sym typeface="+mn-ea"/>
-              </a:rPr>
-              <a:t>Power designer</a:t>
+              <a:t>Rational Rose</a:t>
             </a:r>
             <a:endParaRPr lang="en-US" altLang="zh-CN" sz="2400" b="1" kern="0" noProof="0" dirty="0" smtClean="0">
               <a:ln>
@@ -15377,44 +15369,8 @@
               <a:sym typeface="+mn-ea"/>
             </a:endParaRPr>
           </a:p>
-        </p:txBody>
-      </p:sp>
-      <p:sp>
-        <p:nvSpPr>
-          <p:cNvPr id="8" name="矩形 7"/>
-          <p:cNvSpPr/>
-          <p:nvPr/>
-        </p:nvSpPr>
-        <p:spPr>
-          <a:xfrm>
-            <a:off x="2338070" y="4003040"/>
-            <a:ext cx="2898140" cy="460375"/>
-          </a:xfrm>
-          <a:prstGeom prst="rect">
-            <a:avLst/>
-          </a:prstGeom>
-        </p:spPr>
-        <p:txBody>
-          <a:bodyPr wrap="square" anchor="ctr">
-            <a:spAutoFit/>
-          </a:bodyPr>
-          <a:p>
-            <a:pPr marL="0" marR="0" lvl="0" indent="0" defTabSz="914400" eaLnBrk="1" fontAlgn="auto" latinLnBrk="0" hangingPunct="1">
-              <a:lnSpc>
-                <a:spcPct val="100000"/>
-              </a:lnSpc>
-              <a:spcBef>
-                <a:spcPts val="0"/>
-              </a:spcBef>
-              <a:spcAft>
-                <a:spcPts val="0"/>
-              </a:spcAft>
-              <a:buClrTx/>
-              <a:buSzTx/>
-              <a:buFontTx/>
-              <a:buNone/>
-              <a:defRPr/>
-            </a:pPr>
+          <a:p>
+            <a:pPr algn="l"/>
             <a:r>
               <a:rPr lang="en-US" altLang="zh-CN" sz="2400" b="1" kern="0" noProof="0" dirty="0" smtClean="0">
                 <a:ln>
@@ -15428,7 +15384,7 @@
                 <a:cs typeface="微软雅黑" panose="020B0503020204020204" pitchFamily="34" charset="-122"/>
                 <a:sym typeface="+mn-ea"/>
               </a:rPr>
-              <a:t>StarUML</a:t>
+              <a:t>Visio</a:t>
             </a:r>
             <a:endParaRPr lang="en-US" altLang="zh-CN" sz="2400" b="1" kern="0" noProof="0" dirty="0" smtClean="0">
               <a:ln>
@@ -15443,54 +15399,54 @@
               <a:sym typeface="+mn-ea"/>
             </a:endParaRPr>
           </a:p>
-        </p:txBody>
-      </p:sp>
-      <p:sp>
-        <p:nvSpPr>
-          <p:cNvPr id="11" name="文本框 10"/>
-          <p:cNvSpPr txBox="1"/>
-          <p:nvPr/>
-        </p:nvSpPr>
-        <p:spPr>
-          <a:xfrm>
-            <a:off x="2338070" y="1330960"/>
-            <a:ext cx="7312660" cy="583565"/>
-          </a:xfrm>
-          <a:prstGeom prst="rect">
-            <a:avLst/>
-          </a:prstGeom>
-          <a:noFill/>
-        </p:spPr>
-        <p:txBody>
-          <a:bodyPr wrap="square" rtlCol="0">
-            <a:spAutoFit/>
-          </a:bodyPr>
-          <a:p>
-            <a:r>
-              <a:rPr lang="zh-CN" altLang="en-US" sz="3200"/>
-              <a:t>问题</a:t>
-            </a:r>
-            <a:r>
-              <a:rPr lang="en-US" altLang="zh-CN" sz="3200"/>
-              <a:t>1(</a:t>
-            </a:r>
-            <a:r>
-              <a:rPr lang="zh-CN" altLang="en-US" sz="3200">
+          <a:p>
+            <a:pPr algn="l"/>
+            <a:r>
+              <a:rPr lang="en-US" altLang="zh-CN" sz="2400" b="1" kern="0" noProof="0" dirty="0" smtClean="0">
+                <a:ln>
+                  <a:noFill/>
+                </a:ln>
+                <a:effectLst/>
+                <a:uLnTx/>
+                <a:uFillTx/>
+                <a:latin typeface="微软雅黑" panose="020B0503020204020204" pitchFamily="34" charset="-122"/>
+                <a:ea typeface="微软雅黑" panose="020B0503020204020204" pitchFamily="34" charset="-122"/>
+                <a:cs typeface="微软雅黑" panose="020B0503020204020204" pitchFamily="34" charset="-122"/>
                 <a:sym typeface="+mn-ea"/>
               </a:rPr>
-              <a:t>送分题</a:t>
-            </a:r>
-            <a:r>
-              <a:rPr lang="en-US" altLang="zh-CN" sz="3200">
+              <a:t>Power designer</a:t>
+            </a:r>
+            <a:endParaRPr lang="en-US" altLang="zh-CN" sz="2400" b="1" kern="0" noProof="0" dirty="0" smtClean="0">
+              <a:ln>
+                <a:noFill/>
+              </a:ln>
+              <a:effectLst/>
+              <a:uLnTx/>
+              <a:uFillTx/>
+              <a:latin typeface="微软雅黑" panose="020B0503020204020204" pitchFamily="34" charset="-122"/>
+              <a:ea typeface="微软雅黑" panose="020B0503020204020204" pitchFamily="34" charset="-122"/>
+              <a:cs typeface="微软雅黑" panose="020B0503020204020204" pitchFamily="34" charset="-122"/>
+              <a:sym typeface="+mn-ea"/>
+            </a:endParaRPr>
+          </a:p>
+          <a:p>
+            <a:pPr algn="l"/>
+            <a:r>
+              <a:rPr lang="en-US" altLang="zh-CN" sz="2400" b="1" kern="0" noProof="0" dirty="0" smtClean="0">
+                <a:ln>
+                  <a:noFill/>
+                </a:ln>
+                <a:effectLst/>
+                <a:uLnTx/>
+                <a:uFillTx/>
+                <a:latin typeface="微软雅黑" panose="020B0503020204020204" pitchFamily="34" charset="-122"/>
+                <a:ea typeface="微软雅黑" panose="020B0503020204020204" pitchFamily="34" charset="-122"/>
+                <a:cs typeface="微软雅黑" panose="020B0503020204020204" pitchFamily="34" charset="-122"/>
                 <a:sym typeface="+mn-ea"/>
               </a:rPr>
-              <a:t>)</a:t>
-            </a:r>
-            <a:r>
-              <a:rPr lang="zh-CN" altLang="en-US" sz="3200"/>
-              <a:t>：刚刚讲了哪几样工具？</a:t>
-            </a:r>
-            <a:endParaRPr lang="en-US" altLang="zh-CN" sz="3200"/>
+              <a:t>StarUML</a:t>
+            </a:r>
+            <a:endParaRPr lang="en-US" altLang="zh-CN" sz="2400"/>
           </a:p>
         </p:txBody>
       </p:sp>
@@ -15499,6 +15455,92 @@
   <p:clrMapOvr>
     <a:masterClrMapping/>
   </p:clrMapOvr>
+  <p:timing>
+    <p:tnLst>
+      <p:par>
+        <p:cTn id="1" dur="indefinite" restart="never" nodeType="tmRoot">
+          <p:childTnLst>
+            <p:seq concurrent="1" nextAc="seek">
+              <p:cTn id="2" dur="indefinite" nodeType="mainSeq">
+                <p:childTnLst>
+                  <p:par>
+                    <p:cTn id="3" fill="hold">
+                      <p:stCondLst>
+                        <p:cond delay="indefinite"/>
+                      </p:stCondLst>
+                      <p:childTnLst>
+                        <p:par>
+                          <p:cTn id="4" fill="hold">
+                            <p:stCondLst>
+                              <p:cond delay="0"/>
+                            </p:stCondLst>
+                            <p:childTnLst>
+                              <p:par>
+                                <p:cTn id="5" presetID="3" presetClass="entr" presetSubtype="10" fill="hold" grpId="0" nodeType="clickEffect">
+                                  <p:stCondLst>
+                                    <p:cond delay="0"/>
+                                  </p:stCondLst>
+                                  <p:childTnLst>
+                                    <p:set>
+                                      <p:cBhvr>
+                                        <p:cTn id="6" dur="1" fill="hold">
+                                          <p:stCondLst>
+                                            <p:cond delay="0"/>
+                                          </p:stCondLst>
+                                        </p:cTn>
+                                        <p:tgtEl>
+                                          <p:spTgt spid="2"/>
+                                        </p:tgtEl>
+                                        <p:attrNameLst>
+                                          <p:attrName>style.visibility</p:attrName>
+                                        </p:attrNameLst>
+                                      </p:cBhvr>
+                                      <p:to>
+                                        <p:strVal val="visible"/>
+                                      </p:to>
+                                    </p:set>
+                                    <p:animEffect transition="in" filter="blinds(horizontal)">
+                                      <p:cBhvr>
+                                        <p:cTn id="7" dur="500"/>
+                                        <p:tgtEl>
+                                          <p:spTgt spid="2"/>
+                                        </p:tgtEl>
+                                      </p:cBhvr>
+                                    </p:animEffect>
+                                  </p:childTnLst>
+                                </p:cTn>
+                              </p:par>
+                            </p:childTnLst>
+                          </p:cTn>
+                        </p:par>
+                      </p:childTnLst>
+                    </p:cTn>
+                  </p:par>
+                </p:childTnLst>
+              </p:cTn>
+              <p:prevCondLst>
+                <p:cond evt="onPrev" delay="0">
+                  <p:tgtEl>
+                    <p:sldTgt/>
+                  </p:tgtEl>
+                </p:cond>
+              </p:prevCondLst>
+              <p:nextCondLst>
+                <p:cond evt="onNext" delay="0">
+                  <p:tgtEl>
+                    <p:sldTgt/>
+                  </p:tgtEl>
+                </p:cond>
+              </p:nextCondLst>
+            </p:seq>
+          </p:childTnLst>
+        </p:cTn>
+      </p:par>
+    </p:tnLst>
+    <p:bldLst>
+      <p:bldP spid="2" grpId="0"/>
+    </p:bldLst>
+  </p:timing>
 </p:sld>
 </file>
 
@@ -17501,6 +17543,92 @@
   <p:clrMapOvr>
     <a:masterClrMapping/>
   </p:clrMapOvr>
+  <p:timing>
+    <p:tnLst>
+      <p:par>
+        <p:cTn id="1" dur="indefinite" restart="never" nodeType="tmRoot">
+          <p:childTnLst>
+            <p:seq concurrent="1" nextAc="seek">
+              <p:cTn id="2" dur="indefinite" nodeType="mainSeq">
+                <p:childTnLst>
+                  <p:par>
+                    <p:cTn id="3" fill="hold">
+                      <p:stCondLst>
+                        <p:cond delay="indefinite"/>
+                      </p:stCondLst>
+                      <p:childTnLst>
+                        <p:par>
+                          <p:cTn id="4" fill="hold">
+                            <p:stCondLst>
+                              <p:cond delay="0"/>
+                            </p:stCondLst>
+                            <p:childTnLst>
+                              <p:par>
+                                <p:cTn id="5" presetID="3" presetClass="entr" presetSubtype="10" fill="hold" grpId="0" nodeType="clickEffect">
+                                  <p:stCondLst>
+                                    <p:cond delay="0"/>
+                                  </p:stCondLst>
+                                  <p:childTnLst>
+                                    <p:set>
+                                      <p:cBhvr>
+                                        <p:cTn id="6" dur="1" fill="hold">
+                                          <p:stCondLst>
+                                            <p:cond delay="0"/>
+                                          </p:stCondLst>
+                                        </p:cTn>
+                                        <p:tgtEl>
+                                          <p:spTgt spid="4"/>
+                                        </p:tgtEl>
+                                        <p:attrNameLst>
+                                          <p:attrName>style.visibility</p:attrName>
+                                        </p:attrNameLst>
+                                      </p:cBhvr>
+                                      <p:to>
+                                        <p:strVal val="visible"/>
+                                      </p:to>
+                                    </p:set>
+                                    <p:animEffect transition="in" filter="blinds(horizontal)">
+                                      <p:cBhvr>
+                                        <p:cTn id="7" dur="500"/>
+                                        <p:tgtEl>
+                                          <p:spTgt spid="4"/>
+                                        </p:tgtEl>
+                                      </p:cBhvr>
+                                    </p:animEffect>
+                                  </p:childTnLst>
+                                </p:cTn>
+                              </p:par>
+                            </p:childTnLst>
+                          </p:cTn>
+                        </p:par>
+                      </p:childTnLst>
+                    </p:cTn>
+                  </p:par>
+                </p:childTnLst>
+              </p:cTn>
+              <p:prevCondLst>
+                <p:cond evt="onPrev" delay="0">
+                  <p:tgtEl>
+                    <p:sldTgt/>
+                  </p:tgtEl>
+                </p:cond>
+              </p:prevCondLst>
+              <p:nextCondLst>
+                <p:cond evt="onNext" delay="0">
+                  <p:tgtEl>
+                    <p:sldTgt/>
+                  </p:tgtEl>
+                </p:cond>
+              </p:nextCondLst>
+            </p:seq>
+          </p:childTnLst>
+        </p:cTn>
+      </p:par>
+    </p:tnLst>
+    <p:bldLst>
+      <p:bldP spid="4" grpId="0"/>
+    </p:bldLst>
+  </p:timing>
 </p:sld>
 </file>
 

--- a/G2/软件工程系列课程教学辅助网站/非受控文档/楼静靓/PRD2017-G2-UML工具Rose课堂PPT.pptx
+++ b/G2/软件工程系列课程教学辅助网站/非受控文档/楼静靓/PRD2017-G2-UML工具Rose课堂PPT.pptx
@@ -22,11 +22,12 @@
     <p:sldId id="369" r:id="rId17"/>
     <p:sldId id="370" r:id="rId18"/>
     <p:sldId id="371" r:id="rId19"/>
-    <p:sldId id="372" r:id="rId20"/>
-    <p:sldId id="373" r:id="rId21"/>
-    <p:sldId id="374" r:id="rId22"/>
-    <p:sldId id="375" r:id="rId23"/>
-    <p:sldId id="376" r:id="rId24"/>
+    <p:sldId id="377" r:id="rId20"/>
+    <p:sldId id="372" r:id="rId21"/>
+    <p:sldId id="373" r:id="rId22"/>
+    <p:sldId id="374" r:id="rId23"/>
+    <p:sldId id="375" r:id="rId24"/>
+    <p:sldId id="376" r:id="rId25"/>
   </p:sldIdLst>
   <p:sldSz cx="12192000" cy="6858000"/>
   <p:notesSz cx="6858000" cy="9144000"/>
@@ -6479,6 +6480,950 @@
         <p:nvPr/>
       </p:nvGrpSpPr>
       <p:grpSpPr/>
+      <p:sp>
+        <p:nvSpPr>
+          <p:cNvPr id="15" name="矩形 14"/>
+          <p:cNvSpPr/>
+          <p:nvPr/>
+        </p:nvSpPr>
+        <p:spPr>
+          <a:xfrm>
+            <a:off x="573088" y="168117"/>
+            <a:ext cx="2127250" cy="398780"/>
+          </a:xfrm>
+          <a:prstGeom prst="rect">
+            <a:avLst/>
+          </a:prstGeom>
+        </p:spPr>
+        <p:txBody>
+          <a:bodyPr wrap="square" anchor="ctr">
+            <a:spAutoFit/>
+          </a:bodyPr>
+          <a:lstStyle/>
+          <a:p>
+            <a:pPr marL="0" marR="0" lvl="0" indent="0" defTabSz="914400" eaLnBrk="1" fontAlgn="auto" latinLnBrk="0" hangingPunct="1">
+              <a:lnSpc>
+                <a:spcPct val="100000"/>
+              </a:lnSpc>
+              <a:spcBef>
+                <a:spcPts val="0"/>
+              </a:spcBef>
+              <a:spcAft>
+                <a:spcPts val="0"/>
+              </a:spcAft>
+              <a:buClrTx/>
+              <a:buSzTx/>
+              <a:buFontTx/>
+              <a:buNone/>
+              <a:defRPr/>
+            </a:pPr>
+            <a:r>
+              <a:rPr lang="en-US" altLang="zh-CN" sz="2000" b="1" kern="0" noProof="0" dirty="0" smtClean="0">
+                <a:ln>
+                  <a:noFill/>
+                </a:ln>
+                <a:effectLst/>
+                <a:uLnTx/>
+                <a:uFillTx/>
+                <a:latin typeface="微软雅黑" panose="020B0503020204020204" pitchFamily="34" charset="-122"/>
+                <a:ea typeface="微软雅黑" panose="020B0503020204020204" pitchFamily="34" charset="-122"/>
+                <a:cs typeface="微软雅黑" panose="020B0503020204020204" pitchFamily="34" charset="-122"/>
+                <a:sym typeface="+mn-ea"/>
+              </a:rPr>
+              <a:t>Rose</a:t>
+            </a:r>
+            <a:r>
+              <a:rPr lang="zh-CN" altLang="en-US" sz="2000" b="1" kern="0" noProof="0" dirty="0" smtClean="0">
+                <a:ln>
+                  <a:noFill/>
+                </a:ln>
+                <a:effectLst/>
+                <a:uLnTx/>
+                <a:uFillTx/>
+                <a:latin typeface="微软雅黑" panose="020B0503020204020204" pitchFamily="34" charset="-122"/>
+                <a:ea typeface="微软雅黑" panose="020B0503020204020204" pitchFamily="34" charset="-122"/>
+                <a:cs typeface="微软雅黑" panose="020B0503020204020204" pitchFamily="34" charset="-122"/>
+                <a:sym typeface="+mn-ea"/>
+              </a:rPr>
+              <a:t>的使用</a:t>
+            </a:r>
+            <a:endParaRPr kumimoji="0" lang="zh-CN" altLang="en-US" sz="2000" b="1" i="0" u="none" strike="noStrike" kern="0" cap="none" spc="0" normalizeH="0" baseline="0" noProof="0" dirty="0" smtClean="0">
+              <a:ln>
+                <a:noFill/>
+              </a:ln>
+              <a:effectLst/>
+              <a:uLnTx/>
+              <a:uFillTx/>
+              <a:latin typeface="微软雅黑" panose="020B0503020204020204" pitchFamily="34" charset="-122"/>
+              <a:ea typeface="微软雅黑" panose="020B0503020204020204" pitchFamily="34" charset="-122"/>
+              <a:cs typeface="微软雅黑" panose="020B0503020204020204" pitchFamily="34" charset="-122"/>
+            </a:endParaRPr>
+          </a:p>
+        </p:txBody>
+      </p:sp>
+      <p:sp>
+        <p:nvSpPr>
+          <p:cNvPr id="16" name="矩形 15"/>
+          <p:cNvSpPr/>
+          <p:nvPr/>
+        </p:nvSpPr>
+        <p:spPr>
+          <a:xfrm>
+            <a:off x="2257743" y="206693"/>
+            <a:ext cx="1358265" cy="306705"/>
+          </a:xfrm>
+          <a:prstGeom prst="rect">
+            <a:avLst/>
+          </a:prstGeom>
+        </p:spPr>
+        <p:txBody>
+          <a:bodyPr wrap="none">
+            <a:spAutoFit/>
+          </a:bodyPr>
+          <a:lstStyle/>
+          <a:p>
+            <a:pPr marL="0" marR="0" lvl="0" indent="0" algn="l" defTabSz="914400" eaLnBrk="1" fontAlgn="auto" latinLnBrk="0" hangingPunct="1">
+              <a:lnSpc>
+                <a:spcPct val="100000"/>
+              </a:lnSpc>
+              <a:spcBef>
+                <a:spcPts val="0"/>
+              </a:spcBef>
+              <a:spcAft>
+                <a:spcPts val="0"/>
+              </a:spcAft>
+              <a:buClrTx/>
+              <a:buSzTx/>
+              <a:buFontTx/>
+              <a:buNone/>
+              <a:defRPr/>
+            </a:pPr>
+            <a:r>
+              <a:rPr kumimoji="1" lang="en-US" altLang="zh-CN" sz="1400" kern="0" noProof="0" dirty="0">
+                <a:ln>
+                  <a:noFill/>
+                </a:ln>
+                <a:effectLst/>
+                <a:uLnTx/>
+                <a:uFillTx/>
+                <a:latin typeface="微软雅黑" panose="020B0503020204020204" pitchFamily="34" charset="-122"/>
+                <a:ea typeface="微软雅黑" panose="020B0503020204020204" pitchFamily="34" charset="-122"/>
+                <a:sym typeface="+mn-ea"/>
+              </a:rPr>
+              <a:t>DESCRIPTION</a:t>
+            </a:r>
+            <a:endParaRPr kumimoji="0" lang="en-US" altLang="zh-CN" sz="1400" b="0" i="0" u="none" strike="noStrike" kern="0" cap="none" spc="0" normalizeH="0" baseline="0" noProof="0" dirty="0" smtClean="0">
+              <a:ln>
+                <a:noFill/>
+              </a:ln>
+              <a:solidFill>
+                <a:schemeClr val="tx1"/>
+              </a:solidFill>
+              <a:effectLst/>
+              <a:uLnTx/>
+              <a:uFillTx/>
+              <a:latin typeface="微软雅黑" panose="020B0503020204020204" pitchFamily="34" charset="-122"/>
+              <a:ea typeface="微软雅黑" panose="020B0503020204020204" pitchFamily="34" charset="-122"/>
+              <a:sym typeface="+mn-ea"/>
+            </a:endParaRPr>
+          </a:p>
+        </p:txBody>
+      </p:sp>
+      <p:sp>
+        <p:nvSpPr>
+          <p:cNvPr id="13" name="矩形 12"/>
+          <p:cNvSpPr/>
+          <p:nvPr/>
+        </p:nvSpPr>
+        <p:spPr>
+          <a:xfrm>
+            <a:off x="169863" y="168275"/>
+            <a:ext cx="374650" cy="385763"/>
+          </a:xfrm>
+          <a:prstGeom prst="rect">
+            <a:avLst/>
+          </a:prstGeom>
+          <a:solidFill>
+            <a:schemeClr val="accent2"/>
+          </a:solidFill>
+          <a:ln>
+            <a:noFill/>
+          </a:ln>
+        </p:spPr>
+        <p:style>
+          <a:lnRef idx="2">
+            <a:schemeClr val="accent1">
+              <a:shade val="50000"/>
+            </a:schemeClr>
+          </a:lnRef>
+          <a:fillRef idx="1">
+            <a:schemeClr val="accent1"/>
+          </a:fillRef>
+          <a:effectRef idx="0">
+            <a:schemeClr val="accent1"/>
+          </a:effectRef>
+          <a:fontRef idx="minor">
+            <a:schemeClr val="lt1"/>
+          </a:fontRef>
+        </p:style>
+        <p:txBody>
+          <a:bodyPr rot="0" spcFirstLastPara="0" vertOverflow="overflow" horzOverflow="overflow" vert="horz" wrap="square" lIns="91440" tIns="45720" rIns="91440" bIns="45720" numCol="1" spcCol="0" rtlCol="0" fromWordArt="0" anchor="ctr" anchorCtr="0" forceAA="0" compatLnSpc="1">
+            <a:noAutofit/>
+          </a:bodyPr>
+          <a:lstStyle/>
+          <a:p>
+            <a:pPr algn="ctr" fontAlgn="auto"/>
+            <a:endParaRPr lang="zh-CN" altLang="en-US" strike="noStrike" noProof="1">
+              <a:solidFill>
+                <a:schemeClr val="tx1"/>
+              </a:solidFill>
+            </a:endParaRPr>
+          </a:p>
+        </p:txBody>
+      </p:sp>
+      <p:sp>
+        <p:nvSpPr>
+          <p:cNvPr id="14" name="矩形 13"/>
+          <p:cNvSpPr/>
+          <p:nvPr/>
+        </p:nvSpPr>
+        <p:spPr>
+          <a:xfrm>
+            <a:off x="-76200" y="162560"/>
+            <a:ext cx="866775" cy="398780"/>
+          </a:xfrm>
+          <a:prstGeom prst="rect">
+            <a:avLst/>
+          </a:prstGeom>
+        </p:spPr>
+        <p:txBody>
+          <a:bodyPr wrap="square" anchor="ctr">
+            <a:spAutoFit/>
+          </a:bodyPr>
+          <a:lstStyle/>
+          <a:p>
+            <a:pPr marL="0" marR="0" lvl="0" indent="0" algn="ctr" defTabSz="914400" eaLnBrk="1" fontAlgn="auto" latinLnBrk="0" hangingPunct="1">
+              <a:lnSpc>
+                <a:spcPct val="100000"/>
+              </a:lnSpc>
+              <a:spcBef>
+                <a:spcPts val="0"/>
+              </a:spcBef>
+              <a:spcAft>
+                <a:spcPts val="0"/>
+              </a:spcAft>
+              <a:buClrTx/>
+              <a:buSzTx/>
+              <a:buFontTx/>
+              <a:buNone/>
+              <a:defRPr/>
+            </a:pPr>
+            <a:r>
+              <a:rPr kumimoji="0" lang="en-US" altLang="zh-CN" sz="2000" b="0" i="0" u="none" strike="noStrike" kern="0" cap="none" spc="0" normalizeH="0" baseline="0" noProof="0" dirty="0" smtClean="0">
+                <a:ln>
+                  <a:noFill/>
+                </a:ln>
+                <a:solidFill>
+                  <a:schemeClr val="bg1"/>
+                </a:solidFill>
+                <a:effectLst/>
+                <a:uLnTx/>
+                <a:uFillTx/>
+                <a:latin typeface="微软雅黑" panose="020B0503020204020204" pitchFamily="34" charset="-122"/>
+                <a:ea typeface="微软雅黑" panose="020B0503020204020204" pitchFamily="34" charset="-122"/>
+                <a:cs typeface="微软雅黑" panose="020B0503020204020204" pitchFamily="34" charset="-122"/>
+              </a:rPr>
+              <a:t>03</a:t>
+            </a:r>
+            <a:endParaRPr kumimoji="0" lang="en-US" altLang="zh-CN" sz="2000" b="0" i="0" u="none" strike="noStrike" kern="0" cap="none" spc="0" normalizeH="0" baseline="0" noProof="0" dirty="0">
+              <a:ln>
+                <a:noFill/>
+              </a:ln>
+              <a:solidFill>
+                <a:schemeClr val="bg1"/>
+              </a:solidFill>
+              <a:effectLst/>
+              <a:uLnTx/>
+              <a:uFillTx/>
+              <a:latin typeface="微软雅黑" panose="020B0503020204020204" pitchFamily="34" charset="-122"/>
+              <a:ea typeface="微软雅黑" panose="020B0503020204020204" pitchFamily="34" charset="-122"/>
+              <a:cs typeface="微软雅黑" panose="020B0503020204020204" pitchFamily="34" charset="-122"/>
+            </a:endParaRPr>
+          </a:p>
+        </p:txBody>
+      </p:sp>
+      <p:cxnSp>
+        <p:nvCxnSpPr>
+          <p:cNvPr id="17" name="直接连接符 16"/>
+          <p:cNvCxnSpPr>
+            <a:stCxn id="16" idx="3"/>
+          </p:cNvCxnSpPr>
+          <p:nvPr/>
+        </p:nvCxnSpPr>
+        <p:spPr>
+          <a:xfrm>
+            <a:off x="3616325" y="360680"/>
+            <a:ext cx="8906510" cy="7620"/>
+          </a:xfrm>
+          <a:prstGeom prst="line">
+            <a:avLst/>
+          </a:prstGeom>
+          <a:ln>
+            <a:solidFill>
+              <a:schemeClr val="tx1"/>
+            </a:solidFill>
+          </a:ln>
+        </p:spPr>
+        <p:style>
+          <a:lnRef idx="1">
+            <a:schemeClr val="accent1"/>
+          </a:lnRef>
+          <a:fillRef idx="0">
+            <a:schemeClr val="accent1"/>
+          </a:fillRef>
+          <a:effectRef idx="0">
+            <a:schemeClr val="accent1"/>
+          </a:effectRef>
+          <a:fontRef idx="minor">
+            <a:schemeClr val="tx1"/>
+          </a:fontRef>
+        </p:style>
+      </p:cxnSp>
+      <p:cxnSp>
+        <p:nvCxnSpPr>
+          <p:cNvPr id="19" name="直接连接符 18"/>
+          <p:cNvCxnSpPr/>
+          <p:nvPr/>
+        </p:nvCxnSpPr>
+        <p:spPr>
+          <a:xfrm>
+            <a:off x="2153285" y="244475"/>
+            <a:ext cx="1588" cy="231775"/>
+          </a:xfrm>
+          <a:prstGeom prst="line">
+            <a:avLst/>
+          </a:prstGeom>
+          <a:ln w="12700" cap="rnd">
+            <a:solidFill>
+              <a:schemeClr val="tx1">
+                <a:alpha val="49000"/>
+              </a:schemeClr>
+            </a:solidFill>
+            <a:round/>
+            <a:tailEnd type="none" w="sm" len="sm"/>
+          </a:ln>
+        </p:spPr>
+        <p:style>
+          <a:lnRef idx="1">
+            <a:schemeClr val="accent1"/>
+          </a:lnRef>
+          <a:fillRef idx="0">
+            <a:schemeClr val="accent1"/>
+          </a:fillRef>
+          <a:effectRef idx="0">
+            <a:schemeClr val="accent1"/>
+          </a:effectRef>
+          <a:fontRef idx="minor">
+            <a:schemeClr val="tx1"/>
+          </a:fontRef>
+        </p:style>
+      </p:cxnSp>
+      <p:pic>
+        <p:nvPicPr>
+          <p:cNvPr id="11287" name="图片 2" descr="小组logo"/>
+          <p:cNvPicPr>
+            <a:picLocks noChangeAspect="1"/>
+          </p:cNvPicPr>
+          <p:nvPr/>
+        </p:nvPicPr>
+        <p:blipFill>
+          <a:blip r:embed="rId1"/>
+          <a:stretch>
+            <a:fillRect/>
+          </a:stretch>
+        </p:blipFill>
+        <p:spPr>
+          <a:xfrm>
+            <a:off x="10318750" y="-190500"/>
+            <a:ext cx="2105025" cy="2105025"/>
+          </a:xfrm>
+          <a:prstGeom prst="rect">
+            <a:avLst/>
+          </a:prstGeom>
+          <a:noFill/>
+          <a:ln w="9525">
+            <a:noFill/>
+          </a:ln>
+        </p:spPr>
+      </p:pic>
+      <p:sp>
+        <p:nvSpPr>
+          <p:cNvPr id="3" name="文本框 2"/>
+          <p:cNvSpPr txBox="1"/>
+          <p:nvPr/>
+        </p:nvSpPr>
+        <p:spPr>
+          <a:xfrm>
+            <a:off x="1161415" y="994410"/>
+            <a:ext cx="2011680" cy="368300"/>
+          </a:xfrm>
+          <a:prstGeom prst="rect">
+            <a:avLst/>
+          </a:prstGeom>
+          <a:noFill/>
+        </p:spPr>
+        <p:txBody>
+          <a:bodyPr wrap="none" rtlCol="0">
+            <a:spAutoFit/>
+          </a:bodyPr>
+          <a:p>
+            <a:r>
+              <a:rPr lang="zh-CN" altLang="en-US"/>
+              <a:t>正向工程的演示：</a:t>
+            </a:r>
+            <a:endParaRPr lang="zh-CN" altLang="en-US"/>
+          </a:p>
+        </p:txBody>
+      </p:sp>
+      <p:pic>
+        <p:nvPicPr>
+          <p:cNvPr id="4" name="图片 1" descr="1510299184(1)"/>
+          <p:cNvPicPr>
+            <a:picLocks noChangeAspect="1"/>
+          </p:cNvPicPr>
+          <p:nvPr/>
+        </p:nvPicPr>
+        <p:blipFill>
+          <a:blip r:embed="rId2"/>
+          <a:stretch>
+            <a:fillRect/>
+          </a:stretch>
+        </p:blipFill>
+        <p:spPr>
+          <a:xfrm>
+            <a:off x="3173095" y="513715"/>
+            <a:ext cx="3995420" cy="6316345"/>
+          </a:xfrm>
+          <a:prstGeom prst="rect">
+            <a:avLst/>
+          </a:prstGeom>
+        </p:spPr>
+      </p:pic>
+      <p:pic>
+        <p:nvPicPr>
+          <p:cNvPr id="5" name="图片 2" descr="1510299977(1)"/>
+          <p:cNvPicPr>
+            <a:picLocks noChangeAspect="1"/>
+          </p:cNvPicPr>
+          <p:nvPr/>
+        </p:nvPicPr>
+        <p:blipFill>
+          <a:blip r:embed="rId3"/>
+          <a:stretch>
+            <a:fillRect/>
+          </a:stretch>
+        </p:blipFill>
+        <p:spPr>
+          <a:xfrm>
+            <a:off x="3173095" y="739140"/>
+            <a:ext cx="5075555" cy="6090920"/>
+          </a:xfrm>
+          <a:prstGeom prst="rect">
+            <a:avLst/>
+          </a:prstGeom>
+        </p:spPr>
+      </p:pic>
+      <p:pic>
+        <p:nvPicPr>
+          <p:cNvPr id="6" name="图片 3" descr="1510301004(1)"/>
+          <p:cNvPicPr>
+            <a:picLocks noChangeAspect="1"/>
+          </p:cNvPicPr>
+          <p:nvPr/>
+        </p:nvPicPr>
+        <p:blipFill>
+          <a:blip r:embed="rId4"/>
+          <a:stretch>
+            <a:fillRect/>
+          </a:stretch>
+        </p:blipFill>
+        <p:spPr>
+          <a:xfrm>
+            <a:off x="3037840" y="994410"/>
+            <a:ext cx="6541770" cy="5548630"/>
+          </a:xfrm>
+          <a:prstGeom prst="rect">
+            <a:avLst/>
+          </a:prstGeom>
+        </p:spPr>
+      </p:pic>
+      <p:pic>
+        <p:nvPicPr>
+          <p:cNvPr id="7" name="图片 4" descr="1510301118(1)"/>
+          <p:cNvPicPr>
+            <a:picLocks noChangeAspect="1"/>
+          </p:cNvPicPr>
+          <p:nvPr/>
+        </p:nvPicPr>
+        <p:blipFill>
+          <a:blip r:embed="rId5"/>
+          <a:stretch>
+            <a:fillRect/>
+          </a:stretch>
+        </p:blipFill>
+        <p:spPr>
+          <a:xfrm>
+            <a:off x="3344545" y="828675"/>
+            <a:ext cx="5058410" cy="914400"/>
+          </a:xfrm>
+          <a:prstGeom prst="rect">
+            <a:avLst/>
+          </a:prstGeom>
+        </p:spPr>
+      </p:pic>
+      <p:pic>
+        <p:nvPicPr>
+          <p:cNvPr id="8" name="图片 5" descr="1510301155(1)"/>
+          <p:cNvPicPr>
+            <a:picLocks noChangeAspect="1"/>
+          </p:cNvPicPr>
+          <p:nvPr/>
+        </p:nvPicPr>
+        <p:blipFill>
+          <a:blip r:embed="rId6"/>
+          <a:stretch>
+            <a:fillRect/>
+          </a:stretch>
+        </p:blipFill>
+        <p:spPr>
+          <a:xfrm>
+            <a:off x="3239453" y="2200593"/>
+            <a:ext cx="5268595" cy="2630805"/>
+          </a:xfrm>
+          <a:prstGeom prst="rect">
+            <a:avLst/>
+          </a:prstGeom>
+        </p:spPr>
+      </p:pic>
+    </p:spTree>
+  </p:cSld>
+  <p:clrMapOvr>
+    <a:masterClrMapping/>
+  </p:clrMapOvr>
+  <p:timing>
+    <p:tnLst>
+      <p:par>
+        <p:cTn id="1" dur="indefinite" restart="never" nodeType="tmRoot">
+          <p:childTnLst>
+            <p:seq concurrent="1" nextAc="seek">
+              <p:cTn id="2" dur="indefinite" nodeType="mainSeq">
+                <p:childTnLst>
+                  <p:par>
+                    <p:cTn id="3" fill="hold">
+                      <p:stCondLst>
+                        <p:cond delay="indefinite"/>
+                      </p:stCondLst>
+                      <p:childTnLst>
+                        <p:par>
+                          <p:cTn id="4" fill="hold">
+                            <p:stCondLst>
+                              <p:cond delay="0"/>
+                            </p:stCondLst>
+                            <p:childTnLst>
+                              <p:par>
+                                <p:cTn id="5" presetID="3" presetClass="exit" presetSubtype="10" fill="hold" nodeType="clickEffect">
+                                  <p:stCondLst>
+                                    <p:cond delay="0"/>
+                                  </p:stCondLst>
+                                  <p:childTnLst>
+                                    <p:animEffect transition="out" filter="blinds(horizontal)">
+                                      <p:cBhvr>
+                                        <p:cTn id="6" dur="500"/>
+                                        <p:tgtEl>
+                                          <p:spTgt spid="4"/>
+                                        </p:tgtEl>
+                                      </p:cBhvr>
+                                    </p:animEffect>
+                                    <p:set>
+                                      <p:cBhvr>
+                                        <p:cTn id="7" dur="1" fill="hold">
+                                          <p:stCondLst>
+                                            <p:cond delay="499"/>
+                                          </p:stCondLst>
+                                        </p:cTn>
+                                        <p:tgtEl>
+                                          <p:spTgt spid="4"/>
+                                        </p:tgtEl>
+                                        <p:attrNameLst>
+                                          <p:attrName>style.visibility</p:attrName>
+                                        </p:attrNameLst>
+                                      </p:cBhvr>
+                                      <p:to>
+                                        <p:strVal val="hidden"/>
+                                      </p:to>
+                                    </p:set>
+                                  </p:childTnLst>
+                                </p:cTn>
+                              </p:par>
+                            </p:childTnLst>
+                          </p:cTn>
+                        </p:par>
+                      </p:childTnLst>
+                    </p:cTn>
+                  </p:par>
+                  <p:par>
+                    <p:cTn id="8" fill="hold">
+                      <p:stCondLst>
+                        <p:cond delay="indefinite"/>
+                      </p:stCondLst>
+                      <p:childTnLst>
+                        <p:par>
+                          <p:cTn id="9" fill="hold">
+                            <p:stCondLst>
+                              <p:cond delay="0"/>
+                            </p:stCondLst>
+                            <p:childTnLst>
+                              <p:par>
+                                <p:cTn id="10" presetID="3" presetClass="entr" presetSubtype="10" fill="hold" nodeType="clickEffect">
+                                  <p:stCondLst>
+                                    <p:cond delay="0"/>
+                                  </p:stCondLst>
+                                  <p:childTnLst>
+                                    <p:set>
+                                      <p:cBhvr>
+                                        <p:cTn id="11" dur="1" fill="hold">
+                                          <p:stCondLst>
+                                            <p:cond delay="0"/>
+                                          </p:stCondLst>
+                                        </p:cTn>
+                                        <p:tgtEl>
+                                          <p:spTgt spid="5"/>
+                                        </p:tgtEl>
+                                        <p:attrNameLst>
+                                          <p:attrName>style.visibility</p:attrName>
+                                        </p:attrNameLst>
+                                      </p:cBhvr>
+                                      <p:to>
+                                        <p:strVal val="visible"/>
+                                      </p:to>
+                                    </p:set>
+                                    <p:animEffect transition="in" filter="blinds(horizontal)">
+                                      <p:cBhvr>
+                                        <p:cTn id="12" dur="500"/>
+                                        <p:tgtEl>
+                                          <p:spTgt spid="5"/>
+                                        </p:tgtEl>
+                                      </p:cBhvr>
+                                    </p:animEffect>
+                                  </p:childTnLst>
+                                </p:cTn>
+                              </p:par>
+                            </p:childTnLst>
+                          </p:cTn>
+                        </p:par>
+                      </p:childTnLst>
+                    </p:cTn>
+                  </p:par>
+                  <p:par>
+                    <p:cTn id="13" fill="hold">
+                      <p:stCondLst>
+                        <p:cond delay="indefinite"/>
+                      </p:stCondLst>
+                      <p:childTnLst>
+                        <p:par>
+                          <p:cTn id="14" fill="hold">
+                            <p:stCondLst>
+                              <p:cond delay="0"/>
+                            </p:stCondLst>
+                            <p:childTnLst>
+                              <p:par>
+                                <p:cTn id="15" presetID="3" presetClass="exit" presetSubtype="10" fill="hold" nodeType="clickEffect">
+                                  <p:stCondLst>
+                                    <p:cond delay="0"/>
+                                  </p:stCondLst>
+                                  <p:childTnLst>
+                                    <p:animEffect transition="out" filter="blinds(horizontal)">
+                                      <p:cBhvr>
+                                        <p:cTn id="16" dur="500"/>
+                                        <p:tgtEl>
+                                          <p:spTgt spid="5"/>
+                                        </p:tgtEl>
+                                      </p:cBhvr>
+                                    </p:animEffect>
+                                    <p:set>
+                                      <p:cBhvr>
+                                        <p:cTn id="17" dur="1" fill="hold">
+                                          <p:stCondLst>
+                                            <p:cond delay="499"/>
+                                          </p:stCondLst>
+                                        </p:cTn>
+                                        <p:tgtEl>
+                                          <p:spTgt spid="5"/>
+                                        </p:tgtEl>
+                                        <p:attrNameLst>
+                                          <p:attrName>style.visibility</p:attrName>
+                                        </p:attrNameLst>
+                                      </p:cBhvr>
+                                      <p:to>
+                                        <p:strVal val="hidden"/>
+                                      </p:to>
+                                    </p:set>
+                                  </p:childTnLst>
+                                </p:cTn>
+                              </p:par>
+                            </p:childTnLst>
+                          </p:cTn>
+                        </p:par>
+                      </p:childTnLst>
+                    </p:cTn>
+                  </p:par>
+                  <p:par>
+                    <p:cTn id="18" fill="hold">
+                      <p:stCondLst>
+                        <p:cond delay="indefinite"/>
+                      </p:stCondLst>
+                      <p:childTnLst>
+                        <p:par>
+                          <p:cTn id="19" fill="hold">
+                            <p:stCondLst>
+                              <p:cond delay="0"/>
+                            </p:stCondLst>
+                            <p:childTnLst>
+                              <p:par>
+                                <p:cTn id="20" presetID="3" presetClass="entr" presetSubtype="10" fill="hold" nodeType="clickEffect">
+                                  <p:stCondLst>
+                                    <p:cond delay="0"/>
+                                  </p:stCondLst>
+                                  <p:childTnLst>
+                                    <p:set>
+                                      <p:cBhvr>
+                                        <p:cTn id="21" dur="1" fill="hold">
+                                          <p:stCondLst>
+                                            <p:cond delay="0"/>
+                                          </p:stCondLst>
+                                        </p:cTn>
+                                        <p:tgtEl>
+                                          <p:spTgt spid="6"/>
+                                        </p:tgtEl>
+                                        <p:attrNameLst>
+                                          <p:attrName>style.visibility</p:attrName>
+                                        </p:attrNameLst>
+                                      </p:cBhvr>
+                                      <p:to>
+                                        <p:strVal val="visible"/>
+                                      </p:to>
+                                    </p:set>
+                                    <p:animEffect transition="in" filter="blinds(horizontal)">
+                                      <p:cBhvr>
+                                        <p:cTn id="22" dur="500"/>
+                                        <p:tgtEl>
+                                          <p:spTgt spid="6"/>
+                                        </p:tgtEl>
+                                      </p:cBhvr>
+                                    </p:animEffect>
+                                  </p:childTnLst>
+                                </p:cTn>
+                              </p:par>
+                            </p:childTnLst>
+                          </p:cTn>
+                        </p:par>
+                      </p:childTnLst>
+                    </p:cTn>
+                  </p:par>
+                  <p:par>
+                    <p:cTn id="23" fill="hold">
+                      <p:stCondLst>
+                        <p:cond delay="indefinite"/>
+                      </p:stCondLst>
+                      <p:childTnLst>
+                        <p:par>
+                          <p:cTn id="24" fill="hold">
+                            <p:stCondLst>
+                              <p:cond delay="0"/>
+                            </p:stCondLst>
+                            <p:childTnLst>
+                              <p:par>
+                                <p:cTn id="25" presetID="3" presetClass="exit" presetSubtype="10" fill="hold" nodeType="clickEffect">
+                                  <p:stCondLst>
+                                    <p:cond delay="0"/>
+                                  </p:stCondLst>
+                                  <p:childTnLst>
+                                    <p:animEffect transition="out" filter="blinds(horizontal)">
+                                      <p:cBhvr>
+                                        <p:cTn id="26" dur="500"/>
+                                        <p:tgtEl>
+                                          <p:spTgt spid="6"/>
+                                        </p:tgtEl>
+                                      </p:cBhvr>
+                                    </p:animEffect>
+                                    <p:set>
+                                      <p:cBhvr>
+                                        <p:cTn id="27" dur="1" fill="hold">
+                                          <p:stCondLst>
+                                            <p:cond delay="499"/>
+                                          </p:stCondLst>
+                                        </p:cTn>
+                                        <p:tgtEl>
+                                          <p:spTgt spid="6"/>
+                                        </p:tgtEl>
+                                        <p:attrNameLst>
+                                          <p:attrName>style.visibility</p:attrName>
+                                        </p:attrNameLst>
+                                      </p:cBhvr>
+                                      <p:to>
+                                        <p:strVal val="hidden"/>
+                                      </p:to>
+                                    </p:set>
+                                  </p:childTnLst>
+                                </p:cTn>
+                              </p:par>
+                            </p:childTnLst>
+                          </p:cTn>
+                        </p:par>
+                      </p:childTnLst>
+                    </p:cTn>
+                  </p:par>
+                  <p:par>
+                    <p:cTn id="28" fill="hold">
+                      <p:stCondLst>
+                        <p:cond delay="indefinite"/>
+                      </p:stCondLst>
+                      <p:childTnLst>
+                        <p:par>
+                          <p:cTn id="29" fill="hold">
+                            <p:stCondLst>
+                              <p:cond delay="0"/>
+                            </p:stCondLst>
+                            <p:childTnLst>
+                              <p:par>
+                                <p:cTn id="30" presetID="3" presetClass="entr" presetSubtype="10" fill="hold" nodeType="clickEffect">
+                                  <p:stCondLst>
+                                    <p:cond delay="0"/>
+                                  </p:stCondLst>
+                                  <p:childTnLst>
+                                    <p:set>
+                                      <p:cBhvr>
+                                        <p:cTn id="31" dur="1" fill="hold">
+                                          <p:stCondLst>
+                                            <p:cond delay="0"/>
+                                          </p:stCondLst>
+                                        </p:cTn>
+                                        <p:tgtEl>
+                                          <p:spTgt spid="7"/>
+                                        </p:tgtEl>
+                                        <p:attrNameLst>
+                                          <p:attrName>style.visibility</p:attrName>
+                                        </p:attrNameLst>
+                                      </p:cBhvr>
+                                      <p:to>
+                                        <p:strVal val="visible"/>
+                                      </p:to>
+                                    </p:set>
+                                    <p:animEffect transition="in" filter="blinds(horizontal)">
+                                      <p:cBhvr>
+                                        <p:cTn id="32" dur="500"/>
+                                        <p:tgtEl>
+                                          <p:spTgt spid="7"/>
+                                        </p:tgtEl>
+                                      </p:cBhvr>
+                                    </p:animEffect>
+                                  </p:childTnLst>
+                                </p:cTn>
+                              </p:par>
+                            </p:childTnLst>
+                          </p:cTn>
+                        </p:par>
+                      </p:childTnLst>
+                    </p:cTn>
+                  </p:par>
+                  <p:par>
+                    <p:cTn id="33" fill="hold">
+                      <p:stCondLst>
+                        <p:cond delay="indefinite"/>
+                      </p:stCondLst>
+                      <p:childTnLst>
+                        <p:par>
+                          <p:cTn id="34" fill="hold">
+                            <p:stCondLst>
+                              <p:cond delay="0"/>
+                            </p:stCondLst>
+                            <p:childTnLst>
+                              <p:par>
+                                <p:cTn id="35" presetID="3" presetClass="entr" presetSubtype="10" fill="hold" nodeType="clickEffect">
+                                  <p:stCondLst>
+                                    <p:cond delay="0"/>
+                                  </p:stCondLst>
+                                  <p:childTnLst>
+                                    <p:set>
+                                      <p:cBhvr>
+                                        <p:cTn id="36" dur="1" fill="hold">
+                                          <p:stCondLst>
+                                            <p:cond delay="0"/>
+                                          </p:stCondLst>
+                                        </p:cTn>
+                                        <p:tgtEl>
+                                          <p:spTgt spid="8"/>
+                                        </p:tgtEl>
+                                        <p:attrNameLst>
+                                          <p:attrName>style.visibility</p:attrName>
+                                        </p:attrNameLst>
+                                      </p:cBhvr>
+                                      <p:to>
+                                        <p:strVal val="visible"/>
+                                      </p:to>
+                                    </p:set>
+                                    <p:animEffect transition="in" filter="blinds(horizontal)">
+                                      <p:cBhvr>
+                                        <p:cTn id="37" dur="500"/>
+                                        <p:tgtEl>
+                                          <p:spTgt spid="8"/>
+                                        </p:tgtEl>
+                                      </p:cBhvr>
+                                    </p:animEffect>
+                                  </p:childTnLst>
+                                </p:cTn>
+                              </p:par>
+                            </p:childTnLst>
+                          </p:cTn>
+                        </p:par>
+                      </p:childTnLst>
+                    </p:cTn>
+                  </p:par>
+                </p:childTnLst>
+              </p:cTn>
+              <p:prevCondLst>
+                <p:cond evt="onPrev" delay="0">
+                  <p:tgtEl>
+                    <p:sldTgt/>
+                  </p:tgtEl>
+                </p:cond>
+              </p:prevCondLst>
+              <p:nextCondLst>
+                <p:cond evt="onNext" delay="0">
+                  <p:tgtEl>
+                    <p:sldTgt/>
+                  </p:tgtEl>
+                </p:cond>
+              </p:nextCondLst>
+            </p:seq>
+          </p:childTnLst>
+        </p:cTn>
+      </p:par>
+    </p:tnLst>
+  </p:timing>
+</p:sld>
+</file>
+
+<file path=ppt/slides/slide19.xml><?xml version="1.0" encoding="utf-8"?>
+<p:sld xmlns:a="http://schemas.openxmlformats.org/drawingml/2006/main" xmlns:r="http://schemas.openxmlformats.org/officeDocument/2006/relationships" xmlns:p="http://schemas.openxmlformats.org/presentationml/2006/main">
+  <p:cSld>
+    <p:spTree>
+      <p:nvGrpSpPr>
+        <p:cNvPr id="1" name=""/>
+        <p:cNvGrpSpPr/>
+        <p:nvPr/>
+      </p:nvGrpSpPr>
+      <p:grpSpPr/>
       <p:cxnSp>
         <p:nvCxnSpPr>
           <p:cNvPr id="3" name="直接连接符 2"/>
@@ -6821,7 +7766,1509 @@
 </p:sld>
 </file>
 
-<file path=ppt/slides/slide19.xml><?xml version="1.0" encoding="utf-8"?>
+<file path=ppt/slides/slide2.xml><?xml version="1.0" encoding="utf-8"?>
+<p:sld xmlns:a="http://schemas.openxmlformats.org/drawingml/2006/main" xmlns:r="http://schemas.openxmlformats.org/officeDocument/2006/relationships" xmlns:p="http://schemas.openxmlformats.org/presentationml/2006/main">
+  <p:cSld>
+    <p:spTree>
+      <p:nvGrpSpPr>
+        <p:cNvPr id="1" name=""/>
+        <p:cNvGrpSpPr/>
+        <p:nvPr/>
+      </p:nvGrpSpPr>
+      <p:grpSpPr/>
+      <p:sp>
+        <p:nvSpPr>
+          <p:cNvPr id="112" name="矩形 111"/>
+          <p:cNvSpPr/>
+          <p:nvPr/>
+        </p:nvSpPr>
+        <p:spPr>
+          <a:xfrm>
+            <a:off x="-22225" y="2409825"/>
+            <a:ext cx="12234863" cy="2755900"/>
+          </a:xfrm>
+          <a:prstGeom prst="rect">
+            <a:avLst/>
+          </a:prstGeom>
+          <a:solidFill>
+            <a:schemeClr val="tx1">
+              <a:alpha val="80000"/>
+            </a:schemeClr>
+          </a:solidFill>
+          <a:ln>
+            <a:noFill/>
+          </a:ln>
+        </p:spPr>
+        <p:style>
+          <a:lnRef idx="2">
+            <a:schemeClr val="accent1">
+              <a:shade val="50000"/>
+            </a:schemeClr>
+          </a:lnRef>
+          <a:fillRef idx="1">
+            <a:schemeClr val="accent1"/>
+          </a:fillRef>
+          <a:effectRef idx="0">
+            <a:schemeClr val="accent1"/>
+          </a:effectRef>
+          <a:fontRef idx="minor">
+            <a:schemeClr val="lt1"/>
+          </a:fontRef>
+        </p:style>
+        <p:txBody>
+          <a:bodyPr rtlCol="0" anchor="ctr"/>
+          <a:lstStyle/>
+          <a:p>
+            <a:pPr algn="ctr" fontAlgn="auto"/>
+            <a:endParaRPr lang="zh-CN" altLang="en-US" strike="noStrike" noProof="1"/>
+          </a:p>
+        </p:txBody>
+      </p:sp>
+      <p:sp>
+        <p:nvSpPr>
+          <p:cNvPr id="31" name="矩形 30"/>
+          <p:cNvSpPr/>
+          <p:nvPr/>
+        </p:nvSpPr>
+        <p:spPr>
+          <a:xfrm>
+            <a:off x="4477703" y="592138"/>
+            <a:ext cx="3236595" cy="829945"/>
+          </a:xfrm>
+          <a:prstGeom prst="rect">
+            <a:avLst/>
+          </a:prstGeom>
+        </p:spPr>
+        <p:txBody>
+          <a:bodyPr wrap="none">
+            <a:spAutoFit/>
+          </a:bodyPr>
+          <a:lstStyle/>
+          <a:p>
+            <a:pPr marL="0" marR="0" lvl="0" indent="0" algn="ctr" defTabSz="914400" eaLnBrk="1" fontAlgn="auto" latinLnBrk="0" hangingPunct="1">
+              <a:lnSpc>
+                <a:spcPct val="100000"/>
+              </a:lnSpc>
+              <a:spcBef>
+                <a:spcPts val="0"/>
+              </a:spcBef>
+              <a:spcAft>
+                <a:spcPts val="0"/>
+              </a:spcAft>
+              <a:buClrTx/>
+              <a:buSzTx/>
+              <a:buFontTx/>
+              <a:buNone/>
+              <a:defRPr/>
+            </a:pPr>
+            <a:r>
+              <a:rPr lang="en-US" altLang="zh-CN" sz="4800" b="1" kern="0" noProof="0" dirty="0" smtClean="0">
+                <a:ln>
+                  <a:noFill/>
+                </a:ln>
+                <a:effectLst/>
+                <a:uLnTx/>
+                <a:uFillTx/>
+                <a:latin typeface="微软雅黑" panose="020B0503020204020204" pitchFamily="34" charset="-122"/>
+                <a:ea typeface="微软雅黑" panose="020B0503020204020204" pitchFamily="34" charset="-122"/>
+                <a:sym typeface="+mn-ea"/>
+              </a:rPr>
+              <a:t>CONTENT</a:t>
+            </a:r>
+            <a:endParaRPr kumimoji="0" lang="zh-CN" altLang="en-US" sz="4800" b="1" i="0" u="none" strike="noStrike" kern="0" cap="none" spc="0" normalizeH="0" baseline="0" noProof="0" dirty="0" smtClean="0">
+              <a:ln>
+                <a:noFill/>
+              </a:ln>
+              <a:effectLst/>
+              <a:uLnTx/>
+              <a:uFillTx/>
+              <a:latin typeface="微软雅黑" panose="020B0503020204020204" pitchFamily="34" charset="-122"/>
+              <a:ea typeface="微软雅黑" panose="020B0503020204020204" pitchFamily="34" charset="-122"/>
+              <a:cs typeface="+mn-cs"/>
+            </a:endParaRPr>
+          </a:p>
+        </p:txBody>
+      </p:sp>
+      <p:cxnSp>
+        <p:nvCxnSpPr>
+          <p:cNvPr id="116" name="直接连接符 115"/>
+          <p:cNvCxnSpPr/>
+          <p:nvPr/>
+        </p:nvCxnSpPr>
+        <p:spPr>
+          <a:xfrm flipH="1">
+            <a:off x="4184650" y="685800"/>
+            <a:ext cx="331788" cy="558800"/>
+          </a:xfrm>
+          <a:prstGeom prst="line">
+            <a:avLst/>
+          </a:prstGeom>
+          <a:ln w="22225">
+            <a:solidFill>
+              <a:schemeClr val="accent2"/>
+            </a:solidFill>
+            <a:round/>
+          </a:ln>
+        </p:spPr>
+        <p:style>
+          <a:lnRef idx="1">
+            <a:schemeClr val="accent1"/>
+          </a:lnRef>
+          <a:fillRef idx="0">
+            <a:schemeClr val="accent1"/>
+          </a:fillRef>
+          <a:effectRef idx="0">
+            <a:schemeClr val="accent1"/>
+          </a:effectRef>
+          <a:fontRef idx="minor">
+            <a:schemeClr val="tx1"/>
+          </a:fontRef>
+        </p:style>
+      </p:cxnSp>
+      <p:cxnSp>
+        <p:nvCxnSpPr>
+          <p:cNvPr id="117" name="直接连接符 116"/>
+          <p:cNvCxnSpPr/>
+          <p:nvPr/>
+        </p:nvCxnSpPr>
+        <p:spPr>
+          <a:xfrm flipH="1">
+            <a:off x="7675563" y="685800"/>
+            <a:ext cx="331788" cy="558800"/>
+          </a:xfrm>
+          <a:prstGeom prst="line">
+            <a:avLst/>
+          </a:prstGeom>
+          <a:ln w="22225">
+            <a:solidFill>
+              <a:schemeClr val="accent2"/>
+            </a:solidFill>
+            <a:bevel/>
+          </a:ln>
+        </p:spPr>
+        <p:style>
+          <a:lnRef idx="1">
+            <a:schemeClr val="accent1"/>
+          </a:lnRef>
+          <a:fillRef idx="0">
+            <a:schemeClr val="accent1"/>
+          </a:fillRef>
+          <a:effectRef idx="0">
+            <a:schemeClr val="accent1"/>
+          </a:effectRef>
+          <a:fontRef idx="minor">
+            <a:schemeClr val="tx1"/>
+          </a:fontRef>
+        </p:style>
+      </p:cxnSp>
+      <p:cxnSp>
+        <p:nvCxnSpPr>
+          <p:cNvPr id="119" name="直接连接符 118"/>
+          <p:cNvCxnSpPr/>
+          <p:nvPr/>
+        </p:nvCxnSpPr>
+        <p:spPr>
+          <a:xfrm flipH="1">
+            <a:off x="7750175" y="685800"/>
+            <a:ext cx="331788" cy="558800"/>
+          </a:xfrm>
+          <a:prstGeom prst="line">
+            <a:avLst/>
+          </a:prstGeom>
+          <a:ln w="47625" cap="rnd">
+            <a:solidFill>
+              <a:schemeClr val="accent2">
+                <a:lumMod val="75000"/>
+              </a:schemeClr>
+            </a:solidFill>
+            <a:bevel/>
+          </a:ln>
+        </p:spPr>
+        <p:style>
+          <a:lnRef idx="1">
+            <a:schemeClr val="accent1"/>
+          </a:lnRef>
+          <a:fillRef idx="0">
+            <a:schemeClr val="accent1"/>
+          </a:fillRef>
+          <a:effectRef idx="0">
+            <a:schemeClr val="accent1"/>
+          </a:effectRef>
+          <a:fontRef idx="minor">
+            <a:schemeClr val="tx1"/>
+          </a:fontRef>
+        </p:style>
+      </p:cxnSp>
+      <p:cxnSp>
+        <p:nvCxnSpPr>
+          <p:cNvPr id="120" name="直接连接符 119"/>
+          <p:cNvCxnSpPr/>
+          <p:nvPr/>
+        </p:nvCxnSpPr>
+        <p:spPr>
+          <a:xfrm flipH="1">
+            <a:off x="4113213" y="685800"/>
+            <a:ext cx="333375" cy="558800"/>
+          </a:xfrm>
+          <a:prstGeom prst="line">
+            <a:avLst/>
+          </a:prstGeom>
+          <a:ln w="47625" cap="rnd">
+            <a:solidFill>
+              <a:schemeClr val="accent2">
+                <a:lumMod val="75000"/>
+              </a:schemeClr>
+            </a:solidFill>
+            <a:round/>
+          </a:ln>
+        </p:spPr>
+        <p:style>
+          <a:lnRef idx="1">
+            <a:schemeClr val="accent1"/>
+          </a:lnRef>
+          <a:fillRef idx="0">
+            <a:schemeClr val="accent1"/>
+          </a:fillRef>
+          <a:effectRef idx="0">
+            <a:schemeClr val="accent1"/>
+          </a:effectRef>
+          <a:fontRef idx="minor">
+            <a:schemeClr val="tx1"/>
+          </a:fontRef>
+        </p:style>
+      </p:cxnSp>
+      <p:grpSp>
+        <p:nvGrpSpPr>
+          <p:cNvPr id="6151" name="组合 130"/>
+          <p:cNvGrpSpPr/>
+          <p:nvPr/>
+        </p:nvGrpSpPr>
+        <p:grpSpPr>
+          <a:xfrm>
+            <a:off x="1800225" y="2797362"/>
+            <a:ext cx="2487613" cy="776080"/>
+            <a:chOff x="1800204" y="2886501"/>
+            <a:chExt cx="2487930" cy="775523"/>
+          </a:xfrm>
+        </p:grpSpPr>
+        <p:sp>
+          <p:nvSpPr>
+            <p:cNvPr id="76" name="矩形 75"/>
+            <p:cNvSpPr/>
+            <p:nvPr/>
+          </p:nvSpPr>
+          <p:spPr>
+            <a:xfrm>
+              <a:off x="1800204" y="2886501"/>
+              <a:ext cx="2487930" cy="521596"/>
+            </a:xfrm>
+            <a:prstGeom prst="rect">
+              <a:avLst/>
+            </a:prstGeom>
+          </p:spPr>
+          <p:txBody>
+            <a:bodyPr wrap="square" anchor="ctr">
+              <a:spAutoFit/>
+            </a:bodyPr>
+            <a:lstStyle/>
+            <a:p>
+              <a:pPr marL="0" marR="0" lvl="0" indent="0" defTabSz="914400" eaLnBrk="1" fontAlgn="auto" latinLnBrk="0" hangingPunct="1">
+                <a:lnSpc>
+                  <a:spcPct val="100000"/>
+                </a:lnSpc>
+                <a:spcBef>
+                  <a:spcPts val="0"/>
+                </a:spcBef>
+                <a:spcAft>
+                  <a:spcPts val="0"/>
+                </a:spcAft>
+                <a:buClrTx/>
+                <a:buSzTx/>
+                <a:buFontTx/>
+                <a:buNone/>
+                <a:defRPr/>
+              </a:pPr>
+              <a:r>
+                <a:rPr kumimoji="0" lang="zh-CN" altLang="en-US" sz="2800" b="1" i="0" u="none" strike="noStrike" kern="0" cap="none" spc="0" normalizeH="0" baseline="0" noProof="0" dirty="0">
+                  <a:ln>
+                    <a:noFill/>
+                  </a:ln>
+                  <a:solidFill>
+                    <a:schemeClr val="bg1"/>
+                  </a:solidFill>
+                  <a:effectLst/>
+                  <a:uLnTx/>
+                  <a:uFillTx/>
+                  <a:latin typeface="微软雅黑" panose="020B0503020204020204" pitchFamily="34" charset="-122"/>
+                  <a:ea typeface="微软雅黑" panose="020B0503020204020204" pitchFamily="34" charset="-122"/>
+                  <a:cs typeface="微软雅黑" panose="020B0503020204020204" pitchFamily="34" charset="-122"/>
+                </a:rPr>
+                <a:t>常用建模工具</a:t>
+              </a:r>
+              <a:endParaRPr kumimoji="0" lang="zh-CN" altLang="en-US" sz="2800" b="1" i="0" u="none" strike="noStrike" kern="0" cap="none" spc="0" normalizeH="0" baseline="0" noProof="0" dirty="0">
+                <a:ln>
+                  <a:noFill/>
+                </a:ln>
+                <a:solidFill>
+                  <a:schemeClr val="bg1"/>
+                </a:solidFill>
+                <a:effectLst/>
+                <a:uLnTx/>
+                <a:uFillTx/>
+                <a:latin typeface="微软雅黑" panose="020B0503020204020204" pitchFamily="34" charset="-122"/>
+                <a:ea typeface="微软雅黑" panose="020B0503020204020204" pitchFamily="34" charset="-122"/>
+                <a:cs typeface="微软雅黑" panose="020B0503020204020204" pitchFamily="34" charset="-122"/>
+              </a:endParaRPr>
+            </a:p>
+          </p:txBody>
+        </p:sp>
+        <p:sp>
+          <p:nvSpPr>
+            <p:cNvPr id="77" name="矩形 76"/>
+            <p:cNvSpPr/>
+            <p:nvPr/>
+          </p:nvSpPr>
+          <p:spPr>
+            <a:xfrm>
+              <a:off x="1800204" y="3386632"/>
+              <a:ext cx="1230152" cy="275392"/>
+            </a:xfrm>
+            <a:prstGeom prst="rect">
+              <a:avLst/>
+            </a:prstGeom>
+          </p:spPr>
+          <p:txBody>
+            <a:bodyPr wrap="none">
+              <a:spAutoFit/>
+            </a:bodyPr>
+            <a:lstStyle/>
+            <a:p>
+              <a:pPr marL="0" marR="0" lvl="0" indent="0" algn="l" defTabSz="914400" eaLnBrk="1" fontAlgn="auto" latinLnBrk="0" hangingPunct="1">
+                <a:lnSpc>
+                  <a:spcPct val="100000"/>
+                </a:lnSpc>
+                <a:spcBef>
+                  <a:spcPts val="0"/>
+                </a:spcBef>
+                <a:spcAft>
+                  <a:spcPts val="0"/>
+                </a:spcAft>
+                <a:buClrTx/>
+                <a:buSzTx/>
+                <a:buFontTx/>
+                <a:buNone/>
+                <a:defRPr/>
+              </a:pPr>
+              <a:r>
+                <a:rPr kumimoji="0" lang="en-US" altLang="zh-CN" sz="1200" b="0" i="0" u="none" strike="noStrike" kern="0" cap="none" spc="0" normalizeH="0" baseline="0" noProof="0" dirty="0">
+                  <a:ln>
+                    <a:noFill/>
+                  </a:ln>
+                  <a:solidFill>
+                    <a:schemeClr val="bg1"/>
+                  </a:solidFill>
+                  <a:effectLst/>
+                  <a:uLnTx/>
+                  <a:uFillTx/>
+                  <a:latin typeface="微软雅黑" panose="020B0503020204020204" pitchFamily="34" charset="-122"/>
+                  <a:ea typeface="微软雅黑" panose="020B0503020204020204" pitchFamily="34" charset="-122"/>
+                  <a:cs typeface="+mn-cs"/>
+                </a:rPr>
+                <a:t> INSTRUMENT</a:t>
+              </a:r>
+              <a:endParaRPr kumimoji="0" lang="en-US" altLang="zh-CN" sz="1200" b="0" i="0" u="none" strike="noStrike" kern="0" cap="none" spc="0" normalizeH="0" baseline="0" noProof="0" dirty="0">
+                <a:ln>
+                  <a:noFill/>
+                </a:ln>
+                <a:solidFill>
+                  <a:schemeClr val="bg1"/>
+                </a:solidFill>
+                <a:effectLst/>
+                <a:uLnTx/>
+                <a:uFillTx/>
+                <a:latin typeface="微软雅黑" panose="020B0503020204020204" pitchFamily="34" charset="-122"/>
+                <a:ea typeface="微软雅黑" panose="020B0503020204020204" pitchFamily="34" charset="-122"/>
+                <a:cs typeface="+mn-cs"/>
+              </a:endParaRPr>
+            </a:p>
+          </p:txBody>
+        </p:sp>
+      </p:grpSp>
+      <p:grpSp>
+        <p:nvGrpSpPr>
+          <p:cNvPr id="6154" name="组合 138"/>
+          <p:cNvGrpSpPr/>
+          <p:nvPr/>
+        </p:nvGrpSpPr>
+        <p:grpSpPr>
+          <a:xfrm>
+            <a:off x="960438" y="2825750"/>
+            <a:ext cx="866775" cy="720725"/>
+            <a:chOff x="960745" y="2898038"/>
+            <a:chExt cx="866241" cy="720000"/>
+          </a:xfrm>
+        </p:grpSpPr>
+        <p:sp>
+          <p:nvSpPr>
+            <p:cNvPr id="121" name="矩形 120"/>
+            <p:cNvSpPr/>
+            <p:nvPr/>
+          </p:nvSpPr>
+          <p:spPr>
+            <a:xfrm>
+              <a:off x="1033865" y="2898038"/>
+              <a:ext cx="720000" cy="720000"/>
+            </a:xfrm>
+            <a:prstGeom prst="rect">
+              <a:avLst/>
+            </a:prstGeom>
+            <a:solidFill>
+              <a:schemeClr val="accent2"/>
+            </a:solidFill>
+            <a:ln>
+              <a:noFill/>
+            </a:ln>
+          </p:spPr>
+          <p:style>
+            <a:lnRef idx="2">
+              <a:schemeClr val="accent1">
+                <a:shade val="50000"/>
+              </a:schemeClr>
+            </a:lnRef>
+            <a:fillRef idx="1">
+              <a:schemeClr val="accent1"/>
+            </a:fillRef>
+            <a:effectRef idx="0">
+              <a:schemeClr val="accent1"/>
+            </a:effectRef>
+            <a:fontRef idx="minor">
+              <a:schemeClr val="lt1"/>
+            </a:fontRef>
+          </p:style>
+          <p:txBody>
+            <a:bodyPr rot="0" spcFirstLastPara="0" vertOverflow="overflow" horzOverflow="overflow" vert="horz" wrap="square" lIns="91440" tIns="45720" rIns="91440" bIns="45720" numCol="1" spcCol="0" rtlCol="0" fromWordArt="0" anchor="ctr" anchorCtr="0" forceAA="0" compatLnSpc="1">
+              <a:noAutofit/>
+            </a:bodyPr>
+            <a:lstStyle/>
+            <a:p>
+              <a:pPr algn="ctr" fontAlgn="auto"/>
+              <a:endParaRPr lang="zh-CN" altLang="en-US" strike="noStrike" noProof="1"/>
+            </a:p>
+          </p:txBody>
+        </p:sp>
+        <p:sp>
+          <p:nvSpPr>
+            <p:cNvPr id="74" name="矩形 73"/>
+            <p:cNvSpPr/>
+            <p:nvPr/>
+          </p:nvSpPr>
+          <p:spPr>
+            <a:xfrm>
+              <a:off x="960745" y="2905869"/>
+              <a:ext cx="866241" cy="707886"/>
+            </a:xfrm>
+            <a:prstGeom prst="rect">
+              <a:avLst/>
+            </a:prstGeom>
+          </p:spPr>
+          <p:txBody>
+            <a:bodyPr wrap="square" anchor="ctr">
+              <a:spAutoFit/>
+            </a:bodyPr>
+            <a:lstStyle/>
+            <a:p>
+              <a:pPr marL="0" marR="0" lvl="0" indent="0" algn="ctr" defTabSz="914400" eaLnBrk="1" fontAlgn="auto" latinLnBrk="0" hangingPunct="1">
+                <a:lnSpc>
+                  <a:spcPct val="100000"/>
+                </a:lnSpc>
+                <a:spcBef>
+                  <a:spcPts val="0"/>
+                </a:spcBef>
+                <a:spcAft>
+                  <a:spcPts val="0"/>
+                </a:spcAft>
+                <a:buClrTx/>
+                <a:buSzTx/>
+                <a:buFontTx/>
+                <a:buNone/>
+                <a:defRPr/>
+              </a:pPr>
+              <a:r>
+                <a:rPr kumimoji="0" lang="en-US" altLang="zh-CN" sz="4000" b="0" i="0" u="none" strike="noStrike" kern="0" cap="none" spc="0" normalizeH="0" baseline="0" noProof="0" dirty="0" smtClean="0">
+                  <a:ln>
+                    <a:noFill/>
+                  </a:ln>
+                  <a:solidFill>
+                    <a:schemeClr val="bg1"/>
+                  </a:solidFill>
+                  <a:effectLst/>
+                  <a:uLnTx/>
+                  <a:uFillTx/>
+                  <a:latin typeface="微软雅黑" panose="020B0503020204020204" pitchFamily="34" charset="-122"/>
+                  <a:ea typeface="微软雅黑" panose="020B0503020204020204" pitchFamily="34" charset="-122"/>
+                  <a:cs typeface="微软雅黑" panose="020B0503020204020204" pitchFamily="34" charset="-122"/>
+                </a:rPr>
+                <a:t>01</a:t>
+              </a:r>
+              <a:endParaRPr kumimoji="0" lang="en-US" altLang="zh-CN" sz="4000" b="0" i="0" u="none" strike="noStrike" kern="0" cap="none" spc="0" normalizeH="0" baseline="0" noProof="0" dirty="0">
+                <a:ln>
+                  <a:noFill/>
+                </a:ln>
+                <a:solidFill>
+                  <a:schemeClr val="bg1"/>
+                </a:solidFill>
+                <a:effectLst/>
+                <a:uLnTx/>
+                <a:uFillTx/>
+                <a:latin typeface="微软雅黑" panose="020B0503020204020204" pitchFamily="34" charset="-122"/>
+                <a:ea typeface="微软雅黑" panose="020B0503020204020204" pitchFamily="34" charset="-122"/>
+                <a:cs typeface="微软雅黑" panose="020B0503020204020204" pitchFamily="34" charset="-122"/>
+              </a:endParaRPr>
+            </a:p>
+          </p:txBody>
+        </p:sp>
+      </p:grpSp>
+      <p:grpSp>
+        <p:nvGrpSpPr>
+          <p:cNvPr id="6157" name="组合 131"/>
+          <p:cNvGrpSpPr/>
+          <p:nvPr/>
+        </p:nvGrpSpPr>
+        <p:grpSpPr>
+          <a:xfrm>
+            <a:off x="1800225" y="4098833"/>
+            <a:ext cx="2173288" cy="728852"/>
+            <a:chOff x="1800204" y="4109108"/>
+            <a:chExt cx="2172970" cy="729108"/>
+          </a:xfrm>
+        </p:grpSpPr>
+        <p:sp>
+          <p:nvSpPr>
+            <p:cNvPr id="82" name="矩形 81"/>
+            <p:cNvSpPr/>
+            <p:nvPr/>
+          </p:nvSpPr>
+          <p:spPr>
+            <a:xfrm>
+              <a:off x="1826874" y="4109108"/>
+              <a:ext cx="2146300" cy="522153"/>
+            </a:xfrm>
+            <a:prstGeom prst="rect">
+              <a:avLst/>
+            </a:prstGeom>
+          </p:spPr>
+          <p:txBody>
+            <a:bodyPr wrap="square" anchor="ctr">
+              <a:spAutoFit/>
+            </a:bodyPr>
+            <a:lstStyle/>
+            <a:p>
+              <a:pPr marL="0" marR="0" lvl="0" indent="0" defTabSz="914400" eaLnBrk="1" fontAlgn="auto" latinLnBrk="0" hangingPunct="1">
+                <a:lnSpc>
+                  <a:spcPct val="100000"/>
+                </a:lnSpc>
+                <a:spcBef>
+                  <a:spcPts val="0"/>
+                </a:spcBef>
+                <a:spcAft>
+                  <a:spcPts val="0"/>
+                </a:spcAft>
+                <a:buClrTx/>
+                <a:buSzTx/>
+                <a:buFontTx/>
+                <a:buNone/>
+                <a:defRPr/>
+              </a:pPr>
+              <a:r>
+                <a:rPr kumimoji="0" lang="zh-CN" altLang="en-US" sz="2800" b="1" i="0" u="none" strike="noStrike" kern="0" cap="none" spc="0" normalizeH="0" baseline="0" noProof="0" dirty="0">
+                  <a:ln>
+                    <a:noFill/>
+                  </a:ln>
+                  <a:solidFill>
+                    <a:schemeClr val="bg1"/>
+                  </a:solidFill>
+                  <a:effectLst/>
+                  <a:uLnTx/>
+                  <a:uFillTx/>
+                  <a:latin typeface="微软雅黑" panose="020B0503020204020204" pitchFamily="34" charset="-122"/>
+                  <a:ea typeface="微软雅黑" panose="020B0503020204020204" pitchFamily="34" charset="-122"/>
+                  <a:cs typeface="微软雅黑" panose="020B0503020204020204" pitchFamily="34" charset="-122"/>
+                </a:rPr>
+                <a:t>参考文献</a:t>
+              </a:r>
+              <a:endParaRPr kumimoji="0" lang="zh-CN" altLang="en-US" sz="2800" b="1" i="0" u="none" strike="noStrike" kern="0" cap="none" spc="0" normalizeH="0" baseline="0" noProof="0" dirty="0">
+                <a:ln>
+                  <a:noFill/>
+                </a:ln>
+                <a:solidFill>
+                  <a:schemeClr val="bg1"/>
+                </a:solidFill>
+                <a:effectLst/>
+                <a:uLnTx/>
+                <a:uFillTx/>
+                <a:latin typeface="微软雅黑" panose="020B0503020204020204" pitchFamily="34" charset="-122"/>
+                <a:ea typeface="微软雅黑" panose="020B0503020204020204" pitchFamily="34" charset="-122"/>
+                <a:cs typeface="微软雅黑" panose="020B0503020204020204" pitchFamily="34" charset="-122"/>
+              </a:endParaRPr>
+            </a:p>
+          </p:txBody>
+        </p:sp>
+        <p:sp>
+          <p:nvSpPr>
+            <p:cNvPr id="83" name="矩形 82"/>
+            <p:cNvSpPr/>
+            <p:nvPr/>
+          </p:nvSpPr>
+          <p:spPr>
+            <a:xfrm>
+              <a:off x="1800204" y="4562529"/>
+              <a:ext cx="1024740" cy="275687"/>
+            </a:xfrm>
+            <a:prstGeom prst="rect">
+              <a:avLst/>
+            </a:prstGeom>
+          </p:spPr>
+          <p:txBody>
+            <a:bodyPr wrap="none">
+              <a:spAutoFit/>
+            </a:bodyPr>
+            <a:lstStyle/>
+            <a:p>
+              <a:pPr lvl="0" algn="l" fontAlgn="auto"/>
+              <a:r>
+                <a:rPr lang="en-US" altLang="zh-CN" sz="1200" kern="0" noProof="0" dirty="0">
+                  <a:ln>
+                    <a:noFill/>
+                  </a:ln>
+                  <a:solidFill>
+                    <a:schemeClr val="bg1"/>
+                  </a:solidFill>
+                  <a:effectLst/>
+                  <a:uLnTx/>
+                  <a:uFillTx/>
+                  <a:latin typeface="微软雅黑" panose="020B0503020204020204" pitchFamily="34" charset="-122"/>
+                  <a:ea typeface="微软雅黑" panose="020B0503020204020204" pitchFamily="34" charset="-122"/>
+                  <a:sym typeface="+mn-ea"/>
+                </a:rPr>
+                <a:t>REFERENCE</a:t>
+              </a:r>
+              <a:endParaRPr kumimoji="0" lang="en-US" altLang="zh-CN" sz="1200" b="0" i="0" u="none" strike="noStrike" kern="0" cap="none" spc="0" normalizeH="0" baseline="0" noProof="0" dirty="0">
+                <a:ln>
+                  <a:noFill/>
+                </a:ln>
+                <a:solidFill>
+                  <a:schemeClr val="bg1"/>
+                </a:solidFill>
+                <a:effectLst/>
+                <a:uLnTx/>
+                <a:uFillTx/>
+                <a:latin typeface="微软雅黑" panose="020B0503020204020204" pitchFamily="34" charset="-122"/>
+                <a:ea typeface="微软雅黑" panose="020B0503020204020204" pitchFamily="34" charset="-122"/>
+              </a:endParaRPr>
+            </a:p>
+          </p:txBody>
+        </p:sp>
+      </p:grpSp>
+      <p:grpSp>
+        <p:nvGrpSpPr>
+          <p:cNvPr id="6160" name="组合 137"/>
+          <p:cNvGrpSpPr/>
+          <p:nvPr/>
+        </p:nvGrpSpPr>
+        <p:grpSpPr>
+          <a:xfrm>
+            <a:off x="1025525" y="4092575"/>
+            <a:ext cx="801688" cy="719138"/>
+            <a:chOff x="912296" y="4056809"/>
+            <a:chExt cx="802204" cy="720000"/>
+          </a:xfrm>
+        </p:grpSpPr>
+        <p:sp>
+          <p:nvSpPr>
+            <p:cNvPr id="122" name="矩形 121"/>
+            <p:cNvSpPr/>
+            <p:nvPr/>
+          </p:nvSpPr>
+          <p:spPr>
+            <a:xfrm>
+              <a:off x="953397" y="4056809"/>
+              <a:ext cx="720000" cy="720000"/>
+            </a:xfrm>
+            <a:prstGeom prst="rect">
+              <a:avLst/>
+            </a:prstGeom>
+            <a:solidFill>
+              <a:schemeClr val="accent2"/>
+            </a:solidFill>
+            <a:ln>
+              <a:noFill/>
+            </a:ln>
+          </p:spPr>
+          <p:style>
+            <a:lnRef idx="2">
+              <a:schemeClr val="accent1">
+                <a:shade val="50000"/>
+              </a:schemeClr>
+            </a:lnRef>
+            <a:fillRef idx="1">
+              <a:schemeClr val="accent1"/>
+            </a:fillRef>
+            <a:effectRef idx="0">
+              <a:schemeClr val="accent1"/>
+            </a:effectRef>
+            <a:fontRef idx="minor">
+              <a:schemeClr val="lt1"/>
+            </a:fontRef>
+          </p:style>
+          <p:txBody>
+            <a:bodyPr rot="0" spcFirstLastPara="0" vertOverflow="overflow" horzOverflow="overflow" vert="horz" wrap="square" lIns="91440" tIns="45720" rIns="91440" bIns="45720" numCol="1" spcCol="0" rtlCol="0" fromWordArt="0" anchor="ctr" anchorCtr="0" forceAA="0" compatLnSpc="1">
+              <a:noAutofit/>
+            </a:bodyPr>
+            <a:lstStyle/>
+            <a:p>
+              <a:pPr algn="ctr" fontAlgn="auto"/>
+              <a:endParaRPr lang="zh-CN" altLang="en-US" strike="noStrike" noProof="1"/>
+            </a:p>
+          </p:txBody>
+        </p:sp>
+        <p:sp>
+          <p:nvSpPr>
+            <p:cNvPr id="80" name="矩形 79"/>
+            <p:cNvSpPr/>
+            <p:nvPr/>
+          </p:nvSpPr>
+          <p:spPr>
+            <a:xfrm>
+              <a:off x="912296" y="4063008"/>
+              <a:ext cx="802204" cy="707602"/>
+            </a:xfrm>
+            <a:prstGeom prst="rect">
+              <a:avLst/>
+            </a:prstGeom>
+          </p:spPr>
+          <p:txBody>
+            <a:bodyPr wrap="square" anchor="ctr">
+              <a:spAutoFit/>
+            </a:bodyPr>
+            <a:lstStyle/>
+            <a:p>
+              <a:pPr marL="0" marR="0" lvl="0" indent="0" algn="ctr" defTabSz="914400" eaLnBrk="1" fontAlgn="auto" latinLnBrk="0" hangingPunct="1">
+                <a:lnSpc>
+                  <a:spcPct val="100000"/>
+                </a:lnSpc>
+                <a:spcBef>
+                  <a:spcPts val="0"/>
+                </a:spcBef>
+                <a:spcAft>
+                  <a:spcPts val="0"/>
+                </a:spcAft>
+                <a:buClrTx/>
+                <a:buSzTx/>
+                <a:buFontTx/>
+                <a:buNone/>
+                <a:defRPr/>
+              </a:pPr>
+              <a:r>
+                <a:rPr kumimoji="0" lang="en-US" altLang="zh-CN" sz="4000" b="0" i="0" u="none" strike="noStrike" kern="0" cap="none" spc="0" normalizeH="0" baseline="0" noProof="0" dirty="0" smtClean="0">
+                  <a:ln>
+                    <a:noFill/>
+                  </a:ln>
+                  <a:solidFill>
+                    <a:schemeClr val="bg1"/>
+                  </a:solidFill>
+                  <a:effectLst/>
+                  <a:uLnTx/>
+                  <a:uFillTx/>
+                  <a:latin typeface="微软雅黑" panose="020B0503020204020204" pitchFamily="34" charset="-122"/>
+                  <a:ea typeface="微软雅黑" panose="020B0503020204020204" pitchFamily="34" charset="-122"/>
+                  <a:cs typeface="微软雅黑" panose="020B0503020204020204" pitchFamily="34" charset="-122"/>
+                </a:rPr>
+                <a:t>04</a:t>
+              </a:r>
+              <a:endParaRPr kumimoji="0" lang="en-US" altLang="zh-CN" sz="4000" b="0" i="0" u="none" strike="noStrike" kern="0" cap="none" spc="0" normalizeH="0" baseline="0" noProof="0" dirty="0">
+                <a:ln>
+                  <a:noFill/>
+                </a:ln>
+                <a:solidFill>
+                  <a:schemeClr val="bg1"/>
+                </a:solidFill>
+                <a:effectLst/>
+                <a:uLnTx/>
+                <a:uFillTx/>
+                <a:latin typeface="微软雅黑" panose="020B0503020204020204" pitchFamily="34" charset="-122"/>
+                <a:ea typeface="微软雅黑" panose="020B0503020204020204" pitchFamily="34" charset="-122"/>
+                <a:cs typeface="微软雅黑" panose="020B0503020204020204" pitchFamily="34" charset="-122"/>
+              </a:endParaRPr>
+            </a:p>
+          </p:txBody>
+        </p:sp>
+      </p:grpSp>
+      <p:grpSp>
+        <p:nvGrpSpPr>
+          <p:cNvPr id="6163" name="组合 139"/>
+          <p:cNvGrpSpPr/>
+          <p:nvPr/>
+        </p:nvGrpSpPr>
+        <p:grpSpPr>
+          <a:xfrm>
+            <a:off x="4694238" y="2806669"/>
+            <a:ext cx="2741612" cy="758889"/>
+            <a:chOff x="4694848" y="2805878"/>
+            <a:chExt cx="2741382" cy="758980"/>
+          </a:xfrm>
+        </p:grpSpPr>
+        <p:grpSp>
+          <p:nvGrpSpPr>
+            <p:cNvPr id="6164" name="组合 133"/>
+            <p:cNvGrpSpPr/>
+            <p:nvPr/>
+          </p:nvGrpSpPr>
+          <p:grpSpPr>
+            <a:xfrm>
+              <a:off x="5517158" y="2805878"/>
+              <a:ext cx="1919072" cy="758980"/>
+              <a:chOff x="5517158" y="2886281"/>
+              <a:chExt cx="1919072" cy="758980"/>
+            </a:xfrm>
+          </p:grpSpPr>
+          <p:sp>
+            <p:nvSpPr>
+              <p:cNvPr id="88" name="矩形 87"/>
+              <p:cNvSpPr/>
+              <p:nvPr/>
+            </p:nvSpPr>
+            <p:spPr>
+              <a:xfrm>
+                <a:off x="5517158" y="2886281"/>
+                <a:ext cx="1919072" cy="522033"/>
+              </a:xfrm>
+              <a:prstGeom prst="rect">
+                <a:avLst/>
+              </a:prstGeom>
+            </p:spPr>
+            <p:txBody>
+              <a:bodyPr wrap="square" anchor="ctr">
+                <a:spAutoFit/>
+              </a:bodyPr>
+              <a:lstStyle/>
+              <a:p>
+                <a:pPr marL="0" marR="0" lvl="0" indent="0" defTabSz="914400" eaLnBrk="1" fontAlgn="auto" latinLnBrk="0" hangingPunct="1">
+                  <a:lnSpc>
+                    <a:spcPct val="100000"/>
+                  </a:lnSpc>
+                  <a:spcBef>
+                    <a:spcPts val="0"/>
+                  </a:spcBef>
+                  <a:spcAft>
+                    <a:spcPts val="0"/>
+                  </a:spcAft>
+                  <a:buClrTx/>
+                  <a:buSzTx/>
+                  <a:buFontTx/>
+                  <a:buNone/>
+                  <a:defRPr/>
+                </a:pPr>
+                <a:r>
+                  <a:rPr kumimoji="0" lang="en-US" sz="2800" b="1" i="0" u="none" strike="noStrike" kern="0" cap="none" spc="0" normalizeH="0" baseline="0" noProof="0" dirty="0" smtClean="0">
+                    <a:ln>
+                      <a:noFill/>
+                    </a:ln>
+                    <a:solidFill>
+                      <a:schemeClr val="bg1"/>
+                    </a:solidFill>
+                    <a:effectLst/>
+                    <a:uLnTx/>
+                    <a:uFillTx/>
+                    <a:latin typeface="微软雅黑" panose="020B0503020204020204" pitchFamily="34" charset="-122"/>
+                    <a:ea typeface="微软雅黑" panose="020B0503020204020204" pitchFamily="34" charset="-122"/>
+                    <a:cs typeface="微软雅黑" panose="020B0503020204020204" pitchFamily="34" charset="-122"/>
+                  </a:rPr>
+                  <a:t>Rose</a:t>
+                </a:r>
+                <a:r>
+                  <a:rPr kumimoji="0" lang="zh-CN" altLang="en-US" sz="2800" b="1" i="0" u="none" strike="noStrike" kern="0" cap="none" spc="0" normalizeH="0" baseline="0" noProof="0" dirty="0" smtClean="0">
+                    <a:ln>
+                      <a:noFill/>
+                    </a:ln>
+                    <a:solidFill>
+                      <a:schemeClr val="bg1"/>
+                    </a:solidFill>
+                    <a:effectLst/>
+                    <a:uLnTx/>
+                    <a:uFillTx/>
+                    <a:latin typeface="微软雅黑" panose="020B0503020204020204" pitchFamily="34" charset="-122"/>
+                    <a:ea typeface="微软雅黑" panose="020B0503020204020204" pitchFamily="34" charset="-122"/>
+                    <a:cs typeface="微软雅黑" panose="020B0503020204020204" pitchFamily="34" charset="-122"/>
+                  </a:rPr>
+                  <a:t>简介</a:t>
+                </a:r>
+                <a:endParaRPr kumimoji="0" lang="zh-CN" altLang="en-US" sz="2800" b="1" i="0" u="none" strike="noStrike" kern="0" cap="none" spc="0" normalizeH="0" baseline="0" noProof="0" dirty="0" smtClean="0">
+                  <a:ln>
+                    <a:noFill/>
+                  </a:ln>
+                  <a:solidFill>
+                    <a:schemeClr val="bg1"/>
+                  </a:solidFill>
+                  <a:effectLst/>
+                  <a:uLnTx/>
+                  <a:uFillTx/>
+                  <a:latin typeface="微软雅黑" panose="020B0503020204020204" pitchFamily="34" charset="-122"/>
+                  <a:ea typeface="微软雅黑" panose="020B0503020204020204" pitchFamily="34" charset="-122"/>
+                  <a:cs typeface="微软雅黑" panose="020B0503020204020204" pitchFamily="34" charset="-122"/>
+                </a:endParaRPr>
+              </a:p>
+            </p:txBody>
+          </p:sp>
+          <p:sp>
+            <p:nvSpPr>
+              <p:cNvPr id="89" name="矩形 88"/>
+              <p:cNvSpPr/>
+              <p:nvPr/>
+            </p:nvSpPr>
+            <p:spPr>
+              <a:xfrm>
+                <a:off x="5517158" y="3369638"/>
+                <a:ext cx="1376565" cy="275623"/>
+              </a:xfrm>
+              <a:prstGeom prst="rect">
+                <a:avLst/>
+              </a:prstGeom>
+            </p:spPr>
+            <p:txBody>
+              <a:bodyPr wrap="none">
+                <a:spAutoFit/>
+              </a:bodyPr>
+              <a:lstStyle/>
+              <a:p>
+                <a:pPr marL="0" marR="0" lvl="0" indent="0" algn="l" defTabSz="914400" eaLnBrk="1" fontAlgn="auto" latinLnBrk="0" hangingPunct="1">
+                  <a:lnSpc>
+                    <a:spcPct val="100000"/>
+                  </a:lnSpc>
+                  <a:spcBef>
+                    <a:spcPts val="0"/>
+                  </a:spcBef>
+                  <a:spcAft>
+                    <a:spcPts val="0"/>
+                  </a:spcAft>
+                  <a:buClrTx/>
+                  <a:buSzTx/>
+                  <a:buFontTx/>
+                  <a:buNone/>
+                  <a:defRPr/>
+                </a:pPr>
+                <a:r>
+                  <a:rPr kumimoji="0" lang="en-US" altLang="zh-CN" sz="1200" b="0" i="0" u="none" strike="noStrike" kern="0" cap="none" spc="0" normalizeH="0" baseline="0" noProof="0" dirty="0">
+                    <a:ln>
+                      <a:noFill/>
+                    </a:ln>
+                    <a:solidFill>
+                      <a:schemeClr val="bg1"/>
+                    </a:solidFill>
+                    <a:effectLst/>
+                    <a:uLnTx/>
+                    <a:uFillTx/>
+                    <a:latin typeface="微软雅黑" panose="020B0503020204020204" pitchFamily="34" charset="-122"/>
+                    <a:ea typeface="微软雅黑" panose="020B0503020204020204" pitchFamily="34" charset="-122"/>
+                    <a:cs typeface="+mn-cs"/>
+                  </a:rPr>
+                  <a:t>INTRODUCTION</a:t>
+                </a:r>
+                <a:endParaRPr kumimoji="0" lang="en-US" altLang="zh-CN" sz="1200" b="0" i="0" u="none" strike="noStrike" kern="0" cap="none" spc="0" normalizeH="0" baseline="0" noProof="0" dirty="0">
+                  <a:ln>
+                    <a:noFill/>
+                  </a:ln>
+                  <a:solidFill>
+                    <a:schemeClr val="bg1"/>
+                  </a:solidFill>
+                  <a:effectLst/>
+                  <a:uLnTx/>
+                  <a:uFillTx/>
+                  <a:latin typeface="微软雅黑" panose="020B0503020204020204" pitchFamily="34" charset="-122"/>
+                  <a:ea typeface="微软雅黑" panose="020B0503020204020204" pitchFamily="34" charset="-122"/>
+                  <a:cs typeface="+mn-cs"/>
+                </a:endParaRPr>
+              </a:p>
+            </p:txBody>
+          </p:sp>
+        </p:grpSp>
+        <p:grpSp>
+          <p:nvGrpSpPr>
+            <p:cNvPr id="6167" name="组合 129"/>
+            <p:cNvGrpSpPr/>
+            <p:nvPr/>
+          </p:nvGrpSpPr>
+          <p:grpSpPr>
+            <a:xfrm>
+              <a:off x="4694848" y="2825678"/>
+              <a:ext cx="797404" cy="720686"/>
+              <a:chOff x="4428148" y="2897352"/>
+              <a:chExt cx="797404" cy="720686"/>
+            </a:xfrm>
+          </p:grpSpPr>
+          <p:sp>
+            <p:nvSpPr>
+              <p:cNvPr id="124" name="矩形 123"/>
+              <p:cNvSpPr/>
+              <p:nvPr/>
+            </p:nvSpPr>
+            <p:spPr>
+              <a:xfrm>
+                <a:off x="4466850" y="2898038"/>
+                <a:ext cx="720000" cy="720000"/>
+              </a:xfrm>
+              <a:prstGeom prst="rect">
+                <a:avLst/>
+              </a:prstGeom>
+              <a:solidFill>
+                <a:schemeClr val="accent2"/>
+              </a:solidFill>
+              <a:ln>
+                <a:noFill/>
+              </a:ln>
+            </p:spPr>
+            <p:style>
+              <a:lnRef idx="2">
+                <a:schemeClr val="accent1">
+                  <a:shade val="50000"/>
+                </a:schemeClr>
+              </a:lnRef>
+              <a:fillRef idx="1">
+                <a:schemeClr val="accent1"/>
+              </a:fillRef>
+              <a:effectRef idx="0">
+                <a:schemeClr val="accent1"/>
+              </a:effectRef>
+              <a:fontRef idx="minor">
+                <a:schemeClr val="lt1"/>
+              </a:fontRef>
+            </p:style>
+            <p:txBody>
+              <a:bodyPr rot="0" spcFirstLastPara="0" vertOverflow="overflow" horzOverflow="overflow" vert="horz" wrap="square" lIns="91440" tIns="45720" rIns="91440" bIns="45720" numCol="1" spcCol="0" rtlCol="0" fromWordArt="0" anchor="ctr" anchorCtr="0" forceAA="0" compatLnSpc="1">
+                <a:noAutofit/>
+              </a:bodyPr>
+              <a:lstStyle/>
+              <a:p>
+                <a:pPr algn="ctr" fontAlgn="auto"/>
+                <a:endParaRPr lang="zh-CN" altLang="en-US" strike="noStrike" noProof="1"/>
+              </a:p>
+            </p:txBody>
+          </p:sp>
+          <p:sp>
+            <p:nvSpPr>
+              <p:cNvPr id="86" name="矩形 85"/>
+              <p:cNvSpPr/>
+              <p:nvPr/>
+            </p:nvSpPr>
+            <p:spPr>
+              <a:xfrm>
+                <a:off x="4428148" y="2897352"/>
+                <a:ext cx="797404" cy="706840"/>
+              </a:xfrm>
+              <a:prstGeom prst="rect">
+                <a:avLst/>
+              </a:prstGeom>
+            </p:spPr>
+            <p:txBody>
+              <a:bodyPr wrap="square" anchor="ctr">
+                <a:spAutoFit/>
+              </a:bodyPr>
+              <a:lstStyle/>
+              <a:p>
+                <a:pPr marL="0" marR="0" lvl="0" indent="0" algn="ctr" defTabSz="914400" eaLnBrk="1" fontAlgn="auto" latinLnBrk="0" hangingPunct="1">
+                  <a:lnSpc>
+                    <a:spcPct val="100000"/>
+                  </a:lnSpc>
+                  <a:spcBef>
+                    <a:spcPts val="0"/>
+                  </a:spcBef>
+                  <a:spcAft>
+                    <a:spcPts val="0"/>
+                  </a:spcAft>
+                  <a:buClrTx/>
+                  <a:buSzTx/>
+                  <a:buFontTx/>
+                  <a:buNone/>
+                  <a:defRPr/>
+                </a:pPr>
+                <a:r>
+                  <a:rPr kumimoji="0" lang="en-US" altLang="zh-CN" sz="4000" b="0" i="0" u="none" strike="noStrike" kern="0" cap="none" spc="0" normalizeH="0" baseline="0" noProof="0" dirty="0" smtClean="0">
+                    <a:ln>
+                      <a:noFill/>
+                    </a:ln>
+                    <a:solidFill>
+                      <a:schemeClr val="bg1"/>
+                    </a:solidFill>
+                    <a:effectLst/>
+                    <a:uLnTx/>
+                    <a:uFillTx/>
+                    <a:latin typeface="微软雅黑" panose="020B0503020204020204" pitchFamily="34" charset="-122"/>
+                    <a:ea typeface="微软雅黑" panose="020B0503020204020204" pitchFamily="34" charset="-122"/>
+                    <a:cs typeface="微软雅黑" panose="020B0503020204020204" pitchFamily="34" charset="-122"/>
+                  </a:rPr>
+                  <a:t>02</a:t>
+                </a:r>
+                <a:endParaRPr kumimoji="0" lang="en-US" altLang="zh-CN" sz="4000" b="0" i="0" u="none" strike="noStrike" kern="0" cap="none" spc="0" normalizeH="0" baseline="0" noProof="0" dirty="0">
+                  <a:ln>
+                    <a:noFill/>
+                  </a:ln>
+                  <a:solidFill>
+                    <a:schemeClr val="bg1"/>
+                  </a:solidFill>
+                  <a:effectLst/>
+                  <a:uLnTx/>
+                  <a:uFillTx/>
+                  <a:latin typeface="微软雅黑" panose="020B0503020204020204" pitchFamily="34" charset="-122"/>
+                  <a:ea typeface="微软雅黑" panose="020B0503020204020204" pitchFamily="34" charset="-122"/>
+                  <a:cs typeface="微软雅黑" panose="020B0503020204020204" pitchFamily="34" charset="-122"/>
+                </a:endParaRPr>
+              </a:p>
+            </p:txBody>
+          </p:sp>
+        </p:grpSp>
+      </p:grpSp>
+      <p:grpSp>
+        <p:nvGrpSpPr>
+          <p:cNvPr id="6177" name="组合 141"/>
+          <p:cNvGrpSpPr/>
+          <p:nvPr/>
+        </p:nvGrpSpPr>
+        <p:grpSpPr>
+          <a:xfrm>
+            <a:off x="8437563" y="2825750"/>
+            <a:ext cx="3379787" cy="720725"/>
+            <a:chOff x="8437508" y="2825759"/>
+            <a:chExt cx="3380255" cy="720000"/>
+          </a:xfrm>
+        </p:grpSpPr>
+        <p:grpSp>
+          <p:nvGrpSpPr>
+            <p:cNvPr id="6178" name="组合 134"/>
+            <p:cNvGrpSpPr/>
+            <p:nvPr/>
+          </p:nvGrpSpPr>
+          <p:grpSpPr>
+            <a:xfrm>
+              <a:off x="9243473" y="2829426"/>
+              <a:ext cx="2574290" cy="711869"/>
+              <a:chOff x="9243473" y="2937395"/>
+              <a:chExt cx="2574290" cy="711869"/>
+            </a:xfrm>
+          </p:grpSpPr>
+          <p:sp>
+            <p:nvSpPr>
+              <p:cNvPr id="100" name="矩形 99"/>
+              <p:cNvSpPr/>
+              <p:nvPr/>
+            </p:nvSpPr>
+            <p:spPr>
+              <a:xfrm>
+                <a:off x="9243473" y="2937395"/>
+                <a:ext cx="2574290" cy="521445"/>
+              </a:xfrm>
+              <a:prstGeom prst="rect">
+                <a:avLst/>
+              </a:prstGeom>
+            </p:spPr>
+            <p:txBody>
+              <a:bodyPr wrap="square" anchor="ctr">
+                <a:spAutoFit/>
+              </a:bodyPr>
+              <a:lstStyle/>
+              <a:p>
+                <a:pPr marL="0" marR="0" lvl="0" indent="0" defTabSz="914400" eaLnBrk="1" fontAlgn="auto" latinLnBrk="0" hangingPunct="1">
+                  <a:lnSpc>
+                    <a:spcPct val="100000"/>
+                  </a:lnSpc>
+                  <a:spcBef>
+                    <a:spcPts val="0"/>
+                  </a:spcBef>
+                  <a:spcAft>
+                    <a:spcPts val="0"/>
+                  </a:spcAft>
+                  <a:buClrTx/>
+                  <a:buSzTx/>
+                  <a:buFontTx/>
+                  <a:buNone/>
+                  <a:defRPr/>
+                </a:pPr>
+                <a:r>
+                  <a:rPr lang="en-US" sz="2800" b="1" kern="0" noProof="0" dirty="0" smtClean="0">
+                    <a:ln>
+                      <a:noFill/>
+                    </a:ln>
+                    <a:solidFill>
+                      <a:schemeClr val="bg1"/>
+                    </a:solidFill>
+                    <a:effectLst/>
+                    <a:uLnTx/>
+                    <a:uFillTx/>
+                    <a:latin typeface="微软雅黑" panose="020B0503020204020204" pitchFamily="34" charset="-122"/>
+                    <a:ea typeface="微软雅黑" panose="020B0503020204020204" pitchFamily="34" charset="-122"/>
+                    <a:cs typeface="微软雅黑" panose="020B0503020204020204" pitchFamily="34" charset="-122"/>
+                    <a:sym typeface="+mn-ea"/>
+                  </a:rPr>
+                  <a:t>Rose的使用</a:t>
+                </a:r>
+                <a:endParaRPr kumimoji="0" lang="en-US" sz="2800" b="1" i="0" u="none" strike="noStrike" kern="0" cap="none" spc="0" normalizeH="0" baseline="0" noProof="0" dirty="0" smtClean="0">
+                  <a:ln>
+                    <a:noFill/>
+                  </a:ln>
+                  <a:solidFill>
+                    <a:schemeClr val="bg1"/>
+                  </a:solidFill>
+                  <a:effectLst/>
+                  <a:uLnTx/>
+                  <a:uFillTx/>
+                  <a:latin typeface="微软雅黑" panose="020B0503020204020204" pitchFamily="34" charset="-122"/>
+                  <a:ea typeface="微软雅黑" panose="020B0503020204020204" pitchFamily="34" charset="-122"/>
+                  <a:cs typeface="微软雅黑" panose="020B0503020204020204" pitchFamily="34" charset="-122"/>
+                </a:endParaRPr>
+              </a:p>
+            </p:txBody>
+          </p:sp>
+          <p:sp>
+            <p:nvSpPr>
+              <p:cNvPr id="101" name="矩形 100"/>
+              <p:cNvSpPr/>
+              <p:nvPr/>
+            </p:nvSpPr>
+            <p:spPr>
+              <a:xfrm>
+                <a:off x="9243473" y="3373951"/>
+                <a:ext cx="1192695" cy="275313"/>
+              </a:xfrm>
+              <a:prstGeom prst="rect">
+                <a:avLst/>
+              </a:prstGeom>
+            </p:spPr>
+            <p:txBody>
+              <a:bodyPr wrap="none">
+                <a:spAutoFit/>
+              </a:bodyPr>
+              <a:lstStyle/>
+              <a:p>
+                <a:pPr marL="0" marR="0" lvl="0" indent="0" algn="l" defTabSz="914400" eaLnBrk="1" fontAlgn="auto" latinLnBrk="0" hangingPunct="1">
+                  <a:lnSpc>
+                    <a:spcPct val="100000"/>
+                  </a:lnSpc>
+                  <a:spcBef>
+                    <a:spcPts val="0"/>
+                  </a:spcBef>
+                  <a:spcAft>
+                    <a:spcPts val="0"/>
+                  </a:spcAft>
+                  <a:buClrTx/>
+                  <a:buSzTx/>
+                  <a:buFontTx/>
+                  <a:buNone/>
+                  <a:defRPr/>
+                </a:pPr>
+                <a:r>
+                  <a:rPr lang="en-US" altLang="zh-CN" sz="1200" kern="0" noProof="0" dirty="0">
+                    <a:ln>
+                      <a:noFill/>
+                    </a:ln>
+                    <a:solidFill>
+                      <a:schemeClr val="bg1"/>
+                    </a:solidFill>
+                    <a:effectLst/>
+                    <a:uLnTx/>
+                    <a:uFillTx/>
+                    <a:latin typeface="微软雅黑" panose="020B0503020204020204" pitchFamily="34" charset="-122"/>
+                    <a:ea typeface="微软雅黑" panose="020B0503020204020204" pitchFamily="34" charset="-122"/>
+                    <a:sym typeface="+mn-ea"/>
+                  </a:rPr>
+                  <a:t>DESCRIPTION</a:t>
+                </a:r>
+                <a:endParaRPr kumimoji="0" lang="en-US" altLang="zh-CN" sz="1200" b="0" i="0" u="none" strike="noStrike" kern="0" cap="none" spc="0" normalizeH="0" baseline="0" noProof="0" dirty="0">
+                  <a:ln>
+                    <a:noFill/>
+                  </a:ln>
+                  <a:solidFill>
+                    <a:schemeClr val="bg1"/>
+                  </a:solidFill>
+                  <a:effectLst/>
+                  <a:uLnTx/>
+                  <a:uFillTx/>
+                  <a:latin typeface="微软雅黑" panose="020B0503020204020204" pitchFamily="34" charset="-122"/>
+                  <a:ea typeface="微软雅黑" panose="020B0503020204020204" pitchFamily="34" charset="-122"/>
+                </a:endParaRPr>
+              </a:p>
+            </p:txBody>
+          </p:sp>
+        </p:grpSp>
+        <p:grpSp>
+          <p:nvGrpSpPr>
+            <p:cNvPr id="6181" name="组合 128"/>
+            <p:cNvGrpSpPr/>
+            <p:nvPr/>
+          </p:nvGrpSpPr>
+          <p:grpSpPr>
+            <a:xfrm>
+              <a:off x="8437508" y="2825759"/>
+              <a:ext cx="822524" cy="720000"/>
+              <a:chOff x="8132708" y="2905159"/>
+              <a:chExt cx="822524" cy="720000"/>
+            </a:xfrm>
+          </p:grpSpPr>
+          <p:sp>
+            <p:nvSpPr>
+              <p:cNvPr id="126" name="矩形 125"/>
+              <p:cNvSpPr/>
+              <p:nvPr/>
+            </p:nvSpPr>
+            <p:spPr>
+              <a:xfrm>
+                <a:off x="8183970" y="2905159"/>
+                <a:ext cx="720000" cy="720000"/>
+              </a:xfrm>
+              <a:prstGeom prst="rect">
+                <a:avLst/>
+              </a:prstGeom>
+              <a:solidFill>
+                <a:schemeClr val="accent2"/>
+              </a:solidFill>
+              <a:ln>
+                <a:noFill/>
+              </a:ln>
+            </p:spPr>
+            <p:style>
+              <a:lnRef idx="2">
+                <a:schemeClr val="accent1">
+                  <a:shade val="50000"/>
+                </a:schemeClr>
+              </a:lnRef>
+              <a:fillRef idx="1">
+                <a:schemeClr val="accent1"/>
+              </a:fillRef>
+              <a:effectRef idx="0">
+                <a:schemeClr val="accent1"/>
+              </a:effectRef>
+              <a:fontRef idx="minor">
+                <a:schemeClr val="lt1"/>
+              </a:fontRef>
+            </p:style>
+            <p:txBody>
+              <a:bodyPr rot="0" spcFirstLastPara="0" vertOverflow="overflow" horzOverflow="overflow" vert="horz" wrap="square" lIns="91440" tIns="45720" rIns="91440" bIns="45720" numCol="1" spcCol="0" rtlCol="0" fromWordArt="0" anchor="ctr" anchorCtr="0" forceAA="0" compatLnSpc="1">
+                <a:noAutofit/>
+              </a:bodyPr>
+              <a:lstStyle/>
+              <a:p>
+                <a:pPr algn="ctr" fontAlgn="auto"/>
+                <a:endParaRPr lang="zh-CN" altLang="en-US" strike="noStrike" noProof="1"/>
+              </a:p>
+            </p:txBody>
+          </p:sp>
+          <p:sp>
+            <p:nvSpPr>
+              <p:cNvPr id="98" name="矩形 97"/>
+              <p:cNvSpPr/>
+              <p:nvPr/>
+            </p:nvSpPr>
+            <p:spPr>
+              <a:xfrm>
+                <a:off x="8132708" y="2912137"/>
+                <a:ext cx="822524" cy="706044"/>
+              </a:xfrm>
+              <a:prstGeom prst="rect">
+                <a:avLst/>
+              </a:prstGeom>
+            </p:spPr>
+            <p:txBody>
+              <a:bodyPr wrap="square" anchor="ctr">
+                <a:spAutoFit/>
+              </a:bodyPr>
+              <a:lstStyle/>
+              <a:p>
+                <a:pPr marL="0" marR="0" lvl="0" indent="0" algn="ctr" defTabSz="914400" eaLnBrk="1" fontAlgn="auto" latinLnBrk="0" hangingPunct="1">
+                  <a:lnSpc>
+                    <a:spcPct val="100000"/>
+                  </a:lnSpc>
+                  <a:spcBef>
+                    <a:spcPts val="0"/>
+                  </a:spcBef>
+                  <a:spcAft>
+                    <a:spcPts val="0"/>
+                  </a:spcAft>
+                  <a:buClrTx/>
+                  <a:buSzTx/>
+                  <a:buFontTx/>
+                  <a:buNone/>
+                  <a:defRPr/>
+                </a:pPr>
+                <a:r>
+                  <a:rPr kumimoji="0" lang="en-US" altLang="zh-CN" sz="4000" b="0" i="0" u="none" strike="noStrike" kern="0" cap="none" spc="0" normalizeH="0" baseline="0" noProof="0" dirty="0" smtClean="0">
+                    <a:ln>
+                      <a:noFill/>
+                    </a:ln>
+                    <a:solidFill>
+                      <a:schemeClr val="bg1"/>
+                    </a:solidFill>
+                    <a:effectLst/>
+                    <a:uLnTx/>
+                    <a:uFillTx/>
+                    <a:latin typeface="微软雅黑" panose="020B0503020204020204" pitchFamily="34" charset="-122"/>
+                    <a:ea typeface="微软雅黑" panose="020B0503020204020204" pitchFamily="34" charset="-122"/>
+                    <a:cs typeface="微软雅黑" panose="020B0503020204020204" pitchFamily="34" charset="-122"/>
+                  </a:rPr>
+                  <a:t>03</a:t>
+                </a:r>
+                <a:endParaRPr kumimoji="0" lang="en-US" altLang="zh-CN" sz="4000" b="0" i="0" u="none" strike="noStrike" kern="0" cap="none" spc="0" normalizeH="0" baseline="0" noProof="0" dirty="0">
+                  <a:ln>
+                    <a:noFill/>
+                  </a:ln>
+                  <a:solidFill>
+                    <a:schemeClr val="bg1"/>
+                  </a:solidFill>
+                  <a:effectLst/>
+                  <a:uLnTx/>
+                  <a:uFillTx/>
+                  <a:latin typeface="微软雅黑" panose="020B0503020204020204" pitchFamily="34" charset="-122"/>
+                  <a:ea typeface="微软雅黑" panose="020B0503020204020204" pitchFamily="34" charset="-122"/>
+                  <a:cs typeface="微软雅黑" panose="020B0503020204020204" pitchFamily="34" charset="-122"/>
+                </a:endParaRPr>
+              </a:p>
+            </p:txBody>
+          </p:sp>
+        </p:grpSp>
+      </p:grpSp>
+      <p:pic>
+        <p:nvPicPr>
+          <p:cNvPr id="6191" name="图片 2" descr="小组logo"/>
+          <p:cNvPicPr>
+            <a:picLocks noChangeAspect="1"/>
+          </p:cNvPicPr>
+          <p:nvPr/>
+        </p:nvPicPr>
+        <p:blipFill>
+          <a:blip r:embed="rId1"/>
+          <a:stretch>
+            <a:fillRect/>
+          </a:stretch>
+        </p:blipFill>
+        <p:spPr>
+          <a:xfrm>
+            <a:off x="10318750" y="-190500"/>
+            <a:ext cx="2105025" cy="2105025"/>
+          </a:xfrm>
+          <a:prstGeom prst="rect">
+            <a:avLst/>
+          </a:prstGeom>
+          <a:noFill/>
+          <a:ln w="9525">
+            <a:noFill/>
+          </a:ln>
+        </p:spPr>
+      </p:pic>
+    </p:spTree>
+  </p:cSld>
+  <p:clrMapOvr>
+    <a:masterClrMapping/>
+  </p:clrMapOvr>
+</p:sld>
+</file>
+
+<file path=ppt/slides/slide20.xml><?xml version="1.0" encoding="utf-8"?>
 <p:sld xmlns:a="http://schemas.openxmlformats.org/drawingml/2006/main" xmlns:r="http://schemas.openxmlformats.org/officeDocument/2006/relationships" xmlns:p="http://schemas.openxmlformats.org/presentationml/2006/main">
   <p:cSld>
     <p:spTree>
@@ -9132,7 +11579,7 @@
 </p:sld>
 </file>
 
-<file path=ppt/slides/slide2.xml><?xml version="1.0" encoding="utf-8"?>
+<file path=ppt/slides/slide21.xml><?xml version="1.0" encoding="utf-8"?>
 <p:sld xmlns:a="http://schemas.openxmlformats.org/drawingml/2006/main" xmlns:r="http://schemas.openxmlformats.org/officeDocument/2006/relationships" xmlns:p="http://schemas.openxmlformats.org/presentationml/2006/main">
   <p:cSld>
     <p:spTree>
@@ -9144,22 +11591,100 @@
       <p:grpSpPr/>
       <p:sp>
         <p:nvSpPr>
-          <p:cNvPr id="112" name="矩形 111"/>
+          <p:cNvPr id="15" name="矩形 14"/>
           <p:cNvSpPr/>
           <p:nvPr/>
         </p:nvSpPr>
         <p:spPr>
           <a:xfrm>
-            <a:off x="-22225" y="2409825"/>
-            <a:ext cx="12234863" cy="2755900"/>
+            <a:off x="573088" y="162560"/>
+            <a:ext cx="1260475" cy="398780"/>
           </a:xfrm>
           <a:prstGeom prst="rect">
             <a:avLst/>
           </a:prstGeom>
+        </p:spPr>
+        <p:txBody>
+          <a:bodyPr wrap="square" anchor="ctr">
+            <a:spAutoFit/>
+          </a:bodyPr>
+          <a:lstStyle/>
+          <a:p>
+            <a:pPr lvl="0" fontAlgn="auto"/>
+            <a:r>
+              <a:rPr lang="zh-CN" altLang="en-US" sz="2000">
+                <a:sym typeface="+mn-ea"/>
+              </a:rPr>
+              <a:t>绩效评定</a:t>
+            </a:r>
+            <a:endParaRPr kumimoji="0" lang="zh-CN" altLang="en-US" sz="2000" b="1" i="0" u="none" strike="noStrike" kern="0" cap="none" spc="0" normalizeH="0" baseline="0" noProof="0" dirty="0" smtClean="0">
+              <a:ln>
+                <a:noFill/>
+              </a:ln>
+              <a:effectLst/>
+              <a:uLnTx/>
+              <a:uFillTx/>
+              <a:latin typeface="微软雅黑" panose="020B0503020204020204" pitchFamily="34" charset="-122"/>
+              <a:ea typeface="微软雅黑" panose="020B0503020204020204" pitchFamily="34" charset="-122"/>
+              <a:cs typeface="微软雅黑" panose="020B0503020204020204" pitchFamily="34" charset="-122"/>
+            </a:endParaRPr>
+          </a:p>
+        </p:txBody>
+      </p:sp>
+      <p:sp>
+        <p:nvSpPr>
+          <p:cNvPr id="30722" name="矩形 15"/>
+          <p:cNvSpPr/>
+          <p:nvPr/>
+        </p:nvSpPr>
+        <p:spPr>
+          <a:xfrm>
+            <a:off x="1735138" y="207963"/>
+            <a:ext cx="1177925" cy="307975"/>
+          </a:xfrm>
+          <a:prstGeom prst="rect">
+            <a:avLst/>
+          </a:prstGeom>
+          <a:noFill/>
+          <a:ln w="9525">
+            <a:noFill/>
+          </a:ln>
+        </p:spPr>
+        <p:txBody>
+          <a:bodyPr wrap="none" anchor="t">
+            <a:spAutoFit/>
+          </a:bodyPr>
+          <a:p>
+            <a:r>
+              <a:rPr lang="en-US" altLang="zh-CN" sz="1400" dirty="0">
+                <a:latin typeface="微软雅黑" panose="020B0503020204020204" pitchFamily="34" charset="-122"/>
+                <a:ea typeface="微软雅黑" panose="020B0503020204020204" pitchFamily="34" charset="-122"/>
+              </a:rPr>
+              <a:t>REFERENCE</a:t>
+            </a:r>
+            <a:endParaRPr lang="en-US" altLang="zh-CN" sz="1400" dirty="0">
+              <a:latin typeface="微软雅黑" panose="020B0503020204020204" pitchFamily="34" charset="-122"/>
+              <a:ea typeface="微软雅黑" panose="020B0503020204020204" pitchFamily="34" charset="-122"/>
+            </a:endParaRPr>
+          </a:p>
+        </p:txBody>
+      </p:sp>
+      <p:sp>
+        <p:nvSpPr>
+          <p:cNvPr id="13" name="矩形 12"/>
+          <p:cNvSpPr/>
+          <p:nvPr/>
+        </p:nvSpPr>
+        <p:spPr>
+          <a:xfrm>
+            <a:off x="169863" y="168275"/>
+            <a:ext cx="374650" cy="385763"/>
+          </a:xfrm>
+          <a:prstGeom prst="rect">
+            <a:avLst/>
+          </a:prstGeom>
           <a:solidFill>
-            <a:schemeClr val="tx1">
-              <a:alpha val="80000"/>
-            </a:schemeClr>
+            <a:schemeClr val="accent2"/>
           </a:solidFill>
           <a:ln>
             <a:noFill/>
@@ -9182,31 +11707,37 @@
           </a:fontRef>
         </p:style>
         <p:txBody>
-          <a:bodyPr rtlCol="0" anchor="ctr"/>
+          <a:bodyPr rot="0" spcFirstLastPara="0" vertOverflow="overflow" horzOverflow="overflow" vert="horz" wrap="square" lIns="91440" tIns="45720" rIns="91440" bIns="45720" numCol="1" spcCol="0" rtlCol="0" fromWordArt="0" anchor="ctr" anchorCtr="0" forceAA="0" compatLnSpc="1">
+            <a:noAutofit/>
+          </a:bodyPr>
           <a:lstStyle/>
           <a:p>
             <a:pPr algn="ctr" fontAlgn="auto"/>
-            <a:endParaRPr lang="zh-CN" altLang="en-US" strike="noStrike" noProof="1"/>
+            <a:endParaRPr lang="zh-CN" altLang="en-US" strike="noStrike" noProof="1">
+              <a:solidFill>
+                <a:schemeClr val="tx1"/>
+              </a:solidFill>
+            </a:endParaRPr>
           </a:p>
         </p:txBody>
       </p:sp>
       <p:sp>
         <p:nvSpPr>
-          <p:cNvPr id="31" name="矩形 30"/>
+          <p:cNvPr id="14" name="矩形 13"/>
           <p:cNvSpPr/>
           <p:nvPr/>
         </p:nvSpPr>
         <p:spPr>
           <a:xfrm>
-            <a:off x="4477703" y="592138"/>
-            <a:ext cx="3236595" cy="829945"/>
+            <a:off x="-75565" y="161925"/>
+            <a:ext cx="866775" cy="400050"/>
           </a:xfrm>
           <a:prstGeom prst="rect">
             <a:avLst/>
           </a:prstGeom>
         </p:spPr>
         <p:txBody>
-          <a:bodyPr wrap="none">
+          <a:bodyPr wrap="square" anchor="ctr">
             <a:spAutoFit/>
           </a:bodyPr>
           <a:lstStyle/>
@@ -9228,250 +11759,7 @@
               <a:defRPr/>
             </a:pPr>
             <a:r>
-              <a:rPr lang="en-US" altLang="zh-CN" sz="4800" b="1" kern="0" noProof="0" dirty="0" smtClean="0">
-                <a:ln>
-                  <a:noFill/>
-                </a:ln>
-                <a:effectLst/>
-                <a:uLnTx/>
-                <a:uFillTx/>
-                <a:latin typeface="微软雅黑" panose="020B0503020204020204" pitchFamily="34" charset="-122"/>
-                <a:ea typeface="微软雅黑" panose="020B0503020204020204" pitchFamily="34" charset="-122"/>
-                <a:sym typeface="+mn-ea"/>
-              </a:rPr>
-              <a:t>CONTENT</a:t>
-            </a:r>
-            <a:endParaRPr kumimoji="0" lang="zh-CN" altLang="en-US" sz="4800" b="1" i="0" u="none" strike="noStrike" kern="0" cap="none" spc="0" normalizeH="0" baseline="0" noProof="0" dirty="0" smtClean="0">
-              <a:ln>
-                <a:noFill/>
-              </a:ln>
-              <a:effectLst/>
-              <a:uLnTx/>
-              <a:uFillTx/>
-              <a:latin typeface="微软雅黑" panose="020B0503020204020204" pitchFamily="34" charset="-122"/>
-              <a:ea typeface="微软雅黑" panose="020B0503020204020204" pitchFamily="34" charset="-122"/>
-              <a:cs typeface="+mn-cs"/>
-            </a:endParaRPr>
-          </a:p>
-        </p:txBody>
-      </p:sp>
-      <p:cxnSp>
-        <p:nvCxnSpPr>
-          <p:cNvPr id="116" name="直接连接符 115"/>
-          <p:cNvCxnSpPr/>
-          <p:nvPr/>
-        </p:nvCxnSpPr>
-        <p:spPr>
-          <a:xfrm flipH="1">
-            <a:off x="4184650" y="685800"/>
-            <a:ext cx="331788" cy="558800"/>
-          </a:xfrm>
-          <a:prstGeom prst="line">
-            <a:avLst/>
-          </a:prstGeom>
-          <a:ln w="22225">
-            <a:solidFill>
-              <a:schemeClr val="accent2"/>
-            </a:solidFill>
-            <a:round/>
-          </a:ln>
-        </p:spPr>
-        <p:style>
-          <a:lnRef idx="1">
-            <a:schemeClr val="accent1"/>
-          </a:lnRef>
-          <a:fillRef idx="0">
-            <a:schemeClr val="accent1"/>
-          </a:fillRef>
-          <a:effectRef idx="0">
-            <a:schemeClr val="accent1"/>
-          </a:effectRef>
-          <a:fontRef idx="minor">
-            <a:schemeClr val="tx1"/>
-          </a:fontRef>
-        </p:style>
-      </p:cxnSp>
-      <p:cxnSp>
-        <p:nvCxnSpPr>
-          <p:cNvPr id="117" name="直接连接符 116"/>
-          <p:cNvCxnSpPr/>
-          <p:nvPr/>
-        </p:nvCxnSpPr>
-        <p:spPr>
-          <a:xfrm flipH="1">
-            <a:off x="7675563" y="685800"/>
-            <a:ext cx="331788" cy="558800"/>
-          </a:xfrm>
-          <a:prstGeom prst="line">
-            <a:avLst/>
-          </a:prstGeom>
-          <a:ln w="22225">
-            <a:solidFill>
-              <a:schemeClr val="accent2"/>
-            </a:solidFill>
-            <a:bevel/>
-          </a:ln>
-        </p:spPr>
-        <p:style>
-          <a:lnRef idx="1">
-            <a:schemeClr val="accent1"/>
-          </a:lnRef>
-          <a:fillRef idx="0">
-            <a:schemeClr val="accent1"/>
-          </a:fillRef>
-          <a:effectRef idx="0">
-            <a:schemeClr val="accent1"/>
-          </a:effectRef>
-          <a:fontRef idx="minor">
-            <a:schemeClr val="tx1"/>
-          </a:fontRef>
-        </p:style>
-      </p:cxnSp>
-      <p:cxnSp>
-        <p:nvCxnSpPr>
-          <p:cNvPr id="119" name="直接连接符 118"/>
-          <p:cNvCxnSpPr/>
-          <p:nvPr/>
-        </p:nvCxnSpPr>
-        <p:spPr>
-          <a:xfrm flipH="1">
-            <a:off x="7750175" y="685800"/>
-            <a:ext cx="331788" cy="558800"/>
-          </a:xfrm>
-          <a:prstGeom prst="line">
-            <a:avLst/>
-          </a:prstGeom>
-          <a:ln w="47625" cap="rnd">
-            <a:solidFill>
-              <a:schemeClr val="accent2">
-                <a:lumMod val="75000"/>
-              </a:schemeClr>
-            </a:solidFill>
-            <a:bevel/>
-          </a:ln>
-        </p:spPr>
-        <p:style>
-          <a:lnRef idx="1">
-            <a:schemeClr val="accent1"/>
-          </a:lnRef>
-          <a:fillRef idx="0">
-            <a:schemeClr val="accent1"/>
-          </a:fillRef>
-          <a:effectRef idx="0">
-            <a:schemeClr val="accent1"/>
-          </a:effectRef>
-          <a:fontRef idx="minor">
-            <a:schemeClr val="tx1"/>
-          </a:fontRef>
-        </p:style>
-      </p:cxnSp>
-      <p:cxnSp>
-        <p:nvCxnSpPr>
-          <p:cNvPr id="120" name="直接连接符 119"/>
-          <p:cNvCxnSpPr/>
-          <p:nvPr/>
-        </p:nvCxnSpPr>
-        <p:spPr>
-          <a:xfrm flipH="1">
-            <a:off x="4113213" y="685800"/>
-            <a:ext cx="333375" cy="558800"/>
-          </a:xfrm>
-          <a:prstGeom prst="line">
-            <a:avLst/>
-          </a:prstGeom>
-          <a:ln w="47625" cap="rnd">
-            <a:solidFill>
-              <a:schemeClr val="accent2">
-                <a:lumMod val="75000"/>
-              </a:schemeClr>
-            </a:solidFill>
-            <a:round/>
-          </a:ln>
-        </p:spPr>
-        <p:style>
-          <a:lnRef idx="1">
-            <a:schemeClr val="accent1"/>
-          </a:lnRef>
-          <a:fillRef idx="0">
-            <a:schemeClr val="accent1"/>
-          </a:fillRef>
-          <a:effectRef idx="0">
-            <a:schemeClr val="accent1"/>
-          </a:effectRef>
-          <a:fontRef idx="minor">
-            <a:schemeClr val="tx1"/>
-          </a:fontRef>
-        </p:style>
-      </p:cxnSp>
-      <p:grpSp>
-        <p:nvGrpSpPr>
-          <p:cNvPr id="6151" name="组合 130"/>
-          <p:cNvGrpSpPr/>
-          <p:nvPr/>
-        </p:nvGrpSpPr>
-        <p:grpSpPr>
-          <a:xfrm>
-            <a:off x="1800225" y="2797362"/>
-            <a:ext cx="2487613" cy="776080"/>
-            <a:chOff x="1800204" y="2886501"/>
-            <a:chExt cx="2487930" cy="775523"/>
-          </a:xfrm>
-        </p:grpSpPr>
-        <p:sp>
-          <p:nvSpPr>
-            <p:cNvPr id="76" name="矩形 75"/>
-            <p:cNvSpPr/>
-            <p:nvPr/>
-          </p:nvSpPr>
-          <p:spPr>
-            <a:xfrm>
-              <a:off x="1800204" y="2886501"/>
-              <a:ext cx="2487930" cy="521596"/>
-            </a:xfrm>
-            <a:prstGeom prst="rect">
-              <a:avLst/>
-            </a:prstGeom>
-          </p:spPr>
-          <p:txBody>
-            <a:bodyPr wrap="square" anchor="ctr">
-              <a:spAutoFit/>
-            </a:bodyPr>
-            <a:lstStyle/>
-            <a:p>
-              <a:pPr marL="0" marR="0" lvl="0" indent="0" defTabSz="914400" eaLnBrk="1" fontAlgn="auto" latinLnBrk="0" hangingPunct="1">
-                <a:lnSpc>
-                  <a:spcPct val="100000"/>
-                </a:lnSpc>
-                <a:spcBef>
-                  <a:spcPts val="0"/>
-                </a:spcBef>
-                <a:spcAft>
-                  <a:spcPts val="0"/>
-                </a:spcAft>
-                <a:buClrTx/>
-                <a:buSzTx/>
-                <a:buFontTx/>
-                <a:buNone/>
-                <a:defRPr/>
-              </a:pPr>
-              <a:r>
-                <a:rPr kumimoji="0" lang="zh-CN" altLang="en-US" sz="2800" b="1" i="0" u="none" strike="noStrike" kern="0" cap="none" spc="0" normalizeH="0" baseline="0" noProof="0" dirty="0">
-                  <a:ln>
-                    <a:noFill/>
-                  </a:ln>
-                  <a:solidFill>
-                    <a:schemeClr val="bg1"/>
-                  </a:solidFill>
-                  <a:effectLst/>
-                  <a:uLnTx/>
-                  <a:uFillTx/>
-                  <a:latin typeface="微软雅黑" panose="020B0503020204020204" pitchFamily="34" charset="-122"/>
-                  <a:ea typeface="微软雅黑" panose="020B0503020204020204" pitchFamily="34" charset="-122"/>
-                  <a:cs typeface="微软雅黑" panose="020B0503020204020204" pitchFamily="34" charset="-122"/>
-                </a:rPr>
-                <a:t>常用建模工具</a:t>
-              </a:r>
-              <a:endParaRPr kumimoji="0" lang="zh-CN" altLang="en-US" sz="2800" b="1" i="0" u="none" strike="noStrike" kern="0" cap="none" spc="0" normalizeH="0" baseline="0" noProof="0" dirty="0">
+              <a:rPr kumimoji="0" lang="en-US" altLang="zh-CN" sz="2000" b="0" i="0" u="none" strike="noStrike" kern="0" cap="none" spc="0" normalizeH="0" baseline="0" noProof="0" dirty="0" smtClean="0">
                 <a:ln>
                   <a:noFill/>
                 </a:ln>
@@ -9484,1123 +11772,103 @@
                 <a:latin typeface="微软雅黑" panose="020B0503020204020204" pitchFamily="34" charset="-122"/>
                 <a:ea typeface="微软雅黑" panose="020B0503020204020204" pitchFamily="34" charset="-122"/>
                 <a:cs typeface="微软雅黑" panose="020B0503020204020204" pitchFamily="34" charset="-122"/>
-              </a:endParaRPr>
-            </a:p>
-          </p:txBody>
-        </p:sp>
-        <p:sp>
-          <p:nvSpPr>
-            <p:cNvPr id="77" name="矩形 76"/>
-            <p:cNvSpPr/>
-            <p:nvPr/>
-          </p:nvSpPr>
-          <p:spPr>
-            <a:xfrm>
-              <a:off x="1800204" y="3386632"/>
-              <a:ext cx="1230152" cy="275392"/>
-            </a:xfrm>
-            <a:prstGeom prst="rect">
-              <a:avLst/>
-            </a:prstGeom>
-          </p:spPr>
-          <p:txBody>
-            <a:bodyPr wrap="none">
-              <a:spAutoFit/>
-            </a:bodyPr>
-            <a:lstStyle/>
-            <a:p>
-              <a:pPr marL="0" marR="0" lvl="0" indent="0" algn="l" defTabSz="914400" eaLnBrk="1" fontAlgn="auto" latinLnBrk="0" hangingPunct="1">
-                <a:lnSpc>
-                  <a:spcPct val="100000"/>
-                </a:lnSpc>
-                <a:spcBef>
-                  <a:spcPts val="0"/>
-                </a:spcBef>
-                <a:spcAft>
-                  <a:spcPts val="0"/>
-                </a:spcAft>
-                <a:buClrTx/>
-                <a:buSzTx/>
-                <a:buFontTx/>
-                <a:buNone/>
-                <a:defRPr/>
-              </a:pPr>
-              <a:r>
-                <a:rPr kumimoji="0" lang="en-US" altLang="zh-CN" sz="1200" b="0" i="0" u="none" strike="noStrike" kern="0" cap="none" spc="0" normalizeH="0" baseline="0" noProof="0" dirty="0">
-                  <a:ln>
-                    <a:noFill/>
-                  </a:ln>
-                  <a:solidFill>
-                    <a:schemeClr val="bg1"/>
-                  </a:solidFill>
-                  <a:effectLst/>
-                  <a:uLnTx/>
-                  <a:uFillTx/>
-                  <a:latin typeface="微软雅黑" panose="020B0503020204020204" pitchFamily="34" charset="-122"/>
-                  <a:ea typeface="微软雅黑" panose="020B0503020204020204" pitchFamily="34" charset="-122"/>
-                  <a:cs typeface="+mn-cs"/>
-                </a:rPr>
-                <a:t> INSTRUMENT</a:t>
-              </a:r>
-              <a:endParaRPr kumimoji="0" lang="en-US" altLang="zh-CN" sz="1200" b="0" i="0" u="none" strike="noStrike" kern="0" cap="none" spc="0" normalizeH="0" baseline="0" noProof="0" dirty="0">
-                <a:ln>
-                  <a:noFill/>
-                </a:ln>
-                <a:solidFill>
-                  <a:schemeClr val="bg1"/>
-                </a:solidFill>
-                <a:effectLst/>
-                <a:uLnTx/>
-                <a:uFillTx/>
-                <a:latin typeface="微软雅黑" panose="020B0503020204020204" pitchFamily="34" charset="-122"/>
-                <a:ea typeface="微软雅黑" panose="020B0503020204020204" pitchFamily="34" charset="-122"/>
-                <a:cs typeface="+mn-cs"/>
-              </a:endParaRPr>
-            </a:p>
-          </p:txBody>
-        </p:sp>
-      </p:grpSp>
-      <p:grpSp>
-        <p:nvGrpSpPr>
-          <p:cNvPr id="6154" name="组合 138"/>
-          <p:cNvGrpSpPr/>
-          <p:nvPr/>
-        </p:nvGrpSpPr>
-        <p:grpSpPr>
-          <a:xfrm>
-            <a:off x="960438" y="2825750"/>
-            <a:ext cx="866775" cy="720725"/>
-            <a:chOff x="960745" y="2898038"/>
-            <a:chExt cx="866241" cy="720000"/>
-          </a:xfrm>
-        </p:grpSpPr>
-        <p:sp>
-          <p:nvSpPr>
-            <p:cNvPr id="121" name="矩形 120"/>
-            <p:cNvSpPr/>
-            <p:nvPr/>
-          </p:nvSpPr>
-          <p:spPr>
-            <a:xfrm>
-              <a:off x="1033865" y="2898038"/>
-              <a:ext cx="720000" cy="720000"/>
-            </a:xfrm>
-            <a:prstGeom prst="rect">
-              <a:avLst/>
-            </a:prstGeom>
-            <a:solidFill>
-              <a:schemeClr val="accent2"/>
-            </a:solidFill>
-            <a:ln>
-              <a:noFill/>
-            </a:ln>
-          </p:spPr>
-          <p:style>
-            <a:lnRef idx="2">
-              <a:schemeClr val="accent1">
-                <a:shade val="50000"/>
-              </a:schemeClr>
-            </a:lnRef>
-            <a:fillRef idx="1">
-              <a:schemeClr val="accent1"/>
-            </a:fillRef>
-            <a:effectRef idx="0">
-              <a:schemeClr val="accent1"/>
-            </a:effectRef>
-            <a:fontRef idx="minor">
-              <a:schemeClr val="lt1"/>
-            </a:fontRef>
-          </p:style>
-          <p:txBody>
-            <a:bodyPr rot="0" spcFirstLastPara="0" vertOverflow="overflow" horzOverflow="overflow" vert="horz" wrap="square" lIns="91440" tIns="45720" rIns="91440" bIns="45720" numCol="1" spcCol="0" rtlCol="0" fromWordArt="0" anchor="ctr" anchorCtr="0" forceAA="0" compatLnSpc="1">
-              <a:noAutofit/>
-            </a:bodyPr>
-            <a:lstStyle/>
-            <a:p>
-              <a:pPr algn="ctr" fontAlgn="auto"/>
-              <a:endParaRPr lang="zh-CN" altLang="en-US" strike="noStrike" noProof="1"/>
-            </a:p>
-          </p:txBody>
-        </p:sp>
-        <p:sp>
-          <p:nvSpPr>
-            <p:cNvPr id="74" name="矩形 73"/>
-            <p:cNvSpPr/>
-            <p:nvPr/>
-          </p:nvSpPr>
-          <p:spPr>
-            <a:xfrm>
-              <a:off x="960745" y="2905869"/>
-              <a:ext cx="866241" cy="707886"/>
-            </a:xfrm>
-            <a:prstGeom prst="rect">
-              <a:avLst/>
-            </a:prstGeom>
-          </p:spPr>
-          <p:txBody>
-            <a:bodyPr wrap="square" anchor="ctr">
-              <a:spAutoFit/>
-            </a:bodyPr>
-            <a:lstStyle/>
-            <a:p>
-              <a:pPr marL="0" marR="0" lvl="0" indent="0" algn="ctr" defTabSz="914400" eaLnBrk="1" fontAlgn="auto" latinLnBrk="0" hangingPunct="1">
-                <a:lnSpc>
-                  <a:spcPct val="100000"/>
-                </a:lnSpc>
-                <a:spcBef>
-                  <a:spcPts val="0"/>
-                </a:spcBef>
-                <a:spcAft>
-                  <a:spcPts val="0"/>
-                </a:spcAft>
-                <a:buClrTx/>
-                <a:buSzTx/>
-                <a:buFontTx/>
-                <a:buNone/>
-                <a:defRPr/>
-              </a:pPr>
-              <a:r>
-                <a:rPr kumimoji="0" lang="en-US" altLang="zh-CN" sz="4000" b="0" i="0" u="none" strike="noStrike" kern="0" cap="none" spc="0" normalizeH="0" baseline="0" noProof="0" dirty="0" smtClean="0">
-                  <a:ln>
-                    <a:noFill/>
-                  </a:ln>
-                  <a:solidFill>
-                    <a:schemeClr val="bg1"/>
-                  </a:solidFill>
-                  <a:effectLst/>
-                  <a:uLnTx/>
-                  <a:uFillTx/>
-                  <a:latin typeface="微软雅黑" panose="020B0503020204020204" pitchFamily="34" charset="-122"/>
-                  <a:ea typeface="微软雅黑" panose="020B0503020204020204" pitchFamily="34" charset="-122"/>
-                  <a:cs typeface="微软雅黑" panose="020B0503020204020204" pitchFamily="34" charset="-122"/>
-                </a:rPr>
-                <a:t>01</a:t>
-              </a:r>
-              <a:endParaRPr kumimoji="0" lang="en-US" altLang="zh-CN" sz="4000" b="0" i="0" u="none" strike="noStrike" kern="0" cap="none" spc="0" normalizeH="0" baseline="0" noProof="0" dirty="0">
-                <a:ln>
-                  <a:noFill/>
-                </a:ln>
-                <a:solidFill>
-                  <a:schemeClr val="bg1"/>
-                </a:solidFill>
-                <a:effectLst/>
-                <a:uLnTx/>
-                <a:uFillTx/>
-                <a:latin typeface="微软雅黑" panose="020B0503020204020204" pitchFamily="34" charset="-122"/>
-                <a:ea typeface="微软雅黑" panose="020B0503020204020204" pitchFamily="34" charset="-122"/>
-                <a:cs typeface="微软雅黑" panose="020B0503020204020204" pitchFamily="34" charset="-122"/>
-              </a:endParaRPr>
-            </a:p>
-          </p:txBody>
-        </p:sp>
-      </p:grpSp>
-      <p:grpSp>
-        <p:nvGrpSpPr>
-          <p:cNvPr id="6157" name="组合 131"/>
-          <p:cNvGrpSpPr/>
-          <p:nvPr/>
-        </p:nvGrpSpPr>
-        <p:grpSpPr>
-          <a:xfrm>
-            <a:off x="1800225" y="4098833"/>
-            <a:ext cx="2173288" cy="728852"/>
-            <a:chOff x="1800204" y="4109108"/>
-            <a:chExt cx="2172970" cy="729108"/>
-          </a:xfrm>
-        </p:grpSpPr>
-        <p:sp>
-          <p:nvSpPr>
-            <p:cNvPr id="82" name="矩形 81"/>
-            <p:cNvSpPr/>
-            <p:nvPr/>
-          </p:nvSpPr>
-          <p:spPr>
-            <a:xfrm>
-              <a:off x="1826874" y="4109108"/>
-              <a:ext cx="2146300" cy="522153"/>
-            </a:xfrm>
-            <a:prstGeom prst="rect">
-              <a:avLst/>
-            </a:prstGeom>
-          </p:spPr>
-          <p:txBody>
-            <a:bodyPr wrap="square" anchor="ctr">
-              <a:spAutoFit/>
-            </a:bodyPr>
-            <a:lstStyle/>
-            <a:p>
-              <a:pPr marL="0" marR="0" lvl="0" indent="0" defTabSz="914400" eaLnBrk="1" fontAlgn="auto" latinLnBrk="0" hangingPunct="1">
-                <a:lnSpc>
-                  <a:spcPct val="100000"/>
-                </a:lnSpc>
-                <a:spcBef>
-                  <a:spcPts val="0"/>
-                </a:spcBef>
-                <a:spcAft>
-                  <a:spcPts val="0"/>
-                </a:spcAft>
-                <a:buClrTx/>
-                <a:buSzTx/>
-                <a:buFontTx/>
-                <a:buNone/>
-                <a:defRPr/>
-              </a:pPr>
-              <a:r>
-                <a:rPr kumimoji="0" lang="zh-CN" altLang="en-US" sz="2800" b="1" i="0" u="none" strike="noStrike" kern="0" cap="none" spc="0" normalizeH="0" baseline="0" noProof="0" dirty="0">
-                  <a:ln>
-                    <a:noFill/>
-                  </a:ln>
-                  <a:solidFill>
-                    <a:schemeClr val="bg1"/>
-                  </a:solidFill>
-                  <a:effectLst/>
-                  <a:uLnTx/>
-                  <a:uFillTx/>
-                  <a:latin typeface="微软雅黑" panose="020B0503020204020204" pitchFamily="34" charset="-122"/>
-                  <a:ea typeface="微软雅黑" panose="020B0503020204020204" pitchFamily="34" charset="-122"/>
-                  <a:cs typeface="微软雅黑" panose="020B0503020204020204" pitchFamily="34" charset="-122"/>
-                </a:rPr>
-                <a:t>参考文献</a:t>
-              </a:r>
-              <a:endParaRPr kumimoji="0" lang="zh-CN" altLang="en-US" sz="2800" b="1" i="0" u="none" strike="noStrike" kern="0" cap="none" spc="0" normalizeH="0" baseline="0" noProof="0" dirty="0">
-                <a:ln>
-                  <a:noFill/>
-                </a:ln>
-                <a:solidFill>
-                  <a:schemeClr val="bg1"/>
-                </a:solidFill>
-                <a:effectLst/>
-                <a:uLnTx/>
-                <a:uFillTx/>
-                <a:latin typeface="微软雅黑" panose="020B0503020204020204" pitchFamily="34" charset="-122"/>
-                <a:ea typeface="微软雅黑" panose="020B0503020204020204" pitchFamily="34" charset="-122"/>
-                <a:cs typeface="微软雅黑" panose="020B0503020204020204" pitchFamily="34" charset="-122"/>
-              </a:endParaRPr>
-            </a:p>
-          </p:txBody>
-        </p:sp>
-        <p:sp>
-          <p:nvSpPr>
-            <p:cNvPr id="83" name="矩形 82"/>
-            <p:cNvSpPr/>
-            <p:nvPr/>
-          </p:nvSpPr>
-          <p:spPr>
-            <a:xfrm>
-              <a:off x="1800204" y="4562529"/>
-              <a:ext cx="1024740" cy="275687"/>
-            </a:xfrm>
-            <a:prstGeom prst="rect">
-              <a:avLst/>
-            </a:prstGeom>
-          </p:spPr>
-          <p:txBody>
-            <a:bodyPr wrap="none">
-              <a:spAutoFit/>
-            </a:bodyPr>
-            <a:lstStyle/>
-            <a:p>
-              <a:pPr lvl="0" algn="l" fontAlgn="auto"/>
-              <a:r>
-                <a:rPr lang="en-US" altLang="zh-CN" sz="1200" kern="0" noProof="0" dirty="0">
-                  <a:ln>
-                    <a:noFill/>
-                  </a:ln>
-                  <a:solidFill>
-                    <a:schemeClr val="bg1"/>
-                  </a:solidFill>
-                  <a:effectLst/>
-                  <a:uLnTx/>
-                  <a:uFillTx/>
-                  <a:latin typeface="微软雅黑" panose="020B0503020204020204" pitchFamily="34" charset="-122"/>
-                  <a:ea typeface="微软雅黑" panose="020B0503020204020204" pitchFamily="34" charset="-122"/>
-                  <a:sym typeface="+mn-ea"/>
-                </a:rPr>
-                <a:t>REFERENCE</a:t>
-              </a:r>
-              <a:endParaRPr kumimoji="0" lang="en-US" altLang="zh-CN" sz="1200" b="0" i="0" u="none" strike="noStrike" kern="0" cap="none" spc="0" normalizeH="0" baseline="0" noProof="0" dirty="0">
-                <a:ln>
-                  <a:noFill/>
-                </a:ln>
-                <a:solidFill>
-                  <a:schemeClr val="bg1"/>
-                </a:solidFill>
-                <a:effectLst/>
-                <a:uLnTx/>
-                <a:uFillTx/>
-                <a:latin typeface="微软雅黑" panose="020B0503020204020204" pitchFamily="34" charset="-122"/>
-                <a:ea typeface="微软雅黑" panose="020B0503020204020204" pitchFamily="34" charset="-122"/>
-              </a:endParaRPr>
-            </a:p>
-          </p:txBody>
-        </p:sp>
-      </p:grpSp>
-      <p:grpSp>
-        <p:nvGrpSpPr>
-          <p:cNvPr id="6160" name="组合 137"/>
-          <p:cNvGrpSpPr/>
-          <p:nvPr/>
-        </p:nvGrpSpPr>
-        <p:grpSpPr>
-          <a:xfrm>
-            <a:off x="1025525" y="4092575"/>
-            <a:ext cx="801688" cy="719138"/>
-            <a:chOff x="912296" y="4056809"/>
-            <a:chExt cx="802204" cy="720000"/>
-          </a:xfrm>
-        </p:grpSpPr>
-        <p:sp>
-          <p:nvSpPr>
-            <p:cNvPr id="122" name="矩形 121"/>
-            <p:cNvSpPr/>
-            <p:nvPr/>
-          </p:nvSpPr>
-          <p:spPr>
-            <a:xfrm>
-              <a:off x="953397" y="4056809"/>
-              <a:ext cx="720000" cy="720000"/>
-            </a:xfrm>
-            <a:prstGeom prst="rect">
-              <a:avLst/>
-            </a:prstGeom>
-            <a:solidFill>
-              <a:schemeClr val="accent2"/>
-            </a:solidFill>
-            <a:ln>
-              <a:noFill/>
-            </a:ln>
-          </p:spPr>
-          <p:style>
-            <a:lnRef idx="2">
-              <a:schemeClr val="accent1">
-                <a:shade val="50000"/>
-              </a:schemeClr>
-            </a:lnRef>
-            <a:fillRef idx="1">
-              <a:schemeClr val="accent1"/>
-            </a:fillRef>
-            <a:effectRef idx="0">
-              <a:schemeClr val="accent1"/>
-            </a:effectRef>
-            <a:fontRef idx="minor">
-              <a:schemeClr val="lt1"/>
-            </a:fontRef>
-          </p:style>
-          <p:txBody>
-            <a:bodyPr rot="0" spcFirstLastPara="0" vertOverflow="overflow" horzOverflow="overflow" vert="horz" wrap="square" lIns="91440" tIns="45720" rIns="91440" bIns="45720" numCol="1" spcCol="0" rtlCol="0" fromWordArt="0" anchor="ctr" anchorCtr="0" forceAA="0" compatLnSpc="1">
-              <a:noAutofit/>
-            </a:bodyPr>
-            <a:lstStyle/>
-            <a:p>
-              <a:pPr algn="ctr" fontAlgn="auto"/>
-              <a:endParaRPr lang="zh-CN" altLang="en-US" strike="noStrike" noProof="1"/>
-            </a:p>
-          </p:txBody>
-        </p:sp>
-        <p:sp>
-          <p:nvSpPr>
-            <p:cNvPr id="80" name="矩形 79"/>
-            <p:cNvSpPr/>
-            <p:nvPr/>
-          </p:nvSpPr>
-          <p:spPr>
-            <a:xfrm>
-              <a:off x="912296" y="4063008"/>
-              <a:ext cx="802204" cy="707602"/>
-            </a:xfrm>
-            <a:prstGeom prst="rect">
-              <a:avLst/>
-            </a:prstGeom>
-          </p:spPr>
-          <p:txBody>
-            <a:bodyPr wrap="square" anchor="ctr">
-              <a:spAutoFit/>
-            </a:bodyPr>
-            <a:lstStyle/>
-            <a:p>
-              <a:pPr marL="0" marR="0" lvl="0" indent="0" algn="ctr" defTabSz="914400" eaLnBrk="1" fontAlgn="auto" latinLnBrk="0" hangingPunct="1">
-                <a:lnSpc>
-                  <a:spcPct val="100000"/>
-                </a:lnSpc>
-                <a:spcBef>
-                  <a:spcPts val="0"/>
-                </a:spcBef>
-                <a:spcAft>
-                  <a:spcPts val="0"/>
-                </a:spcAft>
-                <a:buClrTx/>
-                <a:buSzTx/>
-                <a:buFontTx/>
-                <a:buNone/>
-                <a:defRPr/>
-              </a:pPr>
-              <a:r>
-                <a:rPr kumimoji="0" lang="en-US" altLang="zh-CN" sz="4000" b="0" i="0" u="none" strike="noStrike" kern="0" cap="none" spc="0" normalizeH="0" baseline="0" noProof="0" dirty="0" smtClean="0">
-                  <a:ln>
-                    <a:noFill/>
-                  </a:ln>
-                  <a:solidFill>
-                    <a:schemeClr val="bg1"/>
-                  </a:solidFill>
-                  <a:effectLst/>
-                  <a:uLnTx/>
-                  <a:uFillTx/>
-                  <a:latin typeface="微软雅黑" panose="020B0503020204020204" pitchFamily="34" charset="-122"/>
-                  <a:ea typeface="微软雅黑" panose="020B0503020204020204" pitchFamily="34" charset="-122"/>
-                  <a:cs typeface="微软雅黑" panose="020B0503020204020204" pitchFamily="34" charset="-122"/>
-                </a:rPr>
-                <a:t>04</a:t>
-              </a:r>
-              <a:endParaRPr kumimoji="0" lang="en-US" altLang="zh-CN" sz="4000" b="0" i="0" u="none" strike="noStrike" kern="0" cap="none" spc="0" normalizeH="0" baseline="0" noProof="0" dirty="0">
-                <a:ln>
-                  <a:noFill/>
-                </a:ln>
-                <a:solidFill>
-                  <a:schemeClr val="bg1"/>
-                </a:solidFill>
-                <a:effectLst/>
-                <a:uLnTx/>
-                <a:uFillTx/>
-                <a:latin typeface="微软雅黑" panose="020B0503020204020204" pitchFamily="34" charset="-122"/>
-                <a:ea typeface="微软雅黑" panose="020B0503020204020204" pitchFamily="34" charset="-122"/>
-                <a:cs typeface="微软雅黑" panose="020B0503020204020204" pitchFamily="34" charset="-122"/>
-              </a:endParaRPr>
-            </a:p>
-          </p:txBody>
-        </p:sp>
-      </p:grpSp>
-      <p:grpSp>
-        <p:nvGrpSpPr>
-          <p:cNvPr id="6163" name="组合 139"/>
-          <p:cNvGrpSpPr/>
-          <p:nvPr/>
-        </p:nvGrpSpPr>
-        <p:grpSpPr>
-          <a:xfrm>
-            <a:off x="4694238" y="2806669"/>
-            <a:ext cx="2741612" cy="758889"/>
-            <a:chOff x="4694848" y="2805878"/>
-            <a:chExt cx="2741382" cy="758980"/>
-          </a:xfrm>
-        </p:grpSpPr>
-        <p:grpSp>
-          <p:nvGrpSpPr>
-            <p:cNvPr id="6164" name="组合 133"/>
-            <p:cNvGrpSpPr/>
-            <p:nvPr/>
-          </p:nvGrpSpPr>
-          <p:grpSpPr>
-            <a:xfrm>
-              <a:off x="5517158" y="2805878"/>
-              <a:ext cx="1919072" cy="758980"/>
-              <a:chOff x="5517158" y="2886281"/>
-              <a:chExt cx="1919072" cy="758980"/>
-            </a:xfrm>
-          </p:grpSpPr>
-          <p:sp>
-            <p:nvSpPr>
-              <p:cNvPr id="88" name="矩形 87"/>
-              <p:cNvSpPr/>
-              <p:nvPr/>
-            </p:nvSpPr>
-            <p:spPr>
-              <a:xfrm>
-                <a:off x="5517158" y="2886281"/>
-                <a:ext cx="1919072" cy="522033"/>
-              </a:xfrm>
-              <a:prstGeom prst="rect">
-                <a:avLst/>
-              </a:prstGeom>
-            </p:spPr>
-            <p:txBody>
-              <a:bodyPr wrap="square" anchor="ctr">
-                <a:spAutoFit/>
-              </a:bodyPr>
-              <a:lstStyle/>
-              <a:p>
-                <a:pPr marL="0" marR="0" lvl="0" indent="0" defTabSz="914400" eaLnBrk="1" fontAlgn="auto" latinLnBrk="0" hangingPunct="1">
-                  <a:lnSpc>
-                    <a:spcPct val="100000"/>
-                  </a:lnSpc>
-                  <a:spcBef>
-                    <a:spcPts val="0"/>
-                  </a:spcBef>
-                  <a:spcAft>
-                    <a:spcPts val="0"/>
-                  </a:spcAft>
-                  <a:buClrTx/>
-                  <a:buSzTx/>
-                  <a:buFontTx/>
-                  <a:buNone/>
-                  <a:defRPr/>
-                </a:pPr>
-                <a:r>
-                  <a:rPr kumimoji="0" lang="en-US" sz="2800" b="1" i="0" u="none" strike="noStrike" kern="0" cap="none" spc="0" normalizeH="0" baseline="0" noProof="0" dirty="0" smtClean="0">
-                    <a:ln>
-                      <a:noFill/>
-                    </a:ln>
-                    <a:solidFill>
-                      <a:schemeClr val="bg1"/>
-                    </a:solidFill>
-                    <a:effectLst/>
-                    <a:uLnTx/>
-                    <a:uFillTx/>
-                    <a:latin typeface="微软雅黑" panose="020B0503020204020204" pitchFamily="34" charset="-122"/>
-                    <a:ea typeface="微软雅黑" panose="020B0503020204020204" pitchFamily="34" charset="-122"/>
-                    <a:cs typeface="微软雅黑" panose="020B0503020204020204" pitchFamily="34" charset="-122"/>
-                  </a:rPr>
-                  <a:t>Rose</a:t>
-                </a:r>
-                <a:r>
-                  <a:rPr kumimoji="0" lang="zh-CN" altLang="en-US" sz="2800" b="1" i="0" u="none" strike="noStrike" kern="0" cap="none" spc="0" normalizeH="0" baseline="0" noProof="0" dirty="0" smtClean="0">
-                    <a:ln>
-                      <a:noFill/>
-                    </a:ln>
-                    <a:solidFill>
-                      <a:schemeClr val="bg1"/>
-                    </a:solidFill>
-                    <a:effectLst/>
-                    <a:uLnTx/>
-                    <a:uFillTx/>
-                    <a:latin typeface="微软雅黑" panose="020B0503020204020204" pitchFamily="34" charset="-122"/>
-                    <a:ea typeface="微软雅黑" panose="020B0503020204020204" pitchFamily="34" charset="-122"/>
-                    <a:cs typeface="微软雅黑" panose="020B0503020204020204" pitchFamily="34" charset="-122"/>
-                  </a:rPr>
-                  <a:t>简介</a:t>
-                </a:r>
-                <a:endParaRPr kumimoji="0" lang="zh-CN" altLang="en-US" sz="2800" b="1" i="0" u="none" strike="noStrike" kern="0" cap="none" spc="0" normalizeH="0" baseline="0" noProof="0" dirty="0" smtClean="0">
-                  <a:ln>
-                    <a:noFill/>
-                  </a:ln>
-                  <a:solidFill>
-                    <a:schemeClr val="bg1"/>
-                  </a:solidFill>
-                  <a:effectLst/>
-                  <a:uLnTx/>
-                  <a:uFillTx/>
-                  <a:latin typeface="微软雅黑" panose="020B0503020204020204" pitchFamily="34" charset="-122"/>
-                  <a:ea typeface="微软雅黑" panose="020B0503020204020204" pitchFamily="34" charset="-122"/>
-                  <a:cs typeface="微软雅黑" panose="020B0503020204020204" pitchFamily="34" charset="-122"/>
-                </a:endParaRPr>
-              </a:p>
-            </p:txBody>
-          </p:sp>
-          <p:sp>
-            <p:nvSpPr>
-              <p:cNvPr id="89" name="矩形 88"/>
-              <p:cNvSpPr/>
-              <p:nvPr/>
-            </p:nvSpPr>
-            <p:spPr>
-              <a:xfrm>
-                <a:off x="5517158" y="3369638"/>
-                <a:ext cx="1376565" cy="275623"/>
-              </a:xfrm>
-              <a:prstGeom prst="rect">
-                <a:avLst/>
-              </a:prstGeom>
-            </p:spPr>
-            <p:txBody>
-              <a:bodyPr wrap="none">
-                <a:spAutoFit/>
-              </a:bodyPr>
-              <a:lstStyle/>
-              <a:p>
-                <a:pPr marL="0" marR="0" lvl="0" indent="0" algn="l" defTabSz="914400" eaLnBrk="1" fontAlgn="auto" latinLnBrk="0" hangingPunct="1">
-                  <a:lnSpc>
-                    <a:spcPct val="100000"/>
-                  </a:lnSpc>
-                  <a:spcBef>
-                    <a:spcPts val="0"/>
-                  </a:spcBef>
-                  <a:spcAft>
-                    <a:spcPts val="0"/>
-                  </a:spcAft>
-                  <a:buClrTx/>
-                  <a:buSzTx/>
-                  <a:buFontTx/>
-                  <a:buNone/>
-                  <a:defRPr/>
-                </a:pPr>
-                <a:r>
-                  <a:rPr kumimoji="0" lang="en-US" altLang="zh-CN" sz="1200" b="0" i="0" u="none" strike="noStrike" kern="0" cap="none" spc="0" normalizeH="0" baseline="0" noProof="0" dirty="0">
-                    <a:ln>
-                      <a:noFill/>
-                    </a:ln>
-                    <a:solidFill>
-                      <a:schemeClr val="bg1"/>
-                    </a:solidFill>
-                    <a:effectLst/>
-                    <a:uLnTx/>
-                    <a:uFillTx/>
-                    <a:latin typeface="微软雅黑" panose="020B0503020204020204" pitchFamily="34" charset="-122"/>
-                    <a:ea typeface="微软雅黑" panose="020B0503020204020204" pitchFamily="34" charset="-122"/>
-                    <a:cs typeface="+mn-cs"/>
-                  </a:rPr>
-                  <a:t>INTRODUCTION</a:t>
-                </a:r>
-                <a:endParaRPr kumimoji="0" lang="en-US" altLang="zh-CN" sz="1200" b="0" i="0" u="none" strike="noStrike" kern="0" cap="none" spc="0" normalizeH="0" baseline="0" noProof="0" dirty="0">
-                  <a:ln>
-                    <a:noFill/>
-                  </a:ln>
-                  <a:solidFill>
-                    <a:schemeClr val="bg1"/>
-                  </a:solidFill>
-                  <a:effectLst/>
-                  <a:uLnTx/>
-                  <a:uFillTx/>
-                  <a:latin typeface="微软雅黑" panose="020B0503020204020204" pitchFamily="34" charset="-122"/>
-                  <a:ea typeface="微软雅黑" panose="020B0503020204020204" pitchFamily="34" charset="-122"/>
-                  <a:cs typeface="+mn-cs"/>
-                </a:endParaRPr>
-              </a:p>
-            </p:txBody>
-          </p:sp>
-        </p:grpSp>
-        <p:grpSp>
-          <p:nvGrpSpPr>
-            <p:cNvPr id="6167" name="组合 129"/>
-            <p:cNvGrpSpPr/>
-            <p:nvPr/>
-          </p:nvGrpSpPr>
-          <p:grpSpPr>
-            <a:xfrm>
-              <a:off x="4694848" y="2825678"/>
-              <a:ext cx="797404" cy="720686"/>
-              <a:chOff x="4428148" y="2897352"/>
-              <a:chExt cx="797404" cy="720686"/>
-            </a:xfrm>
-          </p:grpSpPr>
-          <p:sp>
-            <p:nvSpPr>
-              <p:cNvPr id="124" name="矩形 123"/>
-              <p:cNvSpPr/>
-              <p:nvPr/>
-            </p:nvSpPr>
-            <p:spPr>
-              <a:xfrm>
-                <a:off x="4466850" y="2898038"/>
-                <a:ext cx="720000" cy="720000"/>
-              </a:xfrm>
-              <a:prstGeom prst="rect">
-                <a:avLst/>
-              </a:prstGeom>
-              <a:solidFill>
-                <a:schemeClr val="accent2"/>
-              </a:solidFill>
+              </a:rPr>
+              <a:t>06</a:t>
+            </a:r>
+            <a:endParaRPr kumimoji="0" lang="en-US" altLang="zh-CN" sz="2000" b="0" i="0" u="none" strike="noStrike" kern="0" cap="none" spc="0" normalizeH="0" baseline="0" noProof="0" dirty="0">
               <a:ln>
                 <a:noFill/>
               </a:ln>
-            </p:spPr>
-            <p:style>
-              <a:lnRef idx="2">
-                <a:schemeClr val="accent1">
-                  <a:shade val="50000"/>
-                </a:schemeClr>
-              </a:lnRef>
-              <a:fillRef idx="1">
-                <a:schemeClr val="accent1"/>
-              </a:fillRef>
-              <a:effectRef idx="0">
-                <a:schemeClr val="accent1"/>
-              </a:effectRef>
-              <a:fontRef idx="minor">
-                <a:schemeClr val="lt1"/>
-              </a:fontRef>
-            </p:style>
-            <p:txBody>
-              <a:bodyPr rot="0" spcFirstLastPara="0" vertOverflow="overflow" horzOverflow="overflow" vert="horz" wrap="square" lIns="91440" tIns="45720" rIns="91440" bIns="45720" numCol="1" spcCol="0" rtlCol="0" fromWordArt="0" anchor="ctr" anchorCtr="0" forceAA="0" compatLnSpc="1">
-                <a:noAutofit/>
-              </a:bodyPr>
-              <a:lstStyle/>
-              <a:p>
-                <a:pPr algn="ctr" fontAlgn="auto"/>
-                <a:endParaRPr lang="zh-CN" altLang="en-US" strike="noStrike" noProof="1"/>
-              </a:p>
-            </p:txBody>
-          </p:sp>
-          <p:sp>
-            <p:nvSpPr>
-              <p:cNvPr id="86" name="矩形 85"/>
-              <p:cNvSpPr/>
-              <p:nvPr/>
-            </p:nvSpPr>
-            <p:spPr>
-              <a:xfrm>
-                <a:off x="4428148" y="2897352"/>
-                <a:ext cx="797404" cy="706840"/>
-              </a:xfrm>
-              <a:prstGeom prst="rect">
-                <a:avLst/>
-              </a:prstGeom>
-            </p:spPr>
-            <p:txBody>
-              <a:bodyPr wrap="square" anchor="ctr">
-                <a:spAutoFit/>
-              </a:bodyPr>
-              <a:lstStyle/>
-              <a:p>
-                <a:pPr marL="0" marR="0" lvl="0" indent="0" algn="ctr" defTabSz="914400" eaLnBrk="1" fontAlgn="auto" latinLnBrk="0" hangingPunct="1">
-                  <a:lnSpc>
-                    <a:spcPct val="100000"/>
-                  </a:lnSpc>
-                  <a:spcBef>
-                    <a:spcPts val="0"/>
-                  </a:spcBef>
-                  <a:spcAft>
-                    <a:spcPts val="0"/>
-                  </a:spcAft>
-                  <a:buClrTx/>
-                  <a:buSzTx/>
-                  <a:buFontTx/>
-                  <a:buNone/>
-                  <a:defRPr/>
-                </a:pPr>
-                <a:r>
-                  <a:rPr kumimoji="0" lang="en-US" altLang="zh-CN" sz="4000" b="0" i="0" u="none" strike="noStrike" kern="0" cap="none" spc="0" normalizeH="0" baseline="0" noProof="0" dirty="0" smtClean="0">
-                    <a:ln>
-                      <a:noFill/>
-                    </a:ln>
-                    <a:solidFill>
-                      <a:schemeClr val="bg1"/>
-                    </a:solidFill>
-                    <a:effectLst/>
-                    <a:uLnTx/>
-                    <a:uFillTx/>
-                    <a:latin typeface="微软雅黑" panose="020B0503020204020204" pitchFamily="34" charset="-122"/>
-                    <a:ea typeface="微软雅黑" panose="020B0503020204020204" pitchFamily="34" charset="-122"/>
-                    <a:cs typeface="微软雅黑" panose="020B0503020204020204" pitchFamily="34" charset="-122"/>
-                  </a:rPr>
-                  <a:t>02</a:t>
-                </a:r>
-                <a:endParaRPr kumimoji="0" lang="en-US" altLang="zh-CN" sz="4000" b="0" i="0" u="none" strike="noStrike" kern="0" cap="none" spc="0" normalizeH="0" baseline="0" noProof="0" dirty="0">
-                  <a:ln>
-                    <a:noFill/>
-                  </a:ln>
-                  <a:solidFill>
-                    <a:schemeClr val="bg1"/>
-                  </a:solidFill>
-                  <a:effectLst/>
-                  <a:uLnTx/>
-                  <a:uFillTx/>
-                  <a:latin typeface="微软雅黑" panose="020B0503020204020204" pitchFamily="34" charset="-122"/>
-                  <a:ea typeface="微软雅黑" panose="020B0503020204020204" pitchFamily="34" charset="-122"/>
-                  <a:cs typeface="微软雅黑" panose="020B0503020204020204" pitchFamily="34" charset="-122"/>
-                </a:endParaRPr>
-              </a:p>
-            </p:txBody>
-          </p:sp>
-        </p:grpSp>
-      </p:grpSp>
-      <p:grpSp>
-        <p:nvGrpSpPr>
-          <p:cNvPr id="6177" name="组合 141"/>
-          <p:cNvGrpSpPr/>
-          <p:nvPr/>
-        </p:nvGrpSpPr>
-        <p:grpSpPr>
-          <a:xfrm>
-            <a:off x="8437563" y="2825750"/>
-            <a:ext cx="3379787" cy="720725"/>
-            <a:chOff x="8437508" y="2825759"/>
-            <a:chExt cx="3380255" cy="720000"/>
-          </a:xfrm>
-        </p:grpSpPr>
-        <p:grpSp>
-          <p:nvGrpSpPr>
-            <p:cNvPr id="6178" name="组合 134"/>
-            <p:cNvGrpSpPr/>
-            <p:nvPr/>
-          </p:nvGrpSpPr>
-          <p:grpSpPr>
-            <a:xfrm>
-              <a:off x="9243473" y="2829426"/>
-              <a:ext cx="2574290" cy="711869"/>
-              <a:chOff x="9243473" y="2937395"/>
-              <a:chExt cx="2574290" cy="711869"/>
-            </a:xfrm>
-          </p:grpSpPr>
-          <p:sp>
-            <p:nvSpPr>
-              <p:cNvPr id="100" name="矩形 99"/>
-              <p:cNvSpPr/>
-              <p:nvPr/>
-            </p:nvSpPr>
-            <p:spPr>
-              <a:xfrm>
-                <a:off x="9243473" y="2937395"/>
-                <a:ext cx="2574290" cy="521445"/>
-              </a:xfrm>
-              <a:prstGeom prst="rect">
-                <a:avLst/>
-              </a:prstGeom>
-            </p:spPr>
-            <p:txBody>
-              <a:bodyPr wrap="square" anchor="ctr">
-                <a:spAutoFit/>
-              </a:bodyPr>
-              <a:lstStyle/>
-              <a:p>
-                <a:pPr marL="0" marR="0" lvl="0" indent="0" defTabSz="914400" eaLnBrk="1" fontAlgn="auto" latinLnBrk="0" hangingPunct="1">
-                  <a:lnSpc>
-                    <a:spcPct val="100000"/>
-                  </a:lnSpc>
-                  <a:spcBef>
-                    <a:spcPts val="0"/>
-                  </a:spcBef>
-                  <a:spcAft>
-                    <a:spcPts val="0"/>
-                  </a:spcAft>
-                  <a:buClrTx/>
-                  <a:buSzTx/>
-                  <a:buFontTx/>
-                  <a:buNone/>
-                  <a:defRPr/>
-                </a:pPr>
-                <a:r>
-                  <a:rPr lang="en-US" sz="2800" b="1" kern="0" noProof="0" dirty="0" smtClean="0">
-                    <a:ln>
-                      <a:noFill/>
-                    </a:ln>
-                    <a:solidFill>
-                      <a:schemeClr val="bg1"/>
-                    </a:solidFill>
-                    <a:effectLst/>
-                    <a:uLnTx/>
-                    <a:uFillTx/>
-                    <a:latin typeface="微软雅黑" panose="020B0503020204020204" pitchFamily="34" charset="-122"/>
-                    <a:ea typeface="微软雅黑" panose="020B0503020204020204" pitchFamily="34" charset="-122"/>
-                    <a:cs typeface="微软雅黑" panose="020B0503020204020204" pitchFamily="34" charset="-122"/>
-                    <a:sym typeface="+mn-ea"/>
-                  </a:rPr>
-                  <a:t>Rose的使用</a:t>
-                </a:r>
-                <a:endParaRPr kumimoji="0" lang="en-US" sz="2800" b="1" i="0" u="none" strike="noStrike" kern="0" cap="none" spc="0" normalizeH="0" baseline="0" noProof="0" dirty="0" smtClean="0">
-                  <a:ln>
-                    <a:noFill/>
-                  </a:ln>
-                  <a:solidFill>
-                    <a:schemeClr val="bg1"/>
-                  </a:solidFill>
-                  <a:effectLst/>
-                  <a:uLnTx/>
-                  <a:uFillTx/>
-                  <a:latin typeface="微软雅黑" panose="020B0503020204020204" pitchFamily="34" charset="-122"/>
-                  <a:ea typeface="微软雅黑" panose="020B0503020204020204" pitchFamily="34" charset="-122"/>
-                  <a:cs typeface="微软雅黑" panose="020B0503020204020204" pitchFamily="34" charset="-122"/>
-                </a:endParaRPr>
-              </a:p>
-            </p:txBody>
-          </p:sp>
-          <p:sp>
-            <p:nvSpPr>
-              <p:cNvPr id="101" name="矩形 100"/>
-              <p:cNvSpPr/>
-              <p:nvPr/>
-            </p:nvSpPr>
-            <p:spPr>
-              <a:xfrm>
-                <a:off x="9243473" y="3373951"/>
-                <a:ext cx="1192695" cy="275313"/>
-              </a:xfrm>
-              <a:prstGeom prst="rect">
-                <a:avLst/>
-              </a:prstGeom>
-            </p:spPr>
-            <p:txBody>
-              <a:bodyPr wrap="none">
-                <a:spAutoFit/>
-              </a:bodyPr>
-              <a:lstStyle/>
-              <a:p>
-                <a:pPr marL="0" marR="0" lvl="0" indent="0" algn="l" defTabSz="914400" eaLnBrk="1" fontAlgn="auto" latinLnBrk="0" hangingPunct="1">
-                  <a:lnSpc>
-                    <a:spcPct val="100000"/>
-                  </a:lnSpc>
-                  <a:spcBef>
-                    <a:spcPts val="0"/>
-                  </a:spcBef>
-                  <a:spcAft>
-                    <a:spcPts val="0"/>
-                  </a:spcAft>
-                  <a:buClrTx/>
-                  <a:buSzTx/>
-                  <a:buFontTx/>
-                  <a:buNone/>
-                  <a:defRPr/>
-                </a:pPr>
-                <a:r>
-                  <a:rPr lang="en-US" altLang="zh-CN" sz="1200" kern="0" noProof="0" dirty="0">
-                    <a:ln>
-                      <a:noFill/>
-                    </a:ln>
-                    <a:solidFill>
-                      <a:schemeClr val="bg1"/>
-                    </a:solidFill>
-                    <a:effectLst/>
-                    <a:uLnTx/>
-                    <a:uFillTx/>
-                    <a:latin typeface="微软雅黑" panose="020B0503020204020204" pitchFamily="34" charset="-122"/>
-                    <a:ea typeface="微软雅黑" panose="020B0503020204020204" pitchFamily="34" charset="-122"/>
-                    <a:sym typeface="+mn-ea"/>
-                  </a:rPr>
-                  <a:t>DESCRIPTION</a:t>
-                </a:r>
-                <a:endParaRPr kumimoji="0" lang="en-US" altLang="zh-CN" sz="1200" b="0" i="0" u="none" strike="noStrike" kern="0" cap="none" spc="0" normalizeH="0" baseline="0" noProof="0" dirty="0">
-                  <a:ln>
-                    <a:noFill/>
-                  </a:ln>
-                  <a:solidFill>
-                    <a:schemeClr val="bg1"/>
-                  </a:solidFill>
-                  <a:effectLst/>
-                  <a:uLnTx/>
-                  <a:uFillTx/>
-                  <a:latin typeface="微软雅黑" panose="020B0503020204020204" pitchFamily="34" charset="-122"/>
-                  <a:ea typeface="微软雅黑" panose="020B0503020204020204" pitchFamily="34" charset="-122"/>
-                </a:endParaRPr>
-              </a:p>
-            </p:txBody>
-          </p:sp>
-        </p:grpSp>
-        <p:grpSp>
-          <p:nvGrpSpPr>
-            <p:cNvPr id="6181" name="组合 128"/>
-            <p:cNvGrpSpPr/>
-            <p:nvPr/>
-          </p:nvGrpSpPr>
-          <p:grpSpPr>
-            <a:xfrm>
-              <a:off x="8437508" y="2825759"/>
-              <a:ext cx="822524" cy="720000"/>
-              <a:chOff x="8132708" y="2905159"/>
-              <a:chExt cx="822524" cy="720000"/>
-            </a:xfrm>
-          </p:grpSpPr>
-          <p:sp>
-            <p:nvSpPr>
-              <p:cNvPr id="126" name="矩形 125"/>
-              <p:cNvSpPr/>
-              <p:nvPr/>
-            </p:nvSpPr>
-            <p:spPr>
-              <a:xfrm>
-                <a:off x="8183970" y="2905159"/>
-                <a:ext cx="720000" cy="720000"/>
-              </a:xfrm>
-              <a:prstGeom prst="rect">
-                <a:avLst/>
-              </a:prstGeom>
               <a:solidFill>
-                <a:schemeClr val="accent2"/>
+                <a:schemeClr val="bg1"/>
               </a:solidFill>
-              <a:ln>
-                <a:noFill/>
-              </a:ln>
-            </p:spPr>
-            <p:style>
-              <a:lnRef idx="2">
-                <a:schemeClr val="accent1">
-                  <a:shade val="50000"/>
-                </a:schemeClr>
-              </a:lnRef>
-              <a:fillRef idx="1">
-                <a:schemeClr val="accent1"/>
-              </a:fillRef>
-              <a:effectRef idx="0">
-                <a:schemeClr val="accent1"/>
-              </a:effectRef>
-              <a:fontRef idx="minor">
-                <a:schemeClr val="lt1"/>
-              </a:fontRef>
-            </p:style>
-            <p:txBody>
-              <a:bodyPr rot="0" spcFirstLastPara="0" vertOverflow="overflow" horzOverflow="overflow" vert="horz" wrap="square" lIns="91440" tIns="45720" rIns="91440" bIns="45720" numCol="1" spcCol="0" rtlCol="0" fromWordArt="0" anchor="ctr" anchorCtr="0" forceAA="0" compatLnSpc="1">
-                <a:noAutofit/>
-              </a:bodyPr>
-              <a:lstStyle/>
-              <a:p>
-                <a:pPr algn="ctr" fontAlgn="auto"/>
-                <a:endParaRPr lang="zh-CN" altLang="en-US" strike="noStrike" noProof="1"/>
-              </a:p>
-            </p:txBody>
-          </p:sp>
-          <p:sp>
-            <p:nvSpPr>
-              <p:cNvPr id="98" name="矩形 97"/>
-              <p:cNvSpPr/>
-              <p:nvPr/>
-            </p:nvSpPr>
-            <p:spPr>
-              <a:xfrm>
-                <a:off x="8132708" y="2912137"/>
-                <a:ext cx="822524" cy="706044"/>
-              </a:xfrm>
-              <a:prstGeom prst="rect">
-                <a:avLst/>
-              </a:prstGeom>
-            </p:spPr>
-            <p:txBody>
-              <a:bodyPr wrap="square" anchor="ctr">
-                <a:spAutoFit/>
-              </a:bodyPr>
-              <a:lstStyle/>
-              <a:p>
-                <a:pPr marL="0" marR="0" lvl="0" indent="0" algn="ctr" defTabSz="914400" eaLnBrk="1" fontAlgn="auto" latinLnBrk="0" hangingPunct="1">
-                  <a:lnSpc>
-                    <a:spcPct val="100000"/>
-                  </a:lnSpc>
-                  <a:spcBef>
-                    <a:spcPts val="0"/>
-                  </a:spcBef>
-                  <a:spcAft>
-                    <a:spcPts val="0"/>
-                  </a:spcAft>
-                  <a:buClrTx/>
-                  <a:buSzTx/>
-                  <a:buFontTx/>
-                  <a:buNone/>
-                  <a:defRPr/>
-                </a:pPr>
-                <a:r>
-                  <a:rPr kumimoji="0" lang="en-US" altLang="zh-CN" sz="4000" b="0" i="0" u="none" strike="noStrike" kern="0" cap="none" spc="0" normalizeH="0" baseline="0" noProof="0" dirty="0" smtClean="0">
-                    <a:ln>
-                      <a:noFill/>
-                    </a:ln>
-                    <a:solidFill>
-                      <a:schemeClr val="bg1"/>
-                    </a:solidFill>
-                    <a:effectLst/>
-                    <a:uLnTx/>
-                    <a:uFillTx/>
-                    <a:latin typeface="微软雅黑" panose="020B0503020204020204" pitchFamily="34" charset="-122"/>
-                    <a:ea typeface="微软雅黑" panose="020B0503020204020204" pitchFamily="34" charset="-122"/>
-                    <a:cs typeface="微软雅黑" panose="020B0503020204020204" pitchFamily="34" charset="-122"/>
-                  </a:rPr>
-                  <a:t>03</a:t>
-                </a:r>
-                <a:endParaRPr kumimoji="0" lang="en-US" altLang="zh-CN" sz="4000" b="0" i="0" u="none" strike="noStrike" kern="0" cap="none" spc="0" normalizeH="0" baseline="0" noProof="0" dirty="0">
-                  <a:ln>
-                    <a:noFill/>
-                  </a:ln>
-                  <a:solidFill>
-                    <a:schemeClr val="bg1"/>
-                  </a:solidFill>
-                  <a:effectLst/>
-                  <a:uLnTx/>
-                  <a:uFillTx/>
-                  <a:latin typeface="微软雅黑" panose="020B0503020204020204" pitchFamily="34" charset="-122"/>
-                  <a:ea typeface="微软雅黑" panose="020B0503020204020204" pitchFamily="34" charset="-122"/>
-                  <a:cs typeface="微软雅黑" panose="020B0503020204020204" pitchFamily="34" charset="-122"/>
-                </a:endParaRPr>
-              </a:p>
-            </p:txBody>
-          </p:sp>
-        </p:grpSp>
-      </p:grpSp>
+              <a:effectLst/>
+              <a:uLnTx/>
+              <a:uFillTx/>
+              <a:latin typeface="微软雅黑" panose="020B0503020204020204" pitchFamily="34" charset="-122"/>
+              <a:ea typeface="微软雅黑" panose="020B0503020204020204" pitchFamily="34" charset="-122"/>
+              <a:cs typeface="微软雅黑" panose="020B0503020204020204" pitchFamily="34" charset="-122"/>
+            </a:endParaRPr>
+          </a:p>
+        </p:txBody>
+      </p:sp>
+      <p:cxnSp>
+        <p:nvCxnSpPr>
+          <p:cNvPr id="17" name="直接连接符 16"/>
+          <p:cNvCxnSpPr/>
+          <p:nvPr/>
+        </p:nvCxnSpPr>
+        <p:spPr>
+          <a:xfrm>
+            <a:off x="3060700" y="361950"/>
+            <a:ext cx="8953500" cy="0"/>
+          </a:xfrm>
+          <a:prstGeom prst="line">
+            <a:avLst/>
+          </a:prstGeom>
+          <a:ln>
+            <a:solidFill>
+              <a:schemeClr val="tx1"/>
+            </a:solidFill>
+          </a:ln>
+        </p:spPr>
+        <p:style>
+          <a:lnRef idx="1">
+            <a:schemeClr val="accent1"/>
+          </a:lnRef>
+          <a:fillRef idx="0">
+            <a:schemeClr val="accent1"/>
+          </a:fillRef>
+          <a:effectRef idx="0">
+            <a:schemeClr val="accent1"/>
+          </a:effectRef>
+          <a:fontRef idx="minor">
+            <a:schemeClr val="tx1"/>
+          </a:fontRef>
+        </p:style>
+      </p:cxnSp>
+      <p:cxnSp>
+        <p:nvCxnSpPr>
+          <p:cNvPr id="19" name="直接连接符 18"/>
+          <p:cNvCxnSpPr/>
+          <p:nvPr/>
+        </p:nvCxnSpPr>
+        <p:spPr>
+          <a:xfrm>
+            <a:off x="1774825" y="246063"/>
+            <a:ext cx="1588" cy="230188"/>
+          </a:xfrm>
+          <a:prstGeom prst="line">
+            <a:avLst/>
+          </a:prstGeom>
+          <a:ln w="12700" cap="rnd">
+            <a:solidFill>
+              <a:schemeClr val="tx1">
+                <a:alpha val="49000"/>
+              </a:schemeClr>
+            </a:solidFill>
+            <a:round/>
+            <a:tailEnd type="none" w="sm" len="sm"/>
+          </a:ln>
+        </p:spPr>
+        <p:style>
+          <a:lnRef idx="1">
+            <a:schemeClr val="accent1"/>
+          </a:lnRef>
+          <a:fillRef idx="0">
+            <a:schemeClr val="accent1"/>
+          </a:fillRef>
+          <a:effectRef idx="0">
+            <a:schemeClr val="accent1"/>
+          </a:effectRef>
+          <a:fontRef idx="minor">
+            <a:schemeClr val="tx1"/>
+          </a:fontRef>
+        </p:style>
+      </p:cxnSp>
       <p:pic>
         <p:nvPicPr>
-          <p:cNvPr id="6191" name="图片 2" descr="小组logo"/>
+          <p:cNvPr id="30727" name="图片 2" descr="小组logo"/>
           <p:cNvPicPr>
             <a:picLocks noChangeAspect="1"/>
           </p:cNvPicPr>
@@ -10626,6 +11894,1042 @@
           </a:ln>
         </p:spPr>
       </p:pic>
+      <p:pic>
+        <p:nvPicPr>
+          <p:cNvPr id="30728" name="Picture 2" descr="C:\Documents and Settings\Administrator\My Documents\Downloads\006.png"/>
+          <p:cNvPicPr>
+            <a:picLocks noChangeAspect="1"/>
+          </p:cNvPicPr>
+          <p:nvPr/>
+        </p:nvPicPr>
+        <p:blipFill>
+          <a:blip r:embed="rId2"/>
+          <a:stretch>
+            <a:fillRect/>
+          </a:stretch>
+        </p:blipFill>
+        <p:spPr>
+          <a:xfrm>
+            <a:off x="111125" y="933450"/>
+            <a:ext cx="492125" cy="492125"/>
+          </a:xfrm>
+          <a:prstGeom prst="rect">
+            <a:avLst/>
+          </a:prstGeom>
+          <a:noFill/>
+          <a:ln w="9525">
+            <a:noFill/>
+          </a:ln>
+        </p:spPr>
+      </p:pic>
+      <p:cxnSp>
+        <p:nvCxnSpPr>
+          <p:cNvPr id="4" name="直接连接符 3"/>
+          <p:cNvCxnSpPr/>
+          <p:nvPr/>
+        </p:nvCxnSpPr>
+        <p:spPr>
+          <a:xfrm>
+            <a:off x="1833563" y="996950"/>
+            <a:ext cx="0" cy="3633788"/>
+          </a:xfrm>
+          <a:prstGeom prst="line">
+            <a:avLst/>
+          </a:prstGeom>
+          <a:ln w="15875">
+            <a:solidFill>
+              <a:schemeClr val="tx1">
+                <a:lumMod val="85000"/>
+                <a:lumOff val="15000"/>
+              </a:schemeClr>
+            </a:solidFill>
+          </a:ln>
+        </p:spPr>
+        <p:style>
+          <a:lnRef idx="1">
+            <a:schemeClr val="accent1"/>
+          </a:lnRef>
+          <a:fillRef idx="0">
+            <a:schemeClr val="accent1"/>
+          </a:fillRef>
+          <a:effectRef idx="0">
+            <a:schemeClr val="accent1"/>
+          </a:effectRef>
+          <a:fontRef idx="minor">
+            <a:schemeClr val="tx1"/>
+          </a:fontRef>
+        </p:style>
+      </p:cxnSp>
+      <p:sp>
+        <p:nvSpPr>
+          <p:cNvPr id="30730" name="文本框 1"/>
+          <p:cNvSpPr txBox="1"/>
+          <p:nvPr/>
+        </p:nvSpPr>
+        <p:spPr>
+          <a:xfrm>
+            <a:off x="679450" y="996950"/>
+            <a:ext cx="1096963" cy="365125"/>
+          </a:xfrm>
+          <a:prstGeom prst="rect">
+            <a:avLst/>
+          </a:prstGeom>
+          <a:noFill/>
+          <a:ln w="9525">
+            <a:noFill/>
+          </a:ln>
+        </p:spPr>
+        <p:txBody>
+          <a:bodyPr wrap="none" anchor="t">
+            <a:spAutoFit/>
+          </a:bodyPr>
+          <a:p>
+            <a:r>
+              <a:rPr lang="zh-CN" altLang="en-US">
+                <a:latin typeface="Calibri" panose="020F0502020204030204" charset="0"/>
+                <a:ea typeface="宋体" panose="02010600030101010101" pitchFamily="2" charset="-122"/>
+              </a:rPr>
+              <a:t>绩效评定</a:t>
+            </a:r>
+            <a:endParaRPr lang="zh-CN" altLang="en-US">
+              <a:latin typeface="Calibri" panose="020F0502020204030204" charset="0"/>
+              <a:ea typeface="宋体" panose="02010600030101010101" pitchFamily="2" charset="-122"/>
+            </a:endParaRPr>
+          </a:p>
+        </p:txBody>
+      </p:sp>
+      <p:sp>
+        <p:nvSpPr>
+          <p:cNvPr id="30731" name="文本框 3"/>
+          <p:cNvSpPr txBox="1"/>
+          <p:nvPr/>
+        </p:nvSpPr>
+        <p:spPr>
+          <a:xfrm>
+            <a:off x="2870200" y="996950"/>
+            <a:ext cx="1096963" cy="368300"/>
+          </a:xfrm>
+          <a:prstGeom prst="rect">
+            <a:avLst/>
+          </a:prstGeom>
+          <a:noFill/>
+          <a:ln w="9525">
+            <a:noFill/>
+          </a:ln>
+        </p:spPr>
+        <p:txBody>
+          <a:bodyPr wrap="none" anchor="t">
+            <a:spAutoFit/>
+          </a:bodyPr>
+          <a:p>
+            <a:r>
+              <a:rPr lang="zh-CN" altLang="en-US">
+                <a:latin typeface="Calibri" panose="020F0502020204030204" charset="0"/>
+                <a:ea typeface="宋体" panose="02010600030101010101" pitchFamily="2" charset="-122"/>
+              </a:rPr>
+              <a:t>温中磊：</a:t>
+            </a:r>
+            <a:endParaRPr lang="zh-CN" altLang="en-US">
+              <a:latin typeface="Calibri" panose="020F0502020204030204" charset="0"/>
+              <a:ea typeface="宋体" panose="02010600030101010101" pitchFamily="2" charset="-122"/>
+            </a:endParaRPr>
+          </a:p>
+        </p:txBody>
+      </p:sp>
+      <p:cxnSp>
+        <p:nvCxnSpPr>
+          <p:cNvPr id="5" name="直接连接符 4"/>
+          <p:cNvCxnSpPr/>
+          <p:nvPr/>
+        </p:nvCxnSpPr>
+        <p:spPr>
+          <a:xfrm>
+            <a:off x="1833563" y="2714625"/>
+            <a:ext cx="0" cy="3633788"/>
+          </a:xfrm>
+          <a:prstGeom prst="line">
+            <a:avLst/>
+          </a:prstGeom>
+          <a:ln w="15875">
+            <a:solidFill>
+              <a:schemeClr val="tx1">
+                <a:lumMod val="85000"/>
+                <a:lumOff val="15000"/>
+              </a:schemeClr>
+            </a:solidFill>
+          </a:ln>
+        </p:spPr>
+        <p:style>
+          <a:lnRef idx="1">
+            <a:schemeClr val="accent1"/>
+          </a:lnRef>
+          <a:fillRef idx="0">
+            <a:schemeClr val="accent1"/>
+          </a:fillRef>
+          <a:effectRef idx="0">
+            <a:schemeClr val="accent1"/>
+          </a:effectRef>
+          <a:fontRef idx="minor">
+            <a:schemeClr val="tx1"/>
+          </a:fontRef>
+        </p:style>
+      </p:cxnSp>
+      <p:sp>
+        <p:nvSpPr>
+          <p:cNvPr id="30733" name="文本框 5"/>
+          <p:cNvSpPr txBox="1"/>
+          <p:nvPr/>
+        </p:nvSpPr>
+        <p:spPr>
+          <a:xfrm>
+            <a:off x="1957388" y="1531938"/>
+            <a:ext cx="2922587" cy="3415030"/>
+          </a:xfrm>
+          <a:prstGeom prst="rect">
+            <a:avLst/>
+          </a:prstGeom>
+          <a:noFill/>
+          <a:ln w="9525">
+            <a:noFill/>
+          </a:ln>
+        </p:spPr>
+        <p:txBody>
+          <a:bodyPr wrap="square" anchor="t">
+            <a:spAutoFit/>
+          </a:bodyPr>
+          <a:p>
+            <a:r>
+              <a:rPr lang="zh-CN" altLang="en-US">
+                <a:latin typeface="Calibri" panose="020F0502020204030204" charset="0"/>
+                <a:ea typeface="宋体" panose="02010600030101010101" pitchFamily="2" charset="-122"/>
+              </a:rPr>
+              <a:t>职责要求                   10</a:t>
+            </a:r>
+            <a:endParaRPr lang="zh-CN" altLang="en-US">
+              <a:latin typeface="Calibri" panose="020F0502020204030204" charset="0"/>
+              <a:ea typeface="宋体" panose="02010600030101010101" pitchFamily="2" charset="-122"/>
+            </a:endParaRPr>
+          </a:p>
+          <a:p>
+            <a:r>
+              <a:rPr lang="zh-CN" altLang="en-US">
+                <a:latin typeface="Calibri" panose="020F0502020204030204" charset="0"/>
+                <a:ea typeface="宋体" panose="02010600030101010101" pitchFamily="2" charset="-122"/>
+              </a:rPr>
+              <a:t>技术难度	 </a:t>
+            </a:r>
+            <a:r>
+              <a:rPr lang="en-US" altLang="zh-CN">
+                <a:latin typeface="Calibri" panose="020F0502020204030204" charset="0"/>
+                <a:ea typeface="宋体" panose="02010600030101010101" pitchFamily="2" charset="-122"/>
+              </a:rPr>
+              <a:t>7</a:t>
+            </a:r>
+            <a:r>
+              <a:rPr lang="zh-CN" altLang="en-US">
+                <a:latin typeface="Calibri" panose="020F0502020204030204" charset="0"/>
+                <a:ea typeface="宋体" panose="02010600030101010101" pitchFamily="2" charset="-122"/>
+              </a:rPr>
+              <a:t>   </a:t>
+            </a:r>
+            <a:endParaRPr lang="zh-CN" altLang="en-US">
+              <a:latin typeface="Calibri" panose="020F0502020204030204" charset="0"/>
+              <a:ea typeface="宋体" panose="02010600030101010101" pitchFamily="2" charset="-122"/>
+            </a:endParaRPr>
+          </a:p>
+          <a:p>
+            <a:r>
+              <a:rPr lang="zh-CN" altLang="en-US">
+                <a:latin typeface="Calibri" panose="020F0502020204030204" charset="0"/>
+                <a:ea typeface="宋体" panose="02010600030101010101" pitchFamily="2" charset="-122"/>
+              </a:rPr>
+              <a:t>工作的重要性	 10</a:t>
+            </a:r>
+            <a:endParaRPr lang="zh-CN" altLang="en-US">
+              <a:latin typeface="Calibri" panose="020F0502020204030204" charset="0"/>
+              <a:ea typeface="宋体" panose="02010600030101010101" pitchFamily="2" charset="-122"/>
+            </a:endParaRPr>
+          </a:p>
+          <a:p>
+            <a:r>
+              <a:rPr lang="zh-CN" altLang="en-US">
+                <a:latin typeface="Calibri" panose="020F0502020204030204" charset="0"/>
+                <a:ea typeface="宋体" panose="02010600030101010101" pitchFamily="2" charset="-122"/>
+              </a:rPr>
+              <a:t>工作强度</a:t>
+            </a:r>
+            <a:r>
+              <a:rPr lang="en-US" altLang="zh-CN">
+                <a:latin typeface="Calibri" panose="020F0502020204030204" charset="0"/>
+                <a:ea typeface="宋体" panose="02010600030101010101" pitchFamily="2" charset="-122"/>
+              </a:rPr>
+              <a:t>	</a:t>
+            </a:r>
+            <a:r>
+              <a:rPr lang="zh-CN" altLang="en-US">
+                <a:latin typeface="Calibri" panose="020F0502020204030204" charset="0"/>
+                <a:ea typeface="宋体" panose="02010600030101010101" pitchFamily="2" charset="-122"/>
+              </a:rPr>
+              <a:t> </a:t>
+            </a:r>
+            <a:r>
+              <a:rPr lang="en-US" altLang="zh-CN">
+                <a:latin typeface="Calibri" panose="020F0502020204030204" charset="0"/>
+                <a:ea typeface="宋体" panose="02010600030101010101" pitchFamily="2" charset="-122"/>
+              </a:rPr>
+              <a:t>6</a:t>
+            </a:r>
+            <a:endParaRPr lang="en-US" altLang="zh-CN">
+              <a:latin typeface="Calibri" panose="020F0502020204030204" charset="0"/>
+              <a:ea typeface="宋体" panose="02010600030101010101" pitchFamily="2" charset="-122"/>
+            </a:endParaRPr>
+          </a:p>
+          <a:p>
+            <a:r>
+              <a:rPr lang="zh-CN" altLang="en-US">
+                <a:latin typeface="Calibri" panose="020F0502020204030204" charset="0"/>
+                <a:ea typeface="宋体" panose="02010600030101010101" pitchFamily="2" charset="-122"/>
+              </a:rPr>
+              <a:t>实际完成情况：	 </a:t>
+            </a:r>
+            <a:endParaRPr lang="zh-CN" altLang="en-US">
+              <a:latin typeface="Calibri" panose="020F0502020204030204" charset="0"/>
+              <a:ea typeface="宋体" panose="02010600030101010101" pitchFamily="2" charset="-122"/>
+            </a:endParaRPr>
+          </a:p>
+          <a:p>
+            <a:r>
+              <a:rPr lang="en-US" altLang="zh-CN">
+                <a:latin typeface="Calibri" panose="020F0502020204030204" charset="0"/>
+                <a:ea typeface="宋体" panose="02010600030101010101" pitchFamily="2" charset="-122"/>
+              </a:rPr>
+              <a:t>所承担工作的完成速度9</a:t>
+            </a:r>
+            <a:endParaRPr lang="en-US" altLang="zh-CN">
+              <a:latin typeface="Calibri" panose="020F0502020204030204" charset="0"/>
+              <a:ea typeface="宋体" panose="02010600030101010101" pitchFamily="2" charset="-122"/>
+            </a:endParaRPr>
+          </a:p>
+          <a:p>
+            <a:r>
+              <a:rPr lang="en-US" altLang="zh-CN">
+                <a:latin typeface="Calibri" panose="020F0502020204030204" charset="0"/>
+                <a:ea typeface="宋体" panose="02010600030101010101" pitchFamily="2" charset="-122"/>
+              </a:rPr>
+              <a:t>所承担工作的完成质量8</a:t>
+            </a:r>
+            <a:endParaRPr lang="en-US" altLang="zh-CN">
+              <a:latin typeface="Calibri" panose="020F0502020204030204" charset="0"/>
+              <a:ea typeface="宋体" panose="02010600030101010101" pitchFamily="2" charset="-122"/>
+            </a:endParaRPr>
+          </a:p>
+          <a:p>
+            <a:r>
+              <a:rPr lang="en-US" altLang="zh-CN">
+                <a:latin typeface="Calibri" panose="020F0502020204030204" charset="0"/>
+                <a:ea typeface="宋体" panose="02010600030101010101" pitchFamily="2" charset="-122"/>
+              </a:rPr>
+              <a:t>工作沟通               7</a:t>
+            </a:r>
+            <a:endParaRPr lang="en-US" altLang="zh-CN">
+              <a:latin typeface="Calibri" panose="020F0502020204030204" charset="0"/>
+              <a:ea typeface="宋体" panose="02010600030101010101" pitchFamily="2" charset="-122"/>
+            </a:endParaRPr>
+          </a:p>
+          <a:p>
+            <a:r>
+              <a:rPr lang="en-US" altLang="zh-CN">
+                <a:latin typeface="Calibri" panose="020F0502020204030204" charset="0"/>
+                <a:ea typeface="宋体" panose="02010600030101010101" pitchFamily="2" charset="-122"/>
+              </a:rPr>
+              <a:t>文档提交的及时程</a:t>
+            </a:r>
+            <a:r>
+              <a:rPr lang="zh-CN" altLang="en-US">
+                <a:latin typeface="Calibri" panose="020F0502020204030204" charset="0"/>
+                <a:ea typeface="宋体" panose="02010600030101010101" pitchFamily="2" charset="-122"/>
+              </a:rPr>
+              <a:t>度</a:t>
+            </a:r>
+            <a:r>
+              <a:rPr lang="en-US" altLang="zh-CN">
+                <a:latin typeface="Calibri" panose="020F0502020204030204" charset="0"/>
+                <a:ea typeface="宋体" panose="02010600030101010101" pitchFamily="2" charset="-122"/>
+              </a:rPr>
+              <a:t> 9</a:t>
+            </a:r>
+            <a:endParaRPr lang="en-US" altLang="zh-CN">
+              <a:latin typeface="Calibri" panose="020F0502020204030204" charset="0"/>
+              <a:ea typeface="宋体" panose="02010600030101010101" pitchFamily="2" charset="-122"/>
+            </a:endParaRPr>
+          </a:p>
+          <a:p>
+            <a:r>
+              <a:rPr lang="en-US" altLang="zh-CN">
+                <a:latin typeface="Calibri" panose="020F0502020204030204" charset="0"/>
+                <a:ea typeface="宋体" panose="02010600030101010101" pitchFamily="2" charset="-122"/>
+              </a:rPr>
+              <a:t>文档的质量	         9</a:t>
+            </a:r>
+            <a:endParaRPr lang="en-US" altLang="zh-CN">
+              <a:latin typeface="Calibri" panose="020F0502020204030204" charset="0"/>
+              <a:ea typeface="宋体" panose="02010600030101010101" pitchFamily="2" charset="-122"/>
+            </a:endParaRPr>
+          </a:p>
+          <a:p>
+            <a:r>
+              <a:rPr lang="en-US" altLang="zh-CN">
+                <a:latin typeface="Calibri" panose="020F0502020204030204" charset="0"/>
+                <a:ea typeface="宋体" panose="02010600030101010101" pitchFamily="2" charset="-122"/>
+              </a:rPr>
+              <a:t>工作态度                 9</a:t>
+            </a:r>
+            <a:endParaRPr lang="en-US" altLang="zh-CN">
+              <a:latin typeface="Calibri" panose="020F0502020204030204" charset="0"/>
+              <a:ea typeface="宋体" panose="02010600030101010101" pitchFamily="2" charset="-122"/>
+            </a:endParaRPr>
+          </a:p>
+          <a:p>
+            <a:r>
+              <a:rPr lang="zh-CN" altLang="en-US">
+                <a:latin typeface="Calibri" panose="020F0502020204030204" charset="0"/>
+                <a:ea typeface="宋体" panose="02010600030101010101" pitchFamily="2" charset="-122"/>
+              </a:rPr>
+              <a:t>总评：</a:t>
+            </a:r>
+            <a:r>
+              <a:rPr lang="en-US" altLang="zh-CN">
+                <a:latin typeface="Calibri" panose="020F0502020204030204" charset="0"/>
+                <a:ea typeface="宋体" panose="02010600030101010101" pitchFamily="2" charset="-122"/>
+              </a:rPr>
+              <a:t>84	</a:t>
+            </a:r>
+            <a:endParaRPr lang="en-US" altLang="zh-CN">
+              <a:latin typeface="Calibri" panose="020F0502020204030204" charset="0"/>
+              <a:ea typeface="宋体" panose="02010600030101010101" pitchFamily="2" charset="-122"/>
+            </a:endParaRPr>
+          </a:p>
+        </p:txBody>
+      </p:sp>
+      <p:sp>
+        <p:nvSpPr>
+          <p:cNvPr id="30734" name="文本框 6"/>
+          <p:cNvSpPr txBox="1"/>
+          <p:nvPr/>
+        </p:nvSpPr>
+        <p:spPr>
+          <a:xfrm>
+            <a:off x="5934393" y="933450"/>
+            <a:ext cx="1096962" cy="368300"/>
+          </a:xfrm>
+          <a:prstGeom prst="rect">
+            <a:avLst/>
+          </a:prstGeom>
+          <a:noFill/>
+          <a:ln w="9525">
+            <a:noFill/>
+          </a:ln>
+        </p:spPr>
+        <p:txBody>
+          <a:bodyPr wrap="none" anchor="t">
+            <a:spAutoFit/>
+          </a:bodyPr>
+          <a:p>
+            <a:r>
+              <a:rPr lang="zh-CN" altLang="en-US">
+                <a:latin typeface="Calibri" panose="020F0502020204030204" charset="0"/>
+                <a:ea typeface="宋体" panose="02010600030101010101" pitchFamily="2" charset="-122"/>
+              </a:rPr>
+              <a:t>陈金润：</a:t>
+            </a:r>
+            <a:endParaRPr lang="zh-CN" altLang="en-US">
+              <a:latin typeface="Calibri" panose="020F0502020204030204" charset="0"/>
+              <a:ea typeface="宋体" panose="02010600030101010101" pitchFamily="2" charset="-122"/>
+            </a:endParaRPr>
+          </a:p>
+        </p:txBody>
+      </p:sp>
+      <p:sp>
+        <p:nvSpPr>
+          <p:cNvPr id="30735" name="文本框 7"/>
+          <p:cNvSpPr txBox="1"/>
+          <p:nvPr/>
+        </p:nvSpPr>
+        <p:spPr>
+          <a:xfrm>
+            <a:off x="4879658" y="1531938"/>
+            <a:ext cx="2926080" cy="3415030"/>
+          </a:xfrm>
+          <a:prstGeom prst="rect">
+            <a:avLst/>
+          </a:prstGeom>
+          <a:noFill/>
+          <a:ln w="9525">
+            <a:noFill/>
+          </a:ln>
+        </p:spPr>
+        <p:txBody>
+          <a:bodyPr wrap="none" anchor="t">
+            <a:spAutoFit/>
+          </a:bodyPr>
+          <a:p>
+            <a:r>
+              <a:rPr lang="zh-CN" altLang="en-US">
+                <a:latin typeface="Calibri" panose="020F0502020204030204" charset="0"/>
+                <a:ea typeface="宋体" panose="02010600030101010101" pitchFamily="2" charset="-122"/>
+                <a:sym typeface="宋体" panose="02010600030101010101" pitchFamily="2" charset="-122"/>
+              </a:rPr>
+              <a:t>职责要求                   </a:t>
+            </a:r>
+            <a:r>
+              <a:rPr lang="en-US" altLang="zh-CN">
+                <a:latin typeface="Calibri" panose="020F0502020204030204" charset="0"/>
+                <a:ea typeface="宋体" panose="02010600030101010101" pitchFamily="2" charset="-122"/>
+                <a:sym typeface="宋体" panose="02010600030101010101" pitchFamily="2" charset="-122"/>
+              </a:rPr>
+              <a:t>10</a:t>
+            </a:r>
+            <a:endParaRPr lang="en-US" altLang="zh-CN">
+              <a:latin typeface="Calibri" panose="020F0502020204030204" charset="0"/>
+              <a:ea typeface="宋体" panose="02010600030101010101" pitchFamily="2" charset="-122"/>
+              <a:sym typeface="宋体" panose="02010600030101010101" pitchFamily="2" charset="-122"/>
+            </a:endParaRPr>
+          </a:p>
+          <a:p>
+            <a:r>
+              <a:rPr lang="zh-CN" altLang="en-US">
+                <a:latin typeface="Calibri" panose="020F0502020204030204" charset="0"/>
+                <a:ea typeface="宋体" panose="02010600030101010101" pitchFamily="2" charset="-122"/>
+                <a:sym typeface="宋体" panose="02010600030101010101" pitchFamily="2" charset="-122"/>
+              </a:rPr>
+              <a:t>技术难度	 </a:t>
+            </a:r>
+            <a:r>
+              <a:rPr lang="en-US" altLang="zh-CN">
+                <a:latin typeface="Calibri" panose="020F0502020204030204" charset="0"/>
+                <a:ea typeface="宋体" panose="02010600030101010101" pitchFamily="2" charset="-122"/>
+                <a:sym typeface="宋体" panose="02010600030101010101" pitchFamily="2" charset="-122"/>
+              </a:rPr>
+              <a:t>8</a:t>
+            </a:r>
+            <a:r>
+              <a:rPr lang="zh-CN" altLang="en-US">
+                <a:latin typeface="Calibri" panose="020F0502020204030204" charset="0"/>
+                <a:ea typeface="宋体" panose="02010600030101010101" pitchFamily="2" charset="-122"/>
+                <a:sym typeface="宋体" panose="02010600030101010101" pitchFamily="2" charset="-122"/>
+              </a:rPr>
+              <a:t>   </a:t>
+            </a:r>
+            <a:endParaRPr lang="zh-CN" altLang="en-US">
+              <a:latin typeface="Calibri" panose="020F0502020204030204" charset="0"/>
+              <a:ea typeface="宋体" panose="02010600030101010101" pitchFamily="2" charset="-122"/>
+            </a:endParaRPr>
+          </a:p>
+          <a:p>
+            <a:r>
+              <a:rPr lang="zh-CN" altLang="en-US">
+                <a:latin typeface="Calibri" panose="020F0502020204030204" charset="0"/>
+                <a:ea typeface="宋体" panose="02010600030101010101" pitchFamily="2" charset="-122"/>
+                <a:sym typeface="宋体" panose="02010600030101010101" pitchFamily="2" charset="-122"/>
+              </a:rPr>
+              <a:t>工作的重要性	 </a:t>
+            </a:r>
+            <a:r>
+              <a:rPr lang="en-US" altLang="zh-CN">
+                <a:latin typeface="Calibri" panose="020F0502020204030204" charset="0"/>
+                <a:ea typeface="宋体" panose="02010600030101010101" pitchFamily="2" charset="-122"/>
+                <a:sym typeface="宋体" panose="02010600030101010101" pitchFamily="2" charset="-122"/>
+              </a:rPr>
+              <a:t>8</a:t>
+            </a:r>
+            <a:endParaRPr lang="en-US" altLang="zh-CN">
+              <a:latin typeface="Calibri" panose="020F0502020204030204" charset="0"/>
+              <a:ea typeface="宋体" panose="02010600030101010101" pitchFamily="2" charset="-122"/>
+              <a:sym typeface="宋体" panose="02010600030101010101" pitchFamily="2" charset="-122"/>
+            </a:endParaRPr>
+          </a:p>
+          <a:p>
+            <a:r>
+              <a:rPr lang="zh-CN" altLang="en-US">
+                <a:latin typeface="Calibri" panose="020F0502020204030204" charset="0"/>
+                <a:ea typeface="宋体" panose="02010600030101010101" pitchFamily="2" charset="-122"/>
+                <a:sym typeface="宋体" panose="02010600030101010101" pitchFamily="2" charset="-122"/>
+              </a:rPr>
+              <a:t>工作强度</a:t>
+            </a:r>
+            <a:r>
+              <a:rPr lang="en-US" altLang="zh-CN">
+                <a:latin typeface="Calibri" panose="020F0502020204030204" charset="0"/>
+                <a:ea typeface="宋体" panose="02010600030101010101" pitchFamily="2" charset="-122"/>
+                <a:sym typeface="宋体" panose="02010600030101010101" pitchFamily="2" charset="-122"/>
+              </a:rPr>
+              <a:t>	</a:t>
+            </a:r>
+            <a:r>
+              <a:rPr lang="zh-CN" altLang="en-US">
+                <a:latin typeface="Calibri" panose="020F0502020204030204" charset="0"/>
+                <a:ea typeface="宋体" panose="02010600030101010101" pitchFamily="2" charset="-122"/>
+                <a:sym typeface="宋体" panose="02010600030101010101" pitchFamily="2" charset="-122"/>
+              </a:rPr>
+              <a:t> </a:t>
+            </a:r>
+            <a:r>
+              <a:rPr lang="en-US" altLang="zh-CN">
+                <a:latin typeface="Calibri" panose="020F0502020204030204" charset="0"/>
+                <a:ea typeface="宋体" panose="02010600030101010101" pitchFamily="2" charset="-122"/>
+                <a:sym typeface="宋体" panose="02010600030101010101" pitchFamily="2" charset="-122"/>
+              </a:rPr>
+              <a:t>9</a:t>
+            </a:r>
+            <a:endParaRPr lang="en-US" altLang="zh-CN">
+              <a:latin typeface="Calibri" panose="020F0502020204030204" charset="0"/>
+              <a:ea typeface="宋体" panose="02010600030101010101" pitchFamily="2" charset="-122"/>
+              <a:sym typeface="宋体" panose="02010600030101010101" pitchFamily="2" charset="-122"/>
+            </a:endParaRPr>
+          </a:p>
+          <a:p>
+            <a:r>
+              <a:rPr lang="zh-CN" altLang="en-US">
+                <a:latin typeface="Calibri" panose="020F0502020204030204" charset="0"/>
+                <a:ea typeface="宋体" panose="02010600030101010101" pitchFamily="2" charset="-122"/>
+                <a:sym typeface="宋体" panose="02010600030101010101" pitchFamily="2" charset="-122"/>
+              </a:rPr>
+              <a:t>实际完成情况：	 </a:t>
+            </a:r>
+            <a:endParaRPr lang="zh-CN" altLang="en-US">
+              <a:latin typeface="Calibri" panose="020F0502020204030204" charset="0"/>
+              <a:ea typeface="宋体" panose="02010600030101010101" pitchFamily="2" charset="-122"/>
+            </a:endParaRPr>
+          </a:p>
+          <a:p>
+            <a:r>
+              <a:rPr lang="en-US" altLang="zh-CN">
+                <a:latin typeface="Calibri" panose="020F0502020204030204" charset="0"/>
+                <a:ea typeface="宋体" panose="02010600030101010101" pitchFamily="2" charset="-122"/>
+                <a:sym typeface="宋体" panose="02010600030101010101" pitchFamily="2" charset="-122"/>
+              </a:rPr>
+              <a:t>所承担工作的完成速度10</a:t>
+            </a:r>
+            <a:endParaRPr lang="en-US" altLang="zh-CN">
+              <a:latin typeface="Calibri" panose="020F0502020204030204" charset="0"/>
+              <a:ea typeface="宋体" panose="02010600030101010101" pitchFamily="2" charset="-122"/>
+            </a:endParaRPr>
+          </a:p>
+          <a:p>
+            <a:r>
+              <a:rPr lang="en-US" altLang="zh-CN">
+                <a:latin typeface="Calibri" panose="020F0502020204030204" charset="0"/>
+                <a:ea typeface="宋体" panose="02010600030101010101" pitchFamily="2" charset="-122"/>
+                <a:sym typeface="宋体" panose="02010600030101010101" pitchFamily="2" charset="-122"/>
+              </a:rPr>
+              <a:t>所承担工作的完成质量7</a:t>
+            </a:r>
+            <a:endParaRPr lang="en-US" altLang="zh-CN">
+              <a:latin typeface="Calibri" panose="020F0502020204030204" charset="0"/>
+              <a:ea typeface="宋体" panose="02010600030101010101" pitchFamily="2" charset="-122"/>
+            </a:endParaRPr>
+          </a:p>
+          <a:p>
+            <a:r>
+              <a:rPr lang="en-US" altLang="zh-CN">
+                <a:latin typeface="Calibri" panose="020F0502020204030204" charset="0"/>
+                <a:ea typeface="宋体" panose="02010600030101010101" pitchFamily="2" charset="-122"/>
+                <a:sym typeface="宋体" panose="02010600030101010101" pitchFamily="2" charset="-122"/>
+              </a:rPr>
+              <a:t>工作沟通               7</a:t>
+            </a:r>
+            <a:endParaRPr lang="en-US" altLang="zh-CN">
+              <a:latin typeface="Calibri" panose="020F0502020204030204" charset="0"/>
+              <a:ea typeface="宋体" panose="02010600030101010101" pitchFamily="2" charset="-122"/>
+            </a:endParaRPr>
+          </a:p>
+          <a:p>
+            <a:r>
+              <a:rPr lang="en-US" altLang="zh-CN">
+                <a:latin typeface="Calibri" panose="020F0502020204030204" charset="0"/>
+                <a:ea typeface="宋体" panose="02010600030101010101" pitchFamily="2" charset="-122"/>
+                <a:sym typeface="宋体" panose="02010600030101010101" pitchFamily="2" charset="-122"/>
+              </a:rPr>
+              <a:t>文档提交的及时程</a:t>
+            </a:r>
+            <a:r>
+              <a:rPr lang="zh-CN" altLang="en-US">
+                <a:latin typeface="Calibri" panose="020F0502020204030204" charset="0"/>
+                <a:ea typeface="宋体" panose="02010600030101010101" pitchFamily="2" charset="-122"/>
+                <a:sym typeface="宋体" panose="02010600030101010101" pitchFamily="2" charset="-122"/>
+              </a:rPr>
+              <a:t>度</a:t>
+            </a:r>
+            <a:r>
+              <a:rPr lang="en-US" altLang="zh-CN">
+                <a:latin typeface="Calibri" panose="020F0502020204030204" charset="0"/>
+                <a:ea typeface="宋体" panose="02010600030101010101" pitchFamily="2" charset="-122"/>
+                <a:sym typeface="宋体" panose="02010600030101010101" pitchFamily="2" charset="-122"/>
+              </a:rPr>
+              <a:t> 10</a:t>
+            </a:r>
+            <a:endParaRPr lang="en-US" altLang="zh-CN">
+              <a:latin typeface="Calibri" panose="020F0502020204030204" charset="0"/>
+              <a:ea typeface="宋体" panose="02010600030101010101" pitchFamily="2" charset="-122"/>
+            </a:endParaRPr>
+          </a:p>
+          <a:p>
+            <a:r>
+              <a:rPr lang="en-US" altLang="zh-CN">
+                <a:latin typeface="Calibri" panose="020F0502020204030204" charset="0"/>
+                <a:ea typeface="宋体" panose="02010600030101010101" pitchFamily="2" charset="-122"/>
+                <a:sym typeface="宋体" panose="02010600030101010101" pitchFamily="2" charset="-122"/>
+              </a:rPr>
+              <a:t>文档的质量	         8</a:t>
+            </a:r>
+            <a:endParaRPr lang="en-US" altLang="zh-CN">
+              <a:latin typeface="Calibri" panose="020F0502020204030204" charset="0"/>
+              <a:ea typeface="宋体" panose="02010600030101010101" pitchFamily="2" charset="-122"/>
+            </a:endParaRPr>
+          </a:p>
+          <a:p>
+            <a:r>
+              <a:rPr lang="en-US" altLang="zh-CN">
+                <a:latin typeface="Calibri" panose="020F0502020204030204" charset="0"/>
+                <a:ea typeface="宋体" panose="02010600030101010101" pitchFamily="2" charset="-122"/>
+                <a:sym typeface="宋体" panose="02010600030101010101" pitchFamily="2" charset="-122"/>
+              </a:rPr>
+              <a:t>工作态度                 9	</a:t>
+            </a:r>
+            <a:endParaRPr lang="en-US" altLang="zh-CN">
+              <a:latin typeface="Calibri" panose="020F0502020204030204" charset="0"/>
+              <a:ea typeface="宋体" panose="02010600030101010101" pitchFamily="2" charset="-122"/>
+              <a:sym typeface="宋体" panose="02010600030101010101" pitchFamily="2" charset="-122"/>
+            </a:endParaRPr>
+          </a:p>
+          <a:p>
+            <a:r>
+              <a:rPr lang="zh-CN" altLang="en-US">
+                <a:latin typeface="Calibri" panose="020F0502020204030204" charset="0"/>
+                <a:ea typeface="宋体" panose="02010600030101010101" pitchFamily="2" charset="-122"/>
+              </a:rPr>
+              <a:t>总评：</a:t>
+            </a:r>
+            <a:r>
+              <a:rPr lang="en-US" altLang="zh-CN">
+                <a:latin typeface="Calibri" panose="020F0502020204030204" charset="0"/>
+                <a:ea typeface="宋体" panose="02010600030101010101" pitchFamily="2" charset="-122"/>
+              </a:rPr>
+              <a:t>86</a:t>
+            </a:r>
+            <a:endParaRPr lang="en-US" altLang="zh-CN">
+              <a:latin typeface="Calibri" panose="020F0502020204030204" charset="0"/>
+              <a:ea typeface="宋体" panose="02010600030101010101" pitchFamily="2" charset="-122"/>
+            </a:endParaRPr>
+          </a:p>
+        </p:txBody>
+      </p:sp>
+      <p:sp>
+        <p:nvSpPr>
+          <p:cNvPr id="2" name="文本框 7"/>
+          <p:cNvSpPr txBox="1"/>
+          <p:nvPr/>
+        </p:nvSpPr>
+        <p:spPr>
+          <a:xfrm>
+            <a:off x="7805738" y="1531938"/>
+            <a:ext cx="2590165" cy="3415030"/>
+          </a:xfrm>
+          <a:prstGeom prst="rect">
+            <a:avLst/>
+          </a:prstGeom>
+          <a:noFill/>
+          <a:ln w="9525">
+            <a:noFill/>
+          </a:ln>
+        </p:spPr>
+        <p:txBody>
+          <a:bodyPr wrap="none" anchor="t">
+            <a:spAutoFit/>
+          </a:bodyPr>
+          <a:p>
+            <a:r>
+              <a:rPr lang="zh-CN" altLang="en-US">
+                <a:latin typeface="Calibri" panose="020F0502020204030204" charset="0"/>
+                <a:ea typeface="宋体" panose="02010600030101010101" pitchFamily="2" charset="-122"/>
+                <a:sym typeface="宋体" panose="02010600030101010101" pitchFamily="2" charset="-122"/>
+              </a:rPr>
+              <a:t>职责要求                   </a:t>
+            </a:r>
+            <a:r>
+              <a:rPr lang="en-US" altLang="zh-CN">
+                <a:latin typeface="Calibri" panose="020F0502020204030204" charset="0"/>
+                <a:ea typeface="宋体" panose="02010600030101010101" pitchFamily="2" charset="-122"/>
+                <a:sym typeface="宋体" panose="02010600030101010101" pitchFamily="2" charset="-122"/>
+              </a:rPr>
+              <a:t>10</a:t>
+            </a:r>
+            <a:endParaRPr lang="en-US" altLang="zh-CN">
+              <a:latin typeface="Calibri" panose="020F0502020204030204" charset="0"/>
+              <a:ea typeface="宋体" panose="02010600030101010101" pitchFamily="2" charset="-122"/>
+              <a:sym typeface="宋体" panose="02010600030101010101" pitchFamily="2" charset="-122"/>
+            </a:endParaRPr>
+          </a:p>
+          <a:p>
+            <a:r>
+              <a:rPr lang="zh-CN" altLang="en-US">
+                <a:latin typeface="Calibri" panose="020F0502020204030204" charset="0"/>
+                <a:ea typeface="宋体" panose="02010600030101010101" pitchFamily="2" charset="-122"/>
+                <a:sym typeface="宋体" panose="02010600030101010101" pitchFamily="2" charset="-122"/>
+              </a:rPr>
+              <a:t>技术难度	 </a:t>
+            </a:r>
+            <a:r>
+              <a:rPr lang="en-US" altLang="zh-CN">
+                <a:latin typeface="Calibri" panose="020F0502020204030204" charset="0"/>
+                <a:ea typeface="宋体" panose="02010600030101010101" pitchFamily="2" charset="-122"/>
+                <a:sym typeface="宋体" panose="02010600030101010101" pitchFamily="2" charset="-122"/>
+              </a:rPr>
+              <a:t>7</a:t>
+            </a:r>
+            <a:r>
+              <a:rPr lang="zh-CN" altLang="en-US">
+                <a:latin typeface="Calibri" panose="020F0502020204030204" charset="0"/>
+                <a:ea typeface="宋体" panose="02010600030101010101" pitchFamily="2" charset="-122"/>
+                <a:sym typeface="宋体" panose="02010600030101010101" pitchFamily="2" charset="-122"/>
+              </a:rPr>
+              <a:t>   </a:t>
+            </a:r>
+            <a:endParaRPr lang="zh-CN" altLang="en-US">
+              <a:latin typeface="Calibri" panose="020F0502020204030204" charset="0"/>
+              <a:ea typeface="宋体" panose="02010600030101010101" pitchFamily="2" charset="-122"/>
+            </a:endParaRPr>
+          </a:p>
+          <a:p>
+            <a:r>
+              <a:rPr lang="zh-CN" altLang="en-US">
+                <a:latin typeface="Calibri" panose="020F0502020204030204" charset="0"/>
+                <a:ea typeface="宋体" panose="02010600030101010101" pitchFamily="2" charset="-122"/>
+                <a:sym typeface="宋体" panose="02010600030101010101" pitchFamily="2" charset="-122"/>
+              </a:rPr>
+              <a:t>工作的重要性	 </a:t>
+            </a:r>
+            <a:r>
+              <a:rPr lang="en-US" altLang="zh-CN">
+                <a:latin typeface="Calibri" panose="020F0502020204030204" charset="0"/>
+                <a:ea typeface="宋体" panose="02010600030101010101" pitchFamily="2" charset="-122"/>
+                <a:sym typeface="宋体" panose="02010600030101010101" pitchFamily="2" charset="-122"/>
+              </a:rPr>
+              <a:t>8</a:t>
+            </a:r>
+            <a:endParaRPr lang="en-US" altLang="zh-CN">
+              <a:latin typeface="Calibri" panose="020F0502020204030204" charset="0"/>
+              <a:ea typeface="宋体" panose="02010600030101010101" pitchFamily="2" charset="-122"/>
+              <a:sym typeface="宋体" panose="02010600030101010101" pitchFamily="2" charset="-122"/>
+            </a:endParaRPr>
+          </a:p>
+          <a:p>
+            <a:r>
+              <a:rPr lang="zh-CN" altLang="en-US">
+                <a:latin typeface="Calibri" panose="020F0502020204030204" charset="0"/>
+                <a:ea typeface="宋体" panose="02010600030101010101" pitchFamily="2" charset="-122"/>
+                <a:sym typeface="宋体" panose="02010600030101010101" pitchFamily="2" charset="-122"/>
+              </a:rPr>
+              <a:t>工作强度</a:t>
+            </a:r>
+            <a:r>
+              <a:rPr lang="en-US" altLang="zh-CN">
+                <a:latin typeface="Calibri" panose="020F0502020204030204" charset="0"/>
+                <a:ea typeface="宋体" panose="02010600030101010101" pitchFamily="2" charset="-122"/>
+                <a:sym typeface="宋体" panose="02010600030101010101" pitchFamily="2" charset="-122"/>
+              </a:rPr>
+              <a:t>	</a:t>
+            </a:r>
+            <a:r>
+              <a:rPr lang="zh-CN" altLang="en-US">
+                <a:latin typeface="Calibri" panose="020F0502020204030204" charset="0"/>
+                <a:ea typeface="宋体" panose="02010600030101010101" pitchFamily="2" charset="-122"/>
+                <a:sym typeface="宋体" panose="02010600030101010101" pitchFamily="2" charset="-122"/>
+              </a:rPr>
+              <a:t> </a:t>
+            </a:r>
+            <a:r>
+              <a:rPr lang="en-US" altLang="zh-CN">
+                <a:latin typeface="Calibri" panose="020F0502020204030204" charset="0"/>
+                <a:ea typeface="宋体" panose="02010600030101010101" pitchFamily="2" charset="-122"/>
+                <a:sym typeface="宋体" panose="02010600030101010101" pitchFamily="2" charset="-122"/>
+              </a:rPr>
+              <a:t>7</a:t>
+            </a:r>
+            <a:endParaRPr lang="en-US" altLang="zh-CN">
+              <a:latin typeface="Calibri" panose="020F0502020204030204" charset="0"/>
+              <a:ea typeface="宋体" panose="02010600030101010101" pitchFamily="2" charset="-122"/>
+              <a:sym typeface="宋体" panose="02010600030101010101" pitchFamily="2" charset="-122"/>
+            </a:endParaRPr>
+          </a:p>
+          <a:p>
+            <a:r>
+              <a:rPr lang="zh-CN" altLang="en-US">
+                <a:latin typeface="Calibri" panose="020F0502020204030204" charset="0"/>
+                <a:ea typeface="宋体" panose="02010600030101010101" pitchFamily="2" charset="-122"/>
+                <a:sym typeface="宋体" panose="02010600030101010101" pitchFamily="2" charset="-122"/>
+              </a:rPr>
+              <a:t>实际完成情况：	 </a:t>
+            </a:r>
+            <a:endParaRPr lang="zh-CN" altLang="en-US">
+              <a:latin typeface="Calibri" panose="020F0502020204030204" charset="0"/>
+              <a:ea typeface="宋体" panose="02010600030101010101" pitchFamily="2" charset="-122"/>
+            </a:endParaRPr>
+          </a:p>
+          <a:p>
+            <a:r>
+              <a:rPr lang="en-US" altLang="zh-CN">
+                <a:latin typeface="Calibri" panose="020F0502020204030204" charset="0"/>
+                <a:ea typeface="宋体" panose="02010600030101010101" pitchFamily="2" charset="-122"/>
+                <a:sym typeface="宋体" panose="02010600030101010101" pitchFamily="2" charset="-122"/>
+              </a:rPr>
+              <a:t>所承担工作的完成速度7</a:t>
+            </a:r>
+            <a:endParaRPr lang="en-US" altLang="zh-CN">
+              <a:latin typeface="Calibri" panose="020F0502020204030204" charset="0"/>
+              <a:ea typeface="宋体" panose="02010600030101010101" pitchFamily="2" charset="-122"/>
+            </a:endParaRPr>
+          </a:p>
+          <a:p>
+            <a:r>
+              <a:rPr lang="en-US" altLang="zh-CN">
+                <a:latin typeface="Calibri" panose="020F0502020204030204" charset="0"/>
+                <a:ea typeface="宋体" panose="02010600030101010101" pitchFamily="2" charset="-122"/>
+                <a:sym typeface="宋体" panose="02010600030101010101" pitchFamily="2" charset="-122"/>
+              </a:rPr>
+              <a:t>所承担工作的完成质量8</a:t>
+            </a:r>
+            <a:endParaRPr lang="en-US" altLang="zh-CN">
+              <a:latin typeface="Calibri" panose="020F0502020204030204" charset="0"/>
+              <a:ea typeface="宋体" panose="02010600030101010101" pitchFamily="2" charset="-122"/>
+            </a:endParaRPr>
+          </a:p>
+          <a:p>
+            <a:r>
+              <a:rPr lang="en-US" altLang="zh-CN">
+                <a:latin typeface="Calibri" panose="020F0502020204030204" charset="0"/>
+                <a:ea typeface="宋体" panose="02010600030101010101" pitchFamily="2" charset="-122"/>
+                <a:sym typeface="宋体" panose="02010600030101010101" pitchFamily="2" charset="-122"/>
+              </a:rPr>
+              <a:t>工作沟通               7</a:t>
+            </a:r>
+            <a:endParaRPr lang="en-US" altLang="zh-CN">
+              <a:latin typeface="Calibri" panose="020F0502020204030204" charset="0"/>
+              <a:ea typeface="宋体" panose="02010600030101010101" pitchFamily="2" charset="-122"/>
+            </a:endParaRPr>
+          </a:p>
+          <a:p>
+            <a:r>
+              <a:rPr lang="en-US" altLang="zh-CN">
+                <a:latin typeface="Calibri" panose="020F0502020204030204" charset="0"/>
+                <a:ea typeface="宋体" panose="02010600030101010101" pitchFamily="2" charset="-122"/>
+                <a:sym typeface="宋体" panose="02010600030101010101" pitchFamily="2" charset="-122"/>
+              </a:rPr>
+              <a:t>文档提交的及时程</a:t>
+            </a:r>
+            <a:r>
+              <a:rPr lang="zh-CN" altLang="en-US">
+                <a:latin typeface="Calibri" panose="020F0502020204030204" charset="0"/>
+                <a:ea typeface="宋体" panose="02010600030101010101" pitchFamily="2" charset="-122"/>
+                <a:sym typeface="宋体" panose="02010600030101010101" pitchFamily="2" charset="-122"/>
+              </a:rPr>
+              <a:t>度</a:t>
+            </a:r>
+            <a:r>
+              <a:rPr lang="en-US" altLang="zh-CN">
+                <a:latin typeface="Calibri" panose="020F0502020204030204" charset="0"/>
+                <a:ea typeface="宋体" panose="02010600030101010101" pitchFamily="2" charset="-122"/>
+                <a:sym typeface="宋体" panose="02010600030101010101" pitchFamily="2" charset="-122"/>
+              </a:rPr>
+              <a:t>8 </a:t>
+            </a:r>
+            <a:endParaRPr lang="en-US" altLang="zh-CN">
+              <a:latin typeface="Calibri" panose="020F0502020204030204" charset="0"/>
+              <a:ea typeface="宋体" panose="02010600030101010101" pitchFamily="2" charset="-122"/>
+            </a:endParaRPr>
+          </a:p>
+          <a:p>
+            <a:r>
+              <a:rPr lang="en-US" altLang="zh-CN">
+                <a:latin typeface="Calibri" panose="020F0502020204030204" charset="0"/>
+                <a:ea typeface="宋体" panose="02010600030101010101" pitchFamily="2" charset="-122"/>
+                <a:sym typeface="宋体" panose="02010600030101010101" pitchFamily="2" charset="-122"/>
+              </a:rPr>
+              <a:t>文档的质量	         8</a:t>
+            </a:r>
+            <a:endParaRPr lang="en-US" altLang="zh-CN">
+              <a:latin typeface="Calibri" panose="020F0502020204030204" charset="0"/>
+              <a:ea typeface="宋体" panose="02010600030101010101" pitchFamily="2" charset="-122"/>
+            </a:endParaRPr>
+          </a:p>
+          <a:p>
+            <a:r>
+              <a:rPr lang="en-US" altLang="zh-CN">
+                <a:latin typeface="Calibri" panose="020F0502020204030204" charset="0"/>
+                <a:ea typeface="宋体" panose="02010600030101010101" pitchFamily="2" charset="-122"/>
+                <a:sym typeface="宋体" panose="02010600030101010101" pitchFamily="2" charset="-122"/>
+              </a:rPr>
+              <a:t>工作态度                 9</a:t>
+            </a:r>
+            <a:endParaRPr lang="en-US" altLang="zh-CN">
+              <a:latin typeface="Calibri" panose="020F0502020204030204" charset="0"/>
+              <a:ea typeface="宋体" panose="02010600030101010101" pitchFamily="2" charset="-122"/>
+              <a:sym typeface="宋体" panose="02010600030101010101" pitchFamily="2" charset="-122"/>
+            </a:endParaRPr>
+          </a:p>
+          <a:p>
+            <a:r>
+              <a:rPr lang="zh-CN" altLang="en-US">
+                <a:latin typeface="Calibri" panose="020F0502020204030204" charset="0"/>
+                <a:ea typeface="宋体" panose="02010600030101010101" pitchFamily="2" charset="-122"/>
+                <a:sym typeface="宋体" panose="02010600030101010101" pitchFamily="2" charset="-122"/>
+              </a:rPr>
+              <a:t>总评：</a:t>
+            </a:r>
+            <a:r>
+              <a:rPr lang="en-US" altLang="zh-CN">
+                <a:latin typeface="Calibri" panose="020F0502020204030204" charset="0"/>
+                <a:ea typeface="宋体" panose="02010600030101010101" pitchFamily="2" charset="-122"/>
+                <a:sym typeface="宋体" panose="02010600030101010101" pitchFamily="2" charset="-122"/>
+              </a:rPr>
+              <a:t>79	</a:t>
+            </a:r>
+            <a:endParaRPr lang="zh-CN" altLang="en-US">
+              <a:latin typeface="Calibri" panose="020F0502020204030204" charset="0"/>
+              <a:ea typeface="宋体" panose="02010600030101010101" pitchFamily="2" charset="-122"/>
+            </a:endParaRPr>
+          </a:p>
+        </p:txBody>
+      </p:sp>
+      <p:sp>
+        <p:nvSpPr>
+          <p:cNvPr id="6" name="文本框 5"/>
+          <p:cNvSpPr txBox="1"/>
+          <p:nvPr/>
+        </p:nvSpPr>
+        <p:spPr>
+          <a:xfrm>
+            <a:off x="8952230" y="933450"/>
+            <a:ext cx="868680" cy="368300"/>
+          </a:xfrm>
+          <a:prstGeom prst="rect">
+            <a:avLst/>
+          </a:prstGeom>
+          <a:noFill/>
+        </p:spPr>
+        <p:txBody>
+          <a:bodyPr wrap="none" rtlCol="0">
+            <a:spAutoFit/>
+          </a:bodyPr>
+          <a:p>
+            <a:r>
+              <a:rPr lang="zh-CN" altLang="en-US" sz="1800"/>
+              <a:t>简浩男</a:t>
+            </a:r>
+            <a:endParaRPr lang="zh-CN" altLang="en-US" sz="1800"/>
+          </a:p>
+        </p:txBody>
+      </p:sp>
     </p:spTree>
   </p:cSld>
   <p:clrMapOvr>
@@ -10634,7 +12938,7 @@
 </p:sld>
 </file>
 
-<file path=ppt/slides/slide20.xml><?xml version="1.0" encoding="utf-8"?>
+<file path=ppt/slides/slide22.xml><?xml version="1.0" encoding="utf-8"?>
 <p:sld xmlns:a="http://schemas.openxmlformats.org/drawingml/2006/main" xmlns:r="http://schemas.openxmlformats.org/officeDocument/2006/relationships" xmlns:p="http://schemas.openxmlformats.org/presentationml/2006/main">
   <p:cSld>
     <p:spTree>
@@ -10667,8 +12971,16 @@
           <a:p>
             <a:pPr lvl="0" fontAlgn="auto"/>
             <a:r>
-              <a:rPr lang="zh-CN" altLang="en-US" sz="2000">
-                <a:sym typeface="+mn-ea"/>
+              <a:rPr kumimoji="0" lang="zh-CN" altLang="en-US" sz="2000" b="1" i="0" u="none" strike="noStrike" kern="0" cap="none" spc="0" normalizeH="0" baseline="0" noProof="0" dirty="0" smtClean="0">
+                <a:ln>
+                  <a:noFill/>
+                </a:ln>
+                <a:effectLst/>
+                <a:uLnTx/>
+                <a:uFillTx/>
+                <a:latin typeface="微软雅黑" panose="020B0503020204020204" pitchFamily="34" charset="-122"/>
+                <a:ea typeface="微软雅黑" panose="020B0503020204020204" pitchFamily="34" charset="-122"/>
+                <a:cs typeface="微软雅黑" panose="020B0503020204020204" pitchFamily="34" charset="-122"/>
               </a:rPr>
               <a:t>绩效评定</a:t>
             </a:r>
@@ -10688,7 +13000,7 @@
       </p:sp>
       <p:sp>
         <p:nvSpPr>
-          <p:cNvPr id="30722" name="矩形 15"/>
+          <p:cNvPr id="31746" name="矩形 15"/>
           <p:cNvSpPr/>
           <p:nvPr/>
         </p:nvSpPr>
@@ -10784,7 +13096,7 @@
         </p:nvSpPr>
         <p:spPr>
           <a:xfrm>
-            <a:off x="-75565" y="161925"/>
+            <a:off x="-76200" y="161925"/>
             <a:ext cx="866775" cy="400050"/>
           </a:xfrm>
           <a:prstGeom prst="rect">
@@ -10923,7 +13235,7 @@
       </p:cxnSp>
       <p:pic>
         <p:nvPicPr>
-          <p:cNvPr id="30727" name="图片 2" descr="小组logo"/>
+          <p:cNvPr id="31751" name="图片 2" descr="小组logo"/>
           <p:cNvPicPr>
             <a:picLocks noChangeAspect="1"/>
           </p:cNvPicPr>
@@ -10951,7 +13263,7 @@
       </p:pic>
       <p:pic>
         <p:nvPicPr>
-          <p:cNvPr id="30728" name="Picture 2" descr="C:\Documents and Settings\Administrator\My Documents\Downloads\006.png"/>
+          <p:cNvPr id="31752" name="Picture 2" descr="C:\Documents and Settings\Administrator\My Documents\Downloads\006.png"/>
           <p:cNvPicPr>
             <a:picLocks noChangeAspect="1"/>
           </p:cNvPicPr>
@@ -11017,7 +13329,7 @@
       </p:cxnSp>
       <p:sp>
         <p:nvSpPr>
-          <p:cNvPr id="30730" name="文本框 1"/>
+          <p:cNvPr id="31754" name="文本框 1"/>
           <p:cNvSpPr txBox="1"/>
           <p:nvPr/>
         </p:nvSpPr>
@@ -11055,7 +13367,7 @@
       </p:sp>
       <p:sp>
         <p:nvSpPr>
-          <p:cNvPr id="30731" name="文本框 3"/>
+          <p:cNvPr id="31755" name="文本框 3"/>
           <p:cNvSpPr txBox="1"/>
           <p:nvPr/>
         </p:nvSpPr>
@@ -11082,7 +13394,7 @@
                 <a:latin typeface="Calibri" panose="020F0502020204030204" charset="0"/>
                 <a:ea typeface="宋体" panose="02010600030101010101" pitchFamily="2" charset="-122"/>
               </a:rPr>
-              <a:t>温中磊：</a:t>
+              <a:t>吕政凯：</a:t>
             </a:r>
             <a:endParaRPr lang="zh-CN" altLang="en-US">
               <a:latin typeface="Calibri" panose="020F0502020204030204" charset="0"/>
@@ -11131,7 +13443,7 @@
       </p:cxnSp>
       <p:sp>
         <p:nvSpPr>
-          <p:cNvPr id="30733" name="文本框 5"/>
+          <p:cNvPr id="31757" name="文本框 5"/>
           <p:cNvSpPr txBox="1"/>
           <p:nvPr/>
         </p:nvSpPr>
@@ -11158,7 +13470,41 @@
                 <a:latin typeface="Calibri" panose="020F0502020204030204" charset="0"/>
                 <a:ea typeface="宋体" panose="02010600030101010101" pitchFamily="2" charset="-122"/>
               </a:rPr>
-              <a:t>职责要求                   10</a:t>
+              <a:t>职责要求                   </a:t>
+            </a:r>
+            <a:r>
+              <a:rPr lang="en-US" altLang="zh-CN">
+                <a:latin typeface="Calibri" panose="020F0502020204030204" charset="0"/>
+                <a:ea typeface="宋体" panose="02010600030101010101" pitchFamily="2" charset="-122"/>
+              </a:rPr>
+              <a:t>10</a:t>
+            </a:r>
+            <a:endParaRPr lang="en-US" altLang="zh-CN">
+              <a:latin typeface="Calibri" panose="020F0502020204030204" charset="0"/>
+              <a:ea typeface="宋体" panose="02010600030101010101" pitchFamily="2" charset="-122"/>
+            </a:endParaRPr>
+          </a:p>
+          <a:p>
+            <a:r>
+              <a:rPr lang="zh-CN" altLang="en-US">
+                <a:latin typeface="Calibri" panose="020F0502020204030204" charset="0"/>
+                <a:ea typeface="宋体" panose="02010600030101010101" pitchFamily="2" charset="-122"/>
+              </a:rPr>
+              <a:t>技术难度	 </a:t>
+            </a:r>
+            <a:r>
+              <a:rPr lang="en-US" altLang="zh-CN">
+                <a:latin typeface="Calibri" panose="020F0502020204030204" charset="0"/>
+                <a:ea typeface="宋体" panose="02010600030101010101" pitchFamily="2" charset="-122"/>
+              </a:rPr>
+              <a:t>7</a:t>
+            </a:r>
+            <a:r>
+              <a:rPr lang="zh-CN" altLang="en-US">
+                <a:latin typeface="Calibri" panose="020F0502020204030204" charset="0"/>
+                <a:ea typeface="宋体" panose="02010600030101010101" pitchFamily="2" charset="-122"/>
+              </a:rPr>
+              <a:t>   </a:t>
             </a:r>
             <a:endParaRPr lang="zh-CN" altLang="en-US">
               <a:latin typeface="Calibri" panose="020F0502020204030204" charset="0"/>
@@ -11171,21 +13517,61 @@
                 <a:latin typeface="Calibri" panose="020F0502020204030204" charset="0"/>
                 <a:ea typeface="宋体" panose="02010600030101010101" pitchFamily="2" charset="-122"/>
               </a:rPr>
-              <a:t>技术难度	 </a:t>
+              <a:t>工作的重要性	 </a:t>
             </a:r>
             <a:r>
               <a:rPr lang="en-US" altLang="zh-CN">
                 <a:latin typeface="Calibri" panose="020F0502020204030204" charset="0"/>
                 <a:ea typeface="宋体" panose="02010600030101010101" pitchFamily="2" charset="-122"/>
               </a:rPr>
-              <a:t>7</a:t>
-            </a:r>
+              <a:t>6</a:t>
+            </a:r>
+            <a:endParaRPr lang="en-US" altLang="zh-CN">
+              <a:latin typeface="Calibri" panose="020F0502020204030204" charset="0"/>
+              <a:ea typeface="宋体" panose="02010600030101010101" pitchFamily="2" charset="-122"/>
+            </a:endParaRPr>
+          </a:p>
+          <a:p>
             <a:r>
               <a:rPr lang="zh-CN" altLang="en-US">
                 <a:latin typeface="Calibri" panose="020F0502020204030204" charset="0"/>
                 <a:ea typeface="宋体" panose="02010600030101010101" pitchFamily="2" charset="-122"/>
               </a:rPr>
-              <a:t>   </a:t>
+              <a:t>工作强度</a:t>
+            </a:r>
+            <a:r>
+              <a:rPr lang="en-US" altLang="zh-CN">
+                <a:latin typeface="Calibri" panose="020F0502020204030204" charset="0"/>
+                <a:ea typeface="宋体" panose="02010600030101010101" pitchFamily="2" charset="-122"/>
+              </a:rPr>
+              <a:t>	</a:t>
+            </a:r>
+            <a:r>
+              <a:rPr lang="zh-CN" altLang="en-US">
+                <a:latin typeface="Calibri" panose="020F0502020204030204" charset="0"/>
+                <a:ea typeface="宋体" panose="02010600030101010101" pitchFamily="2" charset="-122"/>
+              </a:rPr>
+              <a:t> </a:t>
+            </a:r>
+            <a:r>
+              <a:rPr lang="en-US" altLang="zh-CN">
+                <a:latin typeface="Calibri" panose="020F0502020204030204" charset="0"/>
+                <a:ea typeface="宋体" panose="02010600030101010101" pitchFamily="2" charset="-122"/>
+              </a:rPr>
+              <a:t>8</a:t>
+            </a:r>
+            <a:endParaRPr lang="en-US" altLang="zh-CN">
+              <a:latin typeface="Calibri" panose="020F0502020204030204" charset="0"/>
+              <a:ea typeface="宋体" panose="02010600030101010101" pitchFamily="2" charset="-122"/>
+            </a:endParaRPr>
+          </a:p>
+          <a:p>
+            <a:r>
+              <a:rPr lang="zh-CN" altLang="en-US">
+                <a:latin typeface="Calibri" panose="020F0502020204030204" charset="0"/>
+                <a:ea typeface="宋体" panose="02010600030101010101" pitchFamily="2" charset="-122"/>
+              </a:rPr>
+              <a:t>实际完成情况：	 </a:t>
             </a:r>
             <a:endParaRPr lang="zh-CN" altLang="en-US">
               <a:latin typeface="Calibri" panose="020F0502020204030204" charset="0"/>
@@ -11194,58 +13580,187 @@
           </a:p>
           <a:p>
             <a:r>
+              <a:rPr lang="en-US" altLang="zh-CN">
+                <a:latin typeface="Calibri" panose="020F0502020204030204" charset="0"/>
+                <a:ea typeface="宋体" panose="02010600030101010101" pitchFamily="2" charset="-122"/>
+              </a:rPr>
+              <a:t>所承担工作的完成速度9</a:t>
+            </a:r>
+            <a:endParaRPr lang="en-US" altLang="zh-CN">
+              <a:latin typeface="Calibri" panose="020F0502020204030204" charset="0"/>
+              <a:ea typeface="宋体" panose="02010600030101010101" pitchFamily="2" charset="-122"/>
+            </a:endParaRPr>
+          </a:p>
+          <a:p>
+            <a:r>
+              <a:rPr lang="en-US" altLang="zh-CN">
+                <a:latin typeface="Calibri" panose="020F0502020204030204" charset="0"/>
+                <a:ea typeface="宋体" panose="02010600030101010101" pitchFamily="2" charset="-122"/>
+              </a:rPr>
+              <a:t>所承担工作的完成质量10</a:t>
+            </a:r>
+            <a:endParaRPr lang="en-US" altLang="zh-CN">
+              <a:latin typeface="Calibri" panose="020F0502020204030204" charset="0"/>
+              <a:ea typeface="宋体" panose="02010600030101010101" pitchFamily="2" charset="-122"/>
+            </a:endParaRPr>
+          </a:p>
+          <a:p>
+            <a:r>
+              <a:rPr lang="en-US" altLang="zh-CN">
+                <a:latin typeface="Calibri" panose="020F0502020204030204" charset="0"/>
+                <a:ea typeface="宋体" panose="02010600030101010101" pitchFamily="2" charset="-122"/>
+              </a:rPr>
+              <a:t>工作沟通               10</a:t>
+            </a:r>
+            <a:endParaRPr lang="en-US" altLang="zh-CN">
+              <a:latin typeface="Calibri" panose="020F0502020204030204" charset="0"/>
+              <a:ea typeface="宋体" panose="02010600030101010101" pitchFamily="2" charset="-122"/>
+            </a:endParaRPr>
+          </a:p>
+          <a:p>
+            <a:r>
+              <a:rPr lang="en-US" altLang="zh-CN">
+                <a:latin typeface="Calibri" panose="020F0502020204030204" charset="0"/>
+                <a:ea typeface="宋体" panose="02010600030101010101" pitchFamily="2" charset="-122"/>
+              </a:rPr>
+              <a:t>文档提交的及时程</a:t>
+            </a:r>
+            <a:r>
               <a:rPr lang="zh-CN" altLang="en-US">
                 <a:latin typeface="Calibri" panose="020F0502020204030204" charset="0"/>
                 <a:ea typeface="宋体" panose="02010600030101010101" pitchFamily="2" charset="-122"/>
               </a:rPr>
-              <a:t>工作的重要性	 10</a:t>
+              <a:t>度</a:t>
+            </a:r>
+            <a:r>
+              <a:rPr lang="en-US" altLang="zh-CN">
+                <a:latin typeface="Calibri" panose="020F0502020204030204" charset="0"/>
+                <a:ea typeface="宋体" panose="02010600030101010101" pitchFamily="2" charset="-122"/>
+              </a:rPr>
+              <a:t> 8</a:t>
+            </a:r>
+            <a:endParaRPr lang="en-US" altLang="zh-CN">
+              <a:latin typeface="Calibri" panose="020F0502020204030204" charset="0"/>
+              <a:ea typeface="宋体" panose="02010600030101010101" pitchFamily="2" charset="-122"/>
+            </a:endParaRPr>
+          </a:p>
+          <a:p>
+            <a:r>
+              <a:rPr lang="en-US" altLang="zh-CN">
+                <a:latin typeface="Calibri" panose="020F0502020204030204" charset="0"/>
+                <a:ea typeface="宋体" panose="02010600030101010101" pitchFamily="2" charset="-122"/>
+              </a:rPr>
+              <a:t>文档的质量	         10</a:t>
+            </a:r>
+            <a:endParaRPr lang="en-US" altLang="zh-CN">
+              <a:latin typeface="Calibri" panose="020F0502020204030204" charset="0"/>
+              <a:ea typeface="宋体" panose="02010600030101010101" pitchFamily="2" charset="-122"/>
+            </a:endParaRPr>
+          </a:p>
+          <a:p>
+            <a:r>
+              <a:rPr lang="en-US" altLang="zh-CN">
+                <a:latin typeface="Calibri" panose="020F0502020204030204" charset="0"/>
+                <a:ea typeface="宋体" panose="02010600030101010101" pitchFamily="2" charset="-122"/>
+              </a:rPr>
+              <a:t>工作态度                 9</a:t>
+            </a:r>
+            <a:endParaRPr lang="en-US" altLang="zh-CN">
+              <a:latin typeface="Calibri" panose="020F0502020204030204" charset="0"/>
+              <a:ea typeface="宋体" panose="02010600030101010101" pitchFamily="2" charset="-122"/>
+            </a:endParaRPr>
+          </a:p>
+          <a:p>
+            <a:r>
+              <a:rPr lang="zh-CN" altLang="en-US">
+                <a:latin typeface="Calibri" panose="020F0502020204030204" charset="0"/>
+                <a:ea typeface="宋体" panose="02010600030101010101" pitchFamily="2" charset="-122"/>
+              </a:rPr>
+              <a:t>总评：</a:t>
+            </a:r>
+            <a:r>
+              <a:rPr lang="en-US" altLang="zh-CN">
+                <a:latin typeface="Calibri" panose="020F0502020204030204" charset="0"/>
+                <a:ea typeface="宋体" panose="02010600030101010101" pitchFamily="2" charset="-122"/>
+              </a:rPr>
+              <a:t>88	</a:t>
+            </a:r>
+            <a:endParaRPr lang="en-US" altLang="zh-CN">
+              <a:latin typeface="Calibri" panose="020F0502020204030204" charset="0"/>
+              <a:ea typeface="宋体" panose="02010600030101010101" pitchFamily="2" charset="-122"/>
+            </a:endParaRPr>
+          </a:p>
+        </p:txBody>
+      </p:sp>
+      <p:sp>
+        <p:nvSpPr>
+          <p:cNvPr id="31758" name="文本框 6"/>
+          <p:cNvSpPr txBox="1"/>
+          <p:nvPr/>
+        </p:nvSpPr>
+        <p:spPr>
+          <a:xfrm>
+            <a:off x="6751638" y="933450"/>
+            <a:ext cx="1096962" cy="368300"/>
+          </a:xfrm>
+          <a:prstGeom prst="rect">
+            <a:avLst/>
+          </a:prstGeom>
+          <a:noFill/>
+          <a:ln w="9525">
+            <a:noFill/>
+          </a:ln>
+        </p:spPr>
+        <p:txBody>
+          <a:bodyPr wrap="none" anchor="t">
+            <a:spAutoFit/>
+          </a:bodyPr>
+          <a:p>
+            <a:r>
+              <a:rPr lang="zh-CN" altLang="en-US">
+                <a:latin typeface="Calibri" panose="020F0502020204030204" charset="0"/>
+                <a:ea typeface="宋体" panose="02010600030101010101" pitchFamily="2" charset="-122"/>
+              </a:rPr>
+              <a:t>楼静靓：</a:t>
             </a:r>
             <a:endParaRPr lang="zh-CN" altLang="en-US">
               <a:latin typeface="Calibri" panose="020F0502020204030204" charset="0"/>
               <a:ea typeface="宋体" panose="02010600030101010101" pitchFamily="2" charset="-122"/>
             </a:endParaRPr>
           </a:p>
+        </p:txBody>
+      </p:sp>
+      <p:sp>
+        <p:nvSpPr>
+          <p:cNvPr id="31759" name="文本框 7"/>
+          <p:cNvSpPr txBox="1"/>
+          <p:nvPr/>
+        </p:nvSpPr>
+        <p:spPr>
+          <a:xfrm>
+            <a:off x="5722938" y="1531938"/>
+            <a:ext cx="2926080" cy="3415030"/>
+          </a:xfrm>
+          <a:prstGeom prst="rect">
+            <a:avLst/>
+          </a:prstGeom>
+          <a:noFill/>
+          <a:ln w="9525">
+            <a:noFill/>
+          </a:ln>
+        </p:spPr>
+        <p:txBody>
+          <a:bodyPr wrap="none" anchor="t">
+            <a:spAutoFit/>
+          </a:bodyPr>
           <a:p>
             <a:r>
               <a:rPr lang="zh-CN" altLang="en-US">
                 <a:latin typeface="Calibri" panose="020F0502020204030204" charset="0"/>
                 <a:ea typeface="宋体" panose="02010600030101010101" pitchFamily="2" charset="-122"/>
-              </a:rPr>
-              <a:t>工作强度</a:t>
-            </a:r>
-            <a:r>
-              <a:rPr lang="en-US" altLang="zh-CN">
-                <a:latin typeface="Calibri" panose="020F0502020204030204" charset="0"/>
-                <a:ea typeface="宋体" panose="02010600030101010101" pitchFamily="2" charset="-122"/>
-              </a:rPr>
-              <a:t>	</a:t>
-            </a:r>
-            <a:r>
-              <a:rPr lang="zh-CN" altLang="en-US">
-                <a:latin typeface="Calibri" panose="020F0502020204030204" charset="0"/>
-                <a:ea typeface="宋体" panose="02010600030101010101" pitchFamily="2" charset="-122"/>
-              </a:rPr>
-              <a:t> </a:t>
-            </a:r>
-            <a:r>
-              <a:rPr lang="en-US" altLang="zh-CN">
-                <a:latin typeface="Calibri" panose="020F0502020204030204" charset="0"/>
-                <a:ea typeface="宋体" panose="02010600030101010101" pitchFamily="2" charset="-122"/>
-              </a:rPr>
-              <a:t>6</a:t>
-            </a:r>
-            <a:endParaRPr lang="en-US" altLang="zh-CN">
-              <a:latin typeface="Calibri" panose="020F0502020204030204" charset="0"/>
-              <a:ea typeface="宋体" panose="02010600030101010101" pitchFamily="2" charset="-122"/>
-            </a:endParaRPr>
-          </a:p>
-          <a:p>
-            <a:r>
-              <a:rPr lang="zh-CN" altLang="en-US">
-                <a:latin typeface="Calibri" panose="020F0502020204030204" charset="0"/>
-                <a:ea typeface="宋体" panose="02010600030101010101" pitchFamily="2" charset="-122"/>
-              </a:rPr>
-              <a:t>实际完成情况：	 </a:t>
+                <a:sym typeface="宋体" panose="02010600030101010101" pitchFamily="2" charset="-122"/>
+              </a:rPr>
+              <a:t>职责要求                   10</a:t>
             </a:r>
             <a:endParaRPr lang="zh-CN" altLang="en-US">
               <a:latin typeface="Calibri" panose="020F0502020204030204" charset="0"/>
@@ -11254,179 +13769,34 @@
           </a:p>
           <a:p>
             <a:r>
+              <a:rPr lang="zh-CN" altLang="en-US">
+                <a:latin typeface="Calibri" panose="020F0502020204030204" charset="0"/>
+                <a:ea typeface="宋体" panose="02010600030101010101" pitchFamily="2" charset="-122"/>
+                <a:sym typeface="宋体" panose="02010600030101010101" pitchFamily="2" charset="-122"/>
+              </a:rPr>
+              <a:t>技术难度	 </a:t>
+            </a:r>
+            <a:r>
               <a:rPr lang="en-US" altLang="zh-CN">
                 <a:latin typeface="Calibri" panose="020F0502020204030204" charset="0"/>
                 <a:ea typeface="宋体" panose="02010600030101010101" pitchFamily="2" charset="-122"/>
-              </a:rPr>
-              <a:t>所承担工作的完成速度9</a:t>
-            </a:r>
-            <a:endParaRPr lang="en-US" altLang="zh-CN">
-              <a:latin typeface="Calibri" panose="020F0502020204030204" charset="0"/>
-              <a:ea typeface="宋体" panose="02010600030101010101" pitchFamily="2" charset="-122"/>
-            </a:endParaRPr>
-          </a:p>
-          <a:p>
-            <a:r>
-              <a:rPr lang="en-US" altLang="zh-CN">
-                <a:latin typeface="Calibri" panose="020F0502020204030204" charset="0"/>
-                <a:ea typeface="宋体" panose="02010600030101010101" pitchFamily="2" charset="-122"/>
-              </a:rPr>
-              <a:t>所承担工作的完成质量8</a:t>
-            </a:r>
-            <a:endParaRPr lang="en-US" altLang="zh-CN">
-              <a:latin typeface="Calibri" panose="020F0502020204030204" charset="0"/>
-              <a:ea typeface="宋体" panose="02010600030101010101" pitchFamily="2" charset="-122"/>
-            </a:endParaRPr>
-          </a:p>
-          <a:p>
-            <a:r>
-              <a:rPr lang="en-US" altLang="zh-CN">
-                <a:latin typeface="Calibri" panose="020F0502020204030204" charset="0"/>
-                <a:ea typeface="宋体" panose="02010600030101010101" pitchFamily="2" charset="-122"/>
-              </a:rPr>
-              <a:t>工作沟通               7</a:t>
-            </a:r>
-            <a:endParaRPr lang="en-US" altLang="zh-CN">
-              <a:latin typeface="Calibri" panose="020F0502020204030204" charset="0"/>
-              <a:ea typeface="宋体" panose="02010600030101010101" pitchFamily="2" charset="-122"/>
-            </a:endParaRPr>
-          </a:p>
-          <a:p>
-            <a:r>
-              <a:rPr lang="en-US" altLang="zh-CN">
-                <a:latin typeface="Calibri" panose="020F0502020204030204" charset="0"/>
-                <a:ea typeface="宋体" panose="02010600030101010101" pitchFamily="2" charset="-122"/>
-              </a:rPr>
-              <a:t>文档提交的及时程</a:t>
+                <a:sym typeface="宋体" panose="02010600030101010101" pitchFamily="2" charset="-122"/>
+              </a:rPr>
+              <a:t>9</a:t>
             </a:r>
             <a:r>
               <a:rPr lang="zh-CN" altLang="en-US">
                 <a:latin typeface="Calibri" panose="020F0502020204030204" charset="0"/>
                 <a:ea typeface="宋体" panose="02010600030101010101" pitchFamily="2" charset="-122"/>
-              </a:rPr>
-              <a:t>度</a:t>
-            </a:r>
-            <a:r>
-              <a:rPr lang="en-US" altLang="zh-CN">
-                <a:latin typeface="Calibri" panose="020F0502020204030204" charset="0"/>
-                <a:ea typeface="宋体" panose="02010600030101010101" pitchFamily="2" charset="-122"/>
-              </a:rPr>
-              <a:t> 9</a:t>
-            </a:r>
-            <a:endParaRPr lang="en-US" altLang="zh-CN">
-              <a:latin typeface="Calibri" panose="020F0502020204030204" charset="0"/>
-              <a:ea typeface="宋体" panose="02010600030101010101" pitchFamily="2" charset="-122"/>
-            </a:endParaRPr>
-          </a:p>
-          <a:p>
-            <a:r>
-              <a:rPr lang="en-US" altLang="zh-CN">
-                <a:latin typeface="Calibri" panose="020F0502020204030204" charset="0"/>
-                <a:ea typeface="宋体" panose="02010600030101010101" pitchFamily="2" charset="-122"/>
-              </a:rPr>
-              <a:t>文档的质量	         9</a:t>
-            </a:r>
-            <a:endParaRPr lang="en-US" altLang="zh-CN">
-              <a:latin typeface="Calibri" panose="020F0502020204030204" charset="0"/>
-              <a:ea typeface="宋体" panose="02010600030101010101" pitchFamily="2" charset="-122"/>
-            </a:endParaRPr>
-          </a:p>
-          <a:p>
-            <a:r>
-              <a:rPr lang="en-US" altLang="zh-CN">
-                <a:latin typeface="Calibri" panose="020F0502020204030204" charset="0"/>
-                <a:ea typeface="宋体" panose="02010600030101010101" pitchFamily="2" charset="-122"/>
-              </a:rPr>
-              <a:t>工作态度                 9</a:t>
-            </a:r>
-            <a:endParaRPr lang="en-US" altLang="zh-CN">
-              <a:latin typeface="Calibri" panose="020F0502020204030204" charset="0"/>
-              <a:ea typeface="宋体" panose="02010600030101010101" pitchFamily="2" charset="-122"/>
-            </a:endParaRPr>
-          </a:p>
-          <a:p>
-            <a:r>
-              <a:rPr lang="zh-CN" altLang="en-US">
-                <a:latin typeface="Calibri" panose="020F0502020204030204" charset="0"/>
-                <a:ea typeface="宋体" panose="02010600030101010101" pitchFamily="2" charset="-122"/>
-              </a:rPr>
-              <a:t>总评：</a:t>
-            </a:r>
-            <a:r>
-              <a:rPr lang="en-US" altLang="zh-CN">
-                <a:latin typeface="Calibri" panose="020F0502020204030204" charset="0"/>
-                <a:ea typeface="宋体" panose="02010600030101010101" pitchFamily="2" charset="-122"/>
-              </a:rPr>
-              <a:t>84	</a:t>
-            </a:r>
-            <a:endParaRPr lang="en-US" altLang="zh-CN">
-              <a:latin typeface="Calibri" panose="020F0502020204030204" charset="0"/>
-              <a:ea typeface="宋体" panose="02010600030101010101" pitchFamily="2" charset="-122"/>
-            </a:endParaRPr>
-          </a:p>
-        </p:txBody>
-      </p:sp>
-      <p:sp>
-        <p:nvSpPr>
-          <p:cNvPr id="30734" name="文本框 6"/>
-          <p:cNvSpPr txBox="1"/>
-          <p:nvPr/>
-        </p:nvSpPr>
-        <p:spPr>
-          <a:xfrm>
-            <a:off x="5934393" y="933450"/>
-            <a:ext cx="1096962" cy="368300"/>
-          </a:xfrm>
-          <a:prstGeom prst="rect">
-            <a:avLst/>
-          </a:prstGeom>
-          <a:noFill/>
-          <a:ln w="9525">
-            <a:noFill/>
-          </a:ln>
-        </p:spPr>
-        <p:txBody>
-          <a:bodyPr wrap="none" anchor="t">
-            <a:spAutoFit/>
-          </a:bodyPr>
-          <a:p>
-            <a:r>
-              <a:rPr lang="zh-CN" altLang="en-US">
-                <a:latin typeface="Calibri" panose="020F0502020204030204" charset="0"/>
-                <a:ea typeface="宋体" panose="02010600030101010101" pitchFamily="2" charset="-122"/>
-              </a:rPr>
-              <a:t>陈金润：</a:t>
+                <a:sym typeface="宋体" panose="02010600030101010101" pitchFamily="2" charset="-122"/>
+              </a:rPr>
+              <a:t>   </a:t>
             </a:r>
             <a:endParaRPr lang="zh-CN" altLang="en-US">
               <a:latin typeface="Calibri" panose="020F0502020204030204" charset="0"/>
               <a:ea typeface="宋体" panose="02010600030101010101" pitchFamily="2" charset="-122"/>
             </a:endParaRPr>
           </a:p>
-        </p:txBody>
-      </p:sp>
-      <p:sp>
-        <p:nvSpPr>
-          <p:cNvPr id="30735" name="文本框 7"/>
-          <p:cNvSpPr txBox="1"/>
-          <p:nvPr/>
-        </p:nvSpPr>
-        <p:spPr>
-          <a:xfrm>
-            <a:off x="4879658" y="1531938"/>
-            <a:ext cx="2926080" cy="3415030"/>
-          </a:xfrm>
-          <a:prstGeom prst="rect">
-            <a:avLst/>
-          </a:prstGeom>
-          <a:noFill/>
-          <a:ln w="9525">
-            <a:noFill/>
-          </a:ln>
-        </p:spPr>
-        <p:txBody>
-          <a:bodyPr wrap="none" anchor="t">
-            <a:spAutoFit/>
-          </a:bodyPr>
           <a:p>
             <a:r>
               <a:rPr lang="zh-CN" altLang="en-US">
@@ -11434,7 +13804,7 @@
                 <a:ea typeface="宋体" panose="02010600030101010101" pitchFamily="2" charset="-122"/>
                 <a:sym typeface="宋体" panose="02010600030101010101" pitchFamily="2" charset="-122"/>
               </a:rPr>
-              <a:t>职责要求                   </a:t>
+              <a:t>工作的重要性	 </a:t>
             </a:r>
             <a:r>
               <a:rPr lang="en-US" altLang="zh-CN">
@@ -11442,7 +13812,7 @@
                 <a:ea typeface="宋体" panose="02010600030101010101" pitchFamily="2" charset="-122"/>
                 <a:sym typeface="宋体" panose="02010600030101010101" pitchFamily="2" charset="-122"/>
               </a:rPr>
-              <a:t>10</a:t>
+              <a:t>9</a:t>
             </a:r>
             <a:endParaRPr lang="en-US" altLang="zh-CN">
               <a:latin typeface="Calibri" panose="020F0502020204030204" charset="0"/>
@@ -11457,7 +13827,7 @@
                 <a:ea typeface="宋体" panose="02010600030101010101" pitchFamily="2" charset="-122"/>
                 <a:sym typeface="宋体" panose="02010600030101010101" pitchFamily="2" charset="-122"/>
               </a:rPr>
-              <a:t>技术难度	 </a:t>
+              <a:t>工作强度</a:t>
             </a:r>
             <a:r>
               <a:rPr lang="en-US" altLang="zh-CN">
@@ -11465,7 +13835,7 @@
                 <a:ea typeface="宋体" panose="02010600030101010101" pitchFamily="2" charset="-122"/>
                 <a:sym typeface="宋体" panose="02010600030101010101" pitchFamily="2" charset="-122"/>
               </a:rPr>
-              <a:t>8</a:t>
+              <a:t>	</a:t>
             </a:r>
             <a:r>
               <a:rPr lang="zh-CN" altLang="en-US">
@@ -11473,21 +13843,7 @@
                 <a:ea typeface="宋体" panose="02010600030101010101" pitchFamily="2" charset="-122"/>
                 <a:sym typeface="宋体" panose="02010600030101010101" pitchFamily="2" charset="-122"/>
               </a:rPr>
-              <a:t>   </a:t>
-            </a:r>
-            <a:endParaRPr lang="zh-CN" altLang="en-US">
-              <a:latin typeface="Calibri" panose="020F0502020204030204" charset="0"/>
-              <a:ea typeface="宋体" panose="02010600030101010101" pitchFamily="2" charset="-122"/>
-            </a:endParaRPr>
-          </a:p>
-          <a:p>
-            <a:r>
-              <a:rPr lang="zh-CN" altLang="en-US">
-                <a:latin typeface="Calibri" panose="020F0502020204030204" charset="0"/>
-                <a:ea typeface="宋体" panose="02010600030101010101" pitchFamily="2" charset="-122"/>
-                <a:sym typeface="宋体" panose="02010600030101010101" pitchFamily="2" charset="-122"/>
-              </a:rPr>
-              <a:t>工作的重要性	 </a:t>
+              <a:t> </a:t>
             </a:r>
             <a:r>
               <a:rPr lang="en-US" altLang="zh-CN">
@@ -11510,15 +13866,63 @@
                 <a:ea typeface="宋体" panose="02010600030101010101" pitchFamily="2" charset="-122"/>
                 <a:sym typeface="宋体" panose="02010600030101010101" pitchFamily="2" charset="-122"/>
               </a:rPr>
-              <a:t>工作强度</a:t>
-            </a:r>
+              <a:t>实际完成情况：	 </a:t>
+            </a:r>
+            <a:endParaRPr lang="zh-CN" altLang="en-US">
+              <a:latin typeface="Calibri" panose="020F0502020204030204" charset="0"/>
+              <a:ea typeface="宋体" panose="02010600030101010101" pitchFamily="2" charset="-122"/>
+            </a:endParaRPr>
+          </a:p>
+          <a:p>
             <a:r>
               <a:rPr lang="en-US" altLang="zh-CN">
                 <a:latin typeface="Calibri" panose="020F0502020204030204" charset="0"/>
                 <a:ea typeface="宋体" panose="02010600030101010101" pitchFamily="2" charset="-122"/>
                 <a:sym typeface="宋体" panose="02010600030101010101" pitchFamily="2" charset="-122"/>
               </a:rPr>
-              <a:t>	</a:t>
+              <a:t>所承担工作的完成速度9</a:t>
+            </a:r>
+            <a:endParaRPr lang="en-US" altLang="zh-CN">
+              <a:latin typeface="Calibri" panose="020F0502020204030204" charset="0"/>
+              <a:ea typeface="宋体" panose="02010600030101010101" pitchFamily="2" charset="-122"/>
+            </a:endParaRPr>
+          </a:p>
+          <a:p>
+            <a:r>
+              <a:rPr lang="en-US" altLang="zh-CN">
+                <a:latin typeface="Calibri" panose="020F0502020204030204" charset="0"/>
+                <a:ea typeface="宋体" panose="02010600030101010101" pitchFamily="2" charset="-122"/>
+                <a:sym typeface="宋体" panose="02010600030101010101" pitchFamily="2" charset="-122"/>
+              </a:rPr>
+              <a:t>所承担工作的完成质量8</a:t>
+            </a:r>
+            <a:endParaRPr lang="en-US" altLang="zh-CN">
+              <a:latin typeface="Calibri" panose="020F0502020204030204" charset="0"/>
+              <a:ea typeface="宋体" panose="02010600030101010101" pitchFamily="2" charset="-122"/>
+            </a:endParaRPr>
+          </a:p>
+          <a:p>
+            <a:r>
+              <a:rPr lang="en-US" altLang="zh-CN">
+                <a:latin typeface="Calibri" panose="020F0502020204030204" charset="0"/>
+                <a:ea typeface="宋体" panose="02010600030101010101" pitchFamily="2" charset="-122"/>
+                <a:sym typeface="宋体" panose="02010600030101010101" pitchFamily="2" charset="-122"/>
+              </a:rPr>
+              <a:t>工作沟通               9</a:t>
+            </a:r>
+            <a:endParaRPr lang="en-US" altLang="zh-CN">
+              <a:latin typeface="Calibri" panose="020F0502020204030204" charset="0"/>
+              <a:ea typeface="宋体" panose="02010600030101010101" pitchFamily="2" charset="-122"/>
+            </a:endParaRPr>
+          </a:p>
+          <a:p>
+            <a:r>
+              <a:rPr lang="en-US" altLang="zh-CN">
+                <a:latin typeface="Calibri" panose="020F0502020204030204" charset="0"/>
+                <a:ea typeface="宋体" panose="02010600030101010101" pitchFamily="2" charset="-122"/>
+                <a:sym typeface="宋体" panose="02010600030101010101" pitchFamily="2" charset="-122"/>
+              </a:rPr>
+              <a:t>文档提交的及时程</a:t>
             </a:r>
             <a:r>
               <a:rPr lang="zh-CN" altLang="en-US">
@@ -11526,7 +13930,7 @@
                 <a:ea typeface="宋体" panose="02010600030101010101" pitchFamily="2" charset="-122"/>
                 <a:sym typeface="宋体" panose="02010600030101010101" pitchFamily="2" charset="-122"/>
               </a:rPr>
-              <a:t> </a:t>
+              <a:t>度</a:t>
             </a:r>
             <a:r>
               <a:rPr lang="en-US" altLang="zh-CN">
@@ -11534,7 +13938,35 @@
                 <a:ea typeface="宋体" panose="02010600030101010101" pitchFamily="2" charset="-122"/>
                 <a:sym typeface="宋体" panose="02010600030101010101" pitchFamily="2" charset="-122"/>
               </a:rPr>
-              <a:t>9</a:t>
+              <a:t> 9</a:t>
+            </a:r>
+            <a:endParaRPr lang="en-US" altLang="zh-CN">
+              <a:latin typeface="Calibri" panose="020F0502020204030204" charset="0"/>
+              <a:ea typeface="宋体" panose="02010600030101010101" pitchFamily="2" charset="-122"/>
+            </a:endParaRPr>
+          </a:p>
+          <a:p>
+            <a:r>
+              <a:rPr lang="en-US" altLang="zh-CN">
+                <a:latin typeface="Calibri" panose="020F0502020204030204" charset="0"/>
+                <a:ea typeface="宋体" panose="02010600030101010101" pitchFamily="2" charset="-122"/>
+                <a:sym typeface="宋体" panose="02010600030101010101" pitchFamily="2" charset="-122"/>
+              </a:rPr>
+              <a:t>文档的质量	         8</a:t>
+            </a:r>
+            <a:endParaRPr lang="en-US" altLang="zh-CN">
+              <a:latin typeface="Calibri" panose="020F0502020204030204" charset="0"/>
+              <a:ea typeface="宋体" panose="02010600030101010101" pitchFamily="2" charset="-122"/>
+            </a:endParaRPr>
+          </a:p>
+          <a:p>
+            <a:r>
+              <a:rPr lang="en-US" altLang="zh-CN">
+                <a:latin typeface="Calibri" panose="020F0502020204030204" charset="0"/>
+                <a:ea typeface="宋体" panose="02010600030101010101" pitchFamily="2" charset="-122"/>
+                <a:sym typeface="宋体" panose="02010600030101010101" pitchFamily="2" charset="-122"/>
+              </a:rPr>
+              <a:t>工作态度                 8	</a:t>
             </a:r>
             <a:endParaRPr lang="en-US" altLang="zh-CN">
               <a:latin typeface="Calibri" panose="020F0502020204030204" charset="0"/>
@@ -11547,441 +13979,20 @@
               <a:rPr lang="zh-CN" altLang="en-US">
                 <a:latin typeface="Calibri" panose="020F0502020204030204" charset="0"/>
                 <a:ea typeface="宋体" panose="02010600030101010101" pitchFamily="2" charset="-122"/>
-                <a:sym typeface="宋体" panose="02010600030101010101" pitchFamily="2" charset="-122"/>
-              </a:rPr>
-              <a:t>实际完成情况：	 </a:t>
-            </a:r>
-            <a:endParaRPr lang="zh-CN" altLang="en-US">
-              <a:latin typeface="Calibri" panose="020F0502020204030204" charset="0"/>
-              <a:ea typeface="宋体" panose="02010600030101010101" pitchFamily="2" charset="-122"/>
-            </a:endParaRPr>
-          </a:p>
-          <a:p>
+              </a:rPr>
+              <a:t>总评：</a:t>
+            </a:r>
             <a:r>
               <a:rPr lang="en-US" altLang="zh-CN">
                 <a:latin typeface="Calibri" panose="020F0502020204030204" charset="0"/>
                 <a:ea typeface="宋体" panose="02010600030101010101" pitchFamily="2" charset="-122"/>
-                <a:sym typeface="宋体" panose="02010600030101010101" pitchFamily="2" charset="-122"/>
-              </a:rPr>
-              <a:t>所承担工作的完成速度10</a:t>
+              </a:rPr>
+              <a:t>87</a:t>
             </a:r>
             <a:endParaRPr lang="en-US" altLang="zh-CN">
               <a:latin typeface="Calibri" panose="020F0502020204030204" charset="0"/>
               <a:ea typeface="宋体" panose="02010600030101010101" pitchFamily="2" charset="-122"/>
             </a:endParaRPr>
-          </a:p>
-          <a:p>
-            <a:r>
-              <a:rPr lang="en-US" altLang="zh-CN">
-                <a:latin typeface="Calibri" panose="020F0502020204030204" charset="0"/>
-                <a:ea typeface="宋体" panose="02010600030101010101" pitchFamily="2" charset="-122"/>
-                <a:sym typeface="宋体" panose="02010600030101010101" pitchFamily="2" charset="-122"/>
-              </a:rPr>
-              <a:t>所承担工作的完成质量7</a:t>
-            </a:r>
-            <a:endParaRPr lang="en-US" altLang="zh-CN">
-              <a:latin typeface="Calibri" panose="020F0502020204030204" charset="0"/>
-              <a:ea typeface="宋体" panose="02010600030101010101" pitchFamily="2" charset="-122"/>
-            </a:endParaRPr>
-          </a:p>
-          <a:p>
-            <a:r>
-              <a:rPr lang="en-US" altLang="zh-CN">
-                <a:latin typeface="Calibri" panose="020F0502020204030204" charset="0"/>
-                <a:ea typeface="宋体" panose="02010600030101010101" pitchFamily="2" charset="-122"/>
-                <a:sym typeface="宋体" panose="02010600030101010101" pitchFamily="2" charset="-122"/>
-              </a:rPr>
-              <a:t>工作沟通               7</a:t>
-            </a:r>
-            <a:endParaRPr lang="en-US" altLang="zh-CN">
-              <a:latin typeface="Calibri" panose="020F0502020204030204" charset="0"/>
-              <a:ea typeface="宋体" panose="02010600030101010101" pitchFamily="2" charset="-122"/>
-            </a:endParaRPr>
-          </a:p>
-          <a:p>
-            <a:r>
-              <a:rPr lang="en-US" altLang="zh-CN">
-                <a:latin typeface="Calibri" panose="020F0502020204030204" charset="0"/>
-                <a:ea typeface="宋体" panose="02010600030101010101" pitchFamily="2" charset="-122"/>
-                <a:sym typeface="宋体" panose="02010600030101010101" pitchFamily="2" charset="-122"/>
-              </a:rPr>
-              <a:t>文档提交的及时程</a:t>
-            </a:r>
-            <a:r>
-              <a:rPr lang="zh-CN" altLang="en-US">
-                <a:latin typeface="Calibri" panose="020F0502020204030204" charset="0"/>
-                <a:ea typeface="宋体" panose="02010600030101010101" pitchFamily="2" charset="-122"/>
-                <a:sym typeface="宋体" panose="02010600030101010101" pitchFamily="2" charset="-122"/>
-              </a:rPr>
-              <a:t>度</a:t>
-            </a:r>
-            <a:r>
-              <a:rPr lang="en-US" altLang="zh-CN">
-                <a:latin typeface="Calibri" panose="020F0502020204030204" charset="0"/>
-                <a:ea typeface="宋体" panose="02010600030101010101" pitchFamily="2" charset="-122"/>
-                <a:sym typeface="宋体" panose="02010600030101010101" pitchFamily="2" charset="-122"/>
-              </a:rPr>
-              <a:t> 10</a:t>
-            </a:r>
-            <a:endParaRPr lang="en-US" altLang="zh-CN">
-              <a:latin typeface="Calibri" panose="020F0502020204030204" charset="0"/>
-              <a:ea typeface="宋体" panose="02010600030101010101" pitchFamily="2" charset="-122"/>
-            </a:endParaRPr>
-          </a:p>
-          <a:p>
-            <a:r>
-              <a:rPr lang="en-US" altLang="zh-CN">
-                <a:latin typeface="Calibri" panose="020F0502020204030204" charset="0"/>
-                <a:ea typeface="宋体" panose="02010600030101010101" pitchFamily="2" charset="-122"/>
-                <a:sym typeface="宋体" panose="02010600030101010101" pitchFamily="2" charset="-122"/>
-              </a:rPr>
-              <a:t>文档的质量	         8</a:t>
-            </a:r>
-            <a:endParaRPr lang="en-US" altLang="zh-CN">
-              <a:latin typeface="Calibri" panose="020F0502020204030204" charset="0"/>
-              <a:ea typeface="宋体" panose="02010600030101010101" pitchFamily="2" charset="-122"/>
-            </a:endParaRPr>
-          </a:p>
-          <a:p>
-            <a:r>
-              <a:rPr lang="en-US" altLang="zh-CN">
-                <a:latin typeface="Calibri" panose="020F0502020204030204" charset="0"/>
-                <a:ea typeface="宋体" panose="02010600030101010101" pitchFamily="2" charset="-122"/>
-                <a:sym typeface="宋体" panose="02010600030101010101" pitchFamily="2" charset="-122"/>
-              </a:rPr>
-              <a:t>工作态度                 9	</a:t>
-            </a:r>
-            <a:endParaRPr lang="en-US" altLang="zh-CN">
-              <a:latin typeface="Calibri" panose="020F0502020204030204" charset="0"/>
-              <a:ea typeface="宋体" panose="02010600030101010101" pitchFamily="2" charset="-122"/>
-              <a:sym typeface="宋体" panose="02010600030101010101" pitchFamily="2" charset="-122"/>
-            </a:endParaRPr>
-          </a:p>
-          <a:p>
-            <a:r>
-              <a:rPr lang="zh-CN" altLang="en-US">
-                <a:latin typeface="Calibri" panose="020F0502020204030204" charset="0"/>
-                <a:ea typeface="宋体" panose="02010600030101010101" pitchFamily="2" charset="-122"/>
-              </a:rPr>
-              <a:t>总评：</a:t>
-            </a:r>
-            <a:r>
-              <a:rPr lang="en-US" altLang="zh-CN">
-                <a:latin typeface="Calibri" panose="020F0502020204030204" charset="0"/>
-                <a:ea typeface="宋体" panose="02010600030101010101" pitchFamily="2" charset="-122"/>
-              </a:rPr>
-              <a:t>86</a:t>
-            </a:r>
-            <a:endParaRPr lang="en-US" altLang="zh-CN">
-              <a:latin typeface="Calibri" panose="020F0502020204030204" charset="0"/>
-              <a:ea typeface="宋体" panose="02010600030101010101" pitchFamily="2" charset="-122"/>
-            </a:endParaRPr>
-          </a:p>
-        </p:txBody>
-      </p:sp>
-      <p:sp>
-        <p:nvSpPr>
-          <p:cNvPr id="2" name="文本框 7"/>
-          <p:cNvSpPr txBox="1"/>
-          <p:nvPr/>
-        </p:nvSpPr>
-        <p:spPr>
-          <a:xfrm>
-            <a:off x="7805738" y="1531938"/>
-            <a:ext cx="2590165" cy="3415030"/>
-          </a:xfrm>
-          <a:prstGeom prst="rect">
-            <a:avLst/>
-          </a:prstGeom>
-          <a:noFill/>
-          <a:ln w="9525">
-            <a:noFill/>
-          </a:ln>
-        </p:spPr>
-        <p:txBody>
-          <a:bodyPr wrap="none" anchor="t">
-            <a:spAutoFit/>
-          </a:bodyPr>
-          <a:p>
-            <a:r>
-              <a:rPr lang="zh-CN" altLang="en-US">
-                <a:latin typeface="Calibri" panose="020F0502020204030204" charset="0"/>
-                <a:ea typeface="宋体" panose="02010600030101010101" pitchFamily="2" charset="-122"/>
-                <a:sym typeface="宋体" panose="02010600030101010101" pitchFamily="2" charset="-122"/>
-              </a:rPr>
-              <a:t>职责要求                   </a:t>
-            </a:r>
-            <a:r>
-              <a:rPr lang="en-US" altLang="zh-CN">
-                <a:latin typeface="Calibri" panose="020F0502020204030204" charset="0"/>
-                <a:ea typeface="宋体" panose="02010600030101010101" pitchFamily="2" charset="-122"/>
-                <a:sym typeface="宋体" panose="02010600030101010101" pitchFamily="2" charset="-122"/>
-              </a:rPr>
-              <a:t>10</a:t>
-            </a:r>
-            <a:endParaRPr lang="en-US" altLang="zh-CN">
-              <a:latin typeface="Calibri" panose="020F0502020204030204" charset="0"/>
-              <a:ea typeface="宋体" panose="02010600030101010101" pitchFamily="2" charset="-122"/>
-              <a:sym typeface="宋体" panose="02010600030101010101" pitchFamily="2" charset="-122"/>
-            </a:endParaRPr>
-          </a:p>
-          <a:p>
-            <a:r>
-              <a:rPr lang="zh-CN" altLang="en-US">
-                <a:latin typeface="Calibri" panose="020F0502020204030204" charset="0"/>
-                <a:ea typeface="宋体" panose="02010600030101010101" pitchFamily="2" charset="-122"/>
-                <a:sym typeface="宋体" panose="02010600030101010101" pitchFamily="2" charset="-122"/>
-              </a:rPr>
-              <a:t>技术难度	 </a:t>
-            </a:r>
-            <a:r>
-              <a:rPr lang="en-US" altLang="zh-CN">
-                <a:latin typeface="Calibri" panose="020F0502020204030204" charset="0"/>
-                <a:ea typeface="宋体" panose="02010600030101010101" pitchFamily="2" charset="-122"/>
-                <a:sym typeface="宋体" panose="02010600030101010101" pitchFamily="2" charset="-122"/>
-              </a:rPr>
-              <a:t>7</a:t>
-            </a:r>
-            <a:r>
-              <a:rPr lang="zh-CN" altLang="en-US">
-                <a:latin typeface="Calibri" panose="020F0502020204030204" charset="0"/>
-                <a:ea typeface="宋体" panose="02010600030101010101" pitchFamily="2" charset="-122"/>
-                <a:sym typeface="宋体" panose="02010600030101010101" pitchFamily="2" charset="-122"/>
-              </a:rPr>
-              <a:t>   </a:t>
-            </a:r>
-            <a:endParaRPr lang="zh-CN" altLang="en-US">
-              <a:latin typeface="Calibri" panose="020F0502020204030204" charset="0"/>
-              <a:ea typeface="宋体" panose="02010600030101010101" pitchFamily="2" charset="-122"/>
-            </a:endParaRPr>
-          </a:p>
-          <a:p>
-            <a:r>
-              <a:rPr lang="zh-CN" altLang="en-US">
-                <a:latin typeface="Calibri" panose="020F0502020204030204" charset="0"/>
-                <a:ea typeface="宋体" panose="02010600030101010101" pitchFamily="2" charset="-122"/>
-                <a:sym typeface="宋体" panose="02010600030101010101" pitchFamily="2" charset="-122"/>
-              </a:rPr>
-              <a:t>工作的重要性	 </a:t>
-            </a:r>
-            <a:r>
-              <a:rPr lang="en-US" altLang="zh-CN">
-                <a:latin typeface="Calibri" panose="020F0502020204030204" charset="0"/>
-                <a:ea typeface="宋体" panose="02010600030101010101" pitchFamily="2" charset="-122"/>
-                <a:sym typeface="宋体" panose="02010600030101010101" pitchFamily="2" charset="-122"/>
-              </a:rPr>
-              <a:t>8</a:t>
-            </a:r>
-            <a:endParaRPr lang="en-US" altLang="zh-CN">
-              <a:latin typeface="Calibri" panose="020F0502020204030204" charset="0"/>
-              <a:ea typeface="宋体" panose="02010600030101010101" pitchFamily="2" charset="-122"/>
-              <a:sym typeface="宋体" panose="02010600030101010101" pitchFamily="2" charset="-122"/>
-            </a:endParaRPr>
-          </a:p>
-          <a:p>
-            <a:r>
-              <a:rPr lang="zh-CN" altLang="en-US">
-                <a:latin typeface="Calibri" panose="020F0502020204030204" charset="0"/>
-                <a:ea typeface="宋体" panose="02010600030101010101" pitchFamily="2" charset="-122"/>
-                <a:sym typeface="宋体" panose="02010600030101010101" pitchFamily="2" charset="-122"/>
-              </a:rPr>
-              <a:t>工作强度</a:t>
-            </a:r>
-            <a:r>
-              <a:rPr lang="en-US" altLang="zh-CN">
-                <a:latin typeface="Calibri" panose="020F0502020204030204" charset="0"/>
-                <a:ea typeface="宋体" panose="02010600030101010101" pitchFamily="2" charset="-122"/>
-                <a:sym typeface="宋体" panose="02010600030101010101" pitchFamily="2" charset="-122"/>
-              </a:rPr>
-              <a:t>	</a:t>
-            </a:r>
-            <a:r>
-              <a:rPr lang="zh-CN" altLang="en-US">
-                <a:latin typeface="Calibri" panose="020F0502020204030204" charset="0"/>
-                <a:ea typeface="宋体" panose="02010600030101010101" pitchFamily="2" charset="-122"/>
-                <a:sym typeface="宋体" panose="02010600030101010101" pitchFamily="2" charset="-122"/>
-              </a:rPr>
-              <a:t> </a:t>
-            </a:r>
-            <a:r>
-              <a:rPr lang="en-US" altLang="zh-CN">
-                <a:latin typeface="Calibri" panose="020F0502020204030204" charset="0"/>
-                <a:ea typeface="宋体" panose="02010600030101010101" pitchFamily="2" charset="-122"/>
-                <a:sym typeface="宋体" panose="02010600030101010101" pitchFamily="2" charset="-122"/>
-              </a:rPr>
-              <a:t>7</a:t>
-            </a:r>
-            <a:endParaRPr lang="en-US" altLang="zh-CN">
-              <a:latin typeface="Calibri" panose="020F0502020204030204" charset="0"/>
-              <a:ea typeface="宋体" panose="02010600030101010101" pitchFamily="2" charset="-122"/>
-              <a:sym typeface="宋体" panose="02010600030101010101" pitchFamily="2" charset="-122"/>
-            </a:endParaRPr>
-          </a:p>
-          <a:p>
-            <a:r>
-              <a:rPr lang="zh-CN" altLang="en-US">
-                <a:latin typeface="Calibri" panose="020F0502020204030204" charset="0"/>
-                <a:ea typeface="宋体" panose="02010600030101010101" pitchFamily="2" charset="-122"/>
-                <a:sym typeface="宋体" panose="02010600030101010101" pitchFamily="2" charset="-122"/>
-              </a:rPr>
-              <a:t>实际完成情况：	 </a:t>
-            </a:r>
-            <a:endParaRPr lang="zh-CN" altLang="en-US">
-              <a:latin typeface="Calibri" panose="020F0502020204030204" charset="0"/>
-              <a:ea typeface="宋体" panose="02010600030101010101" pitchFamily="2" charset="-122"/>
-            </a:endParaRPr>
-          </a:p>
-          <a:p>
-            <a:r>
-              <a:rPr lang="en-US" altLang="zh-CN">
-                <a:latin typeface="Calibri" panose="020F0502020204030204" charset="0"/>
-                <a:ea typeface="宋体" panose="02010600030101010101" pitchFamily="2" charset="-122"/>
-                <a:sym typeface="宋体" panose="02010600030101010101" pitchFamily="2" charset="-122"/>
-              </a:rPr>
-              <a:t>所承担工作的完成速度7</a:t>
-            </a:r>
-            <a:endParaRPr lang="en-US" altLang="zh-CN">
-              <a:latin typeface="Calibri" panose="020F0502020204030204" charset="0"/>
-              <a:ea typeface="宋体" panose="02010600030101010101" pitchFamily="2" charset="-122"/>
-            </a:endParaRPr>
-          </a:p>
-          <a:p>
-            <a:r>
-              <a:rPr lang="en-US" altLang="zh-CN">
-                <a:latin typeface="Calibri" panose="020F0502020204030204" charset="0"/>
-                <a:ea typeface="宋体" panose="02010600030101010101" pitchFamily="2" charset="-122"/>
-                <a:sym typeface="宋体" panose="02010600030101010101" pitchFamily="2" charset="-122"/>
-              </a:rPr>
-              <a:t>所承担工作的完成质量8</a:t>
-            </a:r>
-            <a:endParaRPr lang="en-US" altLang="zh-CN">
-              <a:latin typeface="Calibri" panose="020F0502020204030204" charset="0"/>
-              <a:ea typeface="宋体" panose="02010600030101010101" pitchFamily="2" charset="-122"/>
-            </a:endParaRPr>
-          </a:p>
-          <a:p>
-            <a:r>
-              <a:rPr lang="en-US" altLang="zh-CN">
-                <a:latin typeface="Calibri" panose="020F0502020204030204" charset="0"/>
-                <a:ea typeface="宋体" panose="02010600030101010101" pitchFamily="2" charset="-122"/>
-                <a:sym typeface="宋体" panose="02010600030101010101" pitchFamily="2" charset="-122"/>
-              </a:rPr>
-              <a:t>工作沟通               7</a:t>
-            </a:r>
-            <a:endParaRPr lang="en-US" altLang="zh-CN">
-              <a:latin typeface="Calibri" panose="020F0502020204030204" charset="0"/>
-              <a:ea typeface="宋体" panose="02010600030101010101" pitchFamily="2" charset="-122"/>
-            </a:endParaRPr>
-          </a:p>
-          <a:p>
-            <a:r>
-              <a:rPr lang="en-US" altLang="zh-CN">
-                <a:latin typeface="Calibri" panose="020F0502020204030204" charset="0"/>
-                <a:ea typeface="宋体" panose="02010600030101010101" pitchFamily="2" charset="-122"/>
-                <a:sym typeface="宋体" panose="02010600030101010101" pitchFamily="2" charset="-122"/>
-              </a:rPr>
-              <a:t>文档提交的及时程</a:t>
-            </a:r>
-            <a:r>
-              <a:rPr lang="zh-CN" altLang="en-US">
-                <a:latin typeface="Calibri" panose="020F0502020204030204" charset="0"/>
-                <a:ea typeface="宋体" panose="02010600030101010101" pitchFamily="2" charset="-122"/>
-                <a:sym typeface="宋体" panose="02010600030101010101" pitchFamily="2" charset="-122"/>
-              </a:rPr>
-              <a:t>度</a:t>
-            </a:r>
-            <a:r>
-              <a:rPr lang="en-US" altLang="zh-CN">
-                <a:latin typeface="Calibri" panose="020F0502020204030204" charset="0"/>
-                <a:ea typeface="宋体" panose="02010600030101010101" pitchFamily="2" charset="-122"/>
-                <a:sym typeface="宋体" panose="02010600030101010101" pitchFamily="2" charset="-122"/>
-              </a:rPr>
-              <a:t>8 </a:t>
-            </a:r>
-            <a:endParaRPr lang="en-US" altLang="zh-CN">
-              <a:latin typeface="Calibri" panose="020F0502020204030204" charset="0"/>
-              <a:ea typeface="宋体" panose="02010600030101010101" pitchFamily="2" charset="-122"/>
-            </a:endParaRPr>
-          </a:p>
-          <a:p>
-            <a:r>
-              <a:rPr lang="en-US" altLang="zh-CN">
-                <a:latin typeface="Calibri" panose="020F0502020204030204" charset="0"/>
-                <a:ea typeface="宋体" panose="02010600030101010101" pitchFamily="2" charset="-122"/>
-                <a:sym typeface="宋体" panose="02010600030101010101" pitchFamily="2" charset="-122"/>
-              </a:rPr>
-              <a:t>文档的质量	         8</a:t>
-            </a:r>
-            <a:endParaRPr lang="en-US" altLang="zh-CN">
-              <a:latin typeface="Calibri" panose="020F0502020204030204" charset="0"/>
-              <a:ea typeface="宋体" panose="02010600030101010101" pitchFamily="2" charset="-122"/>
-            </a:endParaRPr>
-          </a:p>
-          <a:p>
-            <a:r>
-              <a:rPr lang="en-US" altLang="zh-CN">
-                <a:latin typeface="Calibri" panose="020F0502020204030204" charset="0"/>
-                <a:ea typeface="宋体" panose="02010600030101010101" pitchFamily="2" charset="-122"/>
-                <a:sym typeface="宋体" panose="02010600030101010101" pitchFamily="2" charset="-122"/>
-              </a:rPr>
-              <a:t>工作态度                 9</a:t>
-            </a:r>
-            <a:endParaRPr lang="en-US" altLang="zh-CN">
-              <a:latin typeface="Calibri" panose="020F0502020204030204" charset="0"/>
-              <a:ea typeface="宋体" panose="02010600030101010101" pitchFamily="2" charset="-122"/>
-              <a:sym typeface="宋体" panose="02010600030101010101" pitchFamily="2" charset="-122"/>
-            </a:endParaRPr>
-          </a:p>
-          <a:p>
-            <a:r>
-              <a:rPr lang="zh-CN" altLang="en-US">
-                <a:latin typeface="Calibri" panose="020F0502020204030204" charset="0"/>
-                <a:ea typeface="宋体" panose="02010600030101010101" pitchFamily="2" charset="-122"/>
-                <a:sym typeface="宋体" panose="02010600030101010101" pitchFamily="2" charset="-122"/>
-              </a:rPr>
-              <a:t>总评：</a:t>
-            </a:r>
-            <a:r>
-              <a:rPr lang="en-US" altLang="zh-CN">
-                <a:latin typeface="Calibri" panose="020F0502020204030204" charset="0"/>
-                <a:ea typeface="宋体" panose="02010600030101010101" pitchFamily="2" charset="-122"/>
-                <a:sym typeface="宋体" panose="02010600030101010101" pitchFamily="2" charset="-122"/>
-              </a:rPr>
-              <a:t>79	</a:t>
-            </a:r>
-            <a:endParaRPr lang="zh-CN" altLang="en-US">
-              <a:latin typeface="Calibri" panose="020F0502020204030204" charset="0"/>
-              <a:ea typeface="宋体" panose="02010600030101010101" pitchFamily="2" charset="-122"/>
-            </a:endParaRPr>
-          </a:p>
-        </p:txBody>
-      </p:sp>
-      <p:sp>
-        <p:nvSpPr>
-          <p:cNvPr id="6" name="文本框 5"/>
-          <p:cNvSpPr txBox="1"/>
-          <p:nvPr/>
-        </p:nvSpPr>
-        <p:spPr>
-          <a:xfrm>
-            <a:off x="8952230" y="933450"/>
-            <a:ext cx="868680" cy="368300"/>
-          </a:xfrm>
-          <a:prstGeom prst="rect">
-            <a:avLst/>
-          </a:prstGeom>
-          <a:noFill/>
-        </p:spPr>
-        <p:txBody>
-          <a:bodyPr wrap="none" rtlCol="0">
-            <a:spAutoFit/>
-          </a:bodyPr>
-          <a:p>
-            <a:r>
-              <a:rPr lang="zh-CN" altLang="en-US" sz="1800"/>
-              <a:t>简浩男</a:t>
-            </a:r>
-            <a:endParaRPr lang="zh-CN" altLang="en-US" sz="1800"/>
           </a:p>
         </p:txBody>
       </p:sp>
@@ -11993,1073 +14004,7 @@
 </p:sld>
 </file>
 
-<file path=ppt/slides/slide21.xml><?xml version="1.0" encoding="utf-8"?>
-<p:sld xmlns:a="http://schemas.openxmlformats.org/drawingml/2006/main" xmlns:r="http://schemas.openxmlformats.org/officeDocument/2006/relationships" xmlns:p="http://schemas.openxmlformats.org/presentationml/2006/main">
-  <p:cSld>
-    <p:spTree>
-      <p:nvGrpSpPr>
-        <p:cNvPr id="1" name=""/>
-        <p:cNvGrpSpPr/>
-        <p:nvPr/>
-      </p:nvGrpSpPr>
-      <p:grpSpPr/>
-      <p:sp>
-        <p:nvSpPr>
-          <p:cNvPr id="15" name="矩形 14"/>
-          <p:cNvSpPr/>
-          <p:nvPr/>
-        </p:nvSpPr>
-        <p:spPr>
-          <a:xfrm>
-            <a:off x="573088" y="162560"/>
-            <a:ext cx="1260475" cy="398780"/>
-          </a:xfrm>
-          <a:prstGeom prst="rect">
-            <a:avLst/>
-          </a:prstGeom>
-        </p:spPr>
-        <p:txBody>
-          <a:bodyPr wrap="square" anchor="ctr">
-            <a:spAutoFit/>
-          </a:bodyPr>
-          <a:lstStyle/>
-          <a:p>
-            <a:pPr lvl="0" fontAlgn="auto"/>
-            <a:r>
-              <a:rPr kumimoji="0" lang="zh-CN" altLang="en-US" sz="2000" b="1" i="0" u="none" strike="noStrike" kern="0" cap="none" spc="0" normalizeH="0" baseline="0" noProof="0" dirty="0" smtClean="0">
-                <a:ln>
-                  <a:noFill/>
-                </a:ln>
-                <a:effectLst/>
-                <a:uLnTx/>
-                <a:uFillTx/>
-                <a:latin typeface="微软雅黑" panose="020B0503020204020204" pitchFamily="34" charset="-122"/>
-                <a:ea typeface="微软雅黑" panose="020B0503020204020204" pitchFamily="34" charset="-122"/>
-                <a:cs typeface="微软雅黑" panose="020B0503020204020204" pitchFamily="34" charset="-122"/>
-              </a:rPr>
-              <a:t>绩效评定</a:t>
-            </a:r>
-            <a:endParaRPr kumimoji="0" lang="zh-CN" altLang="en-US" sz="2000" b="1" i="0" u="none" strike="noStrike" kern="0" cap="none" spc="0" normalizeH="0" baseline="0" noProof="0" dirty="0" smtClean="0">
-              <a:ln>
-                <a:noFill/>
-              </a:ln>
-              <a:effectLst/>
-              <a:uLnTx/>
-              <a:uFillTx/>
-              <a:latin typeface="微软雅黑" panose="020B0503020204020204" pitchFamily="34" charset="-122"/>
-              <a:ea typeface="微软雅黑" panose="020B0503020204020204" pitchFamily="34" charset="-122"/>
-              <a:cs typeface="微软雅黑" panose="020B0503020204020204" pitchFamily="34" charset="-122"/>
-            </a:endParaRPr>
-          </a:p>
-        </p:txBody>
-      </p:sp>
-      <p:sp>
-        <p:nvSpPr>
-          <p:cNvPr id="31746" name="矩形 15"/>
-          <p:cNvSpPr/>
-          <p:nvPr/>
-        </p:nvSpPr>
-        <p:spPr>
-          <a:xfrm>
-            <a:off x="1735138" y="207963"/>
-            <a:ext cx="1177925" cy="307975"/>
-          </a:xfrm>
-          <a:prstGeom prst="rect">
-            <a:avLst/>
-          </a:prstGeom>
-          <a:noFill/>
-          <a:ln w="9525">
-            <a:noFill/>
-          </a:ln>
-        </p:spPr>
-        <p:txBody>
-          <a:bodyPr wrap="none" anchor="t">
-            <a:spAutoFit/>
-          </a:bodyPr>
-          <a:p>
-            <a:r>
-              <a:rPr lang="en-US" altLang="zh-CN" sz="1400" dirty="0">
-                <a:latin typeface="微软雅黑" panose="020B0503020204020204" pitchFamily="34" charset="-122"/>
-                <a:ea typeface="微软雅黑" panose="020B0503020204020204" pitchFamily="34" charset="-122"/>
-              </a:rPr>
-              <a:t>REFERENCE</a:t>
-            </a:r>
-            <a:endParaRPr lang="en-US" altLang="zh-CN" sz="1400" dirty="0">
-              <a:latin typeface="微软雅黑" panose="020B0503020204020204" pitchFamily="34" charset="-122"/>
-              <a:ea typeface="微软雅黑" panose="020B0503020204020204" pitchFamily="34" charset="-122"/>
-            </a:endParaRPr>
-          </a:p>
-        </p:txBody>
-      </p:sp>
-      <p:sp>
-        <p:nvSpPr>
-          <p:cNvPr id="13" name="矩形 12"/>
-          <p:cNvSpPr/>
-          <p:nvPr/>
-        </p:nvSpPr>
-        <p:spPr>
-          <a:xfrm>
-            <a:off x="169863" y="168275"/>
-            <a:ext cx="374650" cy="385763"/>
-          </a:xfrm>
-          <a:prstGeom prst="rect">
-            <a:avLst/>
-          </a:prstGeom>
-          <a:solidFill>
-            <a:schemeClr val="accent2"/>
-          </a:solidFill>
-          <a:ln>
-            <a:noFill/>
-          </a:ln>
-        </p:spPr>
-        <p:style>
-          <a:lnRef idx="2">
-            <a:schemeClr val="accent1">
-              <a:shade val="50000"/>
-            </a:schemeClr>
-          </a:lnRef>
-          <a:fillRef idx="1">
-            <a:schemeClr val="accent1"/>
-          </a:fillRef>
-          <a:effectRef idx="0">
-            <a:schemeClr val="accent1"/>
-          </a:effectRef>
-          <a:fontRef idx="minor">
-            <a:schemeClr val="lt1"/>
-          </a:fontRef>
-        </p:style>
-        <p:txBody>
-          <a:bodyPr rot="0" spcFirstLastPara="0" vertOverflow="overflow" horzOverflow="overflow" vert="horz" wrap="square" lIns="91440" tIns="45720" rIns="91440" bIns="45720" numCol="1" spcCol="0" rtlCol="0" fromWordArt="0" anchor="ctr" anchorCtr="0" forceAA="0" compatLnSpc="1">
-            <a:noAutofit/>
-          </a:bodyPr>
-          <a:lstStyle/>
-          <a:p>
-            <a:pPr algn="ctr" fontAlgn="auto"/>
-            <a:endParaRPr lang="zh-CN" altLang="en-US" strike="noStrike" noProof="1">
-              <a:solidFill>
-                <a:schemeClr val="tx1"/>
-              </a:solidFill>
-            </a:endParaRPr>
-          </a:p>
-        </p:txBody>
-      </p:sp>
-      <p:sp>
-        <p:nvSpPr>
-          <p:cNvPr id="14" name="矩形 13"/>
-          <p:cNvSpPr/>
-          <p:nvPr/>
-        </p:nvSpPr>
-        <p:spPr>
-          <a:xfrm>
-            <a:off x="-76200" y="161925"/>
-            <a:ext cx="866775" cy="400050"/>
-          </a:xfrm>
-          <a:prstGeom prst="rect">
-            <a:avLst/>
-          </a:prstGeom>
-        </p:spPr>
-        <p:txBody>
-          <a:bodyPr wrap="square" anchor="ctr">
-            <a:spAutoFit/>
-          </a:bodyPr>
-          <a:lstStyle/>
-          <a:p>
-            <a:pPr marL="0" marR="0" lvl="0" indent="0" algn="ctr" defTabSz="914400" eaLnBrk="1" fontAlgn="auto" latinLnBrk="0" hangingPunct="1">
-              <a:lnSpc>
-                <a:spcPct val="100000"/>
-              </a:lnSpc>
-              <a:spcBef>
-                <a:spcPts val="0"/>
-              </a:spcBef>
-              <a:spcAft>
-                <a:spcPts val="0"/>
-              </a:spcAft>
-              <a:buClrTx/>
-              <a:buSzTx/>
-              <a:buFontTx/>
-              <a:buNone/>
-              <a:defRPr/>
-            </a:pPr>
-            <a:r>
-              <a:rPr kumimoji="0" lang="en-US" altLang="zh-CN" sz="2000" b="0" i="0" u="none" strike="noStrike" kern="0" cap="none" spc="0" normalizeH="0" baseline="0" noProof="0" dirty="0" smtClean="0">
-                <a:ln>
-                  <a:noFill/>
-                </a:ln>
-                <a:solidFill>
-                  <a:schemeClr val="bg1"/>
-                </a:solidFill>
-                <a:effectLst/>
-                <a:uLnTx/>
-                <a:uFillTx/>
-                <a:latin typeface="微软雅黑" panose="020B0503020204020204" pitchFamily="34" charset="-122"/>
-                <a:ea typeface="微软雅黑" panose="020B0503020204020204" pitchFamily="34" charset="-122"/>
-                <a:cs typeface="微软雅黑" panose="020B0503020204020204" pitchFamily="34" charset="-122"/>
-              </a:rPr>
-              <a:t>06</a:t>
-            </a:r>
-            <a:endParaRPr kumimoji="0" lang="en-US" altLang="zh-CN" sz="2000" b="0" i="0" u="none" strike="noStrike" kern="0" cap="none" spc="0" normalizeH="0" baseline="0" noProof="0" dirty="0">
-              <a:ln>
-                <a:noFill/>
-              </a:ln>
-              <a:solidFill>
-                <a:schemeClr val="bg1"/>
-              </a:solidFill>
-              <a:effectLst/>
-              <a:uLnTx/>
-              <a:uFillTx/>
-              <a:latin typeface="微软雅黑" panose="020B0503020204020204" pitchFamily="34" charset="-122"/>
-              <a:ea typeface="微软雅黑" panose="020B0503020204020204" pitchFamily="34" charset="-122"/>
-              <a:cs typeface="微软雅黑" panose="020B0503020204020204" pitchFamily="34" charset="-122"/>
-            </a:endParaRPr>
-          </a:p>
-        </p:txBody>
-      </p:sp>
-      <p:cxnSp>
-        <p:nvCxnSpPr>
-          <p:cNvPr id="17" name="直接连接符 16"/>
-          <p:cNvCxnSpPr/>
-          <p:nvPr/>
-        </p:nvCxnSpPr>
-        <p:spPr>
-          <a:xfrm>
-            <a:off x="3060700" y="361950"/>
-            <a:ext cx="8953500" cy="0"/>
-          </a:xfrm>
-          <a:prstGeom prst="line">
-            <a:avLst/>
-          </a:prstGeom>
-          <a:ln>
-            <a:solidFill>
-              <a:schemeClr val="tx1"/>
-            </a:solidFill>
-          </a:ln>
-        </p:spPr>
-        <p:style>
-          <a:lnRef idx="1">
-            <a:schemeClr val="accent1"/>
-          </a:lnRef>
-          <a:fillRef idx="0">
-            <a:schemeClr val="accent1"/>
-          </a:fillRef>
-          <a:effectRef idx="0">
-            <a:schemeClr val="accent1"/>
-          </a:effectRef>
-          <a:fontRef idx="minor">
-            <a:schemeClr val="tx1"/>
-          </a:fontRef>
-        </p:style>
-      </p:cxnSp>
-      <p:cxnSp>
-        <p:nvCxnSpPr>
-          <p:cNvPr id="19" name="直接连接符 18"/>
-          <p:cNvCxnSpPr/>
-          <p:nvPr/>
-        </p:nvCxnSpPr>
-        <p:spPr>
-          <a:xfrm>
-            <a:off x="1774825" y="246063"/>
-            <a:ext cx="1588" cy="230188"/>
-          </a:xfrm>
-          <a:prstGeom prst="line">
-            <a:avLst/>
-          </a:prstGeom>
-          <a:ln w="12700" cap="rnd">
-            <a:solidFill>
-              <a:schemeClr val="tx1">
-                <a:alpha val="49000"/>
-              </a:schemeClr>
-            </a:solidFill>
-            <a:round/>
-            <a:tailEnd type="none" w="sm" len="sm"/>
-          </a:ln>
-        </p:spPr>
-        <p:style>
-          <a:lnRef idx="1">
-            <a:schemeClr val="accent1"/>
-          </a:lnRef>
-          <a:fillRef idx="0">
-            <a:schemeClr val="accent1"/>
-          </a:fillRef>
-          <a:effectRef idx="0">
-            <a:schemeClr val="accent1"/>
-          </a:effectRef>
-          <a:fontRef idx="minor">
-            <a:schemeClr val="tx1"/>
-          </a:fontRef>
-        </p:style>
-      </p:cxnSp>
-      <p:pic>
-        <p:nvPicPr>
-          <p:cNvPr id="31751" name="图片 2" descr="小组logo"/>
-          <p:cNvPicPr>
-            <a:picLocks noChangeAspect="1"/>
-          </p:cNvPicPr>
-          <p:nvPr/>
-        </p:nvPicPr>
-        <p:blipFill>
-          <a:blip r:embed="rId1"/>
-          <a:stretch>
-            <a:fillRect/>
-          </a:stretch>
-        </p:blipFill>
-        <p:spPr>
-          <a:xfrm>
-            <a:off x="10318750" y="-190500"/>
-            <a:ext cx="2105025" cy="2105025"/>
-          </a:xfrm>
-          <a:prstGeom prst="rect">
-            <a:avLst/>
-          </a:prstGeom>
-          <a:noFill/>
-          <a:ln w="9525">
-            <a:noFill/>
-          </a:ln>
-        </p:spPr>
-      </p:pic>
-      <p:pic>
-        <p:nvPicPr>
-          <p:cNvPr id="31752" name="Picture 2" descr="C:\Documents and Settings\Administrator\My Documents\Downloads\006.png"/>
-          <p:cNvPicPr>
-            <a:picLocks noChangeAspect="1"/>
-          </p:cNvPicPr>
-          <p:nvPr/>
-        </p:nvPicPr>
-        <p:blipFill>
-          <a:blip r:embed="rId2"/>
-          <a:stretch>
-            <a:fillRect/>
-          </a:stretch>
-        </p:blipFill>
-        <p:spPr>
-          <a:xfrm>
-            <a:off x="111125" y="933450"/>
-            <a:ext cx="492125" cy="492125"/>
-          </a:xfrm>
-          <a:prstGeom prst="rect">
-            <a:avLst/>
-          </a:prstGeom>
-          <a:noFill/>
-          <a:ln w="9525">
-            <a:noFill/>
-          </a:ln>
-        </p:spPr>
-      </p:pic>
-      <p:cxnSp>
-        <p:nvCxnSpPr>
-          <p:cNvPr id="4" name="直接连接符 3"/>
-          <p:cNvCxnSpPr/>
-          <p:nvPr/>
-        </p:nvCxnSpPr>
-        <p:spPr>
-          <a:xfrm>
-            <a:off x="1833563" y="996950"/>
-            <a:ext cx="0" cy="3633788"/>
-          </a:xfrm>
-          <a:prstGeom prst="line">
-            <a:avLst/>
-          </a:prstGeom>
-          <a:ln w="15875">
-            <a:solidFill>
-              <a:schemeClr val="tx1">
-                <a:lumMod val="85000"/>
-                <a:lumOff val="15000"/>
-              </a:schemeClr>
-            </a:solidFill>
-          </a:ln>
-        </p:spPr>
-        <p:style>
-          <a:lnRef idx="1">
-            <a:schemeClr val="accent1"/>
-          </a:lnRef>
-          <a:fillRef idx="0">
-            <a:schemeClr val="accent1"/>
-          </a:fillRef>
-          <a:effectRef idx="0">
-            <a:schemeClr val="accent1"/>
-          </a:effectRef>
-          <a:fontRef idx="minor">
-            <a:schemeClr val="tx1"/>
-          </a:fontRef>
-        </p:style>
-      </p:cxnSp>
-      <p:sp>
-        <p:nvSpPr>
-          <p:cNvPr id="31754" name="文本框 1"/>
-          <p:cNvSpPr txBox="1"/>
-          <p:nvPr/>
-        </p:nvSpPr>
-        <p:spPr>
-          <a:xfrm>
-            <a:off x="679450" y="996950"/>
-            <a:ext cx="1096963" cy="365125"/>
-          </a:xfrm>
-          <a:prstGeom prst="rect">
-            <a:avLst/>
-          </a:prstGeom>
-          <a:noFill/>
-          <a:ln w="9525">
-            <a:noFill/>
-          </a:ln>
-        </p:spPr>
-        <p:txBody>
-          <a:bodyPr wrap="none" anchor="t">
-            <a:spAutoFit/>
-          </a:bodyPr>
-          <a:p>
-            <a:r>
-              <a:rPr lang="zh-CN" altLang="en-US">
-                <a:latin typeface="Calibri" panose="020F0502020204030204" charset="0"/>
-                <a:ea typeface="宋体" panose="02010600030101010101" pitchFamily="2" charset="-122"/>
-              </a:rPr>
-              <a:t>绩效评定</a:t>
-            </a:r>
-            <a:endParaRPr lang="zh-CN" altLang="en-US">
-              <a:latin typeface="Calibri" panose="020F0502020204030204" charset="0"/>
-              <a:ea typeface="宋体" panose="02010600030101010101" pitchFamily="2" charset="-122"/>
-            </a:endParaRPr>
-          </a:p>
-        </p:txBody>
-      </p:sp>
-      <p:sp>
-        <p:nvSpPr>
-          <p:cNvPr id="31755" name="文本框 3"/>
-          <p:cNvSpPr txBox="1"/>
-          <p:nvPr/>
-        </p:nvSpPr>
-        <p:spPr>
-          <a:xfrm>
-            <a:off x="2870200" y="996950"/>
-            <a:ext cx="1096963" cy="368300"/>
-          </a:xfrm>
-          <a:prstGeom prst="rect">
-            <a:avLst/>
-          </a:prstGeom>
-          <a:noFill/>
-          <a:ln w="9525">
-            <a:noFill/>
-          </a:ln>
-        </p:spPr>
-        <p:txBody>
-          <a:bodyPr wrap="none" anchor="t">
-            <a:spAutoFit/>
-          </a:bodyPr>
-          <a:p>
-            <a:r>
-              <a:rPr lang="zh-CN" altLang="en-US">
-                <a:latin typeface="Calibri" panose="020F0502020204030204" charset="0"/>
-                <a:ea typeface="宋体" panose="02010600030101010101" pitchFamily="2" charset="-122"/>
-              </a:rPr>
-              <a:t>吕政凯：</a:t>
-            </a:r>
-            <a:endParaRPr lang="zh-CN" altLang="en-US">
-              <a:latin typeface="Calibri" panose="020F0502020204030204" charset="0"/>
-              <a:ea typeface="宋体" panose="02010600030101010101" pitchFamily="2" charset="-122"/>
-            </a:endParaRPr>
-          </a:p>
-        </p:txBody>
-      </p:sp>
-      <p:cxnSp>
-        <p:nvCxnSpPr>
-          <p:cNvPr id="5" name="直接连接符 4"/>
-          <p:cNvCxnSpPr/>
-          <p:nvPr/>
-        </p:nvCxnSpPr>
-        <p:spPr>
-          <a:xfrm>
-            <a:off x="1833563" y="2714625"/>
-            <a:ext cx="0" cy="3633788"/>
-          </a:xfrm>
-          <a:prstGeom prst="line">
-            <a:avLst/>
-          </a:prstGeom>
-          <a:ln w="15875">
-            <a:solidFill>
-              <a:schemeClr val="tx1">
-                <a:lumMod val="85000"/>
-                <a:lumOff val="15000"/>
-              </a:schemeClr>
-            </a:solidFill>
-          </a:ln>
-        </p:spPr>
-        <p:style>
-          <a:lnRef idx="1">
-            <a:schemeClr val="accent1"/>
-          </a:lnRef>
-          <a:fillRef idx="0">
-            <a:schemeClr val="accent1"/>
-          </a:fillRef>
-          <a:effectRef idx="0">
-            <a:schemeClr val="accent1"/>
-          </a:effectRef>
-          <a:fontRef idx="minor">
-            <a:schemeClr val="tx1"/>
-          </a:fontRef>
-        </p:style>
-      </p:cxnSp>
-      <p:sp>
-        <p:nvSpPr>
-          <p:cNvPr id="31757" name="文本框 5"/>
-          <p:cNvSpPr txBox="1"/>
-          <p:nvPr/>
-        </p:nvSpPr>
-        <p:spPr>
-          <a:xfrm>
-            <a:off x="1957388" y="1531938"/>
-            <a:ext cx="2922587" cy="3415030"/>
-          </a:xfrm>
-          <a:prstGeom prst="rect">
-            <a:avLst/>
-          </a:prstGeom>
-          <a:noFill/>
-          <a:ln w="9525">
-            <a:noFill/>
-          </a:ln>
-        </p:spPr>
-        <p:txBody>
-          <a:bodyPr wrap="square" anchor="t">
-            <a:spAutoFit/>
-          </a:bodyPr>
-          <a:p>
-            <a:r>
-              <a:rPr lang="zh-CN" altLang="en-US">
-                <a:latin typeface="Calibri" panose="020F0502020204030204" charset="0"/>
-                <a:ea typeface="宋体" panose="02010600030101010101" pitchFamily="2" charset="-122"/>
-              </a:rPr>
-              <a:t>职责要求                   </a:t>
-            </a:r>
-            <a:r>
-              <a:rPr lang="en-US" altLang="zh-CN">
-                <a:latin typeface="Calibri" panose="020F0502020204030204" charset="0"/>
-                <a:ea typeface="宋体" panose="02010600030101010101" pitchFamily="2" charset="-122"/>
-              </a:rPr>
-              <a:t>10</a:t>
-            </a:r>
-            <a:endParaRPr lang="en-US" altLang="zh-CN">
-              <a:latin typeface="Calibri" panose="020F0502020204030204" charset="0"/>
-              <a:ea typeface="宋体" panose="02010600030101010101" pitchFamily="2" charset="-122"/>
-            </a:endParaRPr>
-          </a:p>
-          <a:p>
-            <a:r>
-              <a:rPr lang="zh-CN" altLang="en-US">
-                <a:latin typeface="Calibri" panose="020F0502020204030204" charset="0"/>
-                <a:ea typeface="宋体" panose="02010600030101010101" pitchFamily="2" charset="-122"/>
-              </a:rPr>
-              <a:t>技术难度	 </a:t>
-            </a:r>
-            <a:r>
-              <a:rPr lang="en-US" altLang="zh-CN">
-                <a:latin typeface="Calibri" panose="020F0502020204030204" charset="0"/>
-                <a:ea typeface="宋体" panose="02010600030101010101" pitchFamily="2" charset="-122"/>
-              </a:rPr>
-              <a:t>7</a:t>
-            </a:r>
-            <a:r>
-              <a:rPr lang="zh-CN" altLang="en-US">
-                <a:latin typeface="Calibri" panose="020F0502020204030204" charset="0"/>
-                <a:ea typeface="宋体" panose="02010600030101010101" pitchFamily="2" charset="-122"/>
-              </a:rPr>
-              <a:t>   </a:t>
-            </a:r>
-            <a:endParaRPr lang="zh-CN" altLang="en-US">
-              <a:latin typeface="Calibri" panose="020F0502020204030204" charset="0"/>
-              <a:ea typeface="宋体" panose="02010600030101010101" pitchFamily="2" charset="-122"/>
-            </a:endParaRPr>
-          </a:p>
-          <a:p>
-            <a:r>
-              <a:rPr lang="zh-CN" altLang="en-US">
-                <a:latin typeface="Calibri" panose="020F0502020204030204" charset="0"/>
-                <a:ea typeface="宋体" panose="02010600030101010101" pitchFamily="2" charset="-122"/>
-              </a:rPr>
-              <a:t>工作的重要性	 </a:t>
-            </a:r>
-            <a:r>
-              <a:rPr lang="en-US" altLang="zh-CN">
-                <a:latin typeface="Calibri" panose="020F0502020204030204" charset="0"/>
-                <a:ea typeface="宋体" panose="02010600030101010101" pitchFamily="2" charset="-122"/>
-              </a:rPr>
-              <a:t>6</a:t>
-            </a:r>
-            <a:endParaRPr lang="en-US" altLang="zh-CN">
-              <a:latin typeface="Calibri" panose="020F0502020204030204" charset="0"/>
-              <a:ea typeface="宋体" panose="02010600030101010101" pitchFamily="2" charset="-122"/>
-            </a:endParaRPr>
-          </a:p>
-          <a:p>
-            <a:r>
-              <a:rPr lang="zh-CN" altLang="en-US">
-                <a:latin typeface="Calibri" panose="020F0502020204030204" charset="0"/>
-                <a:ea typeface="宋体" panose="02010600030101010101" pitchFamily="2" charset="-122"/>
-              </a:rPr>
-              <a:t>工作强度</a:t>
-            </a:r>
-            <a:r>
-              <a:rPr lang="en-US" altLang="zh-CN">
-                <a:latin typeface="Calibri" panose="020F0502020204030204" charset="0"/>
-                <a:ea typeface="宋体" panose="02010600030101010101" pitchFamily="2" charset="-122"/>
-              </a:rPr>
-              <a:t>	</a:t>
-            </a:r>
-            <a:r>
-              <a:rPr lang="zh-CN" altLang="en-US">
-                <a:latin typeface="Calibri" panose="020F0502020204030204" charset="0"/>
-                <a:ea typeface="宋体" panose="02010600030101010101" pitchFamily="2" charset="-122"/>
-              </a:rPr>
-              <a:t> </a:t>
-            </a:r>
-            <a:r>
-              <a:rPr lang="en-US" altLang="zh-CN">
-                <a:latin typeface="Calibri" panose="020F0502020204030204" charset="0"/>
-                <a:ea typeface="宋体" panose="02010600030101010101" pitchFamily="2" charset="-122"/>
-              </a:rPr>
-              <a:t>8</a:t>
-            </a:r>
-            <a:endParaRPr lang="en-US" altLang="zh-CN">
-              <a:latin typeface="Calibri" panose="020F0502020204030204" charset="0"/>
-              <a:ea typeface="宋体" panose="02010600030101010101" pitchFamily="2" charset="-122"/>
-            </a:endParaRPr>
-          </a:p>
-          <a:p>
-            <a:r>
-              <a:rPr lang="zh-CN" altLang="en-US">
-                <a:latin typeface="Calibri" panose="020F0502020204030204" charset="0"/>
-                <a:ea typeface="宋体" panose="02010600030101010101" pitchFamily="2" charset="-122"/>
-              </a:rPr>
-              <a:t>实际完成情况：	 </a:t>
-            </a:r>
-            <a:endParaRPr lang="zh-CN" altLang="en-US">
-              <a:latin typeface="Calibri" panose="020F0502020204030204" charset="0"/>
-              <a:ea typeface="宋体" panose="02010600030101010101" pitchFamily="2" charset="-122"/>
-            </a:endParaRPr>
-          </a:p>
-          <a:p>
-            <a:r>
-              <a:rPr lang="en-US" altLang="zh-CN">
-                <a:latin typeface="Calibri" panose="020F0502020204030204" charset="0"/>
-                <a:ea typeface="宋体" panose="02010600030101010101" pitchFamily="2" charset="-122"/>
-              </a:rPr>
-              <a:t>所承担工作的完成速度9</a:t>
-            </a:r>
-            <a:endParaRPr lang="en-US" altLang="zh-CN">
-              <a:latin typeface="Calibri" panose="020F0502020204030204" charset="0"/>
-              <a:ea typeface="宋体" panose="02010600030101010101" pitchFamily="2" charset="-122"/>
-            </a:endParaRPr>
-          </a:p>
-          <a:p>
-            <a:r>
-              <a:rPr lang="en-US" altLang="zh-CN">
-                <a:latin typeface="Calibri" panose="020F0502020204030204" charset="0"/>
-                <a:ea typeface="宋体" panose="02010600030101010101" pitchFamily="2" charset="-122"/>
-              </a:rPr>
-              <a:t>所承担工作的完成质量10</a:t>
-            </a:r>
-            <a:endParaRPr lang="en-US" altLang="zh-CN">
-              <a:latin typeface="Calibri" panose="020F0502020204030204" charset="0"/>
-              <a:ea typeface="宋体" panose="02010600030101010101" pitchFamily="2" charset="-122"/>
-            </a:endParaRPr>
-          </a:p>
-          <a:p>
-            <a:r>
-              <a:rPr lang="en-US" altLang="zh-CN">
-                <a:latin typeface="Calibri" panose="020F0502020204030204" charset="0"/>
-                <a:ea typeface="宋体" panose="02010600030101010101" pitchFamily="2" charset="-122"/>
-              </a:rPr>
-              <a:t>工作沟通               10</a:t>
-            </a:r>
-            <a:endParaRPr lang="en-US" altLang="zh-CN">
-              <a:latin typeface="Calibri" panose="020F0502020204030204" charset="0"/>
-              <a:ea typeface="宋体" panose="02010600030101010101" pitchFamily="2" charset="-122"/>
-            </a:endParaRPr>
-          </a:p>
-          <a:p>
-            <a:r>
-              <a:rPr lang="en-US" altLang="zh-CN">
-                <a:latin typeface="Calibri" panose="020F0502020204030204" charset="0"/>
-                <a:ea typeface="宋体" panose="02010600030101010101" pitchFamily="2" charset="-122"/>
-              </a:rPr>
-              <a:t>文档提交的及时程</a:t>
-            </a:r>
-            <a:r>
-              <a:rPr lang="zh-CN" altLang="en-US">
-                <a:latin typeface="Calibri" panose="020F0502020204030204" charset="0"/>
-                <a:ea typeface="宋体" panose="02010600030101010101" pitchFamily="2" charset="-122"/>
-              </a:rPr>
-              <a:t>度</a:t>
-            </a:r>
-            <a:r>
-              <a:rPr lang="en-US" altLang="zh-CN">
-                <a:latin typeface="Calibri" panose="020F0502020204030204" charset="0"/>
-                <a:ea typeface="宋体" panose="02010600030101010101" pitchFamily="2" charset="-122"/>
-              </a:rPr>
-              <a:t> 8</a:t>
-            </a:r>
-            <a:endParaRPr lang="en-US" altLang="zh-CN">
-              <a:latin typeface="Calibri" panose="020F0502020204030204" charset="0"/>
-              <a:ea typeface="宋体" panose="02010600030101010101" pitchFamily="2" charset="-122"/>
-            </a:endParaRPr>
-          </a:p>
-          <a:p>
-            <a:r>
-              <a:rPr lang="en-US" altLang="zh-CN">
-                <a:latin typeface="Calibri" panose="020F0502020204030204" charset="0"/>
-                <a:ea typeface="宋体" panose="02010600030101010101" pitchFamily="2" charset="-122"/>
-              </a:rPr>
-              <a:t>文档的质量	         10</a:t>
-            </a:r>
-            <a:endParaRPr lang="en-US" altLang="zh-CN">
-              <a:latin typeface="Calibri" panose="020F0502020204030204" charset="0"/>
-              <a:ea typeface="宋体" panose="02010600030101010101" pitchFamily="2" charset="-122"/>
-            </a:endParaRPr>
-          </a:p>
-          <a:p>
-            <a:r>
-              <a:rPr lang="en-US" altLang="zh-CN">
-                <a:latin typeface="Calibri" panose="020F0502020204030204" charset="0"/>
-                <a:ea typeface="宋体" panose="02010600030101010101" pitchFamily="2" charset="-122"/>
-              </a:rPr>
-              <a:t>工作态度                 9</a:t>
-            </a:r>
-            <a:endParaRPr lang="en-US" altLang="zh-CN">
-              <a:latin typeface="Calibri" panose="020F0502020204030204" charset="0"/>
-              <a:ea typeface="宋体" panose="02010600030101010101" pitchFamily="2" charset="-122"/>
-            </a:endParaRPr>
-          </a:p>
-          <a:p>
-            <a:r>
-              <a:rPr lang="zh-CN" altLang="en-US">
-                <a:latin typeface="Calibri" panose="020F0502020204030204" charset="0"/>
-                <a:ea typeface="宋体" panose="02010600030101010101" pitchFamily="2" charset="-122"/>
-              </a:rPr>
-              <a:t>总评：</a:t>
-            </a:r>
-            <a:r>
-              <a:rPr lang="en-US" altLang="zh-CN">
-                <a:latin typeface="Calibri" panose="020F0502020204030204" charset="0"/>
-                <a:ea typeface="宋体" panose="02010600030101010101" pitchFamily="2" charset="-122"/>
-              </a:rPr>
-              <a:t>88	</a:t>
-            </a:r>
-            <a:endParaRPr lang="en-US" altLang="zh-CN">
-              <a:latin typeface="Calibri" panose="020F0502020204030204" charset="0"/>
-              <a:ea typeface="宋体" panose="02010600030101010101" pitchFamily="2" charset="-122"/>
-            </a:endParaRPr>
-          </a:p>
-        </p:txBody>
-      </p:sp>
-      <p:sp>
-        <p:nvSpPr>
-          <p:cNvPr id="31758" name="文本框 6"/>
-          <p:cNvSpPr txBox="1"/>
-          <p:nvPr/>
-        </p:nvSpPr>
-        <p:spPr>
-          <a:xfrm>
-            <a:off x="6751638" y="933450"/>
-            <a:ext cx="1096962" cy="368300"/>
-          </a:xfrm>
-          <a:prstGeom prst="rect">
-            <a:avLst/>
-          </a:prstGeom>
-          <a:noFill/>
-          <a:ln w="9525">
-            <a:noFill/>
-          </a:ln>
-        </p:spPr>
-        <p:txBody>
-          <a:bodyPr wrap="none" anchor="t">
-            <a:spAutoFit/>
-          </a:bodyPr>
-          <a:p>
-            <a:r>
-              <a:rPr lang="zh-CN" altLang="en-US">
-                <a:latin typeface="Calibri" panose="020F0502020204030204" charset="0"/>
-                <a:ea typeface="宋体" panose="02010600030101010101" pitchFamily="2" charset="-122"/>
-              </a:rPr>
-              <a:t>楼静靓：</a:t>
-            </a:r>
-            <a:endParaRPr lang="zh-CN" altLang="en-US">
-              <a:latin typeface="Calibri" panose="020F0502020204030204" charset="0"/>
-              <a:ea typeface="宋体" panose="02010600030101010101" pitchFamily="2" charset="-122"/>
-            </a:endParaRPr>
-          </a:p>
-        </p:txBody>
-      </p:sp>
-      <p:sp>
-        <p:nvSpPr>
-          <p:cNvPr id="31759" name="文本框 7"/>
-          <p:cNvSpPr txBox="1"/>
-          <p:nvPr/>
-        </p:nvSpPr>
-        <p:spPr>
-          <a:xfrm>
-            <a:off x="5722938" y="1531938"/>
-            <a:ext cx="2926080" cy="3415030"/>
-          </a:xfrm>
-          <a:prstGeom prst="rect">
-            <a:avLst/>
-          </a:prstGeom>
-          <a:noFill/>
-          <a:ln w="9525">
-            <a:noFill/>
-          </a:ln>
-        </p:spPr>
-        <p:txBody>
-          <a:bodyPr wrap="none" anchor="t">
-            <a:spAutoFit/>
-          </a:bodyPr>
-          <a:p>
-            <a:r>
-              <a:rPr lang="zh-CN" altLang="en-US">
-                <a:latin typeface="Calibri" panose="020F0502020204030204" charset="0"/>
-                <a:ea typeface="宋体" panose="02010600030101010101" pitchFamily="2" charset="-122"/>
-                <a:sym typeface="宋体" panose="02010600030101010101" pitchFamily="2" charset="-122"/>
-              </a:rPr>
-              <a:t>职责要求                   10</a:t>
-            </a:r>
-            <a:endParaRPr lang="zh-CN" altLang="en-US">
-              <a:latin typeface="Calibri" panose="020F0502020204030204" charset="0"/>
-              <a:ea typeface="宋体" panose="02010600030101010101" pitchFamily="2" charset="-122"/>
-            </a:endParaRPr>
-          </a:p>
-          <a:p>
-            <a:r>
-              <a:rPr lang="zh-CN" altLang="en-US">
-                <a:latin typeface="Calibri" panose="020F0502020204030204" charset="0"/>
-                <a:ea typeface="宋体" panose="02010600030101010101" pitchFamily="2" charset="-122"/>
-                <a:sym typeface="宋体" panose="02010600030101010101" pitchFamily="2" charset="-122"/>
-              </a:rPr>
-              <a:t>技术难度	 </a:t>
-            </a:r>
-            <a:r>
-              <a:rPr lang="en-US" altLang="zh-CN">
-                <a:latin typeface="Calibri" panose="020F0502020204030204" charset="0"/>
-                <a:ea typeface="宋体" panose="02010600030101010101" pitchFamily="2" charset="-122"/>
-                <a:sym typeface="宋体" panose="02010600030101010101" pitchFamily="2" charset="-122"/>
-              </a:rPr>
-              <a:t>9</a:t>
-            </a:r>
-            <a:r>
-              <a:rPr lang="zh-CN" altLang="en-US">
-                <a:latin typeface="Calibri" panose="020F0502020204030204" charset="0"/>
-                <a:ea typeface="宋体" panose="02010600030101010101" pitchFamily="2" charset="-122"/>
-                <a:sym typeface="宋体" panose="02010600030101010101" pitchFamily="2" charset="-122"/>
-              </a:rPr>
-              <a:t>   </a:t>
-            </a:r>
-            <a:endParaRPr lang="zh-CN" altLang="en-US">
-              <a:latin typeface="Calibri" panose="020F0502020204030204" charset="0"/>
-              <a:ea typeface="宋体" panose="02010600030101010101" pitchFamily="2" charset="-122"/>
-            </a:endParaRPr>
-          </a:p>
-          <a:p>
-            <a:r>
-              <a:rPr lang="zh-CN" altLang="en-US">
-                <a:latin typeface="Calibri" panose="020F0502020204030204" charset="0"/>
-                <a:ea typeface="宋体" panose="02010600030101010101" pitchFamily="2" charset="-122"/>
-                <a:sym typeface="宋体" panose="02010600030101010101" pitchFamily="2" charset="-122"/>
-              </a:rPr>
-              <a:t>工作的重要性	 </a:t>
-            </a:r>
-            <a:r>
-              <a:rPr lang="en-US" altLang="zh-CN">
-                <a:latin typeface="Calibri" panose="020F0502020204030204" charset="0"/>
-                <a:ea typeface="宋体" panose="02010600030101010101" pitchFamily="2" charset="-122"/>
-                <a:sym typeface="宋体" panose="02010600030101010101" pitchFamily="2" charset="-122"/>
-              </a:rPr>
-              <a:t>9</a:t>
-            </a:r>
-            <a:endParaRPr lang="en-US" altLang="zh-CN">
-              <a:latin typeface="Calibri" panose="020F0502020204030204" charset="0"/>
-              <a:ea typeface="宋体" panose="02010600030101010101" pitchFamily="2" charset="-122"/>
-              <a:sym typeface="宋体" panose="02010600030101010101" pitchFamily="2" charset="-122"/>
-            </a:endParaRPr>
-          </a:p>
-          <a:p>
-            <a:r>
-              <a:rPr lang="zh-CN" altLang="en-US">
-                <a:latin typeface="Calibri" panose="020F0502020204030204" charset="0"/>
-                <a:ea typeface="宋体" panose="02010600030101010101" pitchFamily="2" charset="-122"/>
-                <a:sym typeface="宋体" panose="02010600030101010101" pitchFamily="2" charset="-122"/>
-              </a:rPr>
-              <a:t>工作强度</a:t>
-            </a:r>
-            <a:r>
-              <a:rPr lang="en-US" altLang="zh-CN">
-                <a:latin typeface="Calibri" panose="020F0502020204030204" charset="0"/>
-                <a:ea typeface="宋体" panose="02010600030101010101" pitchFamily="2" charset="-122"/>
-                <a:sym typeface="宋体" panose="02010600030101010101" pitchFamily="2" charset="-122"/>
-              </a:rPr>
-              <a:t>	</a:t>
-            </a:r>
-            <a:r>
-              <a:rPr lang="zh-CN" altLang="en-US">
-                <a:latin typeface="Calibri" panose="020F0502020204030204" charset="0"/>
-                <a:ea typeface="宋体" panose="02010600030101010101" pitchFamily="2" charset="-122"/>
-                <a:sym typeface="宋体" panose="02010600030101010101" pitchFamily="2" charset="-122"/>
-              </a:rPr>
-              <a:t> </a:t>
-            </a:r>
-            <a:r>
-              <a:rPr lang="en-US" altLang="zh-CN">
-                <a:latin typeface="Calibri" panose="020F0502020204030204" charset="0"/>
-                <a:ea typeface="宋体" panose="02010600030101010101" pitchFamily="2" charset="-122"/>
-                <a:sym typeface="宋体" panose="02010600030101010101" pitchFamily="2" charset="-122"/>
-              </a:rPr>
-              <a:t>8</a:t>
-            </a:r>
-            <a:endParaRPr lang="en-US" altLang="zh-CN">
-              <a:latin typeface="Calibri" panose="020F0502020204030204" charset="0"/>
-              <a:ea typeface="宋体" panose="02010600030101010101" pitchFamily="2" charset="-122"/>
-              <a:sym typeface="宋体" panose="02010600030101010101" pitchFamily="2" charset="-122"/>
-            </a:endParaRPr>
-          </a:p>
-          <a:p>
-            <a:r>
-              <a:rPr lang="zh-CN" altLang="en-US">
-                <a:latin typeface="Calibri" panose="020F0502020204030204" charset="0"/>
-                <a:ea typeface="宋体" panose="02010600030101010101" pitchFamily="2" charset="-122"/>
-                <a:sym typeface="宋体" panose="02010600030101010101" pitchFamily="2" charset="-122"/>
-              </a:rPr>
-              <a:t>实际完成情况：	 </a:t>
-            </a:r>
-            <a:endParaRPr lang="zh-CN" altLang="en-US">
-              <a:latin typeface="Calibri" panose="020F0502020204030204" charset="0"/>
-              <a:ea typeface="宋体" panose="02010600030101010101" pitchFamily="2" charset="-122"/>
-            </a:endParaRPr>
-          </a:p>
-          <a:p>
-            <a:r>
-              <a:rPr lang="en-US" altLang="zh-CN">
-                <a:latin typeface="Calibri" panose="020F0502020204030204" charset="0"/>
-                <a:ea typeface="宋体" panose="02010600030101010101" pitchFamily="2" charset="-122"/>
-                <a:sym typeface="宋体" panose="02010600030101010101" pitchFamily="2" charset="-122"/>
-              </a:rPr>
-              <a:t>所承担工作的完成速度9</a:t>
-            </a:r>
-            <a:endParaRPr lang="en-US" altLang="zh-CN">
-              <a:latin typeface="Calibri" panose="020F0502020204030204" charset="0"/>
-              <a:ea typeface="宋体" panose="02010600030101010101" pitchFamily="2" charset="-122"/>
-            </a:endParaRPr>
-          </a:p>
-          <a:p>
-            <a:r>
-              <a:rPr lang="en-US" altLang="zh-CN">
-                <a:latin typeface="Calibri" panose="020F0502020204030204" charset="0"/>
-                <a:ea typeface="宋体" panose="02010600030101010101" pitchFamily="2" charset="-122"/>
-                <a:sym typeface="宋体" panose="02010600030101010101" pitchFamily="2" charset="-122"/>
-              </a:rPr>
-              <a:t>所承担工作的完成质量8</a:t>
-            </a:r>
-            <a:endParaRPr lang="en-US" altLang="zh-CN">
-              <a:latin typeface="Calibri" panose="020F0502020204030204" charset="0"/>
-              <a:ea typeface="宋体" panose="02010600030101010101" pitchFamily="2" charset="-122"/>
-            </a:endParaRPr>
-          </a:p>
-          <a:p>
-            <a:r>
-              <a:rPr lang="en-US" altLang="zh-CN">
-                <a:latin typeface="Calibri" panose="020F0502020204030204" charset="0"/>
-                <a:ea typeface="宋体" panose="02010600030101010101" pitchFamily="2" charset="-122"/>
-                <a:sym typeface="宋体" panose="02010600030101010101" pitchFamily="2" charset="-122"/>
-              </a:rPr>
-              <a:t>工作沟通               9</a:t>
-            </a:r>
-            <a:endParaRPr lang="en-US" altLang="zh-CN">
-              <a:latin typeface="Calibri" panose="020F0502020204030204" charset="0"/>
-              <a:ea typeface="宋体" panose="02010600030101010101" pitchFamily="2" charset="-122"/>
-            </a:endParaRPr>
-          </a:p>
-          <a:p>
-            <a:r>
-              <a:rPr lang="en-US" altLang="zh-CN">
-                <a:latin typeface="Calibri" panose="020F0502020204030204" charset="0"/>
-                <a:ea typeface="宋体" panose="02010600030101010101" pitchFamily="2" charset="-122"/>
-                <a:sym typeface="宋体" panose="02010600030101010101" pitchFamily="2" charset="-122"/>
-              </a:rPr>
-              <a:t>文档提交的及时程</a:t>
-            </a:r>
-            <a:r>
-              <a:rPr lang="zh-CN" altLang="en-US">
-                <a:latin typeface="Calibri" panose="020F0502020204030204" charset="0"/>
-                <a:ea typeface="宋体" panose="02010600030101010101" pitchFamily="2" charset="-122"/>
-                <a:sym typeface="宋体" panose="02010600030101010101" pitchFamily="2" charset="-122"/>
-              </a:rPr>
-              <a:t>度</a:t>
-            </a:r>
-            <a:r>
-              <a:rPr lang="en-US" altLang="zh-CN">
-                <a:latin typeface="Calibri" panose="020F0502020204030204" charset="0"/>
-                <a:ea typeface="宋体" panose="02010600030101010101" pitchFamily="2" charset="-122"/>
-                <a:sym typeface="宋体" panose="02010600030101010101" pitchFamily="2" charset="-122"/>
-              </a:rPr>
-              <a:t> 9</a:t>
-            </a:r>
-            <a:endParaRPr lang="en-US" altLang="zh-CN">
-              <a:latin typeface="Calibri" panose="020F0502020204030204" charset="0"/>
-              <a:ea typeface="宋体" panose="02010600030101010101" pitchFamily="2" charset="-122"/>
-            </a:endParaRPr>
-          </a:p>
-          <a:p>
-            <a:r>
-              <a:rPr lang="en-US" altLang="zh-CN">
-                <a:latin typeface="Calibri" panose="020F0502020204030204" charset="0"/>
-                <a:ea typeface="宋体" panose="02010600030101010101" pitchFamily="2" charset="-122"/>
-                <a:sym typeface="宋体" panose="02010600030101010101" pitchFamily="2" charset="-122"/>
-              </a:rPr>
-              <a:t>文档的质量	         8</a:t>
-            </a:r>
-            <a:endParaRPr lang="en-US" altLang="zh-CN">
-              <a:latin typeface="Calibri" panose="020F0502020204030204" charset="0"/>
-              <a:ea typeface="宋体" panose="02010600030101010101" pitchFamily="2" charset="-122"/>
-            </a:endParaRPr>
-          </a:p>
-          <a:p>
-            <a:r>
-              <a:rPr lang="en-US" altLang="zh-CN">
-                <a:latin typeface="Calibri" panose="020F0502020204030204" charset="0"/>
-                <a:ea typeface="宋体" panose="02010600030101010101" pitchFamily="2" charset="-122"/>
-                <a:sym typeface="宋体" panose="02010600030101010101" pitchFamily="2" charset="-122"/>
-              </a:rPr>
-              <a:t>工作态度                 8	</a:t>
-            </a:r>
-            <a:endParaRPr lang="en-US" altLang="zh-CN">
-              <a:latin typeface="Calibri" panose="020F0502020204030204" charset="0"/>
-              <a:ea typeface="宋体" panose="02010600030101010101" pitchFamily="2" charset="-122"/>
-              <a:sym typeface="宋体" panose="02010600030101010101" pitchFamily="2" charset="-122"/>
-            </a:endParaRPr>
-          </a:p>
-          <a:p>
-            <a:r>
-              <a:rPr lang="zh-CN" altLang="en-US">
-                <a:latin typeface="Calibri" panose="020F0502020204030204" charset="0"/>
-                <a:ea typeface="宋体" panose="02010600030101010101" pitchFamily="2" charset="-122"/>
-              </a:rPr>
-              <a:t>总评：</a:t>
-            </a:r>
-            <a:r>
-              <a:rPr lang="en-US" altLang="zh-CN">
-                <a:latin typeface="Calibri" panose="020F0502020204030204" charset="0"/>
-                <a:ea typeface="宋体" panose="02010600030101010101" pitchFamily="2" charset="-122"/>
-              </a:rPr>
-              <a:t>87</a:t>
-            </a:r>
-            <a:endParaRPr lang="en-US" altLang="zh-CN">
-              <a:latin typeface="Calibri" panose="020F0502020204030204" charset="0"/>
-              <a:ea typeface="宋体" panose="02010600030101010101" pitchFamily="2" charset="-122"/>
-            </a:endParaRPr>
-          </a:p>
-        </p:txBody>
-      </p:sp>
-    </p:spTree>
-  </p:cSld>
-  <p:clrMapOvr>
-    <a:masterClrMapping/>
-  </p:clrMapOvr>
-</p:sld>
-</file>
-
-<file path=ppt/slides/slide22.xml><?xml version="1.0" encoding="utf-8"?>
+<file path=ppt/slides/slide23.xml><?xml version="1.0" encoding="utf-8"?>
 <p:sld xmlns:a="http://schemas.openxmlformats.org/drawingml/2006/main" xmlns:r="http://schemas.openxmlformats.org/officeDocument/2006/relationships" xmlns:p="http://schemas.openxmlformats.org/presentationml/2006/main">
   <p:cSld>
     <p:spTree>
